--- a/Presentasi Final Project Data Analyst-Fajri Ilham Mughni.pptx
+++ b/Presentasi Final Project Data Analyst-Fajri Ilham Mughni.pptx
@@ -7,7 +7,7 @@
     <p:sldMasterId id="2147483684" r:id="rId3"/>
   </p:sldMasterIdLst>
   <p:notesMasterIdLst>
-    <p:notesMasterId r:id="rId18"/>
+    <p:notesMasterId r:id="rId17"/>
   </p:notesMasterIdLst>
   <p:sldIdLst>
     <p:sldId id="256" r:id="rId4"/>
@@ -20,37 +20,36 @@
     <p:sldId id="294" r:id="rId11"/>
     <p:sldId id="279" r:id="rId12"/>
     <p:sldId id="293" r:id="rId13"/>
-    <p:sldId id="289" r:id="rId14"/>
+    <p:sldId id="295" r:id="rId14"/>
     <p:sldId id="272" r:id="rId15"/>
-    <p:sldId id="273" r:id="rId16"/>
-    <p:sldId id="288" r:id="rId17"/>
+    <p:sldId id="288" r:id="rId16"/>
   </p:sldIdLst>
   <p:sldSz cx="9144000" cy="5143500" type="screen16x9"/>
   <p:notesSz cx="6858000" cy="9144000"/>
   <p:embeddedFontLst>
     <p:embeddedFont>
       <p:font typeface="Consolas" panose="020B0609020204030204" pitchFamily="49" charset="0"/>
-      <p:regular r:id="rId19"/>
-      <p:bold r:id="rId20"/>
-      <p:italic r:id="rId21"/>
-      <p:boldItalic r:id="rId22"/>
+      <p:regular r:id="rId18"/>
+      <p:bold r:id="rId19"/>
+      <p:italic r:id="rId20"/>
+      <p:boldItalic r:id="rId21"/>
     </p:embeddedFont>
     <p:embeddedFont>
       <p:font typeface="Outfit" panose="020B0604020202020204" charset="0"/>
-      <p:regular r:id="rId23"/>
-      <p:bold r:id="rId24"/>
+      <p:regular r:id="rId22"/>
+      <p:bold r:id="rId23"/>
     </p:embeddedFont>
     <p:embeddedFont>
       <p:font typeface="Outfit SemiBold" panose="020B0604020202020204" charset="0"/>
-      <p:regular r:id="rId25"/>
-      <p:bold r:id="rId26"/>
+      <p:regular r:id="rId24"/>
+      <p:bold r:id="rId25"/>
     </p:embeddedFont>
     <p:embeddedFont>
       <p:font typeface="Plus Jakarta Sans" panose="020B0604020202020204" charset="0"/>
-      <p:regular r:id="rId27"/>
-      <p:bold r:id="rId28"/>
-      <p:italic r:id="rId29"/>
-      <p:boldItalic r:id="rId30"/>
+      <p:regular r:id="rId26"/>
+      <p:bold r:id="rId27"/>
+      <p:italic r:id="rId28"/>
+      <p:boldItalic r:id="rId29"/>
     </p:embeddedFont>
   </p:embeddedFontLst>
   <p:defaultTextStyle>
@@ -996,10 +995,10 @@
   <p:cSld>
     <p:spTree>
       <p:nvGrpSpPr>
-        <p:cNvPr id="1" name="Shape 233">
+        <p:cNvPr id="1" name="Shape 312">
           <a:extLst>
             <a:ext uri="{FF2B5EF4-FFF2-40B4-BE49-F238E27FC236}">
-              <a16:creationId xmlns:a16="http://schemas.microsoft.com/office/drawing/2014/main" id="{E61C7E4D-15C3-348F-A75A-248C7B1CCDF3}"/>
+              <a16:creationId xmlns:a16="http://schemas.microsoft.com/office/drawing/2014/main" id="{0895CAA9-8307-C796-8BDC-8B753E0DE3DD}"/>
             </a:ext>
           </a:extLst>
         </p:cNvPr>
@@ -1016,10 +1015,10 @@
       </p:grpSpPr>
       <p:sp>
         <p:nvSpPr>
-          <p:cNvPr id="234" name="Google Shape;234;g32516e7fd8f_0_232:notes">
+          <p:cNvPr id="313" name="Google Shape;313;g32516e7fd8f_0_678:notes">
             <a:extLst>
               <a:ext uri="{FF2B5EF4-FFF2-40B4-BE49-F238E27FC236}">
-                <a16:creationId xmlns:a16="http://schemas.microsoft.com/office/drawing/2014/main" id="{FB30EFEB-6442-4F0E-E83B-0FCCD8B0386E}"/>
+                <a16:creationId xmlns:a16="http://schemas.microsoft.com/office/drawing/2014/main" id="{9F26B629-BF09-C46C-D1AE-331A650BA047}"/>
               </a:ext>
             </a:extLst>
           </p:cNvPr>
@@ -1059,14 +1058,24 @@
               </a:path>
             </a:pathLst>
           </a:custGeom>
+          <a:noFill/>
+          <a:ln w="12700" cap="flat" cmpd="sng">
+            <a:solidFill>
+              <a:srgbClr val="000000"/>
+            </a:solidFill>
+            <a:prstDash val="solid"/>
+            <a:round/>
+            <a:headEnd type="none" w="sm" len="sm"/>
+            <a:tailEnd type="none" w="sm" len="sm"/>
+          </a:ln>
         </p:spPr>
       </p:sp>
       <p:sp>
         <p:nvSpPr>
-          <p:cNvPr id="235" name="Google Shape;235;g32516e7fd8f_0_232:notes">
+          <p:cNvPr id="314" name="Google Shape;314;g32516e7fd8f_0_678:notes">
             <a:extLst>
               <a:ext uri="{FF2B5EF4-FFF2-40B4-BE49-F238E27FC236}">
-                <a16:creationId xmlns:a16="http://schemas.microsoft.com/office/drawing/2014/main" id="{7D389E64-BD36-69A6-2A72-4BD463D9B062}"/>
+                <a16:creationId xmlns:a16="http://schemas.microsoft.com/office/drawing/2014/main" id="{05BFABC8-CC2B-1170-FA8A-B5496A3EB0BF}"/>
               </a:ext>
             </a:extLst>
           </p:cNvPr>
@@ -1085,30 +1094,38 @@
           <a:prstGeom prst="rect">
             <a:avLst/>
           </a:prstGeom>
+          <a:noFill/>
+          <a:ln>
+            <a:noFill/>
+          </a:ln>
         </p:spPr>
         <p:txBody>
-          <a:bodyPr spcFirstLastPara="1" wrap="square" lIns="91425" tIns="91425" rIns="91425" bIns="91425" anchor="t" anchorCtr="0">
+          <a:bodyPr spcFirstLastPara="1" wrap="square" lIns="91425" tIns="45700" rIns="91425" bIns="45700" anchor="t" anchorCtr="0">
             <a:noAutofit/>
           </a:bodyPr>
           <a:lstStyle/>
           <a:p>
             <a:pPr marL="0" lvl="0" indent="0" algn="l" rtl="0">
-              <a:spcBef>
-                <a:spcPts val="0"/>
-              </a:spcBef>
-              <a:spcAft>
-                <a:spcPts val="0"/>
-              </a:spcAft>
+              <a:lnSpc>
+                <a:spcPct val="100000"/>
+              </a:lnSpc>
+              <a:spcBef>
+                <a:spcPts val="0"/>
+              </a:spcBef>
+              <a:spcAft>
+                <a:spcPts val="0"/>
+              </a:spcAft>
+              <a:buSzPts val="1400"/>
               <a:buNone/>
             </a:pPr>
-            <a:endParaRPr dirty="0"/>
+            <a:endParaRPr/>
           </a:p>
         </p:txBody>
       </p:sp>
     </p:spTree>
     <p:extLst>
       <p:ext uri="{BB962C8B-B14F-4D97-AF65-F5344CB8AC3E}">
-        <p14:creationId xmlns:p14="http://schemas.microsoft.com/office/powerpoint/2010/main" val="315122656"/>
+        <p14:creationId xmlns:p14="http://schemas.microsoft.com/office/powerpoint/2010/main" val="2000161222"/>
       </p:ext>
     </p:extLst>
   </p:cSld>
@@ -2427,110 +2444,6 @@
 </file>
 
 <file path=ppt/notesSlides/notesSlide13.xml><?xml version="1.0" encoding="utf-8"?>
-<p:notes xmlns:a="http://schemas.openxmlformats.org/drawingml/2006/main" xmlns:r="http://schemas.openxmlformats.org/officeDocument/2006/relationships" xmlns:p="http://schemas.openxmlformats.org/presentationml/2006/main" showMasterSp="0" showMasterPhAnim="0">
-  <p:cSld>
-    <p:spTree>
-      <p:nvGrpSpPr>
-        <p:cNvPr id="1" name="Shape 481"/>
-        <p:cNvGrpSpPr/>
-        <p:nvPr/>
-      </p:nvGrpSpPr>
-      <p:grpSpPr>
-        <a:xfrm>
-          <a:off x="0" y="0"/>
-          <a:ext cx="0" cy="0"/>
-          <a:chOff x="0" y="0"/>
-          <a:chExt cx="0" cy="0"/>
-        </a:xfrm>
-      </p:grpSpPr>
-      <p:sp>
-        <p:nvSpPr>
-          <p:cNvPr id="482" name="Google Shape;482;g32516e7fd8f_0_702:notes"/>
-          <p:cNvSpPr>
-            <a:spLocks noGrp="1" noRot="1" noChangeAspect="1"/>
-          </p:cNvSpPr>
-          <p:nvPr>
-            <p:ph type="sldImg" idx="2"/>
-          </p:nvPr>
-        </p:nvSpPr>
-        <p:spPr>
-          <a:xfrm>
-            <a:off x="381000" y="685800"/>
-            <a:ext cx="6096000" cy="3429000"/>
-          </a:xfrm>
-          <a:custGeom>
-            <a:avLst/>
-            <a:gdLst/>
-            <a:ahLst/>
-            <a:cxnLst/>
-            <a:rect l="l" t="t" r="r" b="b"/>
-            <a:pathLst>
-              <a:path w="120000" h="120000" extrusionOk="0">
-                <a:moveTo>
-                  <a:pt x="0" y="0"/>
-                </a:moveTo>
-                <a:lnTo>
-                  <a:pt x="120000" y="0"/>
-                </a:lnTo>
-                <a:lnTo>
-                  <a:pt x="120000" y="120000"/>
-                </a:lnTo>
-                <a:lnTo>
-                  <a:pt x="0" y="120000"/>
-                </a:lnTo>
-                <a:close/>
-              </a:path>
-            </a:pathLst>
-          </a:custGeom>
-        </p:spPr>
-      </p:sp>
-      <p:sp>
-        <p:nvSpPr>
-          <p:cNvPr id="483" name="Google Shape;483;g32516e7fd8f_0_702:notes"/>
-          <p:cNvSpPr txBox="1">
-            <a:spLocks noGrp="1"/>
-          </p:cNvSpPr>
-          <p:nvPr>
-            <p:ph type="body" idx="1"/>
-          </p:nvPr>
-        </p:nvSpPr>
-        <p:spPr>
-          <a:xfrm>
-            <a:off x="685800" y="4343400"/>
-            <a:ext cx="5486400" cy="4114800"/>
-          </a:xfrm>
-          <a:prstGeom prst="rect">
-            <a:avLst/>
-          </a:prstGeom>
-        </p:spPr>
-        <p:txBody>
-          <a:bodyPr spcFirstLastPara="1" wrap="square" lIns="91425" tIns="91425" rIns="91425" bIns="91425" anchor="t" anchorCtr="0">
-            <a:noAutofit/>
-          </a:bodyPr>
-          <a:lstStyle/>
-          <a:p>
-            <a:pPr marL="0" lvl="0" indent="0" algn="l" rtl="0">
-              <a:spcBef>
-                <a:spcPts val="0"/>
-              </a:spcBef>
-              <a:spcAft>
-                <a:spcPts val="0"/>
-              </a:spcAft>
-              <a:buNone/>
-            </a:pPr>
-            <a:endParaRPr/>
-          </a:p>
-        </p:txBody>
-      </p:sp>
-    </p:spTree>
-  </p:cSld>
-  <p:clrMapOvr>
-    <a:masterClrMapping/>
-  </p:clrMapOvr>
-</p:notes>
-</file>
-
-<file path=ppt/notesSlides/notesSlide14.xml><?xml version="1.0" encoding="utf-8"?>
 <p:notes xmlns:a="http://schemas.openxmlformats.org/drawingml/2006/main" xmlns:r="http://schemas.openxmlformats.org/officeDocument/2006/relationships" xmlns:p="http://schemas.openxmlformats.org/presentationml/2006/main" showMasterSp="0" showMasterPhAnim="0">
   <p:cSld>
     <p:spTree>
@@ -27594,7 +27507,7 @@
                 <a:cs typeface="Outfit SemiBold"/>
                 <a:sym typeface="Outfit SemiBold"/>
               </a:rPr>
-              <a:t>Indonesian Food Rating</a:t>
+              <a:t>Indonesian Food Recommendation</a:t>
             </a:r>
             <a:endParaRPr lang="en-US" sz="2400" dirty="0"/>
           </a:p>
@@ -27609,7 +27522,7 @@
 </file>
 
 <file path=ppt/slides/slide10.xml><?xml version="1.0" encoding="utf-8"?>
-<p:sld xmlns:a="http://schemas.openxmlformats.org/drawingml/2006/main" xmlns:r="http://schemas.openxmlformats.org/officeDocument/2006/relationships" xmlns:p="http://schemas.openxmlformats.org/presentationml/2006/main" show="0">
+<p:sld xmlns:a="http://schemas.openxmlformats.org/drawingml/2006/main" xmlns:r="http://schemas.openxmlformats.org/officeDocument/2006/relationships" xmlns:p="http://schemas.openxmlformats.org/presentationml/2006/main">
   <p:cSld>
     <p:bg>
       <p:bgPr>
@@ -27686,8 +27599,8 @@
         </p:nvSpPr>
         <p:spPr>
           <a:xfrm>
-            <a:off x="249775" y="123575"/>
-            <a:ext cx="2550069" cy="632224"/>
+            <a:off x="249775" y="166198"/>
+            <a:ext cx="6917643" cy="632224"/>
           </a:xfrm>
           <a:prstGeom prst="rect">
             <a:avLst/>
@@ -27834,228 +27747,1255 @@
           </a:lstStyle>
           <a:p>
             <a:r>
-              <a:rPr lang="en" dirty="0">
+              <a:rPr lang="en-US" dirty="0">
                 <a:sym typeface="Outfit SemiBold"/>
               </a:rPr>
-              <a:t>Processing the Data</a:t>
-            </a:r>
-            <a:endParaRPr dirty="0">
+              <a:t>Langkah-Langkah </a:t>
+            </a:r>
+            <a:r>
+              <a:rPr lang="en-US" dirty="0" err="1">
+                <a:sym typeface="Outfit SemiBold"/>
+              </a:rPr>
+              <a:t>Proyek</a:t>
+            </a:r>
+            <a:r>
+              <a:rPr lang="en-US" dirty="0">
+                <a:sym typeface="Outfit SemiBold"/>
+              </a:rPr>
+              <a:t> </a:t>
+            </a:r>
+            <a:r>
+              <a:rPr lang="en-US" dirty="0" err="1">
+                <a:sym typeface="Outfit SemiBold"/>
+              </a:rPr>
+              <a:t>Analisis</a:t>
+            </a:r>
+            <a:r>
+              <a:rPr lang="en-US" dirty="0">
+                <a:sym typeface="Outfit SemiBold"/>
+              </a:rPr>
+              <a:t> </a:t>
+            </a:r>
+            <a:r>
+              <a:rPr lang="en-US" dirty="0" err="1">
+                <a:sym typeface="Outfit SemiBold"/>
+              </a:rPr>
+              <a:t>Sistem</a:t>
+            </a:r>
+            <a:r>
+              <a:rPr lang="en-US" dirty="0">
+                <a:sym typeface="Outfit SemiBold"/>
+              </a:rPr>
+              <a:t> </a:t>
+            </a:r>
+            <a:r>
+              <a:rPr lang="en-US" dirty="0" err="1">
+                <a:sym typeface="Outfit SemiBold"/>
+              </a:rPr>
+              <a:t>Rekomendasi</a:t>
+            </a:r>
+            <a:endParaRPr lang="en-US" dirty="0">
               <a:sym typeface="Outfit SemiBold"/>
             </a:endParaRPr>
           </a:p>
         </p:txBody>
       </p:sp>
-      <p:grpSp>
-        <p:nvGrpSpPr>
-          <p:cNvPr id="13" name="Group 12">
+      <p:pic>
+        <p:nvPicPr>
+          <p:cNvPr id="8" name="Google Shape;321;p46" descr="Arrow circle with solid fill">
             <a:extLst>
               <a:ext uri="{FF2B5EF4-FFF2-40B4-BE49-F238E27FC236}">
-                <a16:creationId xmlns:a16="http://schemas.microsoft.com/office/drawing/2014/main" id="{47687B76-E9FC-4C2E-900E-91D80762224F}"/>
+                <a16:creationId xmlns:a16="http://schemas.microsoft.com/office/drawing/2014/main" id="{491A269A-82DE-D010-25CC-386752834DF3}"/>
               </a:ext>
             </a:extLst>
           </p:cNvPr>
-          <p:cNvGrpSpPr/>
+          <p:cNvPicPr preferRelativeResize="0"/>
           <p:nvPr/>
-        </p:nvGrpSpPr>
-        <p:grpSpPr>
+        </p:nvPicPr>
+        <p:blipFill>
+          <a:blip r:embed="rId5">
+            <a:extLst>
+              <a:ext uri="{96DAC541-7B7A-43D3-8B79-37D633B846F1}">
+                <asvg:svgBlip xmlns:asvg="http://schemas.microsoft.com/office/drawing/2016/SVG/main" r:embed="rId6"/>
+              </a:ext>
+            </a:extLst>
+          </a:blip>
+          <a:srcRect/>
+          <a:stretch/>
+        </p:blipFill>
+        <p:spPr>
           <a:xfrm>
-            <a:off x="249775" y="857190"/>
-            <a:ext cx="8015849" cy="592876"/>
-            <a:chOff x="797841" y="965312"/>
-            <a:chExt cx="8015849" cy="592876"/>
+            <a:off x="378090" y="1004939"/>
+            <a:ext cx="1006370" cy="1006370"/>
           </a:xfrm>
-        </p:grpSpPr>
-        <p:pic>
-          <p:nvPicPr>
-            <p:cNvPr id="321" name="Google Shape;321;p46">
-              <a:extLst>
-                <a:ext uri="{FF2B5EF4-FFF2-40B4-BE49-F238E27FC236}">
-                  <a16:creationId xmlns:a16="http://schemas.microsoft.com/office/drawing/2014/main" id="{5BF34DC0-3422-B929-8D9D-B56F901C98DD}"/>
-                </a:ext>
-              </a:extLst>
-            </p:cNvPr>
-            <p:cNvPicPr preferRelativeResize="0"/>
-            <p:nvPr/>
-          </p:nvPicPr>
-          <p:blipFill>
-            <a:blip r:embed="rId5">
-              <a:alphaModFix/>
-            </a:blip>
-            <a:stretch>
-              <a:fillRect/>
-            </a:stretch>
-          </p:blipFill>
-          <p:spPr>
-            <a:xfrm>
-              <a:off x="797841" y="1004661"/>
-              <a:ext cx="553527" cy="553527"/>
-            </a:xfrm>
-            <a:prstGeom prst="rect">
-              <a:avLst/>
-            </a:prstGeom>
+          <a:prstGeom prst="rect">
+            <a:avLst/>
+          </a:prstGeom>
+          <a:noFill/>
+          <a:ln>
             <a:noFill/>
-            <a:ln>
-              <a:noFill/>
-            </a:ln>
-          </p:spPr>
-        </p:pic>
-        <p:sp>
-          <p:nvSpPr>
-            <p:cNvPr id="334" name="Google Shape;334;p46">
-              <a:extLst>
-                <a:ext uri="{FF2B5EF4-FFF2-40B4-BE49-F238E27FC236}">
-                  <a16:creationId xmlns:a16="http://schemas.microsoft.com/office/drawing/2014/main" id="{419B6CDF-90DD-0F14-B714-821A22FCC9CE}"/>
-                </a:ext>
-              </a:extLst>
-            </p:cNvPr>
-            <p:cNvSpPr txBox="1"/>
-            <p:nvPr/>
-          </p:nvSpPr>
-          <p:spPr>
-            <a:xfrm>
-              <a:off x="1459500" y="965312"/>
-              <a:ext cx="7354190" cy="452688"/>
-            </a:xfrm>
-            <a:prstGeom prst="rect">
-              <a:avLst/>
-            </a:prstGeom>
-            <a:noFill/>
-            <a:ln>
-              <a:solidFill>
-                <a:schemeClr val="tx1"/>
-              </a:solidFill>
-            </a:ln>
-          </p:spPr>
-          <p:txBody>
-            <a:bodyPr wrap="square">
-              <a:spAutoFit/>
-            </a:bodyPr>
-            <a:lstStyle>
-              <a:defPPr marR="0" lvl="0" algn="l" rtl="0">
-                <a:lnSpc>
-                  <a:spcPct val="100000"/>
-                </a:lnSpc>
-                <a:spcBef>
-                  <a:spcPts val="0"/>
-                </a:spcBef>
-                <a:spcAft>
-                  <a:spcPts val="0"/>
-                </a:spcAft>
-              </a:defPPr>
-              <a:lvl1pPr>
-                <a:lnSpc>
-                  <a:spcPts val="1425"/>
-                </a:lnSpc>
-                <a:defRPr>
-                  <a:solidFill>
-                    <a:schemeClr val="tx1"/>
-                  </a:solidFill>
-                  <a:effectLst/>
-                  <a:latin typeface="Consolas" panose="020B0609020204030204" pitchFamily="49" charset="0"/>
-                </a:defRPr>
-              </a:lvl1pPr>
-            </a:lstStyle>
-            <a:p>
-              <a:r>
-                <a:rPr lang="en-US" dirty="0">
-                  <a:sym typeface="Outfit"/>
-                </a:rPr>
-                <a:t>Scraping data </a:t>
-              </a:r>
-              <a:r>
-                <a:rPr lang="en-US" dirty="0" err="1">
-                  <a:sym typeface="Outfit"/>
-                </a:rPr>
-                <a:t>dari</a:t>
-              </a:r>
-              <a:r>
-                <a:rPr lang="en-US" dirty="0">
-                  <a:sym typeface="Outfit"/>
-                </a:rPr>
-                <a:t> website SINTA, CLARIVATE, ELSEVIER </a:t>
-              </a:r>
-              <a:r>
-                <a:rPr lang="en-US" dirty="0" err="1">
-                  <a:sym typeface="Outfit"/>
-                </a:rPr>
-                <a:t>untuk</a:t>
-              </a:r>
-              <a:r>
-                <a:rPr lang="en-US" dirty="0">
-                  <a:sym typeface="Outfit"/>
-                </a:rPr>
-                <a:t> </a:t>
-              </a:r>
-              <a:r>
-                <a:rPr lang="en-US" dirty="0" err="1">
-                  <a:sym typeface="Outfit"/>
-                </a:rPr>
-                <a:t>menambah</a:t>
-              </a:r>
-              <a:r>
-                <a:rPr lang="en-US" dirty="0">
-                  <a:sym typeface="Outfit"/>
-                </a:rPr>
-                <a:t> data yang </a:t>
-              </a:r>
-              <a:r>
-                <a:rPr lang="en-US" dirty="0" err="1">
-                  <a:sym typeface="Outfit"/>
-                </a:rPr>
-                <a:t>kurang</a:t>
-              </a:r>
-              <a:r>
-                <a:rPr lang="en-US" dirty="0">
-                  <a:sym typeface="Outfit"/>
-                </a:rPr>
-                <a:t>, </a:t>
-              </a:r>
-              <a:r>
-                <a:rPr lang="en-US" dirty="0" err="1">
-                  <a:sym typeface="Outfit"/>
-                </a:rPr>
-                <a:t>melakukan</a:t>
-              </a:r>
-              <a:r>
-                <a:rPr lang="en-US" dirty="0">
-                  <a:sym typeface="Outfit"/>
-                </a:rPr>
-                <a:t> </a:t>
-              </a:r>
-              <a:r>
-                <a:rPr lang="en-US" dirty="0" err="1">
-                  <a:sym typeface="Outfit"/>
-                </a:rPr>
-                <a:t>pembersihan</a:t>
-              </a:r>
-              <a:r>
-                <a:rPr lang="en-US" dirty="0">
-                  <a:sym typeface="Outfit"/>
-                </a:rPr>
-                <a:t> data </a:t>
-              </a:r>
-              <a:r>
-                <a:rPr lang="en-US" dirty="0" err="1">
-                  <a:sym typeface="Outfit"/>
-                </a:rPr>
-                <a:t>lanjutan</a:t>
-              </a:r>
-              <a:r>
-                <a:rPr lang="en-US" dirty="0">
-                  <a:sym typeface="Outfit"/>
-                </a:rPr>
-                <a:t>,  </a:t>
-              </a:r>
-            </a:p>
-          </p:txBody>
-        </p:sp>
-      </p:grpSp>
+          </a:ln>
+        </p:spPr>
+      </p:pic>
+      <p:sp>
+        <p:nvSpPr>
+          <p:cNvPr id="9" name="Google Shape;334;p46">
+            <a:extLst>
+              <a:ext uri="{FF2B5EF4-FFF2-40B4-BE49-F238E27FC236}">
+                <a16:creationId xmlns:a16="http://schemas.microsoft.com/office/drawing/2014/main" id="{A7A99631-F6A5-E07C-5053-8AA29D5A67FE}"/>
+              </a:ext>
+            </a:extLst>
+          </p:cNvPr>
+          <p:cNvSpPr txBox="1"/>
+          <p:nvPr/>
+        </p:nvSpPr>
+        <p:spPr>
+          <a:xfrm>
+            <a:off x="1384462" y="946840"/>
+            <a:ext cx="6837107" cy="918200"/>
+          </a:xfrm>
+          <a:prstGeom prst="rect">
+            <a:avLst/>
+          </a:prstGeom>
+          <a:noFill/>
+          <a:ln>
+            <a:solidFill>
+              <a:schemeClr val="tx1"/>
+            </a:solidFill>
+          </a:ln>
+        </p:spPr>
+        <p:txBody>
+          <a:bodyPr wrap="square">
+            <a:spAutoFit/>
+          </a:bodyPr>
+          <a:lstStyle>
+            <a:defPPr marR="0" lvl="0" algn="l" rtl="0">
+              <a:lnSpc>
+                <a:spcPct val="100000"/>
+              </a:lnSpc>
+              <a:spcBef>
+                <a:spcPts val="0"/>
+              </a:spcBef>
+              <a:spcAft>
+                <a:spcPts val="0"/>
+              </a:spcAft>
+              <a:defRPr/>
+            </a:defPPr>
+            <a:lvl1pPr>
+              <a:lnSpc>
+                <a:spcPts val="1425"/>
+              </a:lnSpc>
+              <a:defRPr>
+                <a:solidFill>
+                  <a:schemeClr val="tx1"/>
+                </a:solidFill>
+                <a:effectLst/>
+                <a:latin typeface="Consolas" panose="020B0609020204030204" pitchFamily="49" charset="0"/>
+              </a:defRPr>
+            </a:lvl1pPr>
+          </a:lstStyle>
+          <a:p>
+            <a:pPr>
+              <a:buNone/>
+            </a:pPr>
+            <a:r>
+              <a:rPr lang="en-US" b="1" dirty="0"/>
+              <a:t>1. Pembersihan Data (Data Cleaning)</a:t>
+            </a:r>
+          </a:p>
+          <a:p>
+            <a:pPr lvl="8">
+              <a:buFont typeface="Arial" panose="020B0604020202020204" pitchFamily="34" charset="0"/>
+              <a:buChar char="•"/>
+            </a:pPr>
+            <a:r>
+              <a:rPr lang="en-US" dirty="0" err="1"/>
+              <a:t>Tangani</a:t>
+            </a:r>
+            <a:r>
+              <a:rPr lang="en-US" dirty="0"/>
+              <a:t> data null (</a:t>
+            </a:r>
+            <a:r>
+              <a:rPr lang="en-US" dirty="0" err="1"/>
+              <a:t>kosong</a:t>
+            </a:r>
+            <a:r>
+              <a:rPr lang="en-US" dirty="0"/>
+              <a:t>), data </a:t>
+            </a:r>
+            <a:r>
+              <a:rPr lang="en-US" dirty="0" err="1"/>
+              <a:t>duplikat</a:t>
+            </a:r>
+            <a:r>
+              <a:rPr lang="en-US" dirty="0"/>
+              <a:t>, dan </a:t>
+            </a:r>
+            <a:r>
+              <a:rPr lang="en-US" dirty="0" err="1"/>
+              <a:t>nilai</a:t>
+            </a:r>
+            <a:r>
+              <a:rPr lang="en-US" dirty="0"/>
+              <a:t> yang </a:t>
+            </a:r>
+            <a:r>
+              <a:rPr lang="en-US" dirty="0" err="1"/>
+              <a:t>hilang</a:t>
+            </a:r>
+            <a:r>
+              <a:rPr lang="en-US" dirty="0"/>
+              <a:t> (missing values).</a:t>
+            </a:r>
+          </a:p>
+          <a:p>
+            <a:pPr lvl="8">
+              <a:buFont typeface="Arial" panose="020B0604020202020204" pitchFamily="34" charset="0"/>
+              <a:buChar char="•"/>
+            </a:pPr>
+            <a:r>
+              <a:rPr lang="en-US" dirty="0" err="1"/>
+              <a:t>Pisahkan</a:t>
+            </a:r>
+            <a:r>
+              <a:rPr lang="en-US" dirty="0"/>
+              <a:t> </a:t>
+            </a:r>
+            <a:r>
+              <a:rPr lang="en-US" dirty="0" err="1"/>
+              <a:t>nilai</a:t>
+            </a:r>
+            <a:r>
+              <a:rPr lang="en-US" dirty="0"/>
+              <a:t> </a:t>
+            </a:r>
+            <a:r>
+              <a:rPr lang="en-US" dirty="0" err="1"/>
+              <a:t>unik</a:t>
+            </a:r>
+            <a:r>
+              <a:rPr lang="en-US" dirty="0"/>
+              <a:t> </a:t>
+            </a:r>
+            <a:r>
+              <a:rPr lang="en-US" dirty="0" err="1"/>
+              <a:t>dalam</a:t>
+            </a:r>
+            <a:r>
+              <a:rPr lang="en-US" dirty="0"/>
+              <a:t> </a:t>
+            </a:r>
+            <a:r>
+              <a:rPr lang="en-US" dirty="0" err="1"/>
+              <a:t>satu</a:t>
+            </a:r>
+            <a:r>
+              <a:rPr lang="en-US" dirty="0"/>
+              <a:t> </a:t>
+            </a:r>
+            <a:r>
+              <a:rPr lang="en-US" dirty="0" err="1"/>
+              <a:t>kolom</a:t>
+            </a:r>
+            <a:r>
+              <a:rPr lang="en-US" dirty="0"/>
+              <a:t> </a:t>
+            </a:r>
+            <a:r>
+              <a:rPr lang="en-US" dirty="0" err="1"/>
+              <a:t>menjadi</a:t>
+            </a:r>
+            <a:r>
+              <a:rPr lang="en-US" dirty="0"/>
+              <a:t> baris-baris </a:t>
+            </a:r>
+            <a:r>
+              <a:rPr lang="en-US" dirty="0" err="1"/>
+              <a:t>terpisah</a:t>
+            </a:r>
+            <a:r>
+              <a:rPr lang="en-US" dirty="0"/>
+              <a:t> (</a:t>
+            </a:r>
+            <a:r>
+              <a:rPr lang="en-US" i="1" dirty="0"/>
+              <a:t>explode</a:t>
+            </a:r>
+            <a:r>
+              <a:rPr lang="en-US" dirty="0"/>
+              <a:t>).</a:t>
+            </a:r>
+          </a:p>
+          <a:p>
+            <a:pPr lvl="8">
+              <a:buFont typeface="Arial" panose="020B0604020202020204" pitchFamily="34" charset="0"/>
+              <a:buChar char="•"/>
+            </a:pPr>
+            <a:r>
+              <a:rPr lang="en-US" dirty="0" err="1"/>
+              <a:t>Tampilkan</a:t>
+            </a:r>
+            <a:r>
+              <a:rPr lang="en-US" dirty="0"/>
+              <a:t> </a:t>
+            </a:r>
+            <a:r>
+              <a:rPr lang="en-US" dirty="0" err="1"/>
+              <a:t>ringkasan</a:t>
+            </a:r>
+            <a:r>
+              <a:rPr lang="en-US" dirty="0"/>
+              <a:t> </a:t>
+            </a:r>
+            <a:r>
+              <a:rPr lang="en-US" dirty="0" err="1"/>
+              <a:t>hasil</a:t>
+            </a:r>
+            <a:r>
+              <a:rPr lang="en-US" dirty="0"/>
+              <a:t>: </a:t>
+            </a:r>
+            <a:r>
+              <a:rPr lang="en-US" dirty="0" err="1"/>
+              <a:t>jumlah</a:t>
+            </a:r>
+            <a:r>
+              <a:rPr lang="en-US" dirty="0"/>
+              <a:t> baris/</a:t>
+            </a:r>
+            <a:r>
+              <a:rPr lang="en-US" dirty="0" err="1"/>
+              <a:t>kolom</a:t>
+            </a:r>
+            <a:r>
+              <a:rPr lang="en-US" dirty="0"/>
+              <a:t>, </a:t>
+            </a:r>
+            <a:r>
+              <a:rPr lang="en-US" dirty="0" err="1"/>
+              <a:t>distribusi</a:t>
+            </a:r>
+            <a:r>
+              <a:rPr lang="en-US" dirty="0"/>
+              <a:t> data, dan </a:t>
+            </a:r>
+            <a:r>
+              <a:rPr lang="en-US" dirty="0" err="1"/>
+              <a:t>hipotesis</a:t>
+            </a:r>
+            <a:r>
+              <a:rPr lang="en-US" dirty="0"/>
+              <a:t> </a:t>
+            </a:r>
+            <a:r>
+              <a:rPr lang="en-US" dirty="0" err="1"/>
+              <a:t>awal</a:t>
+            </a:r>
+            <a:r>
+              <a:rPr lang="en-US" dirty="0"/>
+              <a:t>.</a:t>
+            </a:r>
+          </a:p>
+        </p:txBody>
+      </p:sp>
+      <p:sp>
+        <p:nvSpPr>
+          <p:cNvPr id="5" name="Google Shape;334;p46">
+            <a:extLst>
+              <a:ext uri="{FF2B5EF4-FFF2-40B4-BE49-F238E27FC236}">
+                <a16:creationId xmlns:a16="http://schemas.microsoft.com/office/drawing/2014/main" id="{5F2207C3-7761-B9A2-1A3E-6B0B672C7F15}"/>
+              </a:ext>
+            </a:extLst>
+          </p:cNvPr>
+          <p:cNvSpPr txBox="1"/>
+          <p:nvPr/>
+        </p:nvSpPr>
+        <p:spPr>
+          <a:xfrm>
+            <a:off x="378089" y="1947672"/>
+            <a:ext cx="7843480" cy="702756"/>
+          </a:xfrm>
+          <a:prstGeom prst="rect">
+            <a:avLst/>
+          </a:prstGeom>
+          <a:noFill/>
+          <a:ln>
+            <a:solidFill>
+              <a:schemeClr val="tx1"/>
+            </a:solidFill>
+          </a:ln>
+        </p:spPr>
+        <p:txBody>
+          <a:bodyPr wrap="square">
+            <a:spAutoFit/>
+          </a:bodyPr>
+          <a:lstStyle>
+            <a:defPPr marR="0" lvl="0" algn="l" rtl="0">
+              <a:lnSpc>
+                <a:spcPct val="100000"/>
+              </a:lnSpc>
+              <a:spcBef>
+                <a:spcPts val="0"/>
+              </a:spcBef>
+              <a:spcAft>
+                <a:spcPts val="0"/>
+              </a:spcAft>
+              <a:defRPr/>
+            </a:defPPr>
+            <a:lvl1pPr>
+              <a:lnSpc>
+                <a:spcPts val="1425"/>
+              </a:lnSpc>
+              <a:defRPr>
+                <a:solidFill>
+                  <a:schemeClr val="tx1"/>
+                </a:solidFill>
+                <a:effectLst/>
+                <a:latin typeface="Consolas" panose="020B0609020204030204" pitchFamily="49" charset="0"/>
+              </a:defRPr>
+            </a:lvl1pPr>
+          </a:lstStyle>
+          <a:p>
+            <a:pPr>
+              <a:buNone/>
+            </a:pPr>
+            <a:r>
+              <a:rPr lang="en-US" b="1" dirty="0"/>
+              <a:t>2. </a:t>
+            </a:r>
+            <a:r>
+              <a:rPr lang="en-US" b="1" dirty="0" err="1"/>
+              <a:t>Transformasi</a:t>
+            </a:r>
+            <a:r>
+              <a:rPr lang="en-US" b="1" dirty="0"/>
+              <a:t> Data</a:t>
+            </a:r>
+          </a:p>
+          <a:p>
+            <a:pPr lvl="1">
+              <a:buFont typeface="Arial" panose="020B0604020202020204" pitchFamily="34" charset="0"/>
+              <a:buChar char="•"/>
+            </a:pPr>
+            <a:r>
+              <a:rPr lang="en-US" dirty="0" err="1"/>
+              <a:t>Seleksi</a:t>
+            </a:r>
+            <a:r>
+              <a:rPr lang="en-US" dirty="0"/>
+              <a:t> </a:t>
+            </a:r>
+            <a:r>
+              <a:rPr lang="en-US" dirty="0" err="1"/>
+              <a:t>kolom</a:t>
+            </a:r>
+            <a:r>
+              <a:rPr lang="en-US" dirty="0"/>
+              <a:t> yang </a:t>
+            </a:r>
+            <a:r>
+              <a:rPr lang="en-US" dirty="0" err="1"/>
+              <a:t>relevan</a:t>
+            </a:r>
+            <a:r>
+              <a:rPr lang="en-US" dirty="0"/>
+              <a:t> </a:t>
+            </a:r>
+            <a:r>
+              <a:rPr lang="en-US" dirty="0" err="1"/>
+              <a:t>untuk</a:t>
+            </a:r>
+            <a:r>
+              <a:rPr lang="en-US" dirty="0"/>
+              <a:t> </a:t>
+            </a:r>
+            <a:r>
+              <a:rPr lang="en-US" dirty="0" err="1"/>
+              <a:t>analisis</a:t>
+            </a:r>
+            <a:r>
+              <a:rPr lang="en-US" dirty="0"/>
+              <a:t> </a:t>
+            </a:r>
+            <a:r>
+              <a:rPr lang="en-US" dirty="0" err="1"/>
+              <a:t>lanjutan</a:t>
+            </a:r>
+            <a:r>
+              <a:rPr lang="en-US" dirty="0"/>
+              <a:t>.</a:t>
+            </a:r>
+          </a:p>
+          <a:p>
+            <a:pPr lvl="1">
+              <a:buFont typeface="Arial" panose="020B0604020202020204" pitchFamily="34" charset="0"/>
+              <a:buChar char="•"/>
+            </a:pPr>
+            <a:r>
+              <a:rPr lang="en-US" dirty="0"/>
+              <a:t>Review </a:t>
+            </a:r>
+            <a:r>
+              <a:rPr lang="en-US" dirty="0" err="1"/>
+              <a:t>kesetimbangan</a:t>
+            </a:r>
+            <a:r>
+              <a:rPr lang="en-US" dirty="0"/>
+              <a:t> value dan </a:t>
+            </a:r>
+            <a:r>
+              <a:rPr lang="en-US" dirty="0" err="1"/>
+              <a:t>distribusi</a:t>
+            </a:r>
+            <a:r>
+              <a:rPr lang="en-US" dirty="0"/>
+              <a:t> </a:t>
+            </a:r>
+            <a:r>
+              <a:rPr lang="en-US" dirty="0" err="1"/>
+              <a:t>kategori</a:t>
+            </a:r>
+            <a:r>
+              <a:rPr lang="en-US" dirty="0"/>
+              <a:t> </a:t>
+            </a:r>
+            <a:r>
+              <a:rPr lang="en-US" dirty="0" err="1"/>
+              <a:t>untuk</a:t>
+            </a:r>
+            <a:r>
+              <a:rPr lang="en-US" dirty="0"/>
+              <a:t> </a:t>
+            </a:r>
+            <a:r>
+              <a:rPr lang="en-US" i="1" dirty="0"/>
+              <a:t>data consumer profile</a:t>
+            </a:r>
+            <a:r>
+              <a:rPr lang="en-US" dirty="0"/>
+              <a:t> dan </a:t>
+            </a:r>
+            <a:r>
+              <a:rPr lang="en-US" i="1" dirty="0"/>
+              <a:t>data </a:t>
+            </a:r>
+            <a:r>
+              <a:rPr lang="en-US" i="1" dirty="0" err="1"/>
+              <a:t>resep</a:t>
+            </a:r>
+            <a:r>
+              <a:rPr lang="en-US" dirty="0"/>
+              <a:t>.</a:t>
+            </a:r>
+          </a:p>
+        </p:txBody>
+      </p:sp>
+      <p:sp>
+        <p:nvSpPr>
+          <p:cNvPr id="6" name="Google Shape;334;p46">
+            <a:extLst>
+              <a:ext uri="{FF2B5EF4-FFF2-40B4-BE49-F238E27FC236}">
+                <a16:creationId xmlns:a16="http://schemas.microsoft.com/office/drawing/2014/main" id="{11F85FE3-94D5-20D2-530B-05BF0292F29A}"/>
+              </a:ext>
+            </a:extLst>
+          </p:cNvPr>
+          <p:cNvSpPr txBox="1"/>
+          <p:nvPr/>
+        </p:nvSpPr>
+        <p:spPr>
+          <a:xfrm>
+            <a:off x="378089" y="2733060"/>
+            <a:ext cx="7843477" cy="702756"/>
+          </a:xfrm>
+          <a:prstGeom prst="rect">
+            <a:avLst/>
+          </a:prstGeom>
+          <a:noFill/>
+          <a:ln>
+            <a:solidFill>
+              <a:schemeClr val="tx1"/>
+            </a:solidFill>
+          </a:ln>
+        </p:spPr>
+        <p:txBody>
+          <a:bodyPr wrap="square">
+            <a:spAutoFit/>
+          </a:bodyPr>
+          <a:lstStyle>
+            <a:defPPr marR="0" lvl="0" algn="l" rtl="0">
+              <a:lnSpc>
+                <a:spcPct val="100000"/>
+              </a:lnSpc>
+              <a:spcBef>
+                <a:spcPts val="0"/>
+              </a:spcBef>
+              <a:spcAft>
+                <a:spcPts val="0"/>
+              </a:spcAft>
+              <a:defRPr/>
+            </a:defPPr>
+            <a:lvl1pPr>
+              <a:lnSpc>
+                <a:spcPts val="1425"/>
+              </a:lnSpc>
+              <a:defRPr>
+                <a:solidFill>
+                  <a:schemeClr val="tx1"/>
+                </a:solidFill>
+                <a:effectLst/>
+                <a:latin typeface="Consolas" panose="020B0609020204030204" pitchFamily="49" charset="0"/>
+              </a:defRPr>
+            </a:lvl1pPr>
+          </a:lstStyle>
+          <a:p>
+            <a:pPr>
+              <a:buNone/>
+            </a:pPr>
+            <a:r>
+              <a:rPr lang="en-US" b="1" dirty="0"/>
+              <a:t>3. </a:t>
+            </a:r>
+            <a:r>
+              <a:rPr lang="en-US" b="1" dirty="0" err="1"/>
+              <a:t>Pembobotan</a:t>
+            </a:r>
+            <a:r>
+              <a:rPr lang="en-US" b="1" dirty="0"/>
+              <a:t> dan </a:t>
+            </a:r>
+            <a:r>
+              <a:rPr lang="en-US" b="1" dirty="0" err="1"/>
+              <a:t>Enkode</a:t>
+            </a:r>
+            <a:r>
+              <a:rPr lang="en-US" b="1" dirty="0"/>
+              <a:t> Label</a:t>
+            </a:r>
+          </a:p>
+          <a:p>
+            <a:pPr lvl="1">
+              <a:buFont typeface="Arial" panose="020B0604020202020204" pitchFamily="34" charset="0"/>
+              <a:buChar char="•"/>
+            </a:pPr>
+            <a:r>
+              <a:rPr lang="en-US" dirty="0"/>
+              <a:t>Beri </a:t>
+            </a:r>
+            <a:r>
+              <a:rPr lang="en-US" dirty="0" err="1"/>
+              <a:t>bobot</a:t>
+            </a:r>
+            <a:r>
+              <a:rPr lang="en-US" dirty="0"/>
+              <a:t> </a:t>
+            </a:r>
+            <a:r>
+              <a:rPr lang="en-US" dirty="0" err="1"/>
+              <a:t>khusus</a:t>
+            </a:r>
+            <a:r>
+              <a:rPr lang="en-US" dirty="0"/>
+              <a:t> pada data </a:t>
+            </a:r>
+            <a:r>
+              <a:rPr lang="en-US" dirty="0" err="1"/>
+              <a:t>konsumsi</a:t>
+            </a:r>
+            <a:r>
+              <a:rPr lang="en-US" dirty="0"/>
+              <a:t> (</a:t>
+            </a:r>
+            <a:r>
+              <a:rPr lang="en-US" dirty="0" err="1"/>
+              <a:t>misalnya</a:t>
+            </a:r>
+            <a:r>
+              <a:rPr lang="en-US" dirty="0"/>
+              <a:t> </a:t>
+            </a:r>
+            <a:r>
+              <a:rPr lang="en-US" dirty="0" err="1"/>
+              <a:t>preferensi</a:t>
+            </a:r>
+            <a:r>
+              <a:rPr lang="en-US" dirty="0"/>
+              <a:t> </a:t>
+            </a:r>
+            <a:r>
+              <a:rPr lang="en-US" dirty="0" err="1"/>
+              <a:t>sehat</a:t>
+            </a:r>
+            <a:r>
+              <a:rPr lang="en-US" dirty="0"/>
+              <a:t> </a:t>
+            </a:r>
+            <a:r>
+              <a:rPr lang="en-US" dirty="0" err="1"/>
+              <a:t>atau</a:t>
+            </a:r>
+            <a:r>
+              <a:rPr lang="en-US" dirty="0"/>
+              <a:t> </a:t>
+            </a:r>
+            <a:r>
+              <a:rPr lang="en-US" dirty="0" err="1"/>
+              <a:t>tradisional</a:t>
+            </a:r>
+            <a:r>
+              <a:rPr lang="en-US" dirty="0"/>
+              <a:t>).</a:t>
+            </a:r>
+          </a:p>
+          <a:p>
+            <a:pPr lvl="1">
+              <a:buFont typeface="Arial" panose="020B0604020202020204" pitchFamily="34" charset="0"/>
+              <a:buChar char="•"/>
+            </a:pPr>
+            <a:r>
+              <a:rPr lang="en-US" dirty="0"/>
+              <a:t>Encode data </a:t>
+            </a:r>
+            <a:r>
+              <a:rPr lang="en-US" dirty="0" err="1"/>
+              <a:t>kategori</a:t>
+            </a:r>
+            <a:r>
+              <a:rPr lang="en-US" dirty="0"/>
+              <a:t> (</a:t>
+            </a:r>
+            <a:r>
+              <a:rPr lang="en-US" dirty="0" err="1"/>
+              <a:t>seperti</a:t>
+            </a:r>
+            <a:r>
+              <a:rPr lang="en-US" dirty="0"/>
+              <a:t> gender, </a:t>
+            </a:r>
+            <a:r>
+              <a:rPr lang="en-US" dirty="0" err="1"/>
+              <a:t>preferensi</a:t>
+            </a:r>
+            <a:r>
+              <a:rPr lang="en-US" dirty="0"/>
+              <a:t>) </a:t>
+            </a:r>
+            <a:r>
+              <a:rPr lang="en-US" dirty="0" err="1"/>
+              <a:t>untuk</a:t>
+            </a:r>
+            <a:r>
+              <a:rPr lang="en-US" dirty="0"/>
+              <a:t> </a:t>
+            </a:r>
+            <a:r>
+              <a:rPr lang="en-US" dirty="0" err="1"/>
+              <a:t>pemrosesan</a:t>
+            </a:r>
+            <a:r>
+              <a:rPr lang="en-US" dirty="0"/>
+              <a:t> ML.</a:t>
+            </a:r>
+          </a:p>
+        </p:txBody>
+      </p:sp>
+      <p:sp>
+        <p:nvSpPr>
+          <p:cNvPr id="17" name="Google Shape;334;p46">
+            <a:extLst>
+              <a:ext uri="{FF2B5EF4-FFF2-40B4-BE49-F238E27FC236}">
+                <a16:creationId xmlns:a16="http://schemas.microsoft.com/office/drawing/2014/main" id="{DF43DDE1-3531-0BC6-D405-FDAA4746B70E}"/>
+              </a:ext>
+            </a:extLst>
+          </p:cNvPr>
+          <p:cNvSpPr txBox="1"/>
+          <p:nvPr/>
+        </p:nvSpPr>
+        <p:spPr>
+          <a:xfrm>
+            <a:off x="378086" y="3518448"/>
+            <a:ext cx="7843480" cy="1349087"/>
+          </a:xfrm>
+          <a:prstGeom prst="rect">
+            <a:avLst/>
+          </a:prstGeom>
+          <a:noFill/>
+          <a:ln>
+            <a:solidFill>
+              <a:schemeClr val="tx1"/>
+            </a:solidFill>
+          </a:ln>
+        </p:spPr>
+        <p:txBody>
+          <a:bodyPr wrap="square">
+            <a:spAutoFit/>
+          </a:bodyPr>
+          <a:lstStyle>
+            <a:defPPr marR="0" lvl="0" algn="l" rtl="0">
+              <a:lnSpc>
+                <a:spcPct val="100000"/>
+              </a:lnSpc>
+              <a:spcBef>
+                <a:spcPts val="0"/>
+              </a:spcBef>
+              <a:spcAft>
+                <a:spcPts val="0"/>
+              </a:spcAft>
+              <a:defRPr/>
+            </a:defPPr>
+            <a:lvl1pPr>
+              <a:lnSpc>
+                <a:spcPts val="1425"/>
+              </a:lnSpc>
+              <a:defRPr>
+                <a:solidFill>
+                  <a:schemeClr val="tx1"/>
+                </a:solidFill>
+                <a:effectLst/>
+                <a:latin typeface="Consolas" panose="020B0609020204030204" pitchFamily="49" charset="0"/>
+              </a:defRPr>
+            </a:lvl1pPr>
+          </a:lstStyle>
+          <a:p>
+            <a:r>
+              <a:rPr lang="en-US" b="1" dirty="0"/>
+              <a:t>4. Mapping dan Integrasi Data</a:t>
+            </a:r>
+          </a:p>
+          <a:p>
+            <a:pPr>
+              <a:lnSpc>
+                <a:spcPct val="100000"/>
+              </a:lnSpc>
+              <a:buFont typeface="Arial" panose="020B0604020202020204" pitchFamily="34" charset="0"/>
+              <a:buChar char="•"/>
+            </a:pPr>
+            <a:r>
+              <a:rPr lang="en-US" dirty="0" err="1">
+                <a:latin typeface="+mj-lt"/>
+              </a:rPr>
+              <a:t>Tahapan</a:t>
+            </a:r>
+            <a:r>
+              <a:rPr lang="en-US" dirty="0">
+                <a:latin typeface="+mj-lt"/>
+              </a:rPr>
+              <a:t> </a:t>
+            </a:r>
+            <a:r>
+              <a:rPr lang="en-US" dirty="0" err="1">
+                <a:latin typeface="+mj-lt"/>
+              </a:rPr>
+              <a:t>pemetaan</a:t>
+            </a:r>
+            <a:r>
+              <a:rPr lang="en-US" dirty="0">
+                <a:latin typeface="+mj-lt"/>
+              </a:rPr>
+              <a:t> </a:t>
+            </a:r>
+            <a:r>
+              <a:rPr lang="en-US" dirty="0" err="1">
+                <a:latin typeface="+mj-lt"/>
+              </a:rPr>
+              <a:t>antara</a:t>
+            </a:r>
+            <a:r>
+              <a:rPr lang="en-US" dirty="0">
+                <a:latin typeface="+mj-lt"/>
+              </a:rPr>
+              <a:t> data </a:t>
+            </a:r>
+            <a:r>
+              <a:rPr lang="en-US" dirty="0" err="1">
+                <a:latin typeface="+mj-lt"/>
+              </a:rPr>
+              <a:t>resep</a:t>
+            </a:r>
+            <a:r>
+              <a:rPr lang="en-US" dirty="0">
+                <a:latin typeface="+mj-lt"/>
+              </a:rPr>
+              <a:t> dan data </a:t>
+            </a:r>
+            <a:r>
+              <a:rPr lang="en-US" dirty="0" err="1">
+                <a:latin typeface="+mj-lt"/>
+              </a:rPr>
+              <a:t>nutrisi</a:t>
+            </a:r>
+            <a:r>
+              <a:rPr lang="en-US" dirty="0">
+                <a:latin typeface="+mj-lt"/>
+              </a:rPr>
+              <a:t>:</a:t>
+            </a:r>
+          </a:p>
+          <a:p>
+            <a:pPr>
+              <a:lnSpc>
+                <a:spcPct val="100000"/>
+              </a:lnSpc>
+              <a:buFont typeface="Arial" panose="020B0604020202020204" pitchFamily="34" charset="0"/>
+              <a:buChar char="•"/>
+            </a:pPr>
+            <a:r>
+              <a:rPr lang="en-US" dirty="0" err="1">
+                <a:latin typeface="+mj-lt"/>
+              </a:rPr>
+              <a:t>Pisahkan</a:t>
+            </a:r>
+            <a:r>
+              <a:rPr lang="en-US" dirty="0">
+                <a:latin typeface="+mj-lt"/>
+              </a:rPr>
+              <a:t> string ingredients </a:t>
+            </a:r>
+            <a:r>
+              <a:rPr lang="en-US" dirty="0" err="1">
+                <a:latin typeface="+mj-lt"/>
+              </a:rPr>
+              <a:t>jadi</a:t>
+            </a:r>
+            <a:r>
+              <a:rPr lang="en-US" dirty="0">
+                <a:latin typeface="+mj-lt"/>
+              </a:rPr>
+              <a:t> list.</a:t>
+            </a:r>
+          </a:p>
+          <a:p>
+            <a:pPr>
+              <a:lnSpc>
+                <a:spcPct val="100000"/>
+              </a:lnSpc>
+              <a:buFont typeface="Arial" panose="020B0604020202020204" pitchFamily="34" charset="0"/>
+              <a:buChar char="•"/>
+            </a:pPr>
+            <a:r>
+              <a:rPr lang="en-US" dirty="0" err="1">
+                <a:latin typeface="+mj-lt"/>
+              </a:rPr>
+              <a:t>Tentukan</a:t>
+            </a:r>
+            <a:r>
+              <a:rPr lang="en-US" dirty="0">
+                <a:latin typeface="+mj-lt"/>
+              </a:rPr>
+              <a:t> </a:t>
+            </a:r>
+            <a:r>
+              <a:rPr lang="en-US" dirty="0" err="1">
+                <a:latin typeface="+mj-lt"/>
+              </a:rPr>
+              <a:t>jumlah</a:t>
+            </a:r>
+            <a:r>
+              <a:rPr lang="en-US" dirty="0">
+                <a:latin typeface="+mj-lt"/>
+              </a:rPr>
+              <a:t> </a:t>
+            </a:r>
+            <a:r>
+              <a:rPr lang="en-US" dirty="0" err="1">
+                <a:latin typeface="+mj-lt"/>
+              </a:rPr>
+              <a:t>maksimum</a:t>
+            </a:r>
+            <a:r>
+              <a:rPr lang="en-US" dirty="0">
+                <a:latin typeface="+mj-lt"/>
+              </a:rPr>
+              <a:t> </a:t>
+            </a:r>
+            <a:r>
+              <a:rPr lang="en-US" dirty="0" err="1">
+                <a:latin typeface="+mj-lt"/>
+              </a:rPr>
+              <a:t>bahan</a:t>
+            </a:r>
+            <a:r>
+              <a:rPr lang="en-US" dirty="0">
+                <a:latin typeface="+mj-lt"/>
+              </a:rPr>
+              <a:t> </a:t>
+            </a:r>
+            <a:r>
+              <a:rPr lang="en-US" dirty="0" err="1">
+                <a:latin typeface="+mj-lt"/>
+              </a:rPr>
+              <a:t>untuk</a:t>
+            </a:r>
+            <a:r>
+              <a:rPr lang="en-US" dirty="0">
+                <a:latin typeface="+mj-lt"/>
+              </a:rPr>
+              <a:t> </a:t>
+            </a:r>
+            <a:r>
+              <a:rPr lang="en-US" dirty="0" err="1">
+                <a:latin typeface="+mj-lt"/>
+              </a:rPr>
+              <a:t>satu</a:t>
+            </a:r>
+            <a:r>
+              <a:rPr lang="en-US" dirty="0">
+                <a:latin typeface="+mj-lt"/>
+              </a:rPr>
+              <a:t> </a:t>
+            </a:r>
+            <a:r>
+              <a:rPr lang="en-US" dirty="0" err="1">
+                <a:latin typeface="+mj-lt"/>
+              </a:rPr>
+              <a:t>resep</a:t>
+            </a:r>
+            <a:r>
+              <a:rPr lang="en-US" dirty="0">
+                <a:latin typeface="+mj-lt"/>
+              </a:rPr>
+              <a:t>, </a:t>
+            </a:r>
+            <a:r>
+              <a:rPr lang="en-US" dirty="0" err="1">
+                <a:latin typeface="+mj-lt"/>
+              </a:rPr>
+              <a:t>lalu</a:t>
+            </a:r>
+            <a:r>
+              <a:rPr lang="en-US" dirty="0">
+                <a:latin typeface="+mj-lt"/>
+              </a:rPr>
+              <a:t> </a:t>
+            </a:r>
+            <a:r>
+              <a:rPr lang="en-US" dirty="0" err="1">
+                <a:latin typeface="+mj-lt"/>
+              </a:rPr>
+              <a:t>ubah</a:t>
+            </a:r>
+            <a:r>
+              <a:rPr lang="en-US" dirty="0">
+                <a:latin typeface="+mj-lt"/>
+              </a:rPr>
+              <a:t> </a:t>
+            </a:r>
+            <a:r>
+              <a:rPr lang="en-US" dirty="0" err="1">
+                <a:latin typeface="+mj-lt"/>
+              </a:rPr>
+              <a:t>menjadi</a:t>
+            </a:r>
+            <a:r>
+              <a:rPr lang="en-US" dirty="0">
+                <a:latin typeface="+mj-lt"/>
+              </a:rPr>
+              <a:t> </a:t>
+            </a:r>
+            <a:r>
+              <a:rPr lang="en-US" dirty="0" err="1">
+                <a:latin typeface="+mj-lt"/>
+              </a:rPr>
+              <a:t>kolom</a:t>
+            </a:r>
+            <a:r>
+              <a:rPr lang="en-US" dirty="0">
+                <a:latin typeface="+mj-lt"/>
+              </a:rPr>
+              <a:t> </a:t>
+            </a:r>
+            <a:r>
+              <a:rPr lang="en-US" dirty="0" err="1">
+                <a:latin typeface="+mj-lt"/>
+              </a:rPr>
+              <a:t>terpisah</a:t>
+            </a:r>
+            <a:endParaRPr lang="en-US" dirty="0">
+              <a:latin typeface="+mj-lt"/>
+            </a:endParaRPr>
+          </a:p>
+          <a:p>
+            <a:pPr>
+              <a:lnSpc>
+                <a:spcPct val="100000"/>
+              </a:lnSpc>
+              <a:buFont typeface="Arial" panose="020B0604020202020204" pitchFamily="34" charset="0"/>
+              <a:buChar char="•"/>
+            </a:pPr>
+            <a:r>
+              <a:rPr lang="en-US" dirty="0" err="1">
+                <a:latin typeface="+mj-lt"/>
+              </a:rPr>
+              <a:t>Tambahkan</a:t>
+            </a:r>
+            <a:r>
+              <a:rPr lang="en-US" dirty="0">
+                <a:latin typeface="+mj-lt"/>
+              </a:rPr>
+              <a:t> </a:t>
+            </a:r>
+            <a:r>
+              <a:rPr lang="en-US" dirty="0" err="1">
+                <a:latin typeface="+mj-lt"/>
+              </a:rPr>
+              <a:t>kolom</a:t>
+            </a:r>
+            <a:r>
+              <a:rPr lang="en-US" dirty="0">
+                <a:latin typeface="+mj-lt"/>
+              </a:rPr>
+              <a:t> </a:t>
+            </a:r>
+            <a:r>
+              <a:rPr lang="en-US" dirty="0" err="1">
+                <a:latin typeface="+mj-lt"/>
+              </a:rPr>
+              <a:t>kandungan</a:t>
+            </a:r>
+            <a:r>
+              <a:rPr lang="en-US" dirty="0">
+                <a:latin typeface="+mj-lt"/>
+              </a:rPr>
+              <a:t> </a:t>
+            </a:r>
+            <a:r>
+              <a:rPr lang="en-US" dirty="0" err="1">
+                <a:latin typeface="+mj-lt"/>
+              </a:rPr>
+              <a:t>kalori</a:t>
+            </a:r>
+            <a:r>
+              <a:rPr lang="en-US" dirty="0">
+                <a:latin typeface="+mj-lt"/>
+              </a:rPr>
+              <a:t> </a:t>
+            </a:r>
+            <a:r>
+              <a:rPr lang="en-US" dirty="0" err="1">
+                <a:latin typeface="+mj-lt"/>
+              </a:rPr>
+              <a:t>tiap</a:t>
+            </a:r>
+            <a:r>
+              <a:rPr lang="en-US" dirty="0">
+                <a:latin typeface="+mj-lt"/>
+              </a:rPr>
+              <a:t> </a:t>
+            </a:r>
+            <a:r>
+              <a:rPr lang="en-US" dirty="0" err="1">
+                <a:latin typeface="+mj-lt"/>
+              </a:rPr>
+              <a:t>bahan</a:t>
+            </a:r>
+            <a:r>
+              <a:rPr lang="en-US" dirty="0">
+                <a:latin typeface="+mj-lt"/>
+              </a:rPr>
+              <a:t>.</a:t>
+            </a:r>
+          </a:p>
+          <a:p>
+            <a:pPr>
+              <a:lnSpc>
+                <a:spcPct val="100000"/>
+              </a:lnSpc>
+              <a:buFont typeface="Arial" panose="020B0604020202020204" pitchFamily="34" charset="0"/>
+              <a:buChar char="•"/>
+            </a:pPr>
+            <a:r>
+              <a:rPr lang="en-US" dirty="0" err="1">
+                <a:latin typeface="+mj-lt"/>
+              </a:rPr>
+              <a:t>Hitung</a:t>
+            </a:r>
+            <a:r>
+              <a:rPr lang="en-US" dirty="0">
+                <a:latin typeface="+mj-lt"/>
+              </a:rPr>
+              <a:t> total </a:t>
+            </a:r>
+            <a:r>
+              <a:rPr lang="en-US" dirty="0" err="1">
+                <a:latin typeface="+mj-lt"/>
+              </a:rPr>
+              <a:t>kalori</a:t>
+            </a:r>
+            <a:r>
+              <a:rPr lang="en-US" dirty="0">
+                <a:latin typeface="+mj-lt"/>
+              </a:rPr>
+              <a:t> per </a:t>
+            </a:r>
+            <a:r>
+              <a:rPr lang="en-US" dirty="0" err="1">
+                <a:latin typeface="+mj-lt"/>
+              </a:rPr>
+              <a:t>resep</a:t>
+            </a:r>
+            <a:r>
+              <a:rPr lang="en-US" dirty="0">
+                <a:latin typeface="+mj-lt"/>
+              </a:rPr>
+              <a:t> dan </a:t>
+            </a:r>
+            <a:r>
+              <a:rPr lang="en-US" dirty="0" err="1">
+                <a:latin typeface="+mj-lt"/>
+              </a:rPr>
+              <a:t>tambahkan</a:t>
+            </a:r>
+            <a:r>
+              <a:rPr lang="en-US" dirty="0">
+                <a:latin typeface="+mj-lt"/>
+              </a:rPr>
+              <a:t> </a:t>
+            </a:r>
+            <a:r>
+              <a:rPr lang="en-US" dirty="0" err="1">
+                <a:latin typeface="+mj-lt"/>
+              </a:rPr>
+              <a:t>sebagai</a:t>
+            </a:r>
+            <a:r>
+              <a:rPr lang="en-US" dirty="0">
+                <a:latin typeface="+mj-lt"/>
+              </a:rPr>
+              <a:t> </a:t>
+            </a:r>
+            <a:r>
+              <a:rPr lang="en-US" dirty="0" err="1">
+                <a:latin typeface="+mj-lt"/>
+              </a:rPr>
+              <a:t>fitur</a:t>
+            </a:r>
+            <a:r>
+              <a:rPr lang="en-US" dirty="0">
+                <a:latin typeface="+mj-lt"/>
+              </a:rPr>
+              <a:t> </a:t>
+            </a:r>
+            <a:r>
+              <a:rPr lang="en-US" dirty="0" err="1">
+                <a:latin typeface="+mj-lt"/>
+              </a:rPr>
+              <a:t>total_calories_estimated</a:t>
+            </a:r>
+            <a:r>
+              <a:rPr lang="en-US" dirty="0">
+                <a:latin typeface="+mj-lt"/>
+              </a:rPr>
+              <a:t>.</a:t>
+            </a:r>
+          </a:p>
+        </p:txBody>
+      </p:sp>
       <p:pic>
         <p:nvPicPr>
-          <p:cNvPr id="7" name="Picture 6">
+          <p:cNvPr id="21" name="Picture 20">
             <a:extLst>
               <a:ext uri="{FF2B5EF4-FFF2-40B4-BE49-F238E27FC236}">
-                <a16:creationId xmlns:a16="http://schemas.microsoft.com/office/drawing/2014/main" id="{C561485C-2EFB-6EA3-9AAE-D453A0B8348D}"/>
+                <a16:creationId xmlns:a16="http://schemas.microsoft.com/office/drawing/2014/main" id="{D48A6684-EC0B-699F-453B-5E01CFB29D45}"/>
               </a:ext>
             </a:extLst>
           </p:cNvPr>
@@ -28065,311 +29005,18 @@
           <p:nvPr/>
         </p:nvPicPr>
         <p:blipFill>
-          <a:blip r:embed="rId6"/>
-          <a:stretch>
-            <a:fillRect/>
-          </a:stretch>
+          <a:blip r:embed="rId7"/>
+          <a:srcRect l="1445" t="53351" r="7437" b="17653"/>
+          <a:stretch/>
         </p:blipFill>
         <p:spPr>
           <a:xfrm>
-            <a:off x="249775" y="3089398"/>
-            <a:ext cx="5414650" cy="1686022"/>
+            <a:off x="378086" y="4843516"/>
+            <a:ext cx="4991100" cy="198877"/>
           </a:xfrm>
           <a:prstGeom prst="rect">
             <a:avLst/>
           </a:prstGeom>
-        </p:spPr>
-      </p:pic>
-      <p:grpSp>
-        <p:nvGrpSpPr>
-          <p:cNvPr id="12" name="Group 11">
-            <a:extLst>
-              <a:ext uri="{FF2B5EF4-FFF2-40B4-BE49-F238E27FC236}">
-                <a16:creationId xmlns:a16="http://schemas.microsoft.com/office/drawing/2014/main" id="{0E91FC08-B4ED-78FC-C9E9-73E8DF13E39B}"/>
-              </a:ext>
-            </a:extLst>
-          </p:cNvPr>
-          <p:cNvGrpSpPr/>
-          <p:nvPr/>
-        </p:nvGrpSpPr>
-        <p:grpSpPr>
-          <a:xfrm>
-            <a:off x="249775" y="1434685"/>
-            <a:ext cx="8015849" cy="1529906"/>
-            <a:chOff x="797841" y="1473668"/>
-            <a:chExt cx="8015849" cy="1529906"/>
-          </a:xfrm>
-        </p:grpSpPr>
-        <p:pic>
-          <p:nvPicPr>
-            <p:cNvPr id="8" name="Google Shape;321;p46" descr="Arrow circle with solid fill">
-              <a:extLst>
-                <a:ext uri="{FF2B5EF4-FFF2-40B4-BE49-F238E27FC236}">
-                  <a16:creationId xmlns:a16="http://schemas.microsoft.com/office/drawing/2014/main" id="{491A269A-82DE-D010-25CC-386752834DF3}"/>
-                </a:ext>
-              </a:extLst>
-            </p:cNvPr>
-            <p:cNvPicPr preferRelativeResize="0"/>
-            <p:nvPr/>
-          </p:nvPicPr>
-          <p:blipFill>
-            <a:blip r:embed="rId7">
-              <a:extLst>
-                <a:ext uri="{96DAC541-7B7A-43D3-8B79-37D633B846F1}">
-                  <asvg:svgBlip xmlns:asvg="http://schemas.microsoft.com/office/drawing/2016/SVG/main" r:embed="rId8"/>
-                </a:ext>
-              </a:extLst>
-            </a:blip>
-            <a:srcRect/>
-            <a:stretch/>
-          </p:blipFill>
-          <p:spPr>
-            <a:xfrm>
-              <a:off x="797841" y="1961858"/>
-              <a:ext cx="553527" cy="553527"/>
-            </a:xfrm>
-            <a:prstGeom prst="rect">
-              <a:avLst/>
-            </a:prstGeom>
-            <a:noFill/>
-            <a:ln>
-              <a:noFill/>
-            </a:ln>
-          </p:spPr>
-        </p:pic>
-        <p:sp>
-          <p:nvSpPr>
-            <p:cNvPr id="9" name="Google Shape;334;p46">
-              <a:extLst>
-                <a:ext uri="{FF2B5EF4-FFF2-40B4-BE49-F238E27FC236}">
-                  <a16:creationId xmlns:a16="http://schemas.microsoft.com/office/drawing/2014/main" id="{A7A99631-F6A5-E07C-5053-8AA29D5A67FE}"/>
-                </a:ext>
-              </a:extLst>
-            </p:cNvPr>
-            <p:cNvSpPr txBox="1"/>
-            <p:nvPr/>
-          </p:nvSpPr>
-          <p:spPr>
-            <a:xfrm>
-              <a:off x="1459500" y="1473668"/>
-              <a:ext cx="7354190" cy="1529906"/>
-            </a:xfrm>
-            <a:prstGeom prst="rect">
-              <a:avLst/>
-            </a:prstGeom>
-            <a:noFill/>
-            <a:ln>
-              <a:solidFill>
-                <a:schemeClr val="tx1"/>
-              </a:solidFill>
-            </a:ln>
-          </p:spPr>
-          <p:txBody>
-            <a:bodyPr wrap="square">
-              <a:spAutoFit/>
-            </a:bodyPr>
-            <a:lstStyle>
-              <a:defPPr marR="0" lvl="0" algn="l" rtl="0">
-                <a:lnSpc>
-                  <a:spcPct val="100000"/>
-                </a:lnSpc>
-                <a:spcBef>
-                  <a:spcPts val="0"/>
-                </a:spcBef>
-                <a:spcAft>
-                  <a:spcPts val="0"/>
-                </a:spcAft>
-                <a:defRPr/>
-              </a:defPPr>
-              <a:lvl1pPr>
-                <a:lnSpc>
-                  <a:spcPts val="1425"/>
-                </a:lnSpc>
-                <a:defRPr>
-                  <a:solidFill>
-                    <a:schemeClr val="tx1"/>
-                  </a:solidFill>
-                  <a:effectLst/>
-                  <a:latin typeface="Consolas" panose="020B0609020204030204" pitchFamily="49" charset="0"/>
-                </a:defRPr>
-              </a:lvl1pPr>
-            </a:lstStyle>
-            <a:p>
-              <a:r>
-                <a:rPr lang="en-US" dirty="0">
-                  <a:sym typeface="Outfit"/>
-                </a:rPr>
-                <a:t>Perform </a:t>
-              </a:r>
-              <a:r>
-                <a:rPr lang="en-US" dirty="0">
-                  <a:solidFill>
-                    <a:srgbClr val="00B050"/>
-                  </a:solidFill>
-                  <a:sym typeface="Outfit"/>
-                </a:rPr>
-                <a:t>data cleaning </a:t>
-              </a:r>
-              <a:r>
-                <a:rPr lang="en-US" dirty="0">
-                  <a:sym typeface="Outfit"/>
-                </a:rPr>
-                <a:t>in the </a:t>
-              </a:r>
-              <a:r>
-                <a:rPr lang="en-US" dirty="0" err="1">
-                  <a:sym typeface="Outfit"/>
-                </a:rPr>
-                <a:t>dataframe</a:t>
-              </a:r>
-              <a:r>
-                <a:rPr lang="en-US" dirty="0">
-                  <a:sym typeface="Outfit"/>
-                </a:rPr>
-                <a:t> (null data, duplicated, and missing value actions), </a:t>
-              </a:r>
-              <a:r>
-                <a:rPr lang="en-US" dirty="0">
-                  <a:solidFill>
-                    <a:srgbClr val="00B050"/>
-                  </a:solidFill>
-                  <a:sym typeface="Outfit"/>
-                </a:rPr>
-                <a:t>separate unique values </a:t>
-              </a:r>
-              <a:r>
-                <a:rPr lang="en-US" dirty="0">
-                  <a:sym typeface="Outfit"/>
-                </a:rPr>
-                <a:t>into different rows, then perform a group by operation to minimize misinterpretation during data processing, </a:t>
-              </a:r>
-              <a:r>
-                <a:rPr lang="en-US" dirty="0">
-                  <a:solidFill>
-                    <a:srgbClr val="00B050"/>
-                  </a:solidFill>
-                  <a:sym typeface="Outfit"/>
-                </a:rPr>
-                <a:t>scrape </a:t>
-              </a:r>
-              <a:r>
-                <a:rPr lang="en-US" dirty="0">
-                  <a:sym typeface="Outfit"/>
-                </a:rPr>
-                <a:t>data from the Publisher Website. </a:t>
-              </a:r>
-              <a:r>
-                <a:rPr lang="en-US" dirty="0">
-                  <a:solidFill>
-                    <a:srgbClr val="00B050"/>
-                  </a:solidFill>
-                  <a:sym typeface="Outfit"/>
-                </a:rPr>
-                <a:t>Weight and encode label</a:t>
-              </a:r>
-              <a:r>
-                <a:rPr lang="en-US" dirty="0">
-                  <a:sym typeface="Outfit"/>
-                </a:rPr>
-                <a:t> data that falls under the </a:t>
-              </a:r>
-              <a:r>
-                <a:rPr lang="en-US" b="1" dirty="0">
-                  <a:solidFill>
-                    <a:srgbClr val="FF0000"/>
-                  </a:solidFill>
-                  <a:sym typeface="Outfit"/>
-                </a:rPr>
-                <a:t>weighting criteria</a:t>
-              </a:r>
-              <a:r>
-                <a:rPr lang="en-US" dirty="0">
-                  <a:sym typeface="Outfit"/>
-                </a:rPr>
-                <a:t> to be processed into 4 final score clusters using machine learning algorithms (</a:t>
-              </a:r>
-              <a:r>
-                <a:rPr lang="en-US" dirty="0">
-                  <a:solidFill>
-                    <a:srgbClr val="FF0000"/>
-                  </a:solidFill>
-                  <a:sym typeface="Outfit"/>
-                </a:rPr>
-                <a:t>GMM, K-Means, etc.</a:t>
-              </a:r>
-              <a:r>
-                <a:rPr lang="en-US" dirty="0">
-                  <a:sym typeface="Outfit"/>
-                </a:rPr>
-                <a:t>). Search for </a:t>
-              </a:r>
-              <a:r>
-                <a:rPr lang="en-US" dirty="0">
-                  <a:solidFill>
-                    <a:srgbClr val="00B050"/>
-                  </a:solidFill>
-                  <a:sym typeface="Outfit"/>
-                </a:rPr>
-                <a:t>insights and visualize </a:t>
-              </a:r>
-              <a:r>
-                <a:rPr lang="en-US" dirty="0">
-                  <a:sym typeface="Outfit"/>
-                </a:rPr>
-                <a:t>the clustering results to present the findings. </a:t>
-              </a:r>
-              <a:r>
-                <a:rPr lang="en-US" b="1" dirty="0">
-                  <a:solidFill>
-                    <a:srgbClr val="FF0000"/>
-                  </a:solidFill>
-                  <a:sym typeface="Outfit"/>
-                </a:rPr>
-                <a:t>No recommendation actions </a:t>
-              </a:r>
-              <a:r>
-                <a:rPr lang="en-US" dirty="0">
-                  <a:sym typeface="Outfit"/>
-                </a:rPr>
-                <a:t>in this project yet.</a:t>
-              </a:r>
-            </a:p>
-          </p:txBody>
-        </p:sp>
-      </p:grpSp>
-      <p:pic>
-        <p:nvPicPr>
-          <p:cNvPr id="14" name="Picture 13">
-            <a:extLst>
-              <a:ext uri="{FF2B5EF4-FFF2-40B4-BE49-F238E27FC236}">
-                <a16:creationId xmlns:a16="http://schemas.microsoft.com/office/drawing/2014/main" id="{A947F1EA-7C49-697D-76E8-584C81F51637}"/>
-              </a:ext>
-            </a:extLst>
-          </p:cNvPr>
-          <p:cNvPicPr>
-            <a:picLocks noChangeAspect="1"/>
-          </p:cNvPicPr>
-          <p:nvPr/>
-        </p:nvPicPr>
-        <p:blipFill>
-          <a:blip r:embed="rId9"/>
-          <a:stretch>
-            <a:fillRect/>
-          </a:stretch>
-        </p:blipFill>
-        <p:spPr>
-          <a:xfrm>
-            <a:off x="5771655" y="3089398"/>
-            <a:ext cx="2493969" cy="935238"/>
-          </a:xfrm>
-          <a:prstGeom prst="rect">
-            <a:avLst/>
-          </a:prstGeom>
-          <a:ln>
-            <a:solidFill>
-              <a:schemeClr val="tx1"/>
-            </a:solidFill>
-          </a:ln>
         </p:spPr>
       </p:pic>
     </p:spTree>
@@ -28386,14 +29033,22 @@
 </file>
 
 <file path=ppt/slides/slide11.xml><?xml version="1.0" encoding="utf-8"?>
-<p:sld xmlns:a="http://schemas.openxmlformats.org/drawingml/2006/main" xmlns:r="http://schemas.openxmlformats.org/officeDocument/2006/relationships" xmlns:p="http://schemas.openxmlformats.org/presentationml/2006/main" show="0">
+<p:sld xmlns:a="http://schemas.openxmlformats.org/drawingml/2006/main" xmlns:r="http://schemas.openxmlformats.org/officeDocument/2006/relationships" xmlns:p="http://schemas.openxmlformats.org/presentationml/2006/main">
   <p:cSld>
+    <p:bg>
+      <p:bgPr>
+        <a:solidFill>
+          <a:schemeClr val="lt1"/>
+        </a:solidFill>
+        <a:effectLst/>
+      </p:bgPr>
+    </p:bg>
     <p:spTree>
       <p:nvGrpSpPr>
-        <p:cNvPr id="1" name="Shape 236">
+        <p:cNvPr id="1" name="Shape 315">
           <a:extLst>
             <a:ext uri="{FF2B5EF4-FFF2-40B4-BE49-F238E27FC236}">
-              <a16:creationId xmlns:a16="http://schemas.microsoft.com/office/drawing/2014/main" id="{44730248-754A-8B96-36C3-E4714D614057}"/>
+              <a16:creationId xmlns:a16="http://schemas.microsoft.com/office/drawing/2014/main" id="{AD2A52D8-8012-B9B2-9E30-5798EF866D61}"/>
             </a:ext>
           </a:extLst>
         </p:cNvPr>
@@ -28410,10 +29065,10 @@
       </p:grpSpPr>
       <p:pic>
         <p:nvPicPr>
-          <p:cNvPr id="248" name="Google Shape;248;p41">
+          <p:cNvPr id="319" name="Google Shape;319;p46">
             <a:extLst>
               <a:ext uri="{FF2B5EF4-FFF2-40B4-BE49-F238E27FC236}">
-                <a16:creationId xmlns:a16="http://schemas.microsoft.com/office/drawing/2014/main" id="{22DFDCAA-3221-C2C8-D130-96BEE473BB90}"/>
+                <a16:creationId xmlns:a16="http://schemas.microsoft.com/office/drawing/2014/main" id="{C6DC3614-4C04-E3DE-2FFB-AAF0C24DB859}"/>
               </a:ext>
             </a:extLst>
           </p:cNvPr>
@@ -28421,7 +29076,7 @@
           <p:nvPr/>
         </p:nvPicPr>
         <p:blipFill rotWithShape="1">
-          <a:blip r:embed="rId3">
+          <a:blip r:embed="rId4">
             <a:alphaModFix/>
           </a:blip>
           <a:srcRect/>
@@ -28443,24 +29098,20 @@
       </p:pic>
       <p:sp>
         <p:nvSpPr>
-          <p:cNvPr id="2" name="Google Shape;272;p43">
+          <p:cNvPr id="320" name="Google Shape;320;p46">
             <a:extLst>
               <a:ext uri="{FF2B5EF4-FFF2-40B4-BE49-F238E27FC236}">
-                <a16:creationId xmlns:a16="http://schemas.microsoft.com/office/drawing/2014/main" id="{93276262-AC3B-8832-4A8D-69F2C82BC1D0}"/>
+                <a16:creationId xmlns:a16="http://schemas.microsoft.com/office/drawing/2014/main" id="{7AD50B65-32F7-E812-8330-344C2390B142}"/>
               </a:ext>
             </a:extLst>
           </p:cNvPr>
-          <p:cNvSpPr txBox="1">
-            <a:spLocks noGrp="1"/>
-          </p:cNvSpPr>
-          <p:nvPr>
-            <p:ph type="ctrTitle"/>
-          </p:nvPr>
+          <p:cNvSpPr txBox="1"/>
+          <p:nvPr/>
         </p:nvSpPr>
         <p:spPr>
           <a:xfrm>
-            <a:off x="150350" y="119707"/>
-            <a:ext cx="2778380" cy="672465"/>
+            <a:off x="249775" y="166198"/>
+            <a:ext cx="6917643" cy="632224"/>
           </a:xfrm>
           <a:prstGeom prst="rect">
             <a:avLst/>
@@ -28478,33 +29129,183 @@
           <a:bodyPr spcFirstLastPara="1" wrap="square" lIns="91425" tIns="91425" rIns="91425" bIns="91425" anchor="ctr" anchorCtr="0">
             <a:noAutofit/>
           </a:bodyPr>
-          <a:lstStyle/>
-          <a:p>
-            <a:pPr marL="0" lvl="0" indent="0" rtl="0">
+          <a:lstStyle>
+            <a:defPPr marR="0" lvl="0" algn="l" rtl="0">
+              <a:lnSpc>
+                <a:spcPct val="100000"/>
+              </a:lnSpc>
+              <a:spcBef>
+                <a:spcPts val="0"/>
+              </a:spcBef>
+              <a:spcAft>
+                <a:spcPts val="0"/>
+              </a:spcAft>
+            </a:defPPr>
+            <a:lvl1pPr marL="0" indent="0" algn="ctr">
               <a:lnSpc>
                 <a:spcPct val="85000"/>
               </a:lnSpc>
-              <a:spcBef>
-                <a:spcPts val="0"/>
-              </a:spcBef>
-              <a:spcAft>
-                <a:spcPts val="0"/>
-              </a:spcAft>
-              <a:buNone/>
-            </a:pPr>
-            <a:r>
-              <a:rPr lang="en-US" sz="2000" dirty="0">
+              <a:buClr>
+                <a:schemeClr val="dk1"/>
+              </a:buClr>
+              <a:buSzPts val="5200"/>
+              <a:buNone/>
+              <a:defRPr sz="2000">
+                <a:solidFill>
+                  <a:schemeClr val="dk1"/>
+                </a:solidFill>
                 <a:latin typeface="Outfit SemiBold"/>
                 <a:ea typeface="Outfit SemiBold"/>
                 <a:cs typeface="Outfit SemiBold"/>
+              </a:defRPr>
+            </a:lvl1pPr>
+            <a:lvl2pPr algn="ctr">
+              <a:buClr>
+                <a:schemeClr val="dk1"/>
+              </a:buClr>
+              <a:buSzPts val="5200"/>
+              <a:buNone/>
+              <a:defRPr sz="5200">
+                <a:solidFill>
+                  <a:schemeClr val="dk1"/>
+                </a:solidFill>
+              </a:defRPr>
+            </a:lvl2pPr>
+            <a:lvl3pPr algn="ctr">
+              <a:buClr>
+                <a:schemeClr val="dk1"/>
+              </a:buClr>
+              <a:buSzPts val="5200"/>
+              <a:buNone/>
+              <a:defRPr sz="5200">
+                <a:solidFill>
+                  <a:schemeClr val="dk1"/>
+                </a:solidFill>
+              </a:defRPr>
+            </a:lvl3pPr>
+            <a:lvl4pPr algn="ctr">
+              <a:buClr>
+                <a:schemeClr val="dk1"/>
+              </a:buClr>
+              <a:buSzPts val="5200"/>
+              <a:buNone/>
+              <a:defRPr sz="5200">
+                <a:solidFill>
+                  <a:schemeClr val="dk1"/>
+                </a:solidFill>
+              </a:defRPr>
+            </a:lvl4pPr>
+            <a:lvl5pPr algn="ctr">
+              <a:buClr>
+                <a:schemeClr val="dk1"/>
+              </a:buClr>
+              <a:buSzPts val="5200"/>
+              <a:buNone/>
+              <a:defRPr sz="5200">
+                <a:solidFill>
+                  <a:schemeClr val="dk1"/>
+                </a:solidFill>
+              </a:defRPr>
+            </a:lvl5pPr>
+            <a:lvl6pPr algn="ctr">
+              <a:buClr>
+                <a:schemeClr val="dk1"/>
+              </a:buClr>
+              <a:buSzPts val="5200"/>
+              <a:buNone/>
+              <a:defRPr sz="5200">
+                <a:solidFill>
+                  <a:schemeClr val="dk1"/>
+                </a:solidFill>
+              </a:defRPr>
+            </a:lvl6pPr>
+            <a:lvl7pPr algn="ctr">
+              <a:buClr>
+                <a:schemeClr val="dk1"/>
+              </a:buClr>
+              <a:buSzPts val="5200"/>
+              <a:buNone/>
+              <a:defRPr sz="5200">
+                <a:solidFill>
+                  <a:schemeClr val="dk1"/>
+                </a:solidFill>
+              </a:defRPr>
+            </a:lvl7pPr>
+            <a:lvl8pPr algn="ctr">
+              <a:buClr>
+                <a:schemeClr val="dk1"/>
+              </a:buClr>
+              <a:buSzPts val="5200"/>
+              <a:buNone/>
+              <a:defRPr sz="5200">
+                <a:solidFill>
+                  <a:schemeClr val="dk1"/>
+                </a:solidFill>
+              </a:defRPr>
+            </a:lvl8pPr>
+            <a:lvl9pPr algn="ctr">
+              <a:buClr>
+                <a:schemeClr val="dk1"/>
+              </a:buClr>
+              <a:buSzPts val="5200"/>
+              <a:buNone/>
+              <a:defRPr sz="5200">
+                <a:solidFill>
+                  <a:schemeClr val="dk1"/>
+                </a:solidFill>
+              </a:defRPr>
+            </a:lvl9pPr>
+          </a:lstStyle>
+          <a:p>
+            <a:r>
+              <a:rPr lang="en-US" dirty="0">
                 <a:sym typeface="Outfit SemiBold"/>
               </a:rPr>
-              <a:t>Final Clustering Score</a:t>
-            </a:r>
-            <a:endParaRPr sz="500" dirty="0">
-              <a:latin typeface="Outfit SemiBold"/>
-              <a:ea typeface="Outfit SemiBold"/>
-              <a:cs typeface="Outfit SemiBold"/>
+              <a:t>Langkah-Langkah </a:t>
+            </a:r>
+            <a:r>
+              <a:rPr lang="en-US" dirty="0" err="1">
+                <a:sym typeface="Outfit SemiBold"/>
+              </a:rPr>
+              <a:t>Proyek</a:t>
+            </a:r>
+            <a:r>
+              <a:rPr lang="en-US" dirty="0">
+                <a:sym typeface="Outfit SemiBold"/>
+              </a:rPr>
+              <a:t> </a:t>
+            </a:r>
+            <a:r>
+              <a:rPr lang="en-US" dirty="0" err="1">
+                <a:sym typeface="Outfit SemiBold"/>
+              </a:rPr>
+              <a:t>Analisis</a:t>
+            </a:r>
+            <a:r>
+              <a:rPr lang="en-US" dirty="0">
+                <a:sym typeface="Outfit SemiBold"/>
+              </a:rPr>
+              <a:t> </a:t>
+            </a:r>
+            <a:r>
+              <a:rPr lang="en-US" dirty="0" err="1">
+                <a:sym typeface="Outfit SemiBold"/>
+              </a:rPr>
+              <a:t>Sistem</a:t>
+            </a:r>
+            <a:r>
+              <a:rPr lang="en-US" dirty="0">
+                <a:sym typeface="Outfit SemiBold"/>
+              </a:rPr>
+              <a:t> </a:t>
+            </a:r>
+            <a:r>
+              <a:rPr lang="en-US" dirty="0" err="1">
+                <a:sym typeface="Outfit SemiBold"/>
+              </a:rPr>
+              <a:t>Rekomendasi</a:t>
+            </a:r>
+            <a:endParaRPr lang="en-US" dirty="0">
               <a:sym typeface="Outfit SemiBold"/>
             </a:endParaRPr>
           </a:p>
@@ -28512,180 +29313,47 @@
       </p:sp>
       <p:pic>
         <p:nvPicPr>
-          <p:cNvPr id="8" name="Picture 7">
+          <p:cNvPr id="8" name="Google Shape;321;p46" descr="Arrow circle with solid fill">
             <a:extLst>
               <a:ext uri="{FF2B5EF4-FFF2-40B4-BE49-F238E27FC236}">
-                <a16:creationId xmlns:a16="http://schemas.microsoft.com/office/drawing/2014/main" id="{6D068B53-03DD-3D28-3487-80815B9D00AB}"/>
+                <a16:creationId xmlns:a16="http://schemas.microsoft.com/office/drawing/2014/main" id="{DA76A51D-BF26-726C-F7DA-57EA49E35890}"/>
               </a:ext>
             </a:extLst>
           </p:cNvPr>
-          <p:cNvPicPr>
-            <a:picLocks noChangeAspect="1"/>
-          </p:cNvPicPr>
+          <p:cNvPicPr preferRelativeResize="0"/>
           <p:nvPr/>
         </p:nvPicPr>
         <p:blipFill>
-          <a:blip r:embed="rId4"/>
-          <a:stretch>
-            <a:fillRect/>
-          </a:stretch>
+          <a:blip r:embed="rId5">
+            <a:extLst>
+              <a:ext uri="{96DAC541-7B7A-43D3-8B79-37D633B846F1}">
+                <asvg:svgBlip xmlns:asvg="http://schemas.microsoft.com/office/drawing/2016/SVG/main" r:embed="rId6"/>
+              </a:ext>
+            </a:extLst>
+          </a:blip>
+          <a:srcRect/>
+          <a:stretch/>
         </p:blipFill>
         <p:spPr>
           <a:xfrm>
-            <a:off x="9423069" y="562606"/>
-            <a:ext cx="3185213" cy="2068515"/>
+            <a:off x="378090" y="1004939"/>
+            <a:ext cx="1006370" cy="1006370"/>
           </a:xfrm>
           <a:prstGeom prst="rect">
             <a:avLst/>
           </a:prstGeom>
+          <a:noFill/>
           <a:ln>
-            <a:solidFill>
-              <a:schemeClr val="tx1"/>
-            </a:solidFill>
-          </a:ln>
-        </p:spPr>
-      </p:pic>
-      <p:pic>
-        <p:nvPicPr>
-          <p:cNvPr id="10" name="Picture 9">
-            <a:extLst>
-              <a:ext uri="{FF2B5EF4-FFF2-40B4-BE49-F238E27FC236}">
-                <a16:creationId xmlns:a16="http://schemas.microsoft.com/office/drawing/2014/main" id="{BC6CD3A8-F0DF-35F1-6CE7-BF06CC4E7DB4}"/>
-              </a:ext>
-            </a:extLst>
-          </p:cNvPr>
-          <p:cNvPicPr>
-            <a:picLocks noChangeAspect="1"/>
-          </p:cNvPicPr>
-          <p:nvPr/>
-        </p:nvPicPr>
-        <p:blipFill>
-          <a:blip r:embed="rId5"/>
-          <a:stretch>
-            <a:fillRect/>
-          </a:stretch>
-        </p:blipFill>
-        <p:spPr>
-          <a:xfrm>
-            <a:off x="150350" y="3456697"/>
-            <a:ext cx="2418533" cy="1567096"/>
-          </a:xfrm>
-          <a:prstGeom prst="rect">
-            <a:avLst/>
-          </a:prstGeom>
-          <a:ln>
-            <a:solidFill>
-              <a:schemeClr val="tx1"/>
-            </a:solidFill>
-          </a:ln>
-        </p:spPr>
-      </p:pic>
-      <p:pic>
-        <p:nvPicPr>
-          <p:cNvPr id="14" name="Picture 13">
-            <a:extLst>
-              <a:ext uri="{FF2B5EF4-FFF2-40B4-BE49-F238E27FC236}">
-                <a16:creationId xmlns:a16="http://schemas.microsoft.com/office/drawing/2014/main" id="{DE6E772D-B974-103E-0F11-AD0664A84B14}"/>
-              </a:ext>
-            </a:extLst>
-          </p:cNvPr>
-          <p:cNvPicPr>
-            <a:picLocks noChangeAspect="1"/>
-          </p:cNvPicPr>
-          <p:nvPr/>
-        </p:nvPicPr>
-        <p:blipFill>
-          <a:blip r:embed="rId6"/>
-          <a:stretch>
-            <a:fillRect/>
-          </a:stretch>
-        </p:blipFill>
-        <p:spPr>
-          <a:xfrm>
-            <a:off x="2626753" y="3461038"/>
-            <a:ext cx="2419200" cy="1558415"/>
-          </a:xfrm>
-          <a:prstGeom prst="rect">
-            <a:avLst/>
-          </a:prstGeom>
-          <a:ln>
-            <a:solidFill>
-              <a:schemeClr val="tx1"/>
-            </a:solidFill>
-          </a:ln>
-        </p:spPr>
-      </p:pic>
-      <p:pic>
-        <p:nvPicPr>
-          <p:cNvPr id="16" name="Picture 15">
-            <a:extLst>
-              <a:ext uri="{FF2B5EF4-FFF2-40B4-BE49-F238E27FC236}">
-                <a16:creationId xmlns:a16="http://schemas.microsoft.com/office/drawing/2014/main" id="{60020E1B-30C3-9DBD-CAF0-BBE06641DBEB}"/>
-              </a:ext>
-            </a:extLst>
-          </p:cNvPr>
-          <p:cNvPicPr>
-            <a:picLocks noChangeAspect="1"/>
-          </p:cNvPicPr>
-          <p:nvPr/>
-        </p:nvPicPr>
-        <p:blipFill>
-          <a:blip r:embed="rId7"/>
-          <a:stretch>
-            <a:fillRect/>
-          </a:stretch>
-        </p:blipFill>
-        <p:spPr>
-          <a:xfrm>
-            <a:off x="4722350" y="562606"/>
-            <a:ext cx="3049210" cy="2301662"/>
-          </a:xfrm>
-          <a:prstGeom prst="rect">
-            <a:avLst/>
-          </a:prstGeom>
-        </p:spPr>
-      </p:pic>
-      <p:pic>
-        <p:nvPicPr>
-          <p:cNvPr id="12" name="Picture 11">
-            <a:extLst>
-              <a:ext uri="{FF2B5EF4-FFF2-40B4-BE49-F238E27FC236}">
-                <a16:creationId xmlns:a16="http://schemas.microsoft.com/office/drawing/2014/main" id="{001336A4-DBCE-ACEC-B2AF-D309C85ED23D}"/>
-              </a:ext>
-            </a:extLst>
-          </p:cNvPr>
-          <p:cNvPicPr>
-            <a:picLocks noChangeAspect="1"/>
-          </p:cNvPicPr>
-          <p:nvPr/>
-        </p:nvPicPr>
-        <p:blipFill>
-          <a:blip r:embed="rId8"/>
-          <a:stretch>
-            <a:fillRect/>
-          </a:stretch>
-        </p:blipFill>
-        <p:spPr>
-          <a:xfrm>
-            <a:off x="5103823" y="2938340"/>
-            <a:ext cx="2419200" cy="2081113"/>
-          </a:xfrm>
-          <a:prstGeom prst="rect">
-            <a:avLst/>
-          </a:prstGeom>
-          <a:ln>
-            <a:solidFill>
-              <a:schemeClr val="tx1"/>
-            </a:solidFill>
+            <a:noFill/>
           </a:ln>
         </p:spPr>
       </p:pic>
       <p:sp>
         <p:nvSpPr>
-          <p:cNvPr id="5" name="TextBox 4">
+          <p:cNvPr id="9" name="Google Shape;334;p46">
             <a:extLst>
               <a:ext uri="{FF2B5EF4-FFF2-40B4-BE49-F238E27FC236}">
-                <a16:creationId xmlns:a16="http://schemas.microsoft.com/office/drawing/2014/main" id="{C3EE9778-3D3E-9793-F1B7-65F84555DAB5}"/>
+                <a16:creationId xmlns:a16="http://schemas.microsoft.com/office/drawing/2014/main" id="{23C36C42-7DB0-FC5E-2BD5-EBB02A2EE604}"/>
               </a:ext>
             </a:extLst>
           </p:cNvPr>
@@ -28694,166 +29362,8 @@
         </p:nvSpPr>
         <p:spPr>
           <a:xfrm>
-            <a:off x="150350" y="1106647"/>
-            <a:ext cx="4572000" cy="2068515"/>
-          </a:xfrm>
-          <a:prstGeom prst="rect">
-            <a:avLst/>
-          </a:prstGeom>
-          <a:noFill/>
-          <a:ln>
-            <a:solidFill>
-              <a:schemeClr val="tx1"/>
-            </a:solidFill>
-          </a:ln>
-        </p:spPr>
-        <p:txBody>
-          <a:bodyPr wrap="square">
-            <a:spAutoFit/>
-          </a:bodyPr>
-          <a:lstStyle/>
-          <a:p>
-            <a:pPr>
-              <a:lnSpc>
-                <a:spcPts val="1425"/>
-              </a:lnSpc>
-            </a:pPr>
-            <a:r>
-              <a:rPr lang="en-US" b="0" dirty="0">
-                <a:solidFill>
-                  <a:schemeClr val="tx1"/>
-                </a:solidFill>
-                <a:effectLst/>
-                <a:latin typeface="Consolas" panose="020B0609020204030204" pitchFamily="49" charset="0"/>
-              </a:rPr>
-              <a:t>8.0-10.0: High-quality journals are highly recommended.</a:t>
-            </a:r>
-          </a:p>
-          <a:p>
-            <a:pPr>
-              <a:lnSpc>
-                <a:spcPts val="1425"/>
-              </a:lnSpc>
-            </a:pPr>
-            <a:br>
-              <a:rPr lang="en-US" b="0" dirty="0">
-                <a:solidFill>
-                  <a:schemeClr val="tx1"/>
-                </a:solidFill>
-                <a:effectLst/>
-                <a:latin typeface="Consolas" panose="020B0609020204030204" pitchFamily="49" charset="0"/>
-              </a:rPr>
-            </a:br>
-            <a:r>
-              <a:rPr lang="en-US" b="0" dirty="0">
-                <a:solidFill>
-                  <a:schemeClr val="tx1"/>
-                </a:solidFill>
-                <a:effectLst/>
-                <a:latin typeface="Consolas" panose="020B0609020204030204" pitchFamily="49" charset="0"/>
-              </a:rPr>
-              <a:t>6.0-7.9: Good quality journals are fairly recommended.</a:t>
-            </a:r>
-          </a:p>
-          <a:p>
-            <a:pPr>
-              <a:lnSpc>
-                <a:spcPts val="1425"/>
-              </a:lnSpc>
-            </a:pPr>
-            <a:br>
-              <a:rPr lang="en-US" b="0" dirty="0">
-                <a:solidFill>
-                  <a:schemeClr val="tx1"/>
-                </a:solidFill>
-                <a:effectLst/>
-                <a:latin typeface="Consolas" panose="020B0609020204030204" pitchFamily="49" charset="0"/>
-              </a:rPr>
-            </a:br>
-            <a:r>
-              <a:rPr lang="en-US" b="0" dirty="0">
-                <a:solidFill>
-                  <a:schemeClr val="tx1"/>
-                </a:solidFill>
-                <a:effectLst/>
-                <a:latin typeface="Consolas" panose="020B0609020204030204" pitchFamily="49" charset="0"/>
-              </a:rPr>
-              <a:t>4.0-5.9: Medium-quality journals require further evaluation.</a:t>
-            </a:r>
-          </a:p>
-          <a:p>
-            <a:pPr>
-              <a:lnSpc>
-                <a:spcPts val="1425"/>
-              </a:lnSpc>
-            </a:pPr>
-            <a:br>
-              <a:rPr lang="en-US" b="0" dirty="0">
-                <a:solidFill>
-                  <a:schemeClr val="tx1"/>
-                </a:solidFill>
-                <a:effectLst/>
-                <a:latin typeface="Consolas" panose="020B0609020204030204" pitchFamily="49" charset="0"/>
-              </a:rPr>
-            </a:br>
-            <a:r>
-              <a:rPr lang="en-US" b="0" dirty="0">
-                <a:solidFill>
-                  <a:schemeClr val="tx1"/>
-                </a:solidFill>
-                <a:effectLst/>
-                <a:latin typeface="Consolas" panose="020B0609020204030204" pitchFamily="49" charset="0"/>
-              </a:rPr>
-              <a:t>&lt;4.0: Low-quality journals are not recommended.</a:t>
-            </a:r>
-          </a:p>
-        </p:txBody>
-      </p:sp>
-      <p:pic>
-        <p:nvPicPr>
-          <p:cNvPr id="18" name="Picture 17">
-            <a:extLst>
-              <a:ext uri="{FF2B5EF4-FFF2-40B4-BE49-F238E27FC236}">
-                <a16:creationId xmlns:a16="http://schemas.microsoft.com/office/drawing/2014/main" id="{A32494FC-B16B-77F6-B8D7-E5AFA762F052}"/>
-              </a:ext>
-            </a:extLst>
-          </p:cNvPr>
-          <p:cNvPicPr>
-            <a:picLocks noChangeAspect="1"/>
-          </p:cNvPicPr>
-          <p:nvPr/>
-        </p:nvPicPr>
-        <p:blipFill>
-          <a:blip r:embed="rId9"/>
-          <a:srcRect b="8586"/>
-          <a:stretch/>
-        </p:blipFill>
-        <p:spPr>
-          <a:xfrm>
-            <a:off x="-3881307" y="275964"/>
-            <a:ext cx="3491314" cy="1693284"/>
-          </a:xfrm>
-          <a:prstGeom prst="rect">
-            <a:avLst/>
-          </a:prstGeom>
-        </p:spPr>
-      </p:pic>
-      <p:sp>
-        <p:nvSpPr>
-          <p:cNvPr id="21" name="TextBox 20">
-            <a:extLst>
-              <a:ext uri="{FF2B5EF4-FFF2-40B4-BE49-F238E27FC236}">
-                <a16:creationId xmlns:a16="http://schemas.microsoft.com/office/drawing/2014/main" id="{CD6333E8-2875-432D-B050-D9B0E26E4FFC}"/>
-              </a:ext>
-            </a:extLst>
-          </p:cNvPr>
-          <p:cNvSpPr txBox="1"/>
-          <p:nvPr/>
-        </p:nvSpPr>
-        <p:spPr>
-          <a:xfrm>
-            <a:off x="7580893" y="2938340"/>
-            <a:ext cx="1372440" cy="2068515"/>
+            <a:off x="1384462" y="946840"/>
+            <a:ext cx="6837107" cy="452688"/>
           </a:xfrm>
           <a:prstGeom prst="rect">
             <a:avLst/>
@@ -28880,6 +29390,7 @@
               <a:spcAft>
                 <a:spcPts val="0"/>
               </a:spcAft>
+              <a:defRPr/>
             </a:defPPr>
             <a:lvl1pPr>
               <a:lnSpc>
@@ -28895,64 +29406,189 @@
             </a:lvl1pPr>
           </a:lstStyle>
           <a:p>
-            <a:r>
-              <a:rPr lang="en-US" dirty="0"/>
-              <a:t>Good Quality:</a:t>
+            <a:pPr>
+              <a:buNone/>
+            </a:pPr>
+            <a:r>
+              <a:rPr lang="en-US" b="1" dirty="0"/>
+              <a:t>5. </a:t>
+            </a:r>
+            <a:r>
+              <a:rPr lang="en-US" b="1" dirty="0" err="1"/>
+              <a:t>Penataan</a:t>
+            </a:r>
+            <a:r>
+              <a:rPr lang="en-US" b="1" dirty="0"/>
+              <a:t> Fitur Akhir</a:t>
             </a:r>
           </a:p>
           <a:p>
-            <a:r>
-              <a:rPr lang="en-US" dirty="0"/>
-              <a:t>1155</a:t>
-            </a:r>
-          </a:p>
-          <a:p>
-            <a:endParaRPr lang="en-US" dirty="0"/>
-          </a:p>
-          <a:p>
-            <a:r>
-              <a:rPr lang="en-US" dirty="0"/>
-              <a:t>Medium Quality:</a:t>
-            </a:r>
-          </a:p>
-          <a:p>
-            <a:r>
-              <a:rPr lang="en-US" dirty="0"/>
-              <a:t>444</a:t>
-            </a:r>
-          </a:p>
-          <a:p>
-            <a:endParaRPr lang="en-US" dirty="0"/>
-          </a:p>
-          <a:p>
-            <a:r>
-              <a:rPr lang="en-US" dirty="0"/>
-              <a:t>High Quality:</a:t>
-            </a:r>
-          </a:p>
-          <a:p>
-            <a:r>
-              <a:rPr lang="en-US" dirty="0"/>
-              <a:t>109</a:t>
-            </a:r>
+            <a:pPr>
+              <a:buNone/>
+            </a:pPr>
+            <a:endParaRPr lang="en-US" b="1" dirty="0"/>
           </a:p>
         </p:txBody>
       </p:sp>
+      <p:sp>
+        <p:nvSpPr>
+          <p:cNvPr id="5" name="Google Shape;334;p46">
+            <a:extLst>
+              <a:ext uri="{FF2B5EF4-FFF2-40B4-BE49-F238E27FC236}">
+                <a16:creationId xmlns:a16="http://schemas.microsoft.com/office/drawing/2014/main" id="{E8E13889-05BD-39FC-305B-B44AABF474F1}"/>
+              </a:ext>
+            </a:extLst>
+          </p:cNvPr>
+          <p:cNvSpPr txBox="1"/>
+          <p:nvPr/>
+        </p:nvSpPr>
+        <p:spPr>
+          <a:xfrm>
+            <a:off x="378089" y="1947672"/>
+            <a:ext cx="7843480" cy="273152"/>
+          </a:xfrm>
+          <a:prstGeom prst="rect">
+            <a:avLst/>
+          </a:prstGeom>
+          <a:noFill/>
+          <a:ln>
+            <a:solidFill>
+              <a:schemeClr val="tx1"/>
+            </a:solidFill>
+          </a:ln>
+        </p:spPr>
+        <p:txBody>
+          <a:bodyPr wrap="square">
+            <a:spAutoFit/>
+          </a:bodyPr>
+          <a:lstStyle>
+            <a:defPPr marR="0" lvl="0" algn="l" rtl="0">
+              <a:lnSpc>
+                <a:spcPct val="100000"/>
+              </a:lnSpc>
+              <a:spcBef>
+                <a:spcPts val="0"/>
+              </a:spcBef>
+              <a:spcAft>
+                <a:spcPts val="0"/>
+              </a:spcAft>
+              <a:defRPr/>
+            </a:defPPr>
+            <a:lvl1pPr>
+              <a:lnSpc>
+                <a:spcPts val="1425"/>
+              </a:lnSpc>
+              <a:defRPr>
+                <a:solidFill>
+                  <a:schemeClr val="tx1"/>
+                </a:solidFill>
+                <a:effectLst/>
+                <a:latin typeface="Consolas" panose="020B0609020204030204" pitchFamily="49" charset="0"/>
+              </a:defRPr>
+            </a:lvl1pPr>
+          </a:lstStyle>
+          <a:p>
+            <a:pPr>
+              <a:buNone/>
+            </a:pPr>
+            <a:r>
+              <a:rPr lang="en-US" b="1" dirty="0"/>
+              <a:t>6. </a:t>
+            </a:r>
+            <a:r>
+              <a:rPr lang="en-US" b="1" dirty="0" err="1"/>
+              <a:t>Pembuatan</a:t>
+            </a:r>
+            <a:r>
+              <a:rPr lang="en-US" b="1" dirty="0"/>
+              <a:t> Model </a:t>
+            </a:r>
+            <a:r>
+              <a:rPr lang="en-US" b="1" dirty="0" err="1"/>
+              <a:t>Rekomendasi</a:t>
+            </a:r>
+            <a:r>
+              <a:rPr lang="en-US" b="1" dirty="0"/>
+              <a:t> (Draft)</a:t>
+            </a:r>
+          </a:p>
+        </p:txBody>
+      </p:sp>
+      <p:pic>
+        <p:nvPicPr>
+          <p:cNvPr id="3" name="Picture 2">
+            <a:extLst>
+              <a:ext uri="{FF2B5EF4-FFF2-40B4-BE49-F238E27FC236}">
+                <a16:creationId xmlns:a16="http://schemas.microsoft.com/office/drawing/2014/main" id="{1591B9D0-72ED-672B-C226-F960184DF65B}"/>
+              </a:ext>
+            </a:extLst>
+          </p:cNvPr>
+          <p:cNvPicPr>
+            <a:picLocks noChangeAspect="1"/>
+          </p:cNvPicPr>
+          <p:nvPr/>
+        </p:nvPicPr>
+        <p:blipFill>
+          <a:blip r:embed="rId7"/>
+          <a:stretch>
+            <a:fillRect/>
+          </a:stretch>
+        </p:blipFill>
+        <p:spPr>
+          <a:xfrm>
+            <a:off x="1384460" y="1218909"/>
+            <a:ext cx="6837106" cy="423399"/>
+          </a:xfrm>
+          <a:prstGeom prst="rect">
+            <a:avLst/>
+          </a:prstGeom>
+        </p:spPr>
+      </p:pic>
+      <p:pic>
+        <p:nvPicPr>
+          <p:cNvPr id="7" name="Picture 6">
+            <a:extLst>
+              <a:ext uri="{FF2B5EF4-FFF2-40B4-BE49-F238E27FC236}">
+                <a16:creationId xmlns:a16="http://schemas.microsoft.com/office/drawing/2014/main" id="{21F81059-CA60-17C1-57A1-C0EBF8043F28}"/>
+              </a:ext>
+            </a:extLst>
+          </p:cNvPr>
+          <p:cNvPicPr>
+            <a:picLocks noChangeAspect="1"/>
+          </p:cNvPicPr>
+          <p:nvPr/>
+        </p:nvPicPr>
+        <p:blipFill>
+          <a:blip r:embed="rId8"/>
+          <a:stretch>
+            <a:fillRect/>
+          </a:stretch>
+        </p:blipFill>
+        <p:spPr>
+          <a:xfrm>
+            <a:off x="378086" y="2225279"/>
+            <a:ext cx="7843480" cy="2336078"/>
+          </a:xfrm>
+          <a:prstGeom prst="rect">
+            <a:avLst/>
+          </a:prstGeom>
+        </p:spPr>
+      </p:pic>
     </p:spTree>
     <p:extLst>
       <p:ext uri="{BB962C8B-B14F-4D97-AF65-F5344CB8AC3E}">
-        <p14:creationId xmlns:p14="http://schemas.microsoft.com/office/powerpoint/2010/main" val="3602367086"/>
+        <p14:creationId xmlns:p14="http://schemas.microsoft.com/office/powerpoint/2010/main" val="174623704"/>
       </p:ext>
     </p:extLst>
   </p:cSld>
   <p:clrMapOvr>
-    <a:masterClrMapping/>
+    <a:overrideClrMapping bg1="lt1" tx1="dk1" bg2="dk2" tx2="lt2" accent1="accent1" accent2="accent2" accent3="accent3" accent4="accent4" accent5="accent5" accent6="accent6" hlink="hlink" folHlink="folHlink"/>
   </p:clrMapOvr>
 </p:sld>
 </file>
 
 <file path=ppt/slides/slide12.xml><?xml version="1.0" encoding="utf-8"?>
-<p:sld xmlns:a="http://schemas.openxmlformats.org/drawingml/2006/main" xmlns:r="http://schemas.openxmlformats.org/officeDocument/2006/relationships" xmlns:p="http://schemas.openxmlformats.org/presentationml/2006/main" show="0">
+<p:sld xmlns:a="http://schemas.openxmlformats.org/drawingml/2006/main" xmlns:r="http://schemas.openxmlformats.org/officeDocument/2006/relationships" xmlns:p="http://schemas.openxmlformats.org/presentationml/2006/main">
   <p:cSld>
     <p:bg>
       <p:bgPr>
@@ -28976,251 +29612,6 @@
           <a:chExt cx="0" cy="0"/>
         </a:xfrm>
       </p:grpSpPr>
-      <p:sp>
-        <p:nvSpPr>
-          <p:cNvPr id="476" name="Google Shape;476;p54"/>
-          <p:cNvSpPr txBox="1"/>
-          <p:nvPr/>
-        </p:nvSpPr>
-        <p:spPr>
-          <a:xfrm>
-            <a:off x="357825" y="925200"/>
-            <a:ext cx="6597600" cy="3637129"/>
-          </a:xfrm>
-          <a:prstGeom prst="rect">
-            <a:avLst/>
-          </a:prstGeom>
-          <a:noFill/>
-          <a:ln>
-            <a:noFill/>
-          </a:ln>
-        </p:spPr>
-        <p:txBody>
-          <a:bodyPr spcFirstLastPara="1" wrap="square" lIns="0" tIns="13950" rIns="0" bIns="0" anchor="t" anchorCtr="0">
-            <a:spAutoFit/>
-          </a:bodyPr>
-          <a:lstStyle/>
-          <a:p>
-            <a:pPr marL="139700" marR="0" lvl="0" algn="l" rtl="0">
-              <a:lnSpc>
-                <a:spcPct val="115000"/>
-              </a:lnSpc>
-              <a:spcBef>
-                <a:spcPts val="1000"/>
-              </a:spcBef>
-              <a:spcAft>
-                <a:spcPts val="0"/>
-              </a:spcAft>
-              <a:buClr>
-                <a:schemeClr val="dk1"/>
-              </a:buClr>
-              <a:buSzPts val="1400"/>
-            </a:pPr>
-            <a:r>
-              <a:rPr lang="en-US" dirty="0"/>
-              <a:t>Based on what I have found, here are my insights and outcomes after reviewing the data :</a:t>
-            </a:r>
-            <a:endParaRPr lang="en-US" dirty="0">
-              <a:solidFill>
-                <a:schemeClr val="dk1"/>
-              </a:solidFill>
-              <a:latin typeface="Outfit"/>
-              <a:ea typeface="Outfit"/>
-              <a:cs typeface="Outfit"/>
-              <a:sym typeface="Outfit"/>
-            </a:endParaRPr>
-          </a:p>
-          <a:p>
-            <a:pPr marL="457200" marR="0" lvl="0" indent="-317500" algn="l" rtl="0">
-              <a:lnSpc>
-                <a:spcPct val="115000"/>
-              </a:lnSpc>
-              <a:spcBef>
-                <a:spcPts val="1000"/>
-              </a:spcBef>
-              <a:spcAft>
-                <a:spcPts val="0"/>
-              </a:spcAft>
-              <a:buClr>
-                <a:schemeClr val="dk1"/>
-              </a:buClr>
-              <a:buSzPts val="1400"/>
-              <a:buFont typeface="Outfit"/>
-              <a:buChar char="●"/>
-            </a:pPr>
-            <a:r>
-              <a:rPr lang="en-US" dirty="0">
-                <a:solidFill>
-                  <a:schemeClr val="dk1"/>
-                </a:solidFill>
-                <a:latin typeface="Outfit"/>
-                <a:ea typeface="Outfit"/>
-                <a:cs typeface="Outfit"/>
-                <a:sym typeface="Outfit"/>
-              </a:rPr>
-              <a:t>Impact of the 2008 Economic Crisis:</a:t>
-            </a:r>
-          </a:p>
-          <a:p>
-            <a:pPr marL="139700" marR="0" lvl="0" algn="l" rtl="0">
-              <a:lnSpc>
-                <a:spcPct val="115000"/>
-              </a:lnSpc>
-              <a:spcBef>
-                <a:spcPts val="1000"/>
-              </a:spcBef>
-              <a:spcAft>
-                <a:spcPts val="0"/>
-              </a:spcAft>
-              <a:buClr>
-                <a:schemeClr val="dk1"/>
-              </a:buClr>
-              <a:buSzPts val="1400"/>
-            </a:pPr>
-            <a:r>
-              <a:rPr lang="en-US" dirty="0">
-                <a:solidFill>
-                  <a:schemeClr val="dk1"/>
-                </a:solidFill>
-                <a:latin typeface="Outfit"/>
-                <a:ea typeface="Outfit"/>
-                <a:cs typeface="Outfit"/>
-                <a:sym typeface="Outfit"/>
-              </a:rPr>
-              <a:t>The crisis affected journal quality distribution, with a shift towards high-quality journals post-2008.</a:t>
-            </a:r>
-          </a:p>
-          <a:p>
-            <a:pPr marL="457200" marR="0" lvl="0" indent="-317500" algn="l" rtl="0">
-              <a:lnSpc>
-                <a:spcPct val="115000"/>
-              </a:lnSpc>
-              <a:spcBef>
-                <a:spcPts val="1000"/>
-              </a:spcBef>
-              <a:spcAft>
-                <a:spcPts val="0"/>
-              </a:spcAft>
-              <a:buClr>
-                <a:schemeClr val="dk1"/>
-              </a:buClr>
-              <a:buSzPts val="1400"/>
-              <a:buFont typeface="Outfit"/>
-              <a:buChar char="●"/>
-            </a:pPr>
-            <a:r>
-              <a:rPr lang="en-US" dirty="0">
-                <a:solidFill>
-                  <a:schemeClr val="dk1"/>
-                </a:solidFill>
-                <a:latin typeface="Outfit"/>
-                <a:ea typeface="Outfit"/>
-                <a:cs typeface="Outfit"/>
-                <a:sym typeface="Outfit"/>
-              </a:rPr>
-              <a:t>Role of Good-Quality Journals:</a:t>
-            </a:r>
-          </a:p>
-          <a:p>
-            <a:pPr marL="139700" marR="0" lvl="0" algn="l" rtl="0">
-              <a:lnSpc>
-                <a:spcPct val="115000"/>
-              </a:lnSpc>
-              <a:spcBef>
-                <a:spcPts val="1000"/>
-              </a:spcBef>
-              <a:spcAft>
-                <a:spcPts val="0"/>
-              </a:spcAft>
-              <a:buClr>
-                <a:schemeClr val="dk1"/>
-              </a:buClr>
-              <a:buSzPts val="1400"/>
-            </a:pPr>
-            <a:r>
-              <a:rPr lang="en-US" dirty="0">
-                <a:solidFill>
-                  <a:schemeClr val="dk1"/>
-                </a:solidFill>
-                <a:latin typeface="Outfit"/>
-                <a:ea typeface="Outfit"/>
-                <a:cs typeface="Outfit"/>
-                <a:sym typeface="Outfit"/>
-              </a:rPr>
-              <a:t>Good-quality journals remained the backbone of scientific publications, despite a decline in 2008.</a:t>
-            </a:r>
-          </a:p>
-          <a:p>
-            <a:pPr marL="457200" marR="0" lvl="0" indent="-317500" algn="l" rtl="0">
-              <a:lnSpc>
-                <a:spcPct val="115000"/>
-              </a:lnSpc>
-              <a:spcBef>
-                <a:spcPts val="1000"/>
-              </a:spcBef>
-              <a:spcAft>
-                <a:spcPts val="0"/>
-              </a:spcAft>
-              <a:buClr>
-                <a:schemeClr val="dk1"/>
-              </a:buClr>
-              <a:buSzPts val="1400"/>
-              <a:buFont typeface="Outfit"/>
-              <a:buChar char="●"/>
-            </a:pPr>
-            <a:r>
-              <a:rPr lang="en-US" dirty="0">
-                <a:solidFill>
-                  <a:schemeClr val="dk1"/>
-                </a:solidFill>
-                <a:latin typeface="Outfit"/>
-                <a:ea typeface="Outfit"/>
-                <a:cs typeface="Outfit"/>
-                <a:sym typeface="Outfit"/>
-              </a:rPr>
-              <a:t>Consistency of Medium-Quality Journals:</a:t>
-            </a:r>
-          </a:p>
-          <a:p>
-            <a:pPr marL="139700" marR="0" lvl="0" algn="l" rtl="0">
-              <a:lnSpc>
-                <a:spcPct val="115000"/>
-              </a:lnSpc>
-              <a:spcBef>
-                <a:spcPts val="1000"/>
-              </a:spcBef>
-              <a:spcAft>
-                <a:spcPts val="0"/>
-              </a:spcAft>
-              <a:buClr>
-                <a:schemeClr val="dk1"/>
-              </a:buClr>
-              <a:buSzPts val="1400"/>
-            </a:pPr>
-            <a:r>
-              <a:rPr lang="en-US" dirty="0">
-                <a:solidFill>
-                  <a:schemeClr val="dk1"/>
-                </a:solidFill>
-                <a:latin typeface="Outfit"/>
-                <a:ea typeface="Outfit"/>
-                <a:cs typeface="Outfit"/>
-                <a:sym typeface="Outfit"/>
-              </a:rPr>
-              <a:t>This category showed fluctuating dynamics, reflecting the need to balance quantity and quality (possibly due to accessibility or relevance).</a:t>
-            </a:r>
-            <a:endParaRPr dirty="0">
-              <a:solidFill>
-                <a:schemeClr val="dk1"/>
-              </a:solidFill>
-              <a:latin typeface="Outfit"/>
-              <a:ea typeface="Outfit"/>
-              <a:cs typeface="Outfit"/>
-              <a:sym typeface="Outfit"/>
-            </a:endParaRPr>
-          </a:p>
-        </p:txBody>
-      </p:sp>
       <p:pic>
         <p:nvPicPr>
           <p:cNvPr id="477" name="Google Shape;477;p54"/>
@@ -29256,8 +29647,8 @@
         </p:nvSpPr>
         <p:spPr>
           <a:xfrm>
-            <a:off x="7107701" y="1259114"/>
-            <a:ext cx="4459800" cy="4008300"/>
+            <a:off x="7332453" y="1259114"/>
+            <a:ext cx="4235048" cy="4008300"/>
           </a:xfrm>
           <a:prstGeom prst="parallelogram">
             <a:avLst>
@@ -29444,10 +29835,10 @@
       </p:sp>
       <p:pic>
         <p:nvPicPr>
-          <p:cNvPr id="2" name="Picture 1">
+          <p:cNvPr id="4" name="Picture 3">
             <a:extLst>
               <a:ext uri="{FF2B5EF4-FFF2-40B4-BE49-F238E27FC236}">
-                <a16:creationId xmlns:a16="http://schemas.microsoft.com/office/drawing/2014/main" id="{C1A1908B-8291-57B0-CC80-EFAFE4849D0F}"/>
+                <a16:creationId xmlns:a16="http://schemas.microsoft.com/office/drawing/2014/main" id="{8DCB25EC-0985-05BF-50E0-7177A0E252A5}"/>
               </a:ext>
             </a:extLst>
           </p:cNvPr>
@@ -29464,1031 +29855,206 @@
         </p:blipFill>
         <p:spPr>
           <a:xfrm>
-            <a:off x="4601977" y="1654438"/>
-            <a:ext cx="4211713" cy="2907891"/>
-          </a:xfrm>
-          <a:prstGeom prst="rect">
-            <a:avLst/>
-          </a:prstGeom>
-          <a:ln>
-            <a:solidFill>
-              <a:schemeClr val="tx1"/>
-            </a:solidFill>
-          </a:ln>
-        </p:spPr>
-      </p:pic>
-    </p:spTree>
-  </p:cSld>
-  <p:clrMapOvr>
-    <a:masterClrMapping/>
-  </p:clrMapOvr>
-  <p:timing>
-    <p:tnLst>
-      <p:par>
-        <p:cTn id="1" dur="indefinite" restart="never" nodeType="tmRoot">
-          <p:childTnLst>
-            <p:seq concurrent="1" nextAc="seek">
-              <p:cTn id="2" dur="indefinite" nodeType="mainSeq">
-                <p:childTnLst>
-                  <p:par>
-                    <p:cTn id="3" fill="hold">
-                      <p:stCondLst>
-                        <p:cond delay="indefinite"/>
-                      </p:stCondLst>
-                      <p:childTnLst>
-                        <p:par>
-                          <p:cTn id="4" fill="hold">
-                            <p:stCondLst>
-                              <p:cond delay="0"/>
-                            </p:stCondLst>
-                            <p:childTnLst>
-                              <p:par>
-                                <p:cTn id="5" presetID="2" presetClass="entr" presetSubtype="4" fill="hold" nodeType="clickEffect">
-                                  <p:stCondLst>
-                                    <p:cond delay="0"/>
-                                  </p:stCondLst>
-                                  <p:childTnLst>
-                                    <p:set>
-                                      <p:cBhvr>
-                                        <p:cTn id="6" dur="1" fill="hold">
-                                          <p:stCondLst>
-                                            <p:cond delay="0"/>
-                                          </p:stCondLst>
-                                        </p:cTn>
-                                        <p:tgtEl>
-                                          <p:spTgt spid="2"/>
-                                        </p:tgtEl>
-                                        <p:attrNameLst>
-                                          <p:attrName>style.visibility</p:attrName>
-                                        </p:attrNameLst>
-                                      </p:cBhvr>
-                                      <p:to>
-                                        <p:strVal val="visible"/>
-                                      </p:to>
-                                    </p:set>
-                                    <p:anim calcmode="lin" valueType="num">
-                                      <p:cBhvr additive="base">
-                                        <p:cTn id="7" dur="500" fill="hold"/>
-                                        <p:tgtEl>
-                                          <p:spTgt spid="2"/>
-                                        </p:tgtEl>
-                                        <p:attrNameLst>
-                                          <p:attrName>ppt_x</p:attrName>
-                                        </p:attrNameLst>
-                                      </p:cBhvr>
-                                      <p:tavLst>
-                                        <p:tav tm="0">
-                                          <p:val>
-                                            <p:strVal val="#ppt_x"/>
-                                          </p:val>
-                                        </p:tav>
-                                        <p:tav tm="100000">
-                                          <p:val>
-                                            <p:strVal val="#ppt_x"/>
-                                          </p:val>
-                                        </p:tav>
-                                      </p:tavLst>
-                                    </p:anim>
-                                    <p:anim calcmode="lin" valueType="num">
-                                      <p:cBhvr additive="base">
-                                        <p:cTn id="8" dur="500" fill="hold"/>
-                                        <p:tgtEl>
-                                          <p:spTgt spid="2"/>
-                                        </p:tgtEl>
-                                        <p:attrNameLst>
-                                          <p:attrName>ppt_y</p:attrName>
-                                        </p:attrNameLst>
-                                      </p:cBhvr>
-                                      <p:tavLst>
-                                        <p:tav tm="0">
-                                          <p:val>
-                                            <p:strVal val="1+#ppt_h/2"/>
-                                          </p:val>
-                                        </p:tav>
-                                        <p:tav tm="100000">
-                                          <p:val>
-                                            <p:strVal val="#ppt_y"/>
-                                          </p:val>
-                                        </p:tav>
-                                      </p:tavLst>
-                                    </p:anim>
-                                  </p:childTnLst>
-                                </p:cTn>
-                              </p:par>
-                            </p:childTnLst>
-                          </p:cTn>
-                        </p:par>
-                      </p:childTnLst>
-                    </p:cTn>
-                  </p:par>
-                </p:childTnLst>
-              </p:cTn>
-              <p:prevCondLst>
-                <p:cond evt="onPrev" delay="0">
-                  <p:tgtEl>
-                    <p:sldTgt/>
-                  </p:tgtEl>
-                </p:cond>
-              </p:prevCondLst>
-              <p:nextCondLst>
-                <p:cond evt="onNext" delay="0">
-                  <p:tgtEl>
-                    <p:sldTgt/>
-                  </p:tgtEl>
-                </p:cond>
-              </p:nextCondLst>
-            </p:seq>
-          </p:childTnLst>
-        </p:cTn>
-      </p:par>
-    </p:tnLst>
-  </p:timing>
-</p:sld>
-</file>
-
-<file path=ppt/slides/slide13.xml><?xml version="1.0" encoding="utf-8"?>
-<p:sld xmlns:a="http://schemas.openxmlformats.org/drawingml/2006/main" xmlns:r="http://schemas.openxmlformats.org/officeDocument/2006/relationships" xmlns:p="http://schemas.openxmlformats.org/presentationml/2006/main" show="0">
-  <p:cSld>
-    <p:bg>
-      <p:bgPr>
-        <a:solidFill>
-          <a:srgbClr val="F3F3F3"/>
-        </a:solidFill>
-        <a:effectLst/>
-      </p:bgPr>
-    </p:bg>
-    <p:spTree>
-      <p:nvGrpSpPr>
-        <p:cNvPr id="1" name="Shape 484"/>
-        <p:cNvGrpSpPr/>
-        <p:nvPr/>
-      </p:nvGrpSpPr>
-      <p:grpSpPr>
-        <a:xfrm>
-          <a:off x="0" y="0"/>
-          <a:ext cx="0" cy="0"/>
-          <a:chOff x="0" y="0"/>
-          <a:chExt cx="0" cy="0"/>
-        </a:xfrm>
-      </p:grpSpPr>
-      <p:sp>
-        <p:nvSpPr>
-          <p:cNvPr id="485" name="Google Shape;485;p55"/>
-          <p:cNvSpPr txBox="1">
-            <a:spLocks noGrp="1"/>
-          </p:cNvSpPr>
-          <p:nvPr>
-            <p:ph type="ctrTitle"/>
-          </p:nvPr>
-        </p:nvSpPr>
-        <p:spPr>
-          <a:xfrm>
-            <a:off x="4587196" y="542156"/>
-            <a:ext cx="4064356" cy="589100"/>
+            <a:off x="357825" y="854675"/>
+            <a:ext cx="4602364" cy="3942380"/>
           </a:xfrm>
           <a:prstGeom prst="rect">
             <a:avLst/>
           </a:prstGeom>
         </p:spPr>
-        <p:txBody>
-          <a:bodyPr spcFirstLastPara="1" wrap="square" lIns="91425" tIns="91425" rIns="91425" bIns="91425" anchor="ctr" anchorCtr="0">
-            <a:normAutofit fontScale="90000"/>
-          </a:bodyPr>
-          <a:lstStyle/>
-          <a:p>
-            <a:pPr marL="0" lvl="0" indent="0" algn="l" rtl="0">
-              <a:lnSpc>
-                <a:spcPct val="85000"/>
-              </a:lnSpc>
-              <a:spcBef>
-                <a:spcPts val="0"/>
-              </a:spcBef>
-              <a:spcAft>
-                <a:spcPts val="0"/>
-              </a:spcAft>
-              <a:buNone/>
-            </a:pPr>
-            <a:r>
-              <a:rPr lang="en" sz="3600" dirty="0">
-                <a:latin typeface="Outfit SemiBold"/>
-                <a:ea typeface="Outfit SemiBold"/>
-                <a:cs typeface="Outfit SemiBold"/>
-                <a:sym typeface="Outfit SemiBold"/>
-              </a:rPr>
-              <a:t>References:</a:t>
-            </a:r>
-            <a:endParaRPr sz="3600" dirty="0">
-              <a:latin typeface="Outfit SemiBold"/>
-              <a:ea typeface="Outfit SemiBold"/>
-              <a:cs typeface="Outfit SemiBold"/>
-              <a:sym typeface="Outfit SemiBold"/>
-            </a:endParaRPr>
-          </a:p>
-        </p:txBody>
-      </p:sp>
+      </p:pic>
       <p:grpSp>
         <p:nvGrpSpPr>
-          <p:cNvPr id="486" name="Google Shape;486;p55"/>
+          <p:cNvPr id="8" name="Group 7">
+            <a:extLst>
+              <a:ext uri="{FF2B5EF4-FFF2-40B4-BE49-F238E27FC236}">
+                <a16:creationId xmlns:a16="http://schemas.microsoft.com/office/drawing/2014/main" id="{6E333BEA-D0C4-A14C-942C-3DA0A466EBD3}"/>
+              </a:ext>
+            </a:extLst>
+          </p:cNvPr>
           <p:cNvGrpSpPr/>
           <p:nvPr/>
         </p:nvGrpSpPr>
         <p:grpSpPr>
           <a:xfrm>
-            <a:off x="150" y="-214137"/>
-            <a:ext cx="2765049" cy="2690788"/>
-            <a:chOff x="9584423" y="-302694"/>
-            <a:chExt cx="4822200" cy="4822200"/>
+            <a:off x="5086400" y="854675"/>
+            <a:ext cx="3324071" cy="685323"/>
+            <a:chOff x="5112563" y="854675"/>
+            <a:chExt cx="3324071" cy="685323"/>
           </a:xfrm>
         </p:grpSpPr>
+        <p:pic>
+          <p:nvPicPr>
+            <p:cNvPr id="6" name="Picture 5">
+              <a:extLst>
+                <a:ext uri="{FF2B5EF4-FFF2-40B4-BE49-F238E27FC236}">
+                  <a16:creationId xmlns:a16="http://schemas.microsoft.com/office/drawing/2014/main" id="{66C229B4-E6FD-2354-AB58-CB19A0023A4C}"/>
+                </a:ext>
+              </a:extLst>
+            </p:cNvPr>
+            <p:cNvPicPr>
+              <a:picLocks noChangeAspect="1"/>
+            </p:cNvPicPr>
+            <p:nvPr/>
+          </p:nvPicPr>
+          <p:blipFill>
+            <a:blip r:embed="rId5"/>
+            <a:stretch>
+              <a:fillRect/>
+            </a:stretch>
+          </p:blipFill>
+          <p:spPr>
+            <a:xfrm>
+              <a:off x="5112563" y="854675"/>
+              <a:ext cx="685323" cy="685323"/>
+            </a:xfrm>
+            <a:prstGeom prst="rect">
+              <a:avLst/>
+            </a:prstGeom>
+          </p:spPr>
+        </p:pic>
         <p:sp>
           <p:nvSpPr>
-            <p:cNvPr id="487" name="Google Shape;487;p55"/>
-            <p:cNvSpPr/>
+            <p:cNvPr id="7" name="TextBox 6">
+              <a:extLst>
+                <a:ext uri="{FF2B5EF4-FFF2-40B4-BE49-F238E27FC236}">
+                  <a16:creationId xmlns:a16="http://schemas.microsoft.com/office/drawing/2014/main" id="{7E2FF69F-1B2B-FF8E-EDEF-E609B5DA192D}"/>
+                </a:ext>
+              </a:extLst>
+            </p:cNvPr>
+            <p:cNvSpPr txBox="1"/>
             <p:nvPr/>
           </p:nvSpPr>
           <p:spPr>
-            <a:xfrm rot="6626698">
-              <a:off x="10121100" y="233982"/>
-              <a:ext cx="3748847" cy="3748847"/>
+            <a:xfrm>
+              <a:off x="5847067" y="922577"/>
+              <a:ext cx="2589567" cy="523220"/>
             </a:xfrm>
-            <a:prstGeom prst="ellipse">
+            <a:prstGeom prst="rect">
               <a:avLst/>
             </a:prstGeom>
-            <a:solidFill>
-              <a:srgbClr val="48A8C4"/>
-            </a:solidFill>
-            <a:ln>
-              <a:noFill/>
-            </a:ln>
+            <a:noFill/>
           </p:spPr>
           <p:txBody>
-            <a:bodyPr spcFirstLastPara="1" wrap="square" lIns="91400" tIns="91400" rIns="91400" bIns="91400" anchor="ctr" anchorCtr="0">
-              <a:noAutofit/>
+            <a:bodyPr wrap="square" rtlCol="0">
+              <a:spAutoFit/>
             </a:bodyPr>
             <a:lstStyle/>
             <a:p>
-              <a:pPr marL="0" lvl="0" indent="0" algn="ctr" rtl="0">
-                <a:spcBef>
-                  <a:spcPts val="0"/>
-                </a:spcBef>
-                <a:spcAft>
-                  <a:spcPts val="0"/>
-                </a:spcAft>
-                <a:buNone/>
-              </a:pPr>
-              <a:endParaRPr sz="1400">
-                <a:latin typeface="Calibri"/>
-                <a:ea typeface="Calibri"/>
-                <a:cs typeface="Calibri"/>
-                <a:sym typeface="Calibri"/>
-              </a:endParaRPr>
-            </a:p>
-          </p:txBody>
-        </p:sp>
-        <p:sp>
-          <p:nvSpPr>
-            <p:cNvPr id="488" name="Google Shape;488;p55"/>
-            <p:cNvSpPr/>
-            <p:nvPr/>
-          </p:nvSpPr>
-          <p:spPr>
-            <a:xfrm rot="5026486">
-              <a:off x="10682783" y="729525"/>
-              <a:ext cx="2625482" cy="2625482"/>
-            </a:xfrm>
-            <a:prstGeom prst="ellipse">
-              <a:avLst/>
-            </a:prstGeom>
-            <a:solidFill>
-              <a:srgbClr val="FFBD58"/>
-            </a:solidFill>
-            <a:ln>
-              <a:noFill/>
-            </a:ln>
-          </p:spPr>
-          <p:txBody>
-            <a:bodyPr spcFirstLastPara="1" wrap="square" lIns="91400" tIns="91400" rIns="91400" bIns="91400" anchor="ctr" anchorCtr="0">
-              <a:noAutofit/>
-            </a:bodyPr>
-            <a:lstStyle/>
-            <a:p>
-              <a:pPr marL="0" lvl="0" indent="0" algn="ctr" rtl="0">
-                <a:spcBef>
-                  <a:spcPts val="0"/>
-                </a:spcBef>
-                <a:spcAft>
-                  <a:spcPts val="0"/>
-                </a:spcAft>
-                <a:buNone/>
-              </a:pPr>
-              <a:endParaRPr sz="1400">
-                <a:latin typeface="Calibri"/>
-                <a:ea typeface="Calibri"/>
-                <a:cs typeface="Calibri"/>
-                <a:sym typeface="Calibri"/>
-              </a:endParaRPr>
-            </a:p>
-          </p:txBody>
-        </p:sp>
-        <p:sp>
-          <p:nvSpPr>
-            <p:cNvPr id="489" name="Google Shape;489;p55"/>
-            <p:cNvSpPr/>
-            <p:nvPr/>
-          </p:nvSpPr>
-          <p:spPr>
-            <a:xfrm rot="2969049">
-              <a:off x="11210027" y="1256768"/>
-              <a:ext cx="1570980" cy="1570980"/>
-            </a:xfrm>
-            <a:prstGeom prst="ellipse">
-              <a:avLst/>
-            </a:prstGeom>
-            <a:solidFill>
-              <a:srgbClr val="F08B33"/>
-            </a:solidFill>
-            <a:ln>
-              <a:noFill/>
-            </a:ln>
-          </p:spPr>
-          <p:txBody>
-            <a:bodyPr spcFirstLastPara="1" wrap="square" lIns="91400" tIns="91400" rIns="91400" bIns="91400" anchor="ctr" anchorCtr="0">
-              <a:noAutofit/>
-            </a:bodyPr>
-            <a:lstStyle/>
-            <a:p>
-              <a:pPr marL="0" lvl="0" indent="0" algn="ctr" rtl="0">
-                <a:spcBef>
-                  <a:spcPts val="0"/>
-                </a:spcBef>
-                <a:spcAft>
-                  <a:spcPts val="0"/>
-                </a:spcAft>
-                <a:buNone/>
-              </a:pPr>
-              <a:endParaRPr sz="1400">
-                <a:latin typeface="Calibri"/>
-                <a:ea typeface="Calibri"/>
-                <a:cs typeface="Calibri"/>
-                <a:sym typeface="Calibri"/>
-              </a:endParaRPr>
-            </a:p>
-          </p:txBody>
-        </p:sp>
-        <p:sp>
-          <p:nvSpPr>
-            <p:cNvPr id="490" name="Google Shape;490;p55"/>
-            <p:cNvSpPr/>
-            <p:nvPr/>
-          </p:nvSpPr>
-          <p:spPr>
-            <a:xfrm rot="10347786">
-              <a:off x="11700466" y="1747209"/>
-              <a:ext cx="590098" cy="590098"/>
-            </a:xfrm>
-            <a:prstGeom prst="ellipse">
-              <a:avLst/>
-            </a:prstGeom>
-            <a:solidFill>
-              <a:srgbClr val="FFBD58"/>
-            </a:solidFill>
-            <a:ln>
-              <a:noFill/>
-            </a:ln>
-          </p:spPr>
-          <p:txBody>
-            <a:bodyPr spcFirstLastPara="1" wrap="square" lIns="91400" tIns="91400" rIns="91400" bIns="91400" anchor="ctr" anchorCtr="0">
-              <a:noAutofit/>
-            </a:bodyPr>
-            <a:lstStyle/>
-            <a:p>
-              <a:pPr marL="0" lvl="0" indent="0" algn="ctr" rtl="0">
-                <a:spcBef>
-                  <a:spcPts val="0"/>
-                </a:spcBef>
-                <a:spcAft>
-                  <a:spcPts val="0"/>
-                </a:spcAft>
-                <a:buNone/>
-              </a:pPr>
-              <a:endParaRPr sz="1400">
-                <a:latin typeface="Calibri"/>
-                <a:ea typeface="Calibri"/>
-                <a:cs typeface="Calibri"/>
-                <a:sym typeface="Calibri"/>
-              </a:endParaRPr>
+              <a:r>
+                <a:rPr lang="en-US" dirty="0"/>
+                <a:t>https://github.</a:t>
+              </a:r>
+              <a:r>
+                <a:rPr lang="en-US" dirty="0">
+                  <a:hlinkClick r:id="rId6"/>
+                </a:rPr>
+                <a:t>com</a:t>
+              </a:r>
+              <a:r>
+                <a:rPr lang="en-US" dirty="0"/>
+                <a:t>/Fajrimughni/Final_Project_Fajri</a:t>
+              </a:r>
             </a:p>
           </p:txBody>
         </p:sp>
       </p:grpSp>
       <p:grpSp>
         <p:nvGrpSpPr>
-          <p:cNvPr id="491" name="Google Shape;491;p55"/>
+          <p:cNvPr id="12" name="Group 11">
+            <a:extLst>
+              <a:ext uri="{FF2B5EF4-FFF2-40B4-BE49-F238E27FC236}">
+                <a16:creationId xmlns:a16="http://schemas.microsoft.com/office/drawing/2014/main" id="{83E1733F-5130-7C39-E864-5B18BB1DCFBD}"/>
+              </a:ext>
+            </a:extLst>
+          </p:cNvPr>
           <p:cNvGrpSpPr/>
           <p:nvPr/>
         </p:nvGrpSpPr>
         <p:grpSpPr>
           <a:xfrm>
-            <a:off x="-840799" y="1115920"/>
-            <a:ext cx="5794241" cy="5793661"/>
-            <a:chOff x="4094945" y="667082"/>
-            <a:chExt cx="5795400" cy="5795400"/>
+            <a:off x="4960986" y="1654144"/>
+            <a:ext cx="3199603" cy="936150"/>
+            <a:chOff x="4960986" y="1513699"/>
+            <a:chExt cx="3199603" cy="936150"/>
           </a:xfrm>
         </p:grpSpPr>
+        <p:pic>
+          <p:nvPicPr>
+            <p:cNvPr id="10" name="Picture 9">
+              <a:extLst>
+                <a:ext uri="{FF2B5EF4-FFF2-40B4-BE49-F238E27FC236}">
+                  <a16:creationId xmlns:a16="http://schemas.microsoft.com/office/drawing/2014/main" id="{FB719102-7A42-344D-599A-76D4E4CED8BF}"/>
+                </a:ext>
+              </a:extLst>
+            </p:cNvPr>
+            <p:cNvPicPr>
+              <a:picLocks noChangeAspect="1"/>
+            </p:cNvPicPr>
+            <p:nvPr/>
+          </p:nvPicPr>
+          <p:blipFill>
+            <a:blip r:embed="rId7"/>
+            <a:stretch>
+              <a:fillRect/>
+            </a:stretch>
+          </p:blipFill>
+          <p:spPr>
+            <a:xfrm>
+              <a:off x="4960986" y="1513699"/>
+              <a:ext cx="936150" cy="936150"/>
+            </a:xfrm>
+            <a:prstGeom prst="rect">
+              <a:avLst/>
+            </a:prstGeom>
+          </p:spPr>
+        </p:pic>
         <p:sp>
           <p:nvSpPr>
-            <p:cNvPr id="492" name="Google Shape;492;p55"/>
-            <p:cNvSpPr/>
+            <p:cNvPr id="11" name="TextBox 10">
+              <a:extLst>
+                <a:ext uri="{FF2B5EF4-FFF2-40B4-BE49-F238E27FC236}">
+                  <a16:creationId xmlns:a16="http://schemas.microsoft.com/office/drawing/2014/main" id="{118D0E7E-CFAF-6846-C303-2742456071B0}"/>
+                </a:ext>
+              </a:extLst>
+            </p:cNvPr>
+            <p:cNvSpPr txBox="1"/>
             <p:nvPr/>
           </p:nvSpPr>
           <p:spPr>
-            <a:xfrm rot="6626718">
-              <a:off x="4739938" y="1312075"/>
-              <a:ext cx="4505414" cy="4505414"/>
+            <a:xfrm>
+              <a:off x="5862287" y="1732458"/>
+              <a:ext cx="2298302" cy="523220"/>
             </a:xfrm>
-            <a:prstGeom prst="ellipse">
+            <a:prstGeom prst="rect">
               <a:avLst/>
             </a:prstGeom>
-            <a:solidFill>
-              <a:srgbClr val="48A8C4"/>
-            </a:solidFill>
-            <a:ln>
-              <a:noFill/>
-            </a:ln>
+            <a:noFill/>
           </p:spPr>
           <p:txBody>
-            <a:bodyPr spcFirstLastPara="1" wrap="square" lIns="91400" tIns="91400" rIns="91400" bIns="91400" anchor="ctr" anchorCtr="0">
-              <a:noAutofit/>
+            <a:bodyPr wrap="square" rtlCol="0">
+              <a:spAutoFit/>
             </a:bodyPr>
             <a:lstStyle/>
             <a:p>
-              <a:pPr marL="0" lvl="0" indent="0" algn="ctr" rtl="0">
-                <a:spcBef>
-                  <a:spcPts val="0"/>
-                </a:spcBef>
-                <a:spcAft>
-                  <a:spcPts val="0"/>
-                </a:spcAft>
-                <a:buNone/>
-              </a:pPr>
-              <a:endParaRPr sz="1400">
-                <a:latin typeface="Calibri"/>
-                <a:ea typeface="Calibri"/>
-                <a:cs typeface="Calibri"/>
-                <a:sym typeface="Calibri"/>
-              </a:endParaRPr>
-            </a:p>
-          </p:txBody>
-        </p:sp>
-        <p:sp>
-          <p:nvSpPr>
-            <p:cNvPr id="493" name="Google Shape;493;p55"/>
-            <p:cNvSpPr/>
-            <p:nvPr/>
-          </p:nvSpPr>
-          <p:spPr>
-            <a:xfrm rot="5026475">
-              <a:off x="5429162" y="2051505"/>
-              <a:ext cx="3026548" cy="3026548"/>
-            </a:xfrm>
-            <a:prstGeom prst="ellipse">
-              <a:avLst/>
-            </a:prstGeom>
-            <a:solidFill>
-              <a:srgbClr val="FFBD58"/>
-            </a:solidFill>
-            <a:ln>
-              <a:noFill/>
-            </a:ln>
-          </p:spPr>
-          <p:txBody>
-            <a:bodyPr spcFirstLastPara="1" wrap="square" lIns="91400" tIns="91400" rIns="91400" bIns="91400" anchor="ctr" anchorCtr="0">
-              <a:noAutofit/>
-            </a:bodyPr>
-            <a:lstStyle/>
-            <a:p>
-              <a:pPr marL="0" lvl="0" indent="0" algn="ctr" rtl="0">
-                <a:spcBef>
-                  <a:spcPts val="0"/>
-                </a:spcBef>
-                <a:spcAft>
-                  <a:spcPts val="0"/>
-                </a:spcAft>
-                <a:buNone/>
-              </a:pPr>
-              <a:endParaRPr sz="1400">
-                <a:latin typeface="Calibri"/>
-                <a:ea typeface="Calibri"/>
-                <a:cs typeface="Calibri"/>
-                <a:sym typeface="Calibri"/>
-              </a:endParaRPr>
-            </a:p>
-          </p:txBody>
-        </p:sp>
-        <p:sp>
-          <p:nvSpPr>
-            <p:cNvPr id="494" name="Google Shape;494;p55"/>
-            <p:cNvSpPr/>
-            <p:nvPr/>
-          </p:nvSpPr>
-          <p:spPr>
-            <a:xfrm rot="2969049">
-              <a:off x="6156933" y="2732845"/>
-              <a:ext cx="1570980" cy="1570980"/>
-            </a:xfrm>
-            <a:prstGeom prst="ellipse">
-              <a:avLst/>
-            </a:prstGeom>
-            <a:solidFill>
-              <a:srgbClr val="F08B33"/>
-            </a:solidFill>
-            <a:ln>
-              <a:noFill/>
-            </a:ln>
-          </p:spPr>
-          <p:txBody>
-            <a:bodyPr spcFirstLastPara="1" wrap="square" lIns="91400" tIns="91400" rIns="91400" bIns="91400" anchor="ctr" anchorCtr="0">
-              <a:noAutofit/>
-            </a:bodyPr>
-            <a:lstStyle/>
-            <a:p>
-              <a:pPr marL="0" lvl="0" indent="0" algn="ctr" rtl="0">
-                <a:spcBef>
-                  <a:spcPts val="0"/>
-                </a:spcBef>
-                <a:spcAft>
-                  <a:spcPts val="0"/>
-                </a:spcAft>
-                <a:buNone/>
-              </a:pPr>
-              <a:endParaRPr sz="1400">
-                <a:latin typeface="Calibri"/>
-                <a:ea typeface="Calibri"/>
-                <a:cs typeface="Calibri"/>
-                <a:sym typeface="Calibri"/>
-              </a:endParaRPr>
-            </a:p>
-          </p:txBody>
-        </p:sp>
-        <p:sp>
-          <p:nvSpPr>
-            <p:cNvPr id="495" name="Google Shape;495;p55"/>
-            <p:cNvSpPr/>
-            <p:nvPr/>
-          </p:nvSpPr>
-          <p:spPr>
-            <a:xfrm rot="10347786">
-              <a:off x="6647371" y="3223287"/>
-              <a:ext cx="590098" cy="590098"/>
-            </a:xfrm>
-            <a:prstGeom prst="ellipse">
-              <a:avLst/>
-            </a:prstGeom>
-            <a:solidFill>
-              <a:srgbClr val="FFBD58"/>
-            </a:solidFill>
-            <a:ln>
-              <a:noFill/>
-            </a:ln>
-          </p:spPr>
-          <p:txBody>
-            <a:bodyPr spcFirstLastPara="1" wrap="square" lIns="91400" tIns="91400" rIns="91400" bIns="91400" anchor="ctr" anchorCtr="0">
-              <a:noAutofit/>
-            </a:bodyPr>
-            <a:lstStyle/>
-            <a:p>
-              <a:pPr marL="0" lvl="0" indent="0" algn="ctr" rtl="0">
-                <a:spcBef>
-                  <a:spcPts val="0"/>
-                </a:spcBef>
-                <a:spcAft>
-                  <a:spcPts val="0"/>
-                </a:spcAft>
-                <a:buNone/>
-              </a:pPr>
-              <a:endParaRPr sz="1400">
-                <a:latin typeface="Calibri"/>
-                <a:ea typeface="Calibri"/>
-                <a:cs typeface="Calibri"/>
-                <a:sym typeface="Calibri"/>
-              </a:endParaRPr>
+              <a:r>
+                <a:rPr lang="en-US" dirty="0"/>
+                <a:t>https://</a:t>
+              </a:r>
+              <a:r>
+                <a:rPr lang="en-US" dirty="0">
+                  <a:hlinkClick r:id="rId8"/>
+                </a:rPr>
+                <a:t>finalprojectfajrids29</a:t>
+              </a:r>
+              <a:r>
+                <a:rPr lang="en-US" dirty="0"/>
+                <a:t>.streamlit.app/</a:t>
+              </a:r>
             </a:p>
           </p:txBody>
         </p:sp>
       </p:grpSp>
-      <p:pic>
-        <p:nvPicPr>
-          <p:cNvPr id="496" name="Google Shape;496;p55"/>
-          <p:cNvPicPr preferRelativeResize="0"/>
-          <p:nvPr/>
-        </p:nvPicPr>
-        <p:blipFill rotWithShape="1">
-          <a:blip r:embed="rId3">
-            <a:alphaModFix/>
-          </a:blip>
-          <a:srcRect/>
-          <a:stretch/>
-        </p:blipFill>
-        <p:spPr>
-          <a:xfrm>
-            <a:off x="7629449" y="275964"/>
-            <a:ext cx="1184241" cy="359952"/>
-          </a:xfrm>
-          <a:prstGeom prst="rect">
-            <a:avLst/>
-          </a:prstGeom>
-          <a:noFill/>
-          <a:ln>
-            <a:noFill/>
-          </a:ln>
-        </p:spPr>
-      </p:pic>
-      <p:sp>
-        <p:nvSpPr>
-          <p:cNvPr id="2" name="Google Shape;476;p54">
-            <a:extLst>
-              <a:ext uri="{FF2B5EF4-FFF2-40B4-BE49-F238E27FC236}">
-                <a16:creationId xmlns:a16="http://schemas.microsoft.com/office/drawing/2014/main" id="{9A070706-C5B3-7780-0823-011F5AAF8D83}"/>
-              </a:ext>
-            </a:extLst>
-          </p:cNvPr>
-          <p:cNvSpPr txBox="1"/>
-          <p:nvPr/>
-        </p:nvSpPr>
-        <p:spPr>
-          <a:xfrm>
-            <a:off x="4437973" y="1094346"/>
-            <a:ext cx="4362802" cy="3995946"/>
-          </a:xfrm>
-          <a:prstGeom prst="rect">
-            <a:avLst/>
-          </a:prstGeom>
-          <a:noFill/>
-          <a:ln>
-            <a:noFill/>
-          </a:ln>
-        </p:spPr>
-        <p:txBody>
-          <a:bodyPr spcFirstLastPara="1" wrap="square" lIns="0" tIns="13950" rIns="0" bIns="0" anchor="t" anchorCtr="0">
-            <a:spAutoFit/>
-          </a:bodyPr>
-          <a:lstStyle/>
-          <a:p>
-            <a:pPr marL="265113" indent="-65088" algn="just">
-              <a:lnSpc>
-                <a:spcPct val="115000"/>
-              </a:lnSpc>
-              <a:buClr>
-                <a:schemeClr val="dk1"/>
-              </a:buClr>
-              <a:buSzPts val="1400"/>
-              <a:buFont typeface="Arial" panose="020B0604020202020204" pitchFamily="34" charset="0"/>
-              <a:buChar char="•"/>
-            </a:pPr>
-            <a:r>
-              <a:rPr lang="en-US" sz="900" dirty="0">
-                <a:hlinkClick r:id="rId4"/>
-              </a:rPr>
-              <a:t>https://www.kaggle.com/datasets/saurabhshahane/sustainable-management-publication</a:t>
-            </a:r>
-            <a:endParaRPr lang="en-US" sz="900" dirty="0"/>
-          </a:p>
-          <a:p>
-            <a:pPr marL="265113" marR="0" lvl="0" indent="-65088" algn="just" rtl="0">
-              <a:lnSpc>
-                <a:spcPct val="115000"/>
-              </a:lnSpc>
-              <a:spcAft>
-                <a:spcPts val="0"/>
-              </a:spcAft>
-              <a:buClr>
-                <a:schemeClr val="dk1"/>
-              </a:buClr>
-              <a:buSzPts val="1400"/>
-              <a:buFont typeface="Arial" panose="020B0604020202020204" pitchFamily="34" charset="0"/>
-              <a:buChar char="•"/>
-            </a:pPr>
-            <a:r>
-              <a:rPr lang="en-US" sz="900" dirty="0">
-                <a:hlinkClick r:id="rId5"/>
-              </a:rPr>
-              <a:t>https://www.elsevier.com/solutions/scopus/how-scopus-works/content</a:t>
-            </a:r>
-            <a:endParaRPr lang="en-US" sz="900" dirty="0"/>
-          </a:p>
-          <a:p>
-            <a:pPr marL="265113" marR="0" lvl="0" indent="-65088" algn="just" rtl="0">
-              <a:lnSpc>
-                <a:spcPct val="115000"/>
-              </a:lnSpc>
-              <a:spcAft>
-                <a:spcPts val="0"/>
-              </a:spcAft>
-              <a:buClr>
-                <a:schemeClr val="dk1"/>
-              </a:buClr>
-              <a:buSzPts val="1400"/>
-              <a:buFont typeface="Arial" panose="020B0604020202020204" pitchFamily="34" charset="0"/>
-              <a:buChar char="•"/>
-            </a:pPr>
-            <a:r>
-              <a:rPr lang="en-US" sz="900" dirty="0">
-                <a:hlinkClick r:id="rId6"/>
-              </a:rPr>
-              <a:t>https://clarivate.com/webofsciencegroup/solutions/webofscience-core-collection/journal-selection-process/</a:t>
-            </a:r>
-            <a:endParaRPr lang="en-US" sz="900" dirty="0"/>
-          </a:p>
-          <a:p>
-            <a:pPr marL="265113" marR="0" lvl="0" indent="-65088" algn="just" rtl="0">
-              <a:lnSpc>
-                <a:spcPct val="115000"/>
-              </a:lnSpc>
-              <a:spcAft>
-                <a:spcPts val="0"/>
-              </a:spcAft>
-              <a:buClr>
-                <a:schemeClr val="dk1"/>
-              </a:buClr>
-              <a:buSzPts val="1400"/>
-              <a:buFont typeface="Arial" panose="020B0604020202020204" pitchFamily="34" charset="0"/>
-              <a:buChar char="•"/>
-            </a:pPr>
-            <a:r>
-              <a:rPr lang="en-US" sz="900" dirty="0">
-                <a:hlinkClick r:id="rId7"/>
-              </a:rPr>
-              <a:t>https://sinta.kemdikbud.go.id/</a:t>
-            </a:r>
-            <a:endParaRPr lang="en-US" sz="900" dirty="0"/>
-          </a:p>
-          <a:p>
-            <a:pPr marL="265113" marR="0" lvl="0" indent="-65088" algn="just" rtl="0">
-              <a:lnSpc>
-                <a:spcPct val="115000"/>
-              </a:lnSpc>
-              <a:spcAft>
-                <a:spcPts val="0"/>
-              </a:spcAft>
-              <a:buClr>
-                <a:schemeClr val="dk1"/>
-              </a:buClr>
-              <a:buSzPts val="1400"/>
-              <a:buFont typeface="Arial" panose="020B0604020202020204" pitchFamily="34" charset="0"/>
-              <a:buChar char="•"/>
-            </a:pPr>
-            <a:r>
-              <a:rPr lang="en-US" sz="900" dirty="0"/>
-              <a:t>Hirsch, J. E. (2005). "An index to quantify an individual’s scientific research output." </a:t>
-            </a:r>
-            <a:r>
-              <a:rPr lang="en-US" sz="900" i="1" dirty="0"/>
-              <a:t>Proceedings of the National Academy of Sciences, 102</a:t>
-            </a:r>
-            <a:r>
-              <a:rPr lang="en-US" sz="900" dirty="0"/>
-              <a:t>(46), 16569–16572.</a:t>
-            </a:r>
-          </a:p>
-          <a:p>
-            <a:pPr marL="265113" marR="0" lvl="0" indent="-65088" algn="just" rtl="0">
-              <a:lnSpc>
-                <a:spcPct val="115000"/>
-              </a:lnSpc>
-              <a:spcAft>
-                <a:spcPts val="0"/>
-              </a:spcAft>
-              <a:buClr>
-                <a:schemeClr val="dk1"/>
-              </a:buClr>
-              <a:buSzPts val="1400"/>
-              <a:buFont typeface="Arial" panose="020B0604020202020204" pitchFamily="34" charset="0"/>
-              <a:buChar char="•"/>
-            </a:pPr>
-            <a:r>
-              <a:rPr lang="en-US" sz="900" dirty="0" err="1"/>
-              <a:t>Bornmann</a:t>
-            </a:r>
-            <a:r>
-              <a:rPr lang="en-US" sz="900" dirty="0"/>
-              <a:t>, L., &amp; Daniel, H. D. (2008). "What do citation counts measure? A review of studies on citing behavior." </a:t>
-            </a:r>
-            <a:r>
-              <a:rPr lang="en-US" sz="900" i="1" dirty="0"/>
-              <a:t>Journal of Documentation, 64</a:t>
-            </a:r>
-            <a:r>
-              <a:rPr lang="en-US" sz="900" dirty="0"/>
-              <a:t>(1), 45–80.</a:t>
-            </a:r>
-          </a:p>
-          <a:p>
-            <a:pPr marL="265113" marR="0" lvl="0" indent="-65088" algn="just" rtl="0">
-              <a:lnSpc>
-                <a:spcPct val="115000"/>
-              </a:lnSpc>
-              <a:spcAft>
-                <a:spcPts val="0"/>
-              </a:spcAft>
-              <a:buClr>
-                <a:schemeClr val="dk1"/>
-              </a:buClr>
-              <a:buSzPts val="1400"/>
-              <a:buFont typeface="Arial" panose="020B0604020202020204" pitchFamily="34" charset="0"/>
-              <a:buChar char="•"/>
-            </a:pPr>
-            <a:r>
-              <a:rPr lang="en-US" sz="900" dirty="0" err="1"/>
-              <a:t>Zupic</a:t>
-            </a:r>
-            <a:r>
-              <a:rPr lang="en-US" sz="900" dirty="0"/>
-              <a:t>, I., &amp; </a:t>
-            </a:r>
-            <a:r>
-              <a:rPr lang="en-US" sz="900" dirty="0" err="1"/>
-              <a:t>Čater</a:t>
-            </a:r>
-            <a:r>
-              <a:rPr lang="en-US" sz="900" dirty="0"/>
-              <a:t>, T. (2015). "Bibliometric methods in management and organization." </a:t>
-            </a:r>
-            <a:r>
-              <a:rPr lang="en-US" sz="900" i="1" dirty="0"/>
-              <a:t>Organizational Research Methods, 18</a:t>
-            </a:r>
-            <a:r>
-              <a:rPr lang="en-US" sz="900" dirty="0"/>
-              <a:t>(3), 429–472.</a:t>
-            </a:r>
-          </a:p>
-          <a:p>
-            <a:pPr marL="265113" marR="0" lvl="0" indent="-65088" algn="just" rtl="0">
-              <a:lnSpc>
-                <a:spcPct val="115000"/>
-              </a:lnSpc>
-              <a:spcAft>
-                <a:spcPts val="0"/>
-              </a:spcAft>
-              <a:buClr>
-                <a:schemeClr val="dk1"/>
-              </a:buClr>
-              <a:buSzPts val="1400"/>
-              <a:buFont typeface="Arial" panose="020B0604020202020204" pitchFamily="34" charset="0"/>
-              <a:buChar char="•"/>
-            </a:pPr>
-            <a:r>
-              <a:rPr lang="en-US" sz="900" dirty="0"/>
-              <a:t>Small, H. (1973). "Co-citation in the scientific literature: A new measure of the relationship between two documents." </a:t>
-            </a:r>
-            <a:r>
-              <a:rPr lang="en-US" sz="900" i="1" dirty="0"/>
-              <a:t>Journal of the American Society for Information Science, 24</a:t>
-            </a:r>
-            <a:r>
-              <a:rPr lang="en-US" sz="900" dirty="0"/>
-              <a:t>(4), 265–269.</a:t>
-            </a:r>
-          </a:p>
-          <a:p>
-            <a:pPr marL="265113" marR="0" lvl="0" indent="-65088" algn="just" rtl="0">
-              <a:lnSpc>
-                <a:spcPct val="115000"/>
-              </a:lnSpc>
-              <a:spcAft>
-                <a:spcPts val="0"/>
-              </a:spcAft>
-              <a:buClr>
-                <a:schemeClr val="dk1"/>
-              </a:buClr>
-              <a:buSzPts val="1400"/>
-              <a:buFont typeface="Arial" panose="020B0604020202020204" pitchFamily="34" charset="0"/>
-              <a:buChar char="•"/>
-            </a:pPr>
-            <a:r>
-              <a:rPr lang="en-US" sz="900" dirty="0" err="1"/>
-              <a:t>Glänzel</a:t>
-            </a:r>
-            <a:r>
-              <a:rPr lang="en-US" sz="900" dirty="0"/>
-              <a:t>, W., &amp; Schubert, A. (2004). "Analyzing scientific networks through co-authorship." </a:t>
-            </a:r>
-            <a:r>
-              <a:rPr lang="en-US" sz="900" i="1" dirty="0"/>
-              <a:t>Handbook of Quantitative Science and Technology Research</a:t>
-            </a:r>
-            <a:r>
-              <a:rPr lang="en-US" sz="900" dirty="0"/>
-              <a:t>, 257–276.</a:t>
-            </a:r>
-          </a:p>
-          <a:p>
-            <a:pPr marL="265113" marR="0" lvl="0" indent="-65088" algn="just" rtl="0">
-              <a:lnSpc>
-                <a:spcPct val="115000"/>
-              </a:lnSpc>
-              <a:spcAft>
-                <a:spcPts val="0"/>
-              </a:spcAft>
-              <a:buClr>
-                <a:schemeClr val="dk1"/>
-              </a:buClr>
-              <a:buSzPts val="1400"/>
-              <a:buFont typeface="Arial" panose="020B0604020202020204" pitchFamily="34" charset="0"/>
-              <a:buChar char="•"/>
-            </a:pPr>
-            <a:r>
-              <a:rPr lang="en-US" sz="900" dirty="0"/>
-              <a:t>Katz, J. S., &amp; Martin, B. R. (1997). "What is research collaboration?" </a:t>
-            </a:r>
-            <a:r>
-              <a:rPr lang="en-US" sz="900" i="1" dirty="0"/>
-              <a:t>Research Policy, 26</a:t>
-            </a:r>
-            <a:r>
-              <a:rPr lang="en-US" sz="900" dirty="0"/>
-              <a:t>(1), 1–18.</a:t>
-            </a:r>
-          </a:p>
-          <a:p>
-            <a:pPr marL="265113" marR="0" lvl="0" indent="-65088" algn="just" rtl="0">
-              <a:lnSpc>
-                <a:spcPct val="115000"/>
-              </a:lnSpc>
-              <a:spcAft>
-                <a:spcPts val="0"/>
-              </a:spcAft>
-              <a:buClr>
-                <a:schemeClr val="dk1"/>
-              </a:buClr>
-              <a:buSzPts val="1400"/>
-              <a:buFont typeface="Arial" panose="020B0604020202020204" pitchFamily="34" charset="0"/>
-              <a:buChar char="•"/>
-            </a:pPr>
-            <a:r>
-              <a:rPr lang="en-US" sz="900" dirty="0"/>
-              <a:t>Moed, H. F. (2005). </a:t>
-            </a:r>
-            <a:r>
-              <a:rPr lang="en-US" sz="900" i="1" dirty="0"/>
-              <a:t>Citation Analysis in Research Evaluation</a:t>
-            </a:r>
-            <a:r>
-              <a:rPr lang="en-US" sz="900" dirty="0"/>
-              <a:t>. Springer.</a:t>
-            </a:r>
-          </a:p>
-          <a:p>
-            <a:pPr marL="265113" marR="0" lvl="0" indent="-65088" algn="just" rtl="0">
-              <a:lnSpc>
-                <a:spcPct val="115000"/>
-              </a:lnSpc>
-              <a:spcAft>
-                <a:spcPts val="0"/>
-              </a:spcAft>
-              <a:buClr>
-                <a:schemeClr val="dk1"/>
-              </a:buClr>
-              <a:buSzPts val="1400"/>
-              <a:buFont typeface="Arial" panose="020B0604020202020204" pitchFamily="34" charset="0"/>
-              <a:buChar char="•"/>
-            </a:pPr>
-            <a:r>
-              <a:rPr lang="en-US" sz="900" dirty="0"/>
-              <a:t>van </a:t>
-            </a:r>
-            <a:r>
-              <a:rPr lang="en-US" sz="900" dirty="0" err="1"/>
-              <a:t>Raan</a:t>
-            </a:r>
-            <a:r>
-              <a:rPr lang="en-US" sz="900" dirty="0"/>
-              <a:t>, A. F. J. (2005). "Fatal attraction: Conceptual and methodological problems in the ranking of universities by bibliometric methods." </a:t>
-            </a:r>
-            <a:r>
-              <a:rPr lang="en-US" sz="900" i="1" dirty="0" err="1"/>
-              <a:t>Scientometrics</a:t>
-            </a:r>
-            <a:r>
-              <a:rPr lang="en-US" sz="900" i="1" dirty="0"/>
-              <a:t>, 62</a:t>
-            </a:r>
-            <a:r>
-              <a:rPr lang="en-US" sz="900" dirty="0"/>
-              <a:t>(1), 133–143.</a:t>
-            </a:r>
-            <a:endParaRPr sz="900" dirty="0">
-              <a:solidFill>
-                <a:schemeClr val="dk1"/>
-              </a:solidFill>
-              <a:latin typeface="Outfit"/>
-              <a:ea typeface="Outfit"/>
-              <a:cs typeface="Outfit"/>
-              <a:sym typeface="Outfit"/>
-            </a:endParaRPr>
-          </a:p>
-        </p:txBody>
-      </p:sp>
     </p:spTree>
   </p:cSld>
   <p:clrMapOvr>
@@ -30497,8 +30063,8 @@
 </p:sld>
 </file>
 
-<file path=ppt/slides/slide14.xml><?xml version="1.0" encoding="utf-8"?>
-<p:sld xmlns:a="http://schemas.openxmlformats.org/drawingml/2006/main" xmlns:r="http://schemas.openxmlformats.org/officeDocument/2006/relationships" xmlns:p="http://schemas.openxmlformats.org/presentationml/2006/main" show="0">
+<file path=ppt/slides/slide13.xml><?xml version="1.0" encoding="utf-8"?>
+<p:sld xmlns:a="http://schemas.openxmlformats.org/drawingml/2006/main" xmlns:r="http://schemas.openxmlformats.org/officeDocument/2006/relationships" xmlns:p="http://schemas.openxmlformats.org/presentationml/2006/main">
   <p:cSld>
     <p:bg>
       <p:bgPr>
@@ -31072,6 +30638,63 @@
           </a:ln>
         </p:spPr>
       </p:pic>
+      <p:sp>
+        <p:nvSpPr>
+          <p:cNvPr id="6" name="Action Button: Go Home 5">
+            <a:hlinkClick r:id="rId5" highlightClick="1">
+              <a:snd r:embed="rId4" name="drumroll.wav"/>
+            </a:hlinkClick>
+            <a:extLst>
+              <a:ext uri="{FF2B5EF4-FFF2-40B4-BE49-F238E27FC236}">
+                <a16:creationId xmlns:a16="http://schemas.microsoft.com/office/drawing/2014/main" id="{D2812FA8-C68D-2DA6-FF2A-1566FE85989B}"/>
+              </a:ext>
+            </a:extLst>
+          </p:cNvPr>
+          <p:cNvSpPr/>
+          <p:nvPr/>
+        </p:nvSpPr>
+        <p:spPr>
+          <a:xfrm>
+            <a:off x="5700090" y="3033593"/>
+            <a:ext cx="1203241" cy="1203241"/>
+          </a:xfrm>
+          <a:prstGeom prst="actionButtonHome">
+            <a:avLst/>
+          </a:prstGeom>
+          <a:solidFill>
+            <a:srgbClr val="48A8C4"/>
+          </a:solidFill>
+          <a:ln>
+            <a:solidFill>
+              <a:srgbClr val="FFBD58"/>
+            </a:solidFill>
+          </a:ln>
+        </p:spPr>
+        <p:style>
+          <a:lnRef idx="2">
+            <a:schemeClr val="accent1">
+              <a:shade val="15000"/>
+            </a:schemeClr>
+          </a:lnRef>
+          <a:fillRef idx="1">
+            <a:schemeClr val="accent1"/>
+          </a:fillRef>
+          <a:effectRef idx="0">
+            <a:schemeClr val="accent1"/>
+          </a:effectRef>
+          <a:fontRef idx="minor">
+            <a:schemeClr val="lt1"/>
+          </a:fontRef>
+        </p:style>
+        <p:txBody>
+          <a:bodyPr rtlCol="0" anchor="ctr"/>
+          <a:lstStyle/>
+          <a:p>
+            <a:pPr algn="ctr"/>
+            <a:endParaRPr lang="en-US"/>
+          </a:p>
+        </p:txBody>
+      </p:sp>
     </p:spTree>
     <p:extLst>
       <p:ext uri="{BB962C8B-B14F-4D97-AF65-F5344CB8AC3E}">
@@ -33989,8 +33612,8 @@
         </p:nvSpPr>
         <p:spPr>
           <a:xfrm>
-            <a:off x="940278" y="1292964"/>
-            <a:ext cx="7263443" cy="2720174"/>
+            <a:off x="635294" y="1292964"/>
+            <a:ext cx="7873412" cy="2720174"/>
           </a:xfrm>
           <a:prstGeom prst="rect">
             <a:avLst/>
@@ -34008,34 +33631,1333 @@
               </a:lnSpc>
             </a:pPr>
             <a:r>
-              <a:rPr lang="en-US" sz="2400" dirty="0">
+              <a:rPr lang="en-US" sz="1800" dirty="0" err="1">
                 <a:latin typeface="Outfit" panose="020B0604020202020204" charset="0"/>
                 <a:ea typeface="Nirmala UI" panose="020B0502040204020203" pitchFamily="34" charset="0"/>
                 <a:cs typeface="Nirmala UI" panose="020B0502040204020203" pitchFamily="34" charset="0"/>
                 <a:sym typeface="Outfit SemiBold"/>
               </a:rPr>
-              <a:t>This analysis explores public food preferences in Indonesia by combining data from Zomato, food consumption reports, nutrition facts, and traditional recipes. Using data science techniques, it aims to identify key factors—such as taste, culture, and especially </a:t>
-            </a:r>
-            <a:r>
-              <a:rPr lang="en-US" sz="2400" dirty="0">
-                <a:solidFill>
-                  <a:srgbClr val="00B050"/>
-                </a:solidFill>
+              <a:t>Analisis</a:t>
+            </a:r>
+            <a:r>
+              <a:rPr lang="en-US" sz="1800" dirty="0">
                 <a:latin typeface="Outfit" panose="020B0604020202020204" charset="0"/>
                 <a:ea typeface="Nirmala UI" panose="020B0502040204020203" pitchFamily="34" charset="0"/>
                 <a:cs typeface="Nirmala UI" panose="020B0502040204020203" pitchFamily="34" charset="0"/>
                 <a:sym typeface="Outfit SemiBold"/>
               </a:rPr>
-              <a:t>nutrition from best rating food </a:t>
-            </a:r>
-            <a:r>
-              <a:rPr lang="en-US" sz="2400" dirty="0">
+              <a:t> </a:t>
+            </a:r>
+            <a:r>
+              <a:rPr lang="en-US" sz="1800" dirty="0" err="1">
                 <a:latin typeface="Outfit" panose="020B0604020202020204" charset="0"/>
                 <a:ea typeface="Nirmala UI" panose="020B0502040204020203" pitchFamily="34" charset="0"/>
                 <a:cs typeface="Nirmala UI" panose="020B0502040204020203" pitchFamily="34" charset="0"/>
                 <a:sym typeface="Outfit SemiBold"/>
               </a:rPr>
-              <a:t>(health awareness)—that influence people's choices, providing insights for public health strategies, the food industry, and consumer behavior.</a:t>
+              <a:t>ini</a:t>
+            </a:r>
+            <a:r>
+              <a:rPr lang="en-US" sz="1800" dirty="0">
+                <a:latin typeface="Outfit" panose="020B0604020202020204" charset="0"/>
+                <a:ea typeface="Nirmala UI" panose="020B0502040204020203" pitchFamily="34" charset="0"/>
+                <a:cs typeface="Nirmala UI" panose="020B0502040204020203" pitchFamily="34" charset="0"/>
+                <a:sym typeface="Outfit SemiBold"/>
+              </a:rPr>
+              <a:t> </a:t>
+            </a:r>
+            <a:r>
+              <a:rPr lang="en-US" sz="1800" dirty="0" err="1">
+                <a:latin typeface="Outfit" panose="020B0604020202020204" charset="0"/>
+                <a:ea typeface="Nirmala UI" panose="020B0502040204020203" pitchFamily="34" charset="0"/>
+                <a:cs typeface="Nirmala UI" panose="020B0502040204020203" pitchFamily="34" charset="0"/>
+                <a:sym typeface="Outfit SemiBold"/>
+              </a:rPr>
+              <a:t>bertujuan</a:t>
+            </a:r>
+            <a:r>
+              <a:rPr lang="en-US" sz="1800" dirty="0">
+                <a:latin typeface="Outfit" panose="020B0604020202020204" charset="0"/>
+                <a:ea typeface="Nirmala UI" panose="020B0502040204020203" pitchFamily="34" charset="0"/>
+                <a:cs typeface="Nirmala UI" panose="020B0502040204020203" pitchFamily="34" charset="0"/>
+                <a:sym typeface="Outfit SemiBold"/>
+              </a:rPr>
+              <a:t> </a:t>
+            </a:r>
+            <a:r>
+              <a:rPr lang="en-US" sz="1800" dirty="0" err="1">
+                <a:latin typeface="Outfit" panose="020B0604020202020204" charset="0"/>
+                <a:ea typeface="Nirmala UI" panose="020B0502040204020203" pitchFamily="34" charset="0"/>
+                <a:cs typeface="Nirmala UI" panose="020B0502040204020203" pitchFamily="34" charset="0"/>
+                <a:sym typeface="Outfit SemiBold"/>
+              </a:rPr>
+              <a:t>untuk</a:t>
+            </a:r>
+            <a:r>
+              <a:rPr lang="en-US" sz="1800" dirty="0">
+                <a:latin typeface="Outfit" panose="020B0604020202020204" charset="0"/>
+                <a:ea typeface="Nirmala UI" panose="020B0502040204020203" pitchFamily="34" charset="0"/>
+                <a:cs typeface="Nirmala UI" panose="020B0502040204020203" pitchFamily="34" charset="0"/>
+                <a:sym typeface="Outfit SemiBold"/>
+              </a:rPr>
+              <a:t> </a:t>
+            </a:r>
+            <a:r>
+              <a:rPr lang="en-US" sz="1800" dirty="0" err="1">
+                <a:solidFill>
+                  <a:srgbClr val="0070C0"/>
+                </a:solidFill>
+                <a:latin typeface="Outfit" panose="020B0604020202020204" charset="0"/>
+                <a:ea typeface="Nirmala UI" panose="020B0502040204020203" pitchFamily="34" charset="0"/>
+                <a:cs typeface="Nirmala UI" panose="020B0502040204020203" pitchFamily="34" charset="0"/>
+                <a:sym typeface="Outfit SemiBold"/>
+              </a:rPr>
+              <a:t>memahami</a:t>
+            </a:r>
+            <a:r>
+              <a:rPr lang="en-US" sz="1800" dirty="0">
+                <a:solidFill>
+                  <a:srgbClr val="0070C0"/>
+                </a:solidFill>
+                <a:latin typeface="Outfit" panose="020B0604020202020204" charset="0"/>
+                <a:ea typeface="Nirmala UI" panose="020B0502040204020203" pitchFamily="34" charset="0"/>
+                <a:cs typeface="Nirmala UI" panose="020B0502040204020203" pitchFamily="34" charset="0"/>
+                <a:sym typeface="Outfit SemiBold"/>
+              </a:rPr>
+              <a:t> </a:t>
+            </a:r>
+            <a:r>
+              <a:rPr lang="en-US" sz="1800" dirty="0" err="1">
+                <a:solidFill>
+                  <a:srgbClr val="0070C0"/>
+                </a:solidFill>
+                <a:latin typeface="Outfit" panose="020B0604020202020204" charset="0"/>
+                <a:ea typeface="Nirmala UI" panose="020B0502040204020203" pitchFamily="34" charset="0"/>
+                <a:cs typeface="Nirmala UI" panose="020B0502040204020203" pitchFamily="34" charset="0"/>
+                <a:sym typeface="Outfit SemiBold"/>
+              </a:rPr>
+              <a:t>preferensi</a:t>
+            </a:r>
+            <a:r>
+              <a:rPr lang="en-US" sz="1800" dirty="0">
+                <a:solidFill>
+                  <a:srgbClr val="0070C0"/>
+                </a:solidFill>
+                <a:latin typeface="Outfit" panose="020B0604020202020204" charset="0"/>
+                <a:ea typeface="Nirmala UI" panose="020B0502040204020203" pitchFamily="34" charset="0"/>
+                <a:cs typeface="Nirmala UI" panose="020B0502040204020203" pitchFamily="34" charset="0"/>
+                <a:sym typeface="Outfit SemiBold"/>
+              </a:rPr>
+              <a:t> </a:t>
+            </a:r>
+            <a:r>
+              <a:rPr lang="en-US" sz="1800" dirty="0" err="1">
+                <a:solidFill>
+                  <a:srgbClr val="0070C0"/>
+                </a:solidFill>
+                <a:latin typeface="Outfit" panose="020B0604020202020204" charset="0"/>
+                <a:ea typeface="Nirmala UI" panose="020B0502040204020203" pitchFamily="34" charset="0"/>
+                <a:cs typeface="Nirmala UI" panose="020B0502040204020203" pitchFamily="34" charset="0"/>
+                <a:sym typeface="Outfit SemiBold"/>
+              </a:rPr>
+              <a:t>makanan</a:t>
+            </a:r>
+            <a:r>
+              <a:rPr lang="en-US" sz="1800" dirty="0">
+                <a:solidFill>
+                  <a:srgbClr val="0070C0"/>
+                </a:solidFill>
+                <a:latin typeface="Outfit" panose="020B0604020202020204" charset="0"/>
+                <a:ea typeface="Nirmala UI" panose="020B0502040204020203" pitchFamily="34" charset="0"/>
+                <a:cs typeface="Nirmala UI" panose="020B0502040204020203" pitchFamily="34" charset="0"/>
+                <a:sym typeface="Outfit SemiBold"/>
+              </a:rPr>
+              <a:t> </a:t>
+            </a:r>
+            <a:r>
+              <a:rPr lang="en-US" sz="1800" dirty="0" err="1">
+                <a:latin typeface="Outfit" panose="020B0604020202020204" charset="0"/>
+                <a:ea typeface="Nirmala UI" panose="020B0502040204020203" pitchFamily="34" charset="0"/>
+                <a:cs typeface="Nirmala UI" panose="020B0502040204020203" pitchFamily="34" charset="0"/>
+                <a:sym typeface="Outfit SemiBold"/>
+              </a:rPr>
+              <a:t>masyarakat</a:t>
+            </a:r>
+            <a:r>
+              <a:rPr lang="en-US" sz="1800" dirty="0">
+                <a:latin typeface="Outfit" panose="020B0604020202020204" charset="0"/>
+                <a:ea typeface="Nirmala UI" panose="020B0502040204020203" pitchFamily="34" charset="0"/>
+                <a:cs typeface="Nirmala UI" panose="020B0502040204020203" pitchFamily="34" charset="0"/>
+                <a:sym typeface="Outfit SemiBold"/>
+              </a:rPr>
+              <a:t> Indonesia </a:t>
+            </a:r>
+            <a:r>
+              <a:rPr lang="en-US" sz="1800" dirty="0" err="1">
+                <a:latin typeface="Outfit" panose="020B0604020202020204" charset="0"/>
+                <a:ea typeface="Nirmala UI" panose="020B0502040204020203" pitchFamily="34" charset="0"/>
+                <a:cs typeface="Nirmala UI" panose="020B0502040204020203" pitchFamily="34" charset="0"/>
+                <a:sym typeface="Outfit SemiBold"/>
+              </a:rPr>
+              <a:t>dengan</a:t>
+            </a:r>
+            <a:r>
+              <a:rPr lang="en-US" sz="1800" dirty="0">
+                <a:latin typeface="Outfit" panose="020B0604020202020204" charset="0"/>
+                <a:ea typeface="Nirmala UI" panose="020B0502040204020203" pitchFamily="34" charset="0"/>
+                <a:cs typeface="Nirmala UI" panose="020B0502040204020203" pitchFamily="34" charset="0"/>
+                <a:sym typeface="Outfit SemiBold"/>
+              </a:rPr>
+              <a:t> </a:t>
+            </a:r>
+            <a:r>
+              <a:rPr lang="en-US" sz="1800" dirty="0" err="1">
+                <a:latin typeface="Outfit" panose="020B0604020202020204" charset="0"/>
+                <a:ea typeface="Nirmala UI" panose="020B0502040204020203" pitchFamily="34" charset="0"/>
+                <a:cs typeface="Nirmala UI" panose="020B0502040204020203" pitchFamily="34" charset="0"/>
+                <a:sym typeface="Outfit SemiBold"/>
+              </a:rPr>
+              <a:t>menggabungkan</a:t>
+            </a:r>
+            <a:r>
+              <a:rPr lang="en-US" sz="1800" dirty="0">
+                <a:latin typeface="Outfit" panose="020B0604020202020204" charset="0"/>
+                <a:ea typeface="Nirmala UI" panose="020B0502040204020203" pitchFamily="34" charset="0"/>
+                <a:cs typeface="Nirmala UI" panose="020B0502040204020203" pitchFamily="34" charset="0"/>
+                <a:sym typeface="Outfit SemiBold"/>
+              </a:rPr>
+              <a:t> data </a:t>
+            </a:r>
+            <a:r>
+              <a:rPr lang="en-US" sz="1800" dirty="0" err="1">
+                <a:latin typeface="Outfit" panose="020B0604020202020204" charset="0"/>
+                <a:ea typeface="Nirmala UI" panose="020B0502040204020203" pitchFamily="34" charset="0"/>
+                <a:cs typeface="Nirmala UI" panose="020B0502040204020203" pitchFamily="34" charset="0"/>
+                <a:sym typeface="Outfit SemiBold"/>
+              </a:rPr>
+              <a:t>konsumsi</a:t>
+            </a:r>
+            <a:r>
+              <a:rPr lang="en-US" sz="1800" dirty="0">
+                <a:latin typeface="Outfit" panose="020B0604020202020204" charset="0"/>
+                <a:ea typeface="Nirmala UI" panose="020B0502040204020203" pitchFamily="34" charset="0"/>
+                <a:cs typeface="Nirmala UI" panose="020B0502040204020203" pitchFamily="34" charset="0"/>
+                <a:sym typeface="Outfit SemiBold"/>
+              </a:rPr>
+              <a:t> </a:t>
+            </a:r>
+            <a:r>
+              <a:rPr lang="en-US" sz="1800" dirty="0" err="1">
+                <a:latin typeface="Outfit" panose="020B0604020202020204" charset="0"/>
+                <a:ea typeface="Nirmala UI" panose="020B0502040204020203" pitchFamily="34" charset="0"/>
+                <a:cs typeface="Nirmala UI" panose="020B0502040204020203" pitchFamily="34" charset="0"/>
+                <a:sym typeface="Outfit SemiBold"/>
+              </a:rPr>
+              <a:t>makanan</a:t>
+            </a:r>
+            <a:r>
+              <a:rPr lang="en-US" sz="1800" dirty="0">
+                <a:latin typeface="Outfit" panose="020B0604020202020204" charset="0"/>
+                <a:ea typeface="Nirmala UI" panose="020B0502040204020203" pitchFamily="34" charset="0"/>
+                <a:cs typeface="Nirmala UI" panose="020B0502040204020203" pitchFamily="34" charset="0"/>
+                <a:sym typeface="Outfit SemiBold"/>
+              </a:rPr>
+              <a:t>, </a:t>
+            </a:r>
+            <a:r>
+              <a:rPr lang="en-US" sz="1800" dirty="0" err="1">
+                <a:latin typeface="Outfit" panose="020B0604020202020204" charset="0"/>
+                <a:ea typeface="Nirmala UI" panose="020B0502040204020203" pitchFamily="34" charset="0"/>
+                <a:cs typeface="Nirmala UI" panose="020B0502040204020203" pitchFamily="34" charset="0"/>
+                <a:sym typeface="Outfit SemiBold"/>
+              </a:rPr>
+              <a:t>nutrisi</a:t>
+            </a:r>
+            <a:r>
+              <a:rPr lang="en-US" sz="1800" dirty="0">
+                <a:latin typeface="Outfit" panose="020B0604020202020204" charset="0"/>
+                <a:ea typeface="Nirmala UI" panose="020B0502040204020203" pitchFamily="34" charset="0"/>
+                <a:cs typeface="Nirmala UI" panose="020B0502040204020203" pitchFamily="34" charset="0"/>
+                <a:sym typeface="Outfit SemiBold"/>
+              </a:rPr>
+              <a:t>, dan </a:t>
+            </a:r>
+            <a:r>
+              <a:rPr lang="en-US" sz="1800" dirty="0" err="1">
+                <a:latin typeface="Outfit" panose="020B0604020202020204" charset="0"/>
+                <a:ea typeface="Nirmala UI" panose="020B0502040204020203" pitchFamily="34" charset="0"/>
+                <a:cs typeface="Nirmala UI" panose="020B0502040204020203" pitchFamily="34" charset="0"/>
+                <a:sym typeface="Outfit SemiBold"/>
+              </a:rPr>
+              <a:t>resep</a:t>
+            </a:r>
+            <a:r>
+              <a:rPr lang="en-US" sz="1800" dirty="0">
+                <a:latin typeface="Outfit" panose="020B0604020202020204" charset="0"/>
+                <a:ea typeface="Nirmala UI" panose="020B0502040204020203" pitchFamily="34" charset="0"/>
+                <a:cs typeface="Nirmala UI" panose="020B0502040204020203" pitchFamily="34" charset="0"/>
+                <a:sym typeface="Outfit SemiBold"/>
+              </a:rPr>
+              <a:t> </a:t>
+            </a:r>
+            <a:r>
+              <a:rPr lang="en-US" sz="1800" dirty="0" err="1">
+                <a:latin typeface="Outfit" panose="020B0604020202020204" charset="0"/>
+                <a:ea typeface="Nirmala UI" panose="020B0502040204020203" pitchFamily="34" charset="0"/>
+                <a:cs typeface="Nirmala UI" panose="020B0502040204020203" pitchFamily="34" charset="0"/>
+                <a:sym typeface="Outfit SemiBold"/>
+              </a:rPr>
+              <a:t>tradisional</a:t>
+            </a:r>
+            <a:r>
+              <a:rPr lang="en-US" sz="1800" dirty="0">
+                <a:latin typeface="Outfit" panose="020B0604020202020204" charset="0"/>
+                <a:ea typeface="Nirmala UI" panose="020B0502040204020203" pitchFamily="34" charset="0"/>
+                <a:cs typeface="Nirmala UI" panose="020B0502040204020203" pitchFamily="34" charset="0"/>
+                <a:sym typeface="Outfit SemiBold"/>
+              </a:rPr>
+              <a:t> Indonesia. </a:t>
+            </a:r>
+            <a:r>
+              <a:rPr lang="en-US" sz="1800" dirty="0" err="1">
+                <a:latin typeface="Outfit" panose="020B0604020202020204" charset="0"/>
+                <a:ea typeface="Nirmala UI" panose="020B0502040204020203" pitchFamily="34" charset="0"/>
+                <a:cs typeface="Nirmala UI" panose="020B0502040204020203" pitchFamily="34" charset="0"/>
+                <a:sym typeface="Outfit SemiBold"/>
+              </a:rPr>
+              <a:t>Melalui</a:t>
+            </a:r>
+            <a:r>
+              <a:rPr lang="en-US" sz="1800" dirty="0">
+                <a:latin typeface="Outfit" panose="020B0604020202020204" charset="0"/>
+                <a:ea typeface="Nirmala UI" panose="020B0502040204020203" pitchFamily="34" charset="0"/>
+                <a:cs typeface="Nirmala UI" panose="020B0502040204020203" pitchFamily="34" charset="0"/>
+                <a:sym typeface="Outfit SemiBold"/>
+              </a:rPr>
+              <a:t> proses </a:t>
+            </a:r>
+            <a:r>
+              <a:rPr lang="en-US" sz="1800" dirty="0" err="1">
+                <a:latin typeface="Outfit" panose="020B0604020202020204" charset="0"/>
+                <a:ea typeface="Nirmala UI" panose="020B0502040204020203" pitchFamily="34" charset="0"/>
+                <a:cs typeface="Nirmala UI" panose="020B0502040204020203" pitchFamily="34" charset="0"/>
+                <a:sym typeface="Outfit SemiBold"/>
+              </a:rPr>
+              <a:t>pembersihan</a:t>
+            </a:r>
+            <a:r>
+              <a:rPr lang="en-US" sz="1800" dirty="0">
+                <a:latin typeface="Outfit" panose="020B0604020202020204" charset="0"/>
+                <a:ea typeface="Nirmala UI" panose="020B0502040204020203" pitchFamily="34" charset="0"/>
+                <a:cs typeface="Nirmala UI" panose="020B0502040204020203" pitchFamily="34" charset="0"/>
+                <a:sym typeface="Outfit SemiBold"/>
+              </a:rPr>
+              <a:t> data, </a:t>
+            </a:r>
+            <a:r>
+              <a:rPr lang="en-US" sz="1800" dirty="0" err="1">
+                <a:latin typeface="Outfit" panose="020B0604020202020204" charset="0"/>
+                <a:ea typeface="Nirmala UI" panose="020B0502040204020203" pitchFamily="34" charset="0"/>
+                <a:cs typeface="Nirmala UI" panose="020B0502040204020203" pitchFamily="34" charset="0"/>
+                <a:sym typeface="Outfit SemiBold"/>
+              </a:rPr>
+              <a:t>transformasi</a:t>
+            </a:r>
+            <a:r>
+              <a:rPr lang="en-US" sz="1800" dirty="0">
+                <a:latin typeface="Outfit" panose="020B0604020202020204" charset="0"/>
+                <a:ea typeface="Nirmala UI" panose="020B0502040204020203" pitchFamily="34" charset="0"/>
+                <a:cs typeface="Nirmala UI" panose="020B0502040204020203" pitchFamily="34" charset="0"/>
+                <a:sym typeface="Outfit SemiBold"/>
+              </a:rPr>
+              <a:t> </a:t>
+            </a:r>
+            <a:r>
+              <a:rPr lang="en-US" sz="1800" dirty="0" err="1">
+                <a:latin typeface="Outfit" panose="020B0604020202020204" charset="0"/>
+                <a:ea typeface="Nirmala UI" panose="020B0502040204020203" pitchFamily="34" charset="0"/>
+                <a:cs typeface="Nirmala UI" panose="020B0502040204020203" pitchFamily="34" charset="0"/>
+                <a:sym typeface="Outfit SemiBold"/>
+              </a:rPr>
+              <a:t>fitur</a:t>
+            </a:r>
+            <a:r>
+              <a:rPr lang="en-US" sz="1800" dirty="0">
+                <a:latin typeface="Outfit" panose="020B0604020202020204" charset="0"/>
+                <a:ea typeface="Nirmala UI" panose="020B0502040204020203" pitchFamily="34" charset="0"/>
+                <a:cs typeface="Nirmala UI" panose="020B0502040204020203" pitchFamily="34" charset="0"/>
+                <a:sym typeface="Outfit SemiBold"/>
+              </a:rPr>
+              <a:t>, </a:t>
+            </a:r>
+            <a:r>
+              <a:rPr lang="en-US" sz="1800" dirty="0" err="1">
+                <a:latin typeface="Outfit" panose="020B0604020202020204" charset="0"/>
+                <a:ea typeface="Nirmala UI" panose="020B0502040204020203" pitchFamily="34" charset="0"/>
+                <a:cs typeface="Nirmala UI" panose="020B0502040204020203" pitchFamily="34" charset="0"/>
+                <a:sym typeface="Outfit SemiBold"/>
+              </a:rPr>
+              <a:t>pemetaan</a:t>
+            </a:r>
+            <a:r>
+              <a:rPr lang="en-US" sz="1800" dirty="0">
+                <a:latin typeface="Outfit" panose="020B0604020202020204" charset="0"/>
+                <a:ea typeface="Nirmala UI" panose="020B0502040204020203" pitchFamily="34" charset="0"/>
+                <a:cs typeface="Nirmala UI" panose="020B0502040204020203" pitchFamily="34" charset="0"/>
+                <a:sym typeface="Outfit SemiBold"/>
+              </a:rPr>
+              <a:t> </a:t>
+            </a:r>
+            <a:r>
+              <a:rPr lang="en-US" sz="1800" dirty="0" err="1">
+                <a:latin typeface="Outfit" panose="020B0604020202020204" charset="0"/>
+                <a:ea typeface="Nirmala UI" panose="020B0502040204020203" pitchFamily="34" charset="0"/>
+                <a:cs typeface="Nirmala UI" panose="020B0502040204020203" pitchFamily="34" charset="0"/>
+                <a:sym typeface="Outfit SemiBold"/>
+              </a:rPr>
+              <a:t>antara</a:t>
+            </a:r>
+            <a:r>
+              <a:rPr lang="en-US" sz="1800" dirty="0">
+                <a:latin typeface="Outfit" panose="020B0604020202020204" charset="0"/>
+                <a:ea typeface="Nirmala UI" panose="020B0502040204020203" pitchFamily="34" charset="0"/>
+                <a:cs typeface="Nirmala UI" panose="020B0502040204020203" pitchFamily="34" charset="0"/>
+                <a:sym typeface="Outfit SemiBold"/>
+              </a:rPr>
+              <a:t> </a:t>
+            </a:r>
+            <a:r>
+              <a:rPr lang="en-US" sz="1800" dirty="0" err="1">
+                <a:latin typeface="Outfit" panose="020B0604020202020204" charset="0"/>
+                <a:ea typeface="Nirmala UI" panose="020B0502040204020203" pitchFamily="34" charset="0"/>
+                <a:cs typeface="Nirmala UI" panose="020B0502040204020203" pitchFamily="34" charset="0"/>
+                <a:sym typeface="Outfit SemiBold"/>
+              </a:rPr>
+              <a:t>bahan</a:t>
+            </a:r>
+            <a:r>
+              <a:rPr lang="en-US" sz="1800" dirty="0">
+                <a:latin typeface="Outfit" panose="020B0604020202020204" charset="0"/>
+                <a:ea typeface="Nirmala UI" panose="020B0502040204020203" pitchFamily="34" charset="0"/>
+                <a:cs typeface="Nirmala UI" panose="020B0502040204020203" pitchFamily="34" charset="0"/>
+                <a:sym typeface="Outfit SemiBold"/>
+              </a:rPr>
+              <a:t> </a:t>
+            </a:r>
+            <a:r>
+              <a:rPr lang="en-US" sz="1800" dirty="0" err="1">
+                <a:latin typeface="Outfit" panose="020B0604020202020204" charset="0"/>
+                <a:ea typeface="Nirmala UI" panose="020B0502040204020203" pitchFamily="34" charset="0"/>
+                <a:cs typeface="Nirmala UI" panose="020B0502040204020203" pitchFamily="34" charset="0"/>
+                <a:sym typeface="Outfit SemiBold"/>
+              </a:rPr>
+              <a:t>resep</a:t>
+            </a:r>
+            <a:r>
+              <a:rPr lang="en-US" sz="1800" dirty="0">
+                <a:latin typeface="Outfit" panose="020B0604020202020204" charset="0"/>
+                <a:ea typeface="Nirmala UI" panose="020B0502040204020203" pitchFamily="34" charset="0"/>
+                <a:cs typeface="Nirmala UI" panose="020B0502040204020203" pitchFamily="34" charset="0"/>
+                <a:sym typeface="Outfit SemiBold"/>
+              </a:rPr>
+              <a:t> dan </a:t>
+            </a:r>
+            <a:r>
+              <a:rPr lang="en-US" sz="1800" dirty="0" err="1">
+                <a:latin typeface="Outfit" panose="020B0604020202020204" charset="0"/>
+                <a:ea typeface="Nirmala UI" panose="020B0502040204020203" pitchFamily="34" charset="0"/>
+                <a:cs typeface="Nirmala UI" panose="020B0502040204020203" pitchFamily="34" charset="0"/>
+                <a:sym typeface="Outfit SemiBold"/>
+              </a:rPr>
+              <a:t>kandungan</a:t>
+            </a:r>
+            <a:r>
+              <a:rPr lang="en-US" sz="1800" dirty="0">
+                <a:latin typeface="Outfit" panose="020B0604020202020204" charset="0"/>
+                <a:ea typeface="Nirmala UI" panose="020B0502040204020203" pitchFamily="34" charset="0"/>
+                <a:cs typeface="Nirmala UI" panose="020B0502040204020203" pitchFamily="34" charset="0"/>
+                <a:sym typeface="Outfit SemiBold"/>
+              </a:rPr>
+              <a:t> </a:t>
+            </a:r>
+            <a:r>
+              <a:rPr lang="en-US" sz="1800" dirty="0" err="1">
+                <a:latin typeface="Outfit" panose="020B0604020202020204" charset="0"/>
+                <a:ea typeface="Nirmala UI" panose="020B0502040204020203" pitchFamily="34" charset="0"/>
+                <a:cs typeface="Nirmala UI" panose="020B0502040204020203" pitchFamily="34" charset="0"/>
+                <a:sym typeface="Outfit SemiBold"/>
+              </a:rPr>
+              <a:t>nutrisi</a:t>
+            </a:r>
+            <a:r>
+              <a:rPr lang="en-US" sz="1800" dirty="0">
+                <a:latin typeface="Outfit" panose="020B0604020202020204" charset="0"/>
+                <a:ea typeface="Nirmala UI" panose="020B0502040204020203" pitchFamily="34" charset="0"/>
+                <a:cs typeface="Nirmala UI" panose="020B0502040204020203" pitchFamily="34" charset="0"/>
+                <a:sym typeface="Outfit SemiBold"/>
+              </a:rPr>
+              <a:t>, </a:t>
+            </a:r>
+            <a:r>
+              <a:rPr lang="en-US" sz="1800" dirty="0" err="1">
+                <a:latin typeface="Outfit" panose="020B0604020202020204" charset="0"/>
+                <a:ea typeface="Nirmala UI" panose="020B0502040204020203" pitchFamily="34" charset="0"/>
+                <a:cs typeface="Nirmala UI" panose="020B0502040204020203" pitchFamily="34" charset="0"/>
+                <a:sym typeface="Outfit SemiBold"/>
+              </a:rPr>
+              <a:t>serta</a:t>
+            </a:r>
+            <a:r>
+              <a:rPr lang="en-US" sz="1800" dirty="0">
+                <a:latin typeface="Outfit" panose="020B0604020202020204" charset="0"/>
+                <a:ea typeface="Nirmala UI" panose="020B0502040204020203" pitchFamily="34" charset="0"/>
+                <a:cs typeface="Nirmala UI" panose="020B0502040204020203" pitchFamily="34" charset="0"/>
+                <a:sym typeface="Outfit SemiBold"/>
+              </a:rPr>
+              <a:t> </a:t>
+            </a:r>
+            <a:r>
+              <a:rPr lang="en-US" sz="1800" dirty="0" err="1">
+                <a:latin typeface="Outfit" panose="020B0604020202020204" charset="0"/>
+                <a:ea typeface="Nirmala UI" panose="020B0502040204020203" pitchFamily="34" charset="0"/>
+                <a:cs typeface="Nirmala UI" panose="020B0502040204020203" pitchFamily="34" charset="0"/>
+                <a:sym typeface="Outfit SemiBold"/>
+              </a:rPr>
+              <a:t>teknik</a:t>
+            </a:r>
+            <a:r>
+              <a:rPr lang="en-US" sz="1800" dirty="0">
+                <a:latin typeface="Outfit" panose="020B0604020202020204" charset="0"/>
+                <a:ea typeface="Nirmala UI" panose="020B0502040204020203" pitchFamily="34" charset="0"/>
+                <a:cs typeface="Nirmala UI" panose="020B0502040204020203" pitchFamily="34" charset="0"/>
+                <a:sym typeface="Outfit SemiBold"/>
+              </a:rPr>
+              <a:t> </a:t>
+            </a:r>
+            <a:r>
+              <a:rPr lang="en-US" sz="1800" dirty="0" err="1">
+                <a:latin typeface="Outfit" panose="020B0604020202020204" charset="0"/>
+                <a:ea typeface="Nirmala UI" panose="020B0502040204020203" pitchFamily="34" charset="0"/>
+                <a:cs typeface="Nirmala UI" panose="020B0502040204020203" pitchFamily="34" charset="0"/>
+                <a:sym typeface="Outfit SemiBold"/>
+              </a:rPr>
+              <a:t>klasterisasi</a:t>
+            </a:r>
+            <a:r>
+              <a:rPr lang="en-US" sz="1800" dirty="0">
+                <a:latin typeface="Outfit" panose="020B0604020202020204" charset="0"/>
+                <a:ea typeface="Nirmala UI" panose="020B0502040204020203" pitchFamily="34" charset="0"/>
+                <a:cs typeface="Nirmala UI" panose="020B0502040204020203" pitchFamily="34" charset="0"/>
+                <a:sym typeface="Outfit SemiBold"/>
+              </a:rPr>
+              <a:t> </a:t>
+            </a:r>
+            <a:r>
+              <a:rPr lang="en-US" sz="1800" dirty="0" err="1">
+                <a:latin typeface="Outfit" panose="020B0604020202020204" charset="0"/>
+                <a:ea typeface="Nirmala UI" panose="020B0502040204020203" pitchFamily="34" charset="0"/>
+                <a:cs typeface="Nirmala UI" panose="020B0502040204020203" pitchFamily="34" charset="0"/>
+                <a:sym typeface="Outfit SemiBold"/>
+              </a:rPr>
+              <a:t>menggunakan</a:t>
+            </a:r>
+            <a:r>
+              <a:rPr lang="en-US" sz="1800" dirty="0">
+                <a:latin typeface="Outfit" panose="020B0604020202020204" charset="0"/>
+                <a:ea typeface="Nirmala UI" panose="020B0502040204020203" pitchFamily="34" charset="0"/>
+                <a:cs typeface="Nirmala UI" panose="020B0502040204020203" pitchFamily="34" charset="0"/>
+                <a:sym typeface="Outfit SemiBold"/>
+              </a:rPr>
+              <a:t> </a:t>
+            </a:r>
+            <a:r>
+              <a:rPr lang="en-US" sz="1800" dirty="0" err="1">
+                <a:latin typeface="Outfit" panose="020B0604020202020204" charset="0"/>
+                <a:ea typeface="Nirmala UI" panose="020B0502040204020203" pitchFamily="34" charset="0"/>
+                <a:cs typeface="Nirmala UI" panose="020B0502040204020203" pitchFamily="34" charset="0"/>
+                <a:sym typeface="Outfit SemiBold"/>
+              </a:rPr>
+              <a:t>algoritma</a:t>
+            </a:r>
+            <a:r>
+              <a:rPr lang="en-US" sz="1800" dirty="0">
+                <a:latin typeface="Outfit" panose="020B0604020202020204" charset="0"/>
+                <a:ea typeface="Nirmala UI" panose="020B0502040204020203" pitchFamily="34" charset="0"/>
+                <a:cs typeface="Nirmala UI" panose="020B0502040204020203" pitchFamily="34" charset="0"/>
+                <a:sym typeface="Outfit SemiBold"/>
+              </a:rPr>
+              <a:t> machine learning, </a:t>
+            </a:r>
+            <a:r>
+              <a:rPr lang="en-US" sz="1800" dirty="0" err="1">
+                <a:latin typeface="Outfit" panose="020B0604020202020204" charset="0"/>
+                <a:ea typeface="Nirmala UI" panose="020B0502040204020203" pitchFamily="34" charset="0"/>
+                <a:cs typeface="Nirmala UI" panose="020B0502040204020203" pitchFamily="34" charset="0"/>
+                <a:sym typeface="Outfit SemiBold"/>
+              </a:rPr>
+              <a:t>proyek</a:t>
+            </a:r>
+            <a:r>
+              <a:rPr lang="en-US" sz="1800" dirty="0">
+                <a:latin typeface="Outfit" panose="020B0604020202020204" charset="0"/>
+                <a:ea typeface="Nirmala UI" panose="020B0502040204020203" pitchFamily="34" charset="0"/>
+                <a:cs typeface="Nirmala UI" panose="020B0502040204020203" pitchFamily="34" charset="0"/>
+                <a:sym typeface="Outfit SemiBold"/>
+              </a:rPr>
+              <a:t> </a:t>
+            </a:r>
+            <a:r>
+              <a:rPr lang="en-US" sz="1800" dirty="0" err="1">
+                <a:latin typeface="Outfit" panose="020B0604020202020204" charset="0"/>
+                <a:ea typeface="Nirmala UI" panose="020B0502040204020203" pitchFamily="34" charset="0"/>
+                <a:cs typeface="Nirmala UI" panose="020B0502040204020203" pitchFamily="34" charset="0"/>
+                <a:sym typeface="Outfit SemiBold"/>
+              </a:rPr>
+              <a:t>ini</a:t>
+            </a:r>
+            <a:r>
+              <a:rPr lang="en-US" sz="1800" dirty="0">
+                <a:latin typeface="Outfit" panose="020B0604020202020204" charset="0"/>
+                <a:ea typeface="Nirmala UI" panose="020B0502040204020203" pitchFamily="34" charset="0"/>
+                <a:cs typeface="Nirmala UI" panose="020B0502040204020203" pitchFamily="34" charset="0"/>
+                <a:sym typeface="Outfit SemiBold"/>
+              </a:rPr>
+              <a:t> </a:t>
+            </a:r>
+            <a:r>
+              <a:rPr lang="en-US" sz="1800" dirty="0" err="1">
+                <a:latin typeface="Outfit" panose="020B0604020202020204" charset="0"/>
+                <a:ea typeface="Nirmala UI" panose="020B0502040204020203" pitchFamily="34" charset="0"/>
+                <a:cs typeface="Nirmala UI" panose="020B0502040204020203" pitchFamily="34" charset="0"/>
+                <a:sym typeface="Outfit SemiBold"/>
+              </a:rPr>
+              <a:t>menghasilkan</a:t>
+            </a:r>
+            <a:r>
+              <a:rPr lang="en-US" sz="1800" dirty="0">
+                <a:latin typeface="Outfit" panose="020B0604020202020204" charset="0"/>
+                <a:ea typeface="Nirmala UI" panose="020B0502040204020203" pitchFamily="34" charset="0"/>
+                <a:cs typeface="Nirmala UI" panose="020B0502040204020203" pitchFamily="34" charset="0"/>
+                <a:sym typeface="Outfit SemiBold"/>
+              </a:rPr>
+              <a:t> </a:t>
+            </a:r>
+            <a:r>
+              <a:rPr lang="en-US" sz="1800" dirty="0" err="1">
+                <a:latin typeface="Outfit" panose="020B0604020202020204" charset="0"/>
+                <a:ea typeface="Nirmala UI" panose="020B0502040204020203" pitchFamily="34" charset="0"/>
+                <a:cs typeface="Nirmala UI" panose="020B0502040204020203" pitchFamily="34" charset="0"/>
+                <a:sym typeface="Outfit SemiBold"/>
+              </a:rPr>
+              <a:t>pengelompokan</a:t>
+            </a:r>
+            <a:r>
+              <a:rPr lang="en-US" sz="1800" dirty="0">
+                <a:latin typeface="Outfit" panose="020B0604020202020204" charset="0"/>
+                <a:ea typeface="Nirmala UI" panose="020B0502040204020203" pitchFamily="34" charset="0"/>
+                <a:cs typeface="Nirmala UI" panose="020B0502040204020203" pitchFamily="34" charset="0"/>
+                <a:sym typeface="Outfit SemiBold"/>
+              </a:rPr>
+              <a:t> (</a:t>
+            </a:r>
+            <a:r>
+              <a:rPr lang="en-US" sz="1800" dirty="0" err="1">
+                <a:latin typeface="Outfit" panose="020B0604020202020204" charset="0"/>
+                <a:ea typeface="Nirmala UI" panose="020B0502040204020203" pitchFamily="34" charset="0"/>
+                <a:cs typeface="Nirmala UI" panose="020B0502040204020203" pitchFamily="34" charset="0"/>
+                <a:sym typeface="Outfit SemiBold"/>
+              </a:rPr>
+              <a:t>klaster</a:t>
+            </a:r>
+            <a:r>
+              <a:rPr lang="en-US" sz="1800" dirty="0">
+                <a:latin typeface="Outfit" panose="020B0604020202020204" charset="0"/>
+                <a:ea typeface="Nirmala UI" panose="020B0502040204020203" pitchFamily="34" charset="0"/>
+                <a:cs typeface="Nirmala UI" panose="020B0502040204020203" pitchFamily="34" charset="0"/>
+                <a:sym typeface="Outfit SemiBold"/>
+              </a:rPr>
+              <a:t>) </a:t>
+            </a:r>
+            <a:r>
+              <a:rPr lang="en-US" sz="1800" dirty="0" err="1">
+                <a:latin typeface="Outfit" panose="020B0604020202020204" charset="0"/>
+                <a:ea typeface="Nirmala UI" panose="020B0502040204020203" pitchFamily="34" charset="0"/>
+                <a:cs typeface="Nirmala UI" panose="020B0502040204020203" pitchFamily="34" charset="0"/>
+                <a:sym typeface="Outfit SemiBold"/>
+              </a:rPr>
+              <a:t>makanan</a:t>
+            </a:r>
+            <a:r>
+              <a:rPr lang="en-US" sz="1800" dirty="0">
+                <a:latin typeface="Outfit" panose="020B0604020202020204" charset="0"/>
+                <a:ea typeface="Nirmala UI" panose="020B0502040204020203" pitchFamily="34" charset="0"/>
+                <a:cs typeface="Nirmala UI" panose="020B0502040204020203" pitchFamily="34" charset="0"/>
+                <a:sym typeface="Outfit SemiBold"/>
+              </a:rPr>
+              <a:t> </a:t>
+            </a:r>
+            <a:r>
+              <a:rPr lang="en-US" sz="1800" b="1" dirty="0">
+                <a:solidFill>
+                  <a:srgbClr val="FF0000"/>
+                </a:solidFill>
+                <a:latin typeface="Outfit" panose="020B0604020202020204" charset="0"/>
+                <a:ea typeface="Nirmala UI" panose="020B0502040204020203" pitchFamily="34" charset="0"/>
+                <a:cs typeface="Nirmala UI" panose="020B0502040204020203" pitchFamily="34" charset="0"/>
+                <a:sym typeface="Outfit SemiBold"/>
+              </a:rPr>
+              <a:t>(?)</a:t>
+            </a:r>
+            <a:r>
+              <a:rPr lang="en-US" sz="1800" dirty="0">
+                <a:latin typeface="Outfit" panose="020B0604020202020204" charset="0"/>
+                <a:ea typeface="Nirmala UI" panose="020B0502040204020203" pitchFamily="34" charset="0"/>
+                <a:cs typeface="Nirmala UI" panose="020B0502040204020203" pitchFamily="34" charset="0"/>
+                <a:sym typeface="Outfit SemiBold"/>
+              </a:rPr>
+              <a:t> </a:t>
+            </a:r>
+            <a:r>
+              <a:rPr lang="en-US" sz="1800" dirty="0" err="1">
+                <a:latin typeface="Outfit" panose="020B0604020202020204" charset="0"/>
+                <a:ea typeface="Nirmala UI" panose="020B0502040204020203" pitchFamily="34" charset="0"/>
+                <a:cs typeface="Nirmala UI" panose="020B0502040204020203" pitchFamily="34" charset="0"/>
+                <a:sym typeface="Outfit SemiBold"/>
+              </a:rPr>
+              <a:t>berdasarkan</a:t>
+            </a:r>
+            <a:r>
+              <a:rPr lang="en-US" sz="1800" dirty="0">
+                <a:latin typeface="Outfit" panose="020B0604020202020204" charset="0"/>
+                <a:ea typeface="Nirmala UI" panose="020B0502040204020203" pitchFamily="34" charset="0"/>
+                <a:cs typeface="Nirmala UI" panose="020B0502040204020203" pitchFamily="34" charset="0"/>
+                <a:sym typeface="Outfit SemiBold"/>
+              </a:rPr>
+              <a:t> </a:t>
+            </a:r>
+            <a:r>
+              <a:rPr lang="en-US" sz="1800" dirty="0" err="1">
+                <a:solidFill>
+                  <a:srgbClr val="CC99FF"/>
+                </a:solidFill>
+                <a:latin typeface="Outfit" panose="020B0604020202020204" charset="0"/>
+                <a:ea typeface="Nirmala UI" panose="020B0502040204020203" pitchFamily="34" charset="0"/>
+                <a:cs typeface="Nirmala UI" panose="020B0502040204020203" pitchFamily="34" charset="0"/>
+                <a:sym typeface="Outfit SemiBold"/>
+              </a:rPr>
+              <a:t>kandungan</a:t>
+            </a:r>
+            <a:r>
+              <a:rPr lang="en-US" sz="1800" dirty="0">
+                <a:solidFill>
+                  <a:srgbClr val="CC99FF"/>
+                </a:solidFill>
+                <a:latin typeface="Outfit" panose="020B0604020202020204" charset="0"/>
+                <a:ea typeface="Nirmala UI" panose="020B0502040204020203" pitchFamily="34" charset="0"/>
+                <a:cs typeface="Nirmala UI" panose="020B0502040204020203" pitchFamily="34" charset="0"/>
+                <a:sym typeface="Outfit SemiBold"/>
+              </a:rPr>
+              <a:t> </a:t>
+            </a:r>
+            <a:r>
+              <a:rPr lang="en-US" sz="1800" dirty="0" err="1">
+                <a:solidFill>
+                  <a:srgbClr val="CC99FF"/>
+                </a:solidFill>
+                <a:latin typeface="Outfit" panose="020B0604020202020204" charset="0"/>
+                <a:ea typeface="Nirmala UI" panose="020B0502040204020203" pitchFamily="34" charset="0"/>
+                <a:cs typeface="Nirmala UI" panose="020B0502040204020203" pitchFamily="34" charset="0"/>
+                <a:sym typeface="Outfit SemiBold"/>
+              </a:rPr>
+              <a:t>kalori</a:t>
+            </a:r>
+            <a:r>
+              <a:rPr lang="en-US" sz="1800" dirty="0">
+                <a:latin typeface="Outfit" panose="020B0604020202020204" charset="0"/>
+                <a:ea typeface="Nirmala UI" panose="020B0502040204020203" pitchFamily="34" charset="0"/>
+                <a:cs typeface="Nirmala UI" panose="020B0502040204020203" pitchFamily="34" charset="0"/>
+                <a:sym typeface="Outfit SemiBold"/>
+              </a:rPr>
+              <a:t>, </a:t>
+            </a:r>
+            <a:r>
+              <a:rPr lang="en-US" sz="1800" dirty="0" err="1">
+                <a:solidFill>
+                  <a:schemeClr val="accent5"/>
+                </a:solidFill>
+                <a:latin typeface="Outfit" panose="020B0604020202020204" charset="0"/>
+                <a:ea typeface="Nirmala UI" panose="020B0502040204020203" pitchFamily="34" charset="0"/>
+                <a:cs typeface="Nirmala UI" panose="020B0502040204020203" pitchFamily="34" charset="0"/>
+                <a:sym typeface="Outfit SemiBold"/>
+              </a:rPr>
+              <a:t>tingkat</a:t>
+            </a:r>
+            <a:r>
+              <a:rPr lang="en-US" sz="1800" dirty="0">
+                <a:solidFill>
+                  <a:schemeClr val="accent5"/>
+                </a:solidFill>
+                <a:latin typeface="Outfit" panose="020B0604020202020204" charset="0"/>
+                <a:ea typeface="Nirmala UI" panose="020B0502040204020203" pitchFamily="34" charset="0"/>
+                <a:cs typeface="Nirmala UI" panose="020B0502040204020203" pitchFamily="34" charset="0"/>
+                <a:sym typeface="Outfit SemiBold"/>
+              </a:rPr>
+              <a:t> </a:t>
+            </a:r>
+            <a:r>
+              <a:rPr lang="en-US" sz="1800" dirty="0" err="1">
+                <a:solidFill>
+                  <a:schemeClr val="accent5"/>
+                </a:solidFill>
+                <a:latin typeface="Outfit" panose="020B0604020202020204" charset="0"/>
+                <a:ea typeface="Nirmala UI" panose="020B0502040204020203" pitchFamily="34" charset="0"/>
+                <a:cs typeface="Nirmala UI" panose="020B0502040204020203" pitchFamily="34" charset="0"/>
+                <a:sym typeface="Outfit SemiBold"/>
+              </a:rPr>
+              <a:t>kesukaan</a:t>
+            </a:r>
+            <a:r>
+              <a:rPr lang="en-US" sz="1800" dirty="0">
+                <a:solidFill>
+                  <a:schemeClr val="accent5"/>
+                </a:solidFill>
+                <a:latin typeface="Outfit" panose="020B0604020202020204" charset="0"/>
+                <a:ea typeface="Nirmala UI" panose="020B0502040204020203" pitchFamily="34" charset="0"/>
+                <a:cs typeface="Nirmala UI" panose="020B0502040204020203" pitchFamily="34" charset="0"/>
+                <a:sym typeface="Outfit SemiBold"/>
+              </a:rPr>
+              <a:t> (loves)</a:t>
+            </a:r>
+            <a:r>
+              <a:rPr lang="en-US" sz="1800" dirty="0">
+                <a:latin typeface="Outfit" panose="020B0604020202020204" charset="0"/>
+                <a:ea typeface="Nirmala UI" panose="020B0502040204020203" pitchFamily="34" charset="0"/>
+                <a:cs typeface="Nirmala UI" panose="020B0502040204020203" pitchFamily="34" charset="0"/>
+                <a:sym typeface="Outfit SemiBold"/>
+              </a:rPr>
+              <a:t>, dan </a:t>
+            </a:r>
+            <a:r>
+              <a:rPr lang="en-US" sz="1800" dirty="0" err="1">
+                <a:solidFill>
+                  <a:srgbClr val="00B050"/>
+                </a:solidFill>
+                <a:latin typeface="Outfit" panose="020B0604020202020204" charset="0"/>
+                <a:ea typeface="Nirmala UI" panose="020B0502040204020203" pitchFamily="34" charset="0"/>
+                <a:cs typeface="Nirmala UI" panose="020B0502040204020203" pitchFamily="34" charset="0"/>
+                <a:sym typeface="Outfit SemiBold"/>
+              </a:rPr>
+              <a:t>karakteristik</a:t>
+            </a:r>
+            <a:r>
+              <a:rPr lang="en-US" sz="1800" dirty="0">
+                <a:solidFill>
+                  <a:srgbClr val="00B050"/>
+                </a:solidFill>
+                <a:latin typeface="Outfit" panose="020B0604020202020204" charset="0"/>
+                <a:ea typeface="Nirmala UI" panose="020B0502040204020203" pitchFamily="34" charset="0"/>
+                <a:cs typeface="Nirmala UI" panose="020B0502040204020203" pitchFamily="34" charset="0"/>
+                <a:sym typeface="Outfit SemiBold"/>
+              </a:rPr>
+              <a:t> </a:t>
+            </a:r>
+            <a:r>
+              <a:rPr lang="en-US" sz="1800" dirty="0" err="1">
+                <a:solidFill>
+                  <a:srgbClr val="00B050"/>
+                </a:solidFill>
+                <a:latin typeface="Outfit" panose="020B0604020202020204" charset="0"/>
+                <a:ea typeface="Nirmala UI" panose="020B0502040204020203" pitchFamily="34" charset="0"/>
+                <a:cs typeface="Nirmala UI" panose="020B0502040204020203" pitchFamily="34" charset="0"/>
+                <a:sym typeface="Outfit SemiBold"/>
+              </a:rPr>
+              <a:t>bahan</a:t>
+            </a:r>
+            <a:r>
+              <a:rPr lang="en-US" sz="1800" dirty="0">
+                <a:latin typeface="Outfit" panose="020B0604020202020204" charset="0"/>
+                <a:ea typeface="Nirmala UI" panose="020B0502040204020203" pitchFamily="34" charset="0"/>
+                <a:cs typeface="Nirmala UI" panose="020B0502040204020203" pitchFamily="34" charset="0"/>
+                <a:sym typeface="Outfit SemiBold"/>
+              </a:rPr>
+              <a:t>. Hasil </a:t>
+            </a:r>
+            <a:r>
+              <a:rPr lang="en-US" sz="1800" dirty="0" err="1">
+                <a:latin typeface="Outfit" panose="020B0604020202020204" charset="0"/>
+                <a:ea typeface="Nirmala UI" panose="020B0502040204020203" pitchFamily="34" charset="0"/>
+                <a:cs typeface="Nirmala UI" panose="020B0502040204020203" pitchFamily="34" charset="0"/>
+                <a:sym typeface="Outfit SemiBold"/>
+              </a:rPr>
+              <a:t>klasterisasi</a:t>
+            </a:r>
+            <a:r>
+              <a:rPr lang="en-US" sz="1800" dirty="0">
+                <a:latin typeface="Outfit" panose="020B0604020202020204" charset="0"/>
+                <a:ea typeface="Nirmala UI" panose="020B0502040204020203" pitchFamily="34" charset="0"/>
+                <a:cs typeface="Nirmala UI" panose="020B0502040204020203" pitchFamily="34" charset="0"/>
+                <a:sym typeface="Outfit SemiBold"/>
+              </a:rPr>
+              <a:t> </a:t>
+            </a:r>
+            <a:r>
+              <a:rPr lang="en-US" sz="1800" dirty="0" err="1">
+                <a:latin typeface="Outfit" panose="020B0604020202020204" charset="0"/>
+                <a:ea typeface="Nirmala UI" panose="020B0502040204020203" pitchFamily="34" charset="0"/>
+                <a:cs typeface="Nirmala UI" panose="020B0502040204020203" pitchFamily="34" charset="0"/>
+                <a:sym typeface="Outfit SemiBold"/>
+              </a:rPr>
+              <a:t>ini</a:t>
+            </a:r>
+            <a:r>
+              <a:rPr lang="en-US" sz="1800" dirty="0">
+                <a:latin typeface="Outfit" panose="020B0604020202020204" charset="0"/>
+                <a:ea typeface="Nirmala UI" panose="020B0502040204020203" pitchFamily="34" charset="0"/>
+                <a:cs typeface="Nirmala UI" panose="020B0502040204020203" pitchFamily="34" charset="0"/>
+                <a:sym typeface="Outfit SemiBold"/>
+              </a:rPr>
+              <a:t> </a:t>
+            </a:r>
+            <a:r>
+              <a:rPr lang="en-US" sz="1800" dirty="0" err="1">
+                <a:latin typeface="Outfit" panose="020B0604020202020204" charset="0"/>
+                <a:ea typeface="Nirmala UI" panose="020B0502040204020203" pitchFamily="34" charset="0"/>
+                <a:cs typeface="Nirmala UI" panose="020B0502040204020203" pitchFamily="34" charset="0"/>
+                <a:sym typeface="Outfit SemiBold"/>
+              </a:rPr>
+              <a:t>memberikan</a:t>
+            </a:r>
+            <a:r>
+              <a:rPr lang="en-US" sz="1800" dirty="0">
+                <a:latin typeface="Outfit" panose="020B0604020202020204" charset="0"/>
+                <a:ea typeface="Nirmala UI" panose="020B0502040204020203" pitchFamily="34" charset="0"/>
+                <a:cs typeface="Nirmala UI" panose="020B0502040204020203" pitchFamily="34" charset="0"/>
+                <a:sym typeface="Outfit SemiBold"/>
+              </a:rPr>
+              <a:t> </a:t>
+            </a:r>
+            <a:r>
+              <a:rPr lang="en-US" sz="1800" dirty="0" err="1">
+                <a:latin typeface="Outfit" panose="020B0604020202020204" charset="0"/>
+                <a:ea typeface="Nirmala UI" panose="020B0502040204020203" pitchFamily="34" charset="0"/>
+                <a:cs typeface="Nirmala UI" panose="020B0502040204020203" pitchFamily="34" charset="0"/>
+                <a:sym typeface="Outfit SemiBold"/>
+              </a:rPr>
+              <a:t>wawasan</a:t>
+            </a:r>
+            <a:r>
+              <a:rPr lang="en-US" sz="1800" dirty="0">
+                <a:latin typeface="Outfit" panose="020B0604020202020204" charset="0"/>
+                <a:ea typeface="Nirmala UI" panose="020B0502040204020203" pitchFamily="34" charset="0"/>
+                <a:cs typeface="Nirmala UI" panose="020B0502040204020203" pitchFamily="34" charset="0"/>
+                <a:sym typeface="Outfit SemiBold"/>
+              </a:rPr>
+              <a:t> </a:t>
+            </a:r>
+            <a:r>
+              <a:rPr lang="en-US" sz="1800" dirty="0" err="1">
+                <a:latin typeface="Outfit" panose="020B0604020202020204" charset="0"/>
+                <a:ea typeface="Nirmala UI" panose="020B0502040204020203" pitchFamily="34" charset="0"/>
+                <a:cs typeface="Nirmala UI" panose="020B0502040204020203" pitchFamily="34" charset="0"/>
+                <a:sym typeface="Outfit SemiBold"/>
+              </a:rPr>
+              <a:t>awal</a:t>
+            </a:r>
+            <a:r>
+              <a:rPr lang="en-US" sz="1800" dirty="0">
+                <a:latin typeface="Outfit" panose="020B0604020202020204" charset="0"/>
+                <a:ea typeface="Nirmala UI" panose="020B0502040204020203" pitchFamily="34" charset="0"/>
+                <a:cs typeface="Nirmala UI" panose="020B0502040204020203" pitchFamily="34" charset="0"/>
+                <a:sym typeface="Outfit SemiBold"/>
+              </a:rPr>
+              <a:t> </a:t>
+            </a:r>
+            <a:r>
+              <a:rPr lang="en-US" sz="1800" dirty="0" err="1">
+                <a:latin typeface="Outfit" panose="020B0604020202020204" charset="0"/>
+                <a:ea typeface="Nirmala UI" panose="020B0502040204020203" pitchFamily="34" charset="0"/>
+                <a:cs typeface="Nirmala UI" panose="020B0502040204020203" pitchFamily="34" charset="0"/>
+                <a:sym typeface="Outfit SemiBold"/>
+              </a:rPr>
+              <a:t>terhadap</a:t>
+            </a:r>
+            <a:r>
+              <a:rPr lang="en-US" sz="1800" dirty="0">
+                <a:latin typeface="Outfit" panose="020B0604020202020204" charset="0"/>
+                <a:ea typeface="Nirmala UI" panose="020B0502040204020203" pitchFamily="34" charset="0"/>
+                <a:cs typeface="Nirmala UI" panose="020B0502040204020203" pitchFamily="34" charset="0"/>
+                <a:sym typeface="Outfit SemiBold"/>
+              </a:rPr>
+              <a:t> </a:t>
+            </a:r>
+            <a:r>
+              <a:rPr lang="en-US" sz="1800" u="sng" dirty="0" err="1">
+                <a:solidFill>
+                  <a:srgbClr val="C00000"/>
+                </a:solidFill>
+                <a:latin typeface="Outfit" panose="020B0604020202020204" charset="0"/>
+                <a:ea typeface="Nirmala UI" panose="020B0502040204020203" pitchFamily="34" charset="0"/>
+                <a:cs typeface="Nirmala UI" panose="020B0502040204020203" pitchFamily="34" charset="0"/>
+                <a:sym typeface="Outfit SemiBold"/>
+              </a:rPr>
+              <a:t>pola</a:t>
+            </a:r>
+            <a:r>
+              <a:rPr lang="en-US" sz="1800" u="sng" dirty="0">
+                <a:solidFill>
+                  <a:srgbClr val="C00000"/>
+                </a:solidFill>
+                <a:latin typeface="Outfit" panose="020B0604020202020204" charset="0"/>
+                <a:ea typeface="Nirmala UI" panose="020B0502040204020203" pitchFamily="34" charset="0"/>
+                <a:cs typeface="Nirmala UI" panose="020B0502040204020203" pitchFamily="34" charset="0"/>
+                <a:sym typeface="Outfit SemiBold"/>
+              </a:rPr>
+              <a:t> </a:t>
+            </a:r>
+            <a:r>
+              <a:rPr lang="en-US" sz="1800" u="sng" dirty="0" err="1">
+                <a:solidFill>
+                  <a:srgbClr val="C00000"/>
+                </a:solidFill>
+                <a:latin typeface="Outfit" panose="020B0604020202020204" charset="0"/>
+                <a:ea typeface="Nirmala UI" panose="020B0502040204020203" pitchFamily="34" charset="0"/>
+                <a:cs typeface="Nirmala UI" panose="020B0502040204020203" pitchFamily="34" charset="0"/>
+                <a:sym typeface="Outfit SemiBold"/>
+              </a:rPr>
+              <a:t>konsumsi</a:t>
+            </a:r>
+            <a:r>
+              <a:rPr lang="en-US" sz="1800" u="sng" dirty="0">
+                <a:solidFill>
+                  <a:srgbClr val="C00000"/>
+                </a:solidFill>
+                <a:latin typeface="Outfit" panose="020B0604020202020204" charset="0"/>
+                <a:ea typeface="Nirmala UI" panose="020B0502040204020203" pitchFamily="34" charset="0"/>
+                <a:cs typeface="Nirmala UI" panose="020B0502040204020203" pitchFamily="34" charset="0"/>
+                <a:sym typeface="Outfit SemiBold"/>
+              </a:rPr>
+              <a:t>, </a:t>
+            </a:r>
+            <a:r>
+              <a:rPr lang="en-US" sz="1800" u="sng" dirty="0" err="1">
+                <a:solidFill>
+                  <a:srgbClr val="C00000"/>
+                </a:solidFill>
+                <a:latin typeface="Outfit" panose="020B0604020202020204" charset="0"/>
+                <a:ea typeface="Nirmala UI" panose="020B0502040204020203" pitchFamily="34" charset="0"/>
+                <a:cs typeface="Nirmala UI" panose="020B0502040204020203" pitchFamily="34" charset="0"/>
+                <a:sym typeface="Outfit SemiBold"/>
+              </a:rPr>
+              <a:t>kesadaran</a:t>
+            </a:r>
+            <a:r>
+              <a:rPr lang="en-US" sz="1800" u="sng" dirty="0">
+                <a:solidFill>
+                  <a:srgbClr val="C00000"/>
+                </a:solidFill>
+                <a:latin typeface="Outfit" panose="020B0604020202020204" charset="0"/>
+                <a:ea typeface="Nirmala UI" panose="020B0502040204020203" pitchFamily="34" charset="0"/>
+                <a:cs typeface="Nirmala UI" panose="020B0502040204020203" pitchFamily="34" charset="0"/>
+                <a:sym typeface="Outfit SemiBold"/>
+              </a:rPr>
+              <a:t> </a:t>
+            </a:r>
+            <a:r>
+              <a:rPr lang="en-US" sz="1800" u="sng" dirty="0" err="1">
+                <a:solidFill>
+                  <a:srgbClr val="C00000"/>
+                </a:solidFill>
+                <a:latin typeface="Outfit" panose="020B0604020202020204" charset="0"/>
+                <a:ea typeface="Nirmala UI" panose="020B0502040204020203" pitchFamily="34" charset="0"/>
+                <a:cs typeface="Nirmala UI" panose="020B0502040204020203" pitchFamily="34" charset="0"/>
+                <a:sym typeface="Outfit SemiBold"/>
+              </a:rPr>
+              <a:t>gizi</a:t>
+            </a:r>
+            <a:r>
+              <a:rPr lang="en-US" sz="1800" u="sng" dirty="0">
+                <a:solidFill>
+                  <a:srgbClr val="C00000"/>
+                </a:solidFill>
+                <a:latin typeface="Outfit" panose="020B0604020202020204" charset="0"/>
+                <a:ea typeface="Nirmala UI" panose="020B0502040204020203" pitchFamily="34" charset="0"/>
+                <a:cs typeface="Nirmala UI" panose="020B0502040204020203" pitchFamily="34" charset="0"/>
+                <a:sym typeface="Outfit SemiBold"/>
+              </a:rPr>
+              <a:t>, </a:t>
+            </a:r>
+            <a:r>
+              <a:rPr lang="en-US" sz="1800" u="sng" dirty="0" err="1">
+                <a:solidFill>
+                  <a:srgbClr val="C00000"/>
+                </a:solidFill>
+                <a:latin typeface="Outfit" panose="020B0604020202020204" charset="0"/>
+                <a:ea typeface="Nirmala UI" panose="020B0502040204020203" pitchFamily="34" charset="0"/>
+                <a:cs typeface="Nirmala UI" panose="020B0502040204020203" pitchFamily="34" charset="0"/>
+                <a:sym typeface="Outfit SemiBold"/>
+              </a:rPr>
+              <a:t>serta</a:t>
+            </a:r>
+            <a:r>
+              <a:rPr lang="en-US" sz="1800" u="sng" dirty="0">
+                <a:solidFill>
+                  <a:srgbClr val="C00000"/>
+                </a:solidFill>
+                <a:latin typeface="Outfit" panose="020B0604020202020204" charset="0"/>
+                <a:ea typeface="Nirmala UI" panose="020B0502040204020203" pitchFamily="34" charset="0"/>
+                <a:cs typeface="Nirmala UI" panose="020B0502040204020203" pitchFamily="34" charset="0"/>
+                <a:sym typeface="Outfit SemiBold"/>
+              </a:rPr>
+              <a:t> </a:t>
+            </a:r>
+            <a:r>
+              <a:rPr lang="en-US" sz="1800" u="sng" dirty="0" err="1">
+                <a:solidFill>
+                  <a:srgbClr val="C00000"/>
+                </a:solidFill>
+                <a:latin typeface="Outfit" panose="020B0604020202020204" charset="0"/>
+                <a:ea typeface="Nirmala UI" panose="020B0502040204020203" pitchFamily="34" charset="0"/>
+                <a:cs typeface="Nirmala UI" panose="020B0502040204020203" pitchFamily="34" charset="0"/>
+                <a:sym typeface="Outfit SemiBold"/>
+              </a:rPr>
+              <a:t>potensi</a:t>
+            </a:r>
+            <a:r>
+              <a:rPr lang="en-US" sz="1800" u="sng" dirty="0">
+                <a:solidFill>
+                  <a:srgbClr val="C00000"/>
+                </a:solidFill>
+                <a:latin typeface="Outfit" panose="020B0604020202020204" charset="0"/>
+                <a:ea typeface="Nirmala UI" panose="020B0502040204020203" pitchFamily="34" charset="0"/>
+                <a:cs typeface="Nirmala UI" panose="020B0502040204020203" pitchFamily="34" charset="0"/>
+                <a:sym typeface="Outfit SemiBold"/>
+              </a:rPr>
+              <a:t> </a:t>
+            </a:r>
+            <a:r>
+              <a:rPr lang="en-US" sz="1800" u="sng" dirty="0" err="1">
+                <a:solidFill>
+                  <a:srgbClr val="C00000"/>
+                </a:solidFill>
+                <a:latin typeface="Outfit" panose="020B0604020202020204" charset="0"/>
+                <a:ea typeface="Nirmala UI" panose="020B0502040204020203" pitchFamily="34" charset="0"/>
+                <a:cs typeface="Nirmala UI" panose="020B0502040204020203" pitchFamily="34" charset="0"/>
+                <a:sym typeface="Outfit SemiBold"/>
+              </a:rPr>
+              <a:t>segmentasi</a:t>
+            </a:r>
+            <a:r>
+              <a:rPr lang="en-US" sz="1800" u="sng" dirty="0">
+                <a:solidFill>
+                  <a:srgbClr val="C00000"/>
+                </a:solidFill>
+                <a:latin typeface="Outfit" panose="020B0604020202020204" charset="0"/>
+                <a:ea typeface="Nirmala UI" panose="020B0502040204020203" pitchFamily="34" charset="0"/>
+                <a:cs typeface="Nirmala UI" panose="020B0502040204020203" pitchFamily="34" charset="0"/>
+                <a:sym typeface="Outfit SemiBold"/>
+              </a:rPr>
+              <a:t> </a:t>
+            </a:r>
+            <a:r>
+              <a:rPr lang="en-US" sz="1800" u="sng" dirty="0" err="1">
+                <a:solidFill>
+                  <a:srgbClr val="C00000"/>
+                </a:solidFill>
+                <a:latin typeface="Outfit" panose="020B0604020202020204" charset="0"/>
+                <a:ea typeface="Nirmala UI" panose="020B0502040204020203" pitchFamily="34" charset="0"/>
+                <a:cs typeface="Nirmala UI" panose="020B0502040204020203" pitchFamily="34" charset="0"/>
+                <a:sym typeface="Outfit SemiBold"/>
+              </a:rPr>
+              <a:t>makanan</a:t>
+            </a:r>
+            <a:r>
+              <a:rPr lang="en-US" sz="1800" u="sng" dirty="0">
+                <a:solidFill>
+                  <a:srgbClr val="C00000"/>
+                </a:solidFill>
+                <a:latin typeface="Outfit" panose="020B0604020202020204" charset="0"/>
+                <a:ea typeface="Nirmala UI" panose="020B0502040204020203" pitchFamily="34" charset="0"/>
+                <a:cs typeface="Nirmala UI" panose="020B0502040204020203" pitchFamily="34" charset="0"/>
+                <a:sym typeface="Outfit SemiBold"/>
+              </a:rPr>
+              <a:t> </a:t>
+            </a:r>
+            <a:r>
+              <a:rPr lang="en-US" sz="1800" u="sng" dirty="0" err="1">
+                <a:solidFill>
+                  <a:srgbClr val="C00000"/>
+                </a:solidFill>
+                <a:latin typeface="Outfit" panose="020B0604020202020204" charset="0"/>
+                <a:ea typeface="Nirmala UI" panose="020B0502040204020203" pitchFamily="34" charset="0"/>
+                <a:cs typeface="Nirmala UI" panose="020B0502040204020203" pitchFamily="34" charset="0"/>
+                <a:sym typeface="Outfit SemiBold"/>
+              </a:rPr>
+              <a:t>tradisional</a:t>
+            </a:r>
+            <a:r>
+              <a:rPr lang="en-US" sz="1800" u="sng" dirty="0">
+                <a:solidFill>
+                  <a:srgbClr val="C00000"/>
+                </a:solidFill>
+                <a:latin typeface="Outfit" panose="020B0604020202020204" charset="0"/>
+                <a:ea typeface="Nirmala UI" panose="020B0502040204020203" pitchFamily="34" charset="0"/>
+                <a:cs typeface="Nirmala UI" panose="020B0502040204020203" pitchFamily="34" charset="0"/>
+                <a:sym typeface="Outfit SemiBold"/>
+              </a:rPr>
+              <a:t> </a:t>
+            </a:r>
+            <a:r>
+              <a:rPr lang="en-US" sz="1800" dirty="0">
+                <a:latin typeface="Outfit" panose="020B0604020202020204" charset="0"/>
+                <a:ea typeface="Nirmala UI" panose="020B0502040204020203" pitchFamily="34" charset="0"/>
+                <a:cs typeface="Nirmala UI" panose="020B0502040204020203" pitchFamily="34" charset="0"/>
+                <a:sym typeface="Outfit SemiBold"/>
+              </a:rPr>
+              <a:t>yang </a:t>
+            </a:r>
+            <a:r>
+              <a:rPr lang="en-US" sz="1800" dirty="0" err="1">
+                <a:latin typeface="Outfit" panose="020B0604020202020204" charset="0"/>
+                <a:ea typeface="Nirmala UI" panose="020B0502040204020203" pitchFamily="34" charset="0"/>
+                <a:cs typeface="Nirmala UI" panose="020B0502040204020203" pitchFamily="34" charset="0"/>
+                <a:sym typeface="Outfit SemiBold"/>
+              </a:rPr>
+              <a:t>dapat</a:t>
+            </a:r>
+            <a:r>
+              <a:rPr lang="en-US" sz="1800" dirty="0">
+                <a:latin typeface="Outfit" panose="020B0604020202020204" charset="0"/>
+                <a:ea typeface="Nirmala UI" panose="020B0502040204020203" pitchFamily="34" charset="0"/>
+                <a:cs typeface="Nirmala UI" panose="020B0502040204020203" pitchFamily="34" charset="0"/>
+                <a:sym typeface="Outfit SemiBold"/>
+              </a:rPr>
+              <a:t> </a:t>
+            </a:r>
+            <a:r>
+              <a:rPr lang="en-US" sz="1800" dirty="0" err="1">
+                <a:latin typeface="Outfit" panose="020B0604020202020204" charset="0"/>
+                <a:ea typeface="Nirmala UI" panose="020B0502040204020203" pitchFamily="34" charset="0"/>
+                <a:cs typeface="Nirmala UI" panose="020B0502040204020203" pitchFamily="34" charset="0"/>
+                <a:sym typeface="Outfit SemiBold"/>
+              </a:rPr>
+              <a:t>dimanfaatkan</a:t>
+            </a:r>
+            <a:r>
+              <a:rPr lang="en-US" sz="1800" dirty="0">
+                <a:latin typeface="Outfit" panose="020B0604020202020204" charset="0"/>
+                <a:ea typeface="Nirmala UI" panose="020B0502040204020203" pitchFamily="34" charset="0"/>
+                <a:cs typeface="Nirmala UI" panose="020B0502040204020203" pitchFamily="34" charset="0"/>
+                <a:sym typeface="Outfit SemiBold"/>
+              </a:rPr>
+              <a:t> </a:t>
+            </a:r>
+            <a:r>
+              <a:rPr lang="en-US" sz="1800" dirty="0" err="1">
+                <a:latin typeface="Outfit" panose="020B0604020202020204" charset="0"/>
+                <a:ea typeface="Nirmala UI" panose="020B0502040204020203" pitchFamily="34" charset="0"/>
+                <a:cs typeface="Nirmala UI" panose="020B0502040204020203" pitchFamily="34" charset="0"/>
+                <a:sym typeface="Outfit SemiBold"/>
+              </a:rPr>
+              <a:t>untuk</a:t>
+            </a:r>
+            <a:r>
+              <a:rPr lang="en-US" sz="1800" dirty="0">
+                <a:latin typeface="Outfit" panose="020B0604020202020204" charset="0"/>
+                <a:ea typeface="Nirmala UI" panose="020B0502040204020203" pitchFamily="34" charset="0"/>
+                <a:cs typeface="Nirmala UI" panose="020B0502040204020203" pitchFamily="34" charset="0"/>
+                <a:sym typeface="Outfit SemiBold"/>
+              </a:rPr>
+              <a:t> </a:t>
+            </a:r>
+            <a:r>
+              <a:rPr lang="en-US" sz="1800" dirty="0" err="1">
+                <a:latin typeface="Outfit" panose="020B0604020202020204" charset="0"/>
+                <a:ea typeface="Nirmala UI" panose="020B0502040204020203" pitchFamily="34" charset="0"/>
+                <a:cs typeface="Nirmala UI" panose="020B0502040204020203" pitchFamily="34" charset="0"/>
+                <a:sym typeface="Outfit SemiBold"/>
+              </a:rPr>
+              <a:t>riset</a:t>
+            </a:r>
+            <a:r>
+              <a:rPr lang="en-US" sz="1800" dirty="0">
+                <a:latin typeface="Outfit" panose="020B0604020202020204" charset="0"/>
+                <a:ea typeface="Nirmala UI" panose="020B0502040204020203" pitchFamily="34" charset="0"/>
+                <a:cs typeface="Nirmala UI" panose="020B0502040204020203" pitchFamily="34" charset="0"/>
+                <a:sym typeface="Outfit SemiBold"/>
+              </a:rPr>
+              <a:t> </a:t>
+            </a:r>
+            <a:r>
+              <a:rPr lang="en-US" sz="1800" dirty="0" err="1">
+                <a:latin typeface="Outfit" panose="020B0604020202020204" charset="0"/>
+                <a:ea typeface="Nirmala UI" panose="020B0502040204020203" pitchFamily="34" charset="0"/>
+                <a:cs typeface="Nirmala UI" panose="020B0502040204020203" pitchFamily="34" charset="0"/>
+                <a:sym typeface="Outfit SemiBold"/>
+              </a:rPr>
+              <a:t>perilaku</a:t>
+            </a:r>
+            <a:r>
+              <a:rPr lang="en-US" sz="1800" dirty="0">
+                <a:latin typeface="Outfit" panose="020B0604020202020204" charset="0"/>
+                <a:ea typeface="Nirmala UI" panose="020B0502040204020203" pitchFamily="34" charset="0"/>
+                <a:cs typeface="Nirmala UI" panose="020B0502040204020203" pitchFamily="34" charset="0"/>
+                <a:sym typeface="Outfit SemiBold"/>
+              </a:rPr>
+              <a:t> </a:t>
+            </a:r>
+            <a:r>
+              <a:rPr lang="en-US" sz="1800" dirty="0" err="1">
+                <a:latin typeface="Outfit" panose="020B0604020202020204" charset="0"/>
+                <a:ea typeface="Nirmala UI" panose="020B0502040204020203" pitchFamily="34" charset="0"/>
+                <a:cs typeface="Nirmala UI" panose="020B0502040204020203" pitchFamily="34" charset="0"/>
+                <a:sym typeface="Outfit SemiBold"/>
+              </a:rPr>
+              <a:t>konsumen</a:t>
+            </a:r>
+            <a:r>
+              <a:rPr lang="en-US" sz="1800" dirty="0">
+                <a:latin typeface="Outfit" panose="020B0604020202020204" charset="0"/>
+                <a:ea typeface="Nirmala UI" panose="020B0502040204020203" pitchFamily="34" charset="0"/>
+                <a:cs typeface="Nirmala UI" panose="020B0502040204020203" pitchFamily="34" charset="0"/>
+                <a:sym typeface="Outfit SemiBold"/>
+              </a:rPr>
+              <a:t> dan strategi </a:t>
+            </a:r>
+            <a:r>
+              <a:rPr lang="en-US" sz="1800" dirty="0" err="1">
+                <a:latin typeface="Outfit" panose="020B0604020202020204" charset="0"/>
+                <a:ea typeface="Nirmala UI" panose="020B0502040204020203" pitchFamily="34" charset="0"/>
+                <a:cs typeface="Nirmala UI" panose="020B0502040204020203" pitchFamily="34" charset="0"/>
+                <a:sym typeface="Outfit SemiBold"/>
+              </a:rPr>
+              <a:t>kesehatan</a:t>
+            </a:r>
+            <a:r>
+              <a:rPr lang="en-US" sz="1800" dirty="0">
+                <a:latin typeface="Outfit" panose="020B0604020202020204" charset="0"/>
+                <a:ea typeface="Nirmala UI" panose="020B0502040204020203" pitchFamily="34" charset="0"/>
+                <a:cs typeface="Nirmala UI" panose="020B0502040204020203" pitchFamily="34" charset="0"/>
+                <a:sym typeface="Outfit SemiBold"/>
+              </a:rPr>
+              <a:t> </a:t>
+            </a:r>
+            <a:r>
+              <a:rPr lang="en-US" sz="1800" dirty="0" err="1">
+                <a:latin typeface="Outfit" panose="020B0604020202020204" charset="0"/>
+                <a:ea typeface="Nirmala UI" panose="020B0502040204020203" pitchFamily="34" charset="0"/>
+                <a:cs typeface="Nirmala UI" panose="020B0502040204020203" pitchFamily="34" charset="0"/>
+                <a:sym typeface="Outfit SemiBold"/>
+              </a:rPr>
+              <a:t>publik</a:t>
+            </a:r>
+            <a:r>
+              <a:rPr lang="en-US" sz="1800" dirty="0">
+                <a:latin typeface="Outfit" panose="020B0604020202020204" charset="0"/>
+                <a:ea typeface="Nirmala UI" panose="020B0502040204020203" pitchFamily="34" charset="0"/>
+                <a:cs typeface="Nirmala UI" panose="020B0502040204020203" pitchFamily="34" charset="0"/>
+                <a:sym typeface="Outfit SemiBold"/>
+              </a:rPr>
+              <a:t>.</a:t>
             </a:r>
           </a:p>
         </p:txBody>
@@ -35235,36 +36157,274 @@
           </a:p>
         </p:txBody>
       </p:sp>
-      <p:pic>
-        <p:nvPicPr>
-          <p:cNvPr id="4" name="Picture 3">
+      <p:grpSp>
+        <p:nvGrpSpPr>
+          <p:cNvPr id="3" name="Group 2">
             <a:extLst>
               <a:ext uri="{FF2B5EF4-FFF2-40B4-BE49-F238E27FC236}">
-                <a16:creationId xmlns:a16="http://schemas.microsoft.com/office/drawing/2014/main" id="{E49E5F73-F8C9-4786-9D4D-8BEAA2A7DF3F}"/>
+                <a16:creationId xmlns:a16="http://schemas.microsoft.com/office/drawing/2014/main" id="{A79DE1F7-D9E7-CA83-6A4B-BE8E1E2E8805}"/>
               </a:ext>
             </a:extLst>
           </p:cNvPr>
-          <p:cNvPicPr>
-            <a:picLocks noChangeAspect="1"/>
-          </p:cNvPicPr>
+          <p:cNvGrpSpPr/>
           <p:nvPr/>
-        </p:nvPicPr>
-        <p:blipFill>
-          <a:blip r:embed="rId5"/>
-          <a:stretch>
-            <a:fillRect/>
-          </a:stretch>
-        </p:blipFill>
-        <p:spPr>
+        </p:nvGrpSpPr>
+        <p:grpSpPr>
           <a:xfrm>
-            <a:off x="2949973" y="1507947"/>
-            <a:ext cx="3244054" cy="3244054"/>
+            <a:off x="2051795" y="2001926"/>
+            <a:ext cx="4747112" cy="1139648"/>
+            <a:chOff x="1771253" y="851602"/>
+            <a:chExt cx="4747112" cy="1139648"/>
           </a:xfrm>
-          <a:prstGeom prst="rect">
-            <a:avLst/>
-          </a:prstGeom>
-        </p:spPr>
-      </p:pic>
+        </p:grpSpPr>
+        <p:pic>
+          <p:nvPicPr>
+            <p:cNvPr id="321" name="Google Shape;321;p46">
+              <a:extLst>
+                <a:ext uri="{FF2B5EF4-FFF2-40B4-BE49-F238E27FC236}">
+                  <a16:creationId xmlns:a16="http://schemas.microsoft.com/office/drawing/2014/main" id="{5BF34DC0-3422-B929-8D9D-B56F901C98DD}"/>
+                </a:ext>
+              </a:extLst>
+            </p:cNvPr>
+            <p:cNvPicPr preferRelativeResize="0"/>
+            <p:nvPr/>
+          </p:nvPicPr>
+          <p:blipFill>
+            <a:blip r:embed="rId5">
+              <a:alphaModFix/>
+            </a:blip>
+            <a:stretch>
+              <a:fillRect/>
+            </a:stretch>
+          </p:blipFill>
+          <p:spPr>
+            <a:xfrm>
+              <a:off x="4061990" y="1437723"/>
+              <a:ext cx="553527" cy="553527"/>
+            </a:xfrm>
+            <a:prstGeom prst="rect">
+              <a:avLst/>
+            </a:prstGeom>
+            <a:noFill/>
+            <a:ln>
+              <a:noFill/>
+            </a:ln>
+          </p:spPr>
+        </p:pic>
+        <p:sp>
+          <p:nvSpPr>
+            <p:cNvPr id="334" name="Google Shape;334;p46">
+              <a:extLst>
+                <a:ext uri="{FF2B5EF4-FFF2-40B4-BE49-F238E27FC236}">
+                  <a16:creationId xmlns:a16="http://schemas.microsoft.com/office/drawing/2014/main" id="{419B6CDF-90DD-0F14-B714-821A22FCC9CE}"/>
+                </a:ext>
+              </a:extLst>
+            </p:cNvPr>
+            <p:cNvSpPr txBox="1"/>
+            <p:nvPr/>
+          </p:nvSpPr>
+          <p:spPr>
+            <a:xfrm>
+              <a:off x="1771253" y="1523763"/>
+              <a:ext cx="2057181" cy="273152"/>
+            </a:xfrm>
+            <a:prstGeom prst="rect">
+              <a:avLst/>
+            </a:prstGeom>
+            <a:noFill/>
+            <a:ln>
+              <a:solidFill>
+                <a:schemeClr val="tx1"/>
+              </a:solidFill>
+            </a:ln>
+          </p:spPr>
+          <p:txBody>
+            <a:bodyPr wrap="square">
+              <a:spAutoFit/>
+            </a:bodyPr>
+            <a:lstStyle>
+              <a:defPPr marR="0" lvl="0" algn="l" rtl="0">
+                <a:lnSpc>
+                  <a:spcPct val="100000"/>
+                </a:lnSpc>
+                <a:spcBef>
+                  <a:spcPts val="0"/>
+                </a:spcBef>
+                <a:spcAft>
+                  <a:spcPts val="0"/>
+                </a:spcAft>
+              </a:defPPr>
+              <a:lvl1pPr>
+                <a:lnSpc>
+                  <a:spcPts val="1425"/>
+                </a:lnSpc>
+                <a:defRPr>
+                  <a:solidFill>
+                    <a:schemeClr val="tx1"/>
+                  </a:solidFill>
+                  <a:effectLst/>
+                  <a:latin typeface="Consolas" panose="020B0609020204030204" pitchFamily="49" charset="0"/>
+                </a:defRPr>
+              </a:lvl1pPr>
+            </a:lstStyle>
+            <a:p>
+              <a:pPr algn="ctr"/>
+              <a:r>
+                <a:rPr lang="en-US" dirty="0">
+                  <a:sym typeface="Outfit"/>
+                </a:rPr>
+                <a:t>"dataset-ayam.csv"</a:t>
+              </a:r>
+            </a:p>
+          </p:txBody>
+        </p:sp>
+        <p:sp>
+          <p:nvSpPr>
+            <p:cNvPr id="6" name="Google Shape;334;p46">
+              <a:extLst>
+                <a:ext uri="{FF2B5EF4-FFF2-40B4-BE49-F238E27FC236}">
+                  <a16:creationId xmlns:a16="http://schemas.microsoft.com/office/drawing/2014/main" id="{800FC48B-3756-A40D-F24B-2CD3D2410AD4}"/>
+                </a:ext>
+              </a:extLst>
+            </p:cNvPr>
+            <p:cNvSpPr txBox="1"/>
+            <p:nvPr/>
+          </p:nvSpPr>
+          <p:spPr>
+            <a:xfrm>
+              <a:off x="4849073" y="1523763"/>
+              <a:ext cx="1669292" cy="273152"/>
+            </a:xfrm>
+            <a:prstGeom prst="rect">
+              <a:avLst/>
+            </a:prstGeom>
+            <a:noFill/>
+            <a:ln>
+              <a:solidFill>
+                <a:schemeClr val="tx1"/>
+              </a:solidFill>
+            </a:ln>
+          </p:spPr>
+          <p:txBody>
+            <a:bodyPr wrap="square">
+              <a:spAutoFit/>
+            </a:bodyPr>
+            <a:lstStyle>
+              <a:defPPr marR="0" lvl="0" algn="l" rtl="0">
+                <a:lnSpc>
+                  <a:spcPct val="100000"/>
+                </a:lnSpc>
+                <a:spcBef>
+                  <a:spcPts val="0"/>
+                </a:spcBef>
+                <a:spcAft>
+                  <a:spcPts val="0"/>
+                </a:spcAft>
+              </a:defPPr>
+              <a:lvl1pPr>
+                <a:lnSpc>
+                  <a:spcPts val="1425"/>
+                </a:lnSpc>
+                <a:defRPr>
+                  <a:solidFill>
+                    <a:schemeClr val="tx1"/>
+                  </a:solidFill>
+                  <a:effectLst/>
+                  <a:latin typeface="Consolas" panose="020B0609020204030204" pitchFamily="49" charset="0"/>
+                </a:defRPr>
+              </a:lvl1pPr>
+            </a:lstStyle>
+            <a:p>
+              <a:pPr algn="ctr"/>
+              <a:r>
+                <a:rPr lang="en-US" dirty="0">
+                  <a:sym typeface="Outfit"/>
+                </a:rPr>
+                <a:t>"nutrition.csv"</a:t>
+              </a:r>
+            </a:p>
+          </p:txBody>
+        </p:sp>
+        <p:sp>
+          <p:nvSpPr>
+            <p:cNvPr id="7" name="Google Shape;334;p46">
+              <a:extLst>
+                <a:ext uri="{FF2B5EF4-FFF2-40B4-BE49-F238E27FC236}">
+                  <a16:creationId xmlns:a16="http://schemas.microsoft.com/office/drawing/2014/main" id="{4E58FC26-E0F8-C8C7-210E-74C8D1EEFD00}"/>
+                </a:ext>
+              </a:extLst>
+            </p:cNvPr>
+            <p:cNvSpPr txBox="1"/>
+            <p:nvPr/>
+          </p:nvSpPr>
+          <p:spPr>
+            <a:xfrm>
+              <a:off x="2755365" y="851602"/>
+              <a:ext cx="3166776" cy="452688"/>
+            </a:xfrm>
+            <a:prstGeom prst="rect">
+              <a:avLst/>
+            </a:prstGeom>
+            <a:noFill/>
+            <a:ln>
+              <a:solidFill>
+                <a:schemeClr val="tx1"/>
+              </a:solidFill>
+            </a:ln>
+          </p:spPr>
+          <p:txBody>
+            <a:bodyPr wrap="square">
+              <a:spAutoFit/>
+            </a:bodyPr>
+            <a:lstStyle>
+              <a:defPPr marR="0" lvl="0" algn="l" rtl="0">
+                <a:lnSpc>
+                  <a:spcPct val="100000"/>
+                </a:lnSpc>
+                <a:spcBef>
+                  <a:spcPts val="0"/>
+                </a:spcBef>
+                <a:spcAft>
+                  <a:spcPts val="0"/>
+                </a:spcAft>
+              </a:defPPr>
+              <a:lvl1pPr>
+                <a:lnSpc>
+                  <a:spcPts val="1425"/>
+                </a:lnSpc>
+                <a:defRPr>
+                  <a:solidFill>
+                    <a:schemeClr val="tx1"/>
+                  </a:solidFill>
+                  <a:effectLst/>
+                  <a:latin typeface="Consolas" panose="020B0609020204030204" pitchFamily="49" charset="0"/>
+                </a:defRPr>
+              </a:lvl1pPr>
+            </a:lstStyle>
+            <a:p>
+              <a:pPr algn="ctr"/>
+              <a:r>
+                <a:rPr lang="en-US" dirty="0">
+                  <a:sym typeface="Outfit"/>
+                </a:rPr>
+                <a:t>"</a:t>
+              </a:r>
+              <a:r>
+                <a:rPr lang="en-US" dirty="0" err="1">
+                  <a:sym typeface="Outfit"/>
+                </a:rPr>
+                <a:t>DATASET_cultural</a:t>
+              </a:r>
+              <a:r>
+                <a:rPr lang="en-US" dirty="0">
+                  <a:sym typeface="Outfit"/>
+                </a:rPr>
+                <a:t> dimension of food consumption.xlsx"</a:t>
+              </a:r>
+            </a:p>
+          </p:txBody>
+        </p:sp>
+      </p:grpSp>
     </p:spTree>
     <p:extLst>
       <p:ext uri="{BB962C8B-B14F-4D97-AF65-F5344CB8AC3E}">
@@ -35403,147 +36563,125 @@
           </a:ln>
         </p:spPr>
       </p:pic>
-      <p:grpSp>
-        <p:nvGrpSpPr>
-          <p:cNvPr id="11" name="Group 10">
+      <p:pic>
+        <p:nvPicPr>
+          <p:cNvPr id="3" name="Picture 2">
             <a:extLst>
               <a:ext uri="{FF2B5EF4-FFF2-40B4-BE49-F238E27FC236}">
-                <a16:creationId xmlns:a16="http://schemas.microsoft.com/office/drawing/2014/main" id="{C8568EDF-890F-B1D1-3006-CD4F49391C6C}"/>
+                <a16:creationId xmlns:a16="http://schemas.microsoft.com/office/drawing/2014/main" id="{4A573216-EC54-74AC-9470-4C430EB064D0}"/>
               </a:ext>
             </a:extLst>
           </p:cNvPr>
-          <p:cNvGrpSpPr/>
+          <p:cNvPicPr>
+            <a:picLocks noChangeAspect="1"/>
+          </p:cNvPicPr>
           <p:nvPr/>
-        </p:nvGrpSpPr>
-        <p:grpSpPr>
+        </p:nvPicPr>
+        <p:blipFill>
+          <a:blip r:embed="rId4"/>
+          <a:srcRect/>
+          <a:stretch/>
+        </p:blipFill>
+        <p:spPr>
           <a:xfrm>
-            <a:off x="326561" y="1419130"/>
-            <a:ext cx="8487129" cy="1483392"/>
-            <a:chOff x="2915" y="1418240"/>
-            <a:chExt cx="8487129" cy="1483392"/>
+            <a:off x="4512472" y="1419130"/>
+            <a:ext cx="2957535" cy="1465310"/>
           </a:xfrm>
-        </p:grpSpPr>
-        <p:pic>
-          <p:nvPicPr>
-            <p:cNvPr id="3" name="Picture 2">
-              <a:extLst>
-                <a:ext uri="{FF2B5EF4-FFF2-40B4-BE49-F238E27FC236}">
-                  <a16:creationId xmlns:a16="http://schemas.microsoft.com/office/drawing/2014/main" id="{4A573216-EC54-74AC-9470-4C430EB064D0}"/>
-                </a:ext>
-              </a:extLst>
-            </p:cNvPr>
-            <p:cNvPicPr>
-              <a:picLocks noChangeAspect="1"/>
-            </p:cNvPicPr>
-            <p:nvPr/>
-          </p:nvPicPr>
-          <p:blipFill>
-            <a:blip r:embed="rId4"/>
-            <a:stretch>
-              <a:fillRect/>
-            </a:stretch>
-          </p:blipFill>
-          <p:spPr>
-            <a:xfrm>
-              <a:off x="4437719" y="1418240"/>
-              <a:ext cx="2459172" cy="1467049"/>
-            </a:xfrm>
-            <a:prstGeom prst="rect">
-              <a:avLst/>
-            </a:prstGeom>
-          </p:spPr>
-        </p:pic>
-        <p:pic>
-          <p:nvPicPr>
-            <p:cNvPr id="5" name="Picture 4">
-              <a:extLst>
-                <a:ext uri="{FF2B5EF4-FFF2-40B4-BE49-F238E27FC236}">
-                  <a16:creationId xmlns:a16="http://schemas.microsoft.com/office/drawing/2014/main" id="{7D86D7FA-1843-EC06-6A8A-6B69895F0EBB}"/>
-                </a:ext>
-              </a:extLst>
-            </p:cNvPr>
-            <p:cNvPicPr>
-              <a:picLocks noChangeAspect="1"/>
-            </p:cNvPicPr>
-            <p:nvPr/>
-          </p:nvPicPr>
-          <p:blipFill>
-            <a:blip r:embed="rId5"/>
-            <a:stretch>
-              <a:fillRect/>
-            </a:stretch>
-          </p:blipFill>
-          <p:spPr>
-            <a:xfrm>
-              <a:off x="6896891" y="1418240"/>
-              <a:ext cx="1593153" cy="1467454"/>
-            </a:xfrm>
-            <a:prstGeom prst="rect">
-              <a:avLst/>
-            </a:prstGeom>
-          </p:spPr>
-        </p:pic>
-        <p:pic>
-          <p:nvPicPr>
-            <p:cNvPr id="7" name="Picture 6">
-              <a:extLst>
-                <a:ext uri="{FF2B5EF4-FFF2-40B4-BE49-F238E27FC236}">
-                  <a16:creationId xmlns:a16="http://schemas.microsoft.com/office/drawing/2014/main" id="{F9568FDD-8F77-C78A-E4A6-792661D45633}"/>
-                </a:ext>
-              </a:extLst>
-            </p:cNvPr>
-            <p:cNvPicPr>
-              <a:picLocks noChangeAspect="1"/>
-            </p:cNvPicPr>
-            <p:nvPr/>
-          </p:nvPicPr>
-          <p:blipFill>
-            <a:blip r:embed="rId6"/>
-            <a:stretch>
-              <a:fillRect/>
-            </a:stretch>
-          </p:blipFill>
-          <p:spPr>
-            <a:xfrm>
-              <a:off x="2467434" y="1436322"/>
-              <a:ext cx="1962025" cy="1465310"/>
-            </a:xfrm>
-            <a:prstGeom prst="rect">
-              <a:avLst/>
-            </a:prstGeom>
-          </p:spPr>
-        </p:pic>
-        <p:pic>
-          <p:nvPicPr>
-            <p:cNvPr id="4" name="Picture 3">
-              <a:extLst>
-                <a:ext uri="{FF2B5EF4-FFF2-40B4-BE49-F238E27FC236}">
-                  <a16:creationId xmlns:a16="http://schemas.microsoft.com/office/drawing/2014/main" id="{6AED8DF0-BCEB-1576-473E-2D2C823A0910}"/>
-                </a:ext>
-              </a:extLst>
-            </p:cNvPr>
-            <p:cNvPicPr>
-              <a:picLocks noChangeAspect="1"/>
-            </p:cNvPicPr>
-            <p:nvPr/>
-          </p:nvPicPr>
-          <p:blipFill>
-            <a:blip r:embed="rId7"/>
-            <a:stretch>
-              <a:fillRect/>
-            </a:stretch>
-          </p:blipFill>
-          <p:spPr>
-            <a:xfrm>
-              <a:off x="2915" y="1418240"/>
-              <a:ext cx="2456259" cy="1465311"/>
-            </a:xfrm>
-            <a:prstGeom prst="rect">
-              <a:avLst/>
-            </a:prstGeom>
-          </p:spPr>
-        </p:pic>
-      </p:grpSp>
+          <a:prstGeom prst="rect">
+            <a:avLst/>
+          </a:prstGeom>
+        </p:spPr>
+      </p:pic>
+      <p:pic>
+        <p:nvPicPr>
+          <p:cNvPr id="5" name="Picture 4">
+            <a:extLst>
+              <a:ext uri="{FF2B5EF4-FFF2-40B4-BE49-F238E27FC236}">
+                <a16:creationId xmlns:a16="http://schemas.microsoft.com/office/drawing/2014/main" id="{7D86D7FA-1843-EC06-6A8A-6B69895F0EBB}"/>
+              </a:ext>
+            </a:extLst>
+          </p:cNvPr>
+          <p:cNvPicPr>
+            <a:picLocks noChangeAspect="1"/>
+          </p:cNvPicPr>
+          <p:nvPr/>
+        </p:nvPicPr>
+        <p:blipFill>
+          <a:blip r:embed="rId5"/>
+          <a:stretch>
+            <a:fillRect/>
+          </a:stretch>
+        </p:blipFill>
+        <p:spPr>
+          <a:xfrm>
+            <a:off x="7470007" y="1436140"/>
+            <a:ext cx="1593153" cy="1467454"/>
+          </a:xfrm>
+          <a:prstGeom prst="rect">
+            <a:avLst/>
+          </a:prstGeom>
+        </p:spPr>
+      </p:pic>
+      <p:pic>
+        <p:nvPicPr>
+          <p:cNvPr id="7" name="Picture 6">
+            <a:extLst>
+              <a:ext uri="{FF2B5EF4-FFF2-40B4-BE49-F238E27FC236}">
+                <a16:creationId xmlns:a16="http://schemas.microsoft.com/office/drawing/2014/main" id="{F9568FDD-8F77-C78A-E4A6-792661D45633}"/>
+              </a:ext>
+            </a:extLst>
+          </p:cNvPr>
+          <p:cNvPicPr>
+            <a:picLocks noChangeAspect="1"/>
+          </p:cNvPicPr>
+          <p:nvPr/>
+        </p:nvPicPr>
+        <p:blipFill>
+          <a:blip r:embed="rId6"/>
+          <a:stretch>
+            <a:fillRect/>
+          </a:stretch>
+        </p:blipFill>
+        <p:spPr>
+          <a:xfrm>
+            <a:off x="2550448" y="1437212"/>
+            <a:ext cx="1962025" cy="1465310"/>
+          </a:xfrm>
+          <a:prstGeom prst="rect">
+            <a:avLst/>
+          </a:prstGeom>
+        </p:spPr>
+      </p:pic>
+      <p:pic>
+        <p:nvPicPr>
+          <p:cNvPr id="4" name="Picture 3">
+            <a:extLst>
+              <a:ext uri="{FF2B5EF4-FFF2-40B4-BE49-F238E27FC236}">
+                <a16:creationId xmlns:a16="http://schemas.microsoft.com/office/drawing/2014/main" id="{6AED8DF0-BCEB-1576-473E-2D2C823A0910}"/>
+              </a:ext>
+            </a:extLst>
+          </p:cNvPr>
+          <p:cNvPicPr>
+            <a:picLocks noChangeAspect="1"/>
+          </p:cNvPicPr>
+          <p:nvPr/>
+        </p:nvPicPr>
+        <p:blipFill>
+          <a:blip r:embed="rId7"/>
+          <a:stretch>
+            <a:fillRect/>
+          </a:stretch>
+        </p:blipFill>
+        <p:spPr>
+          <a:xfrm>
+            <a:off x="85929" y="1419130"/>
+            <a:ext cx="2456259" cy="1465311"/>
+          </a:xfrm>
+          <a:prstGeom prst="rect">
+            <a:avLst/>
+          </a:prstGeom>
+        </p:spPr>
+      </p:pic>
       <p:grpSp>
         <p:nvGrpSpPr>
           <p:cNvPr id="12" name="Group 11">
@@ -36889,4 +38027,47 @@
     </a:folHlink>
   </a:clrScheme>
 </a:themeOverride>
+</file>
+
+<file path=ppt/theme/themeOverride4.xml><?xml version="1.0" encoding="utf-8"?>
+<a:themeOverride xmlns:a="http://schemas.openxmlformats.org/drawingml/2006/main">
+  <a:clrScheme name="Simple Light">
+    <a:dk1>
+      <a:srgbClr val="000000"/>
+    </a:dk1>
+    <a:lt1>
+      <a:srgbClr val="FFFFFF"/>
+    </a:lt1>
+    <a:dk2>
+      <a:srgbClr val="595959"/>
+    </a:dk2>
+    <a:lt2>
+      <a:srgbClr val="EEEEEE"/>
+    </a:lt2>
+    <a:accent1>
+      <a:srgbClr val="4285F4"/>
+    </a:accent1>
+    <a:accent2>
+      <a:srgbClr val="212121"/>
+    </a:accent2>
+    <a:accent3>
+      <a:srgbClr val="78909C"/>
+    </a:accent3>
+    <a:accent4>
+      <a:srgbClr val="FFAB40"/>
+    </a:accent4>
+    <a:accent5>
+      <a:srgbClr val="0097A7"/>
+    </a:accent5>
+    <a:accent6>
+      <a:srgbClr val="EEFF41"/>
+    </a:accent6>
+    <a:hlink>
+      <a:srgbClr val="0097A7"/>
+    </a:hlink>
+    <a:folHlink>
+      <a:srgbClr val="0097A7"/>
+    </a:folHlink>
+  </a:clrScheme>
+</a:themeOverride>
 </file>
--- a/Presentasi Final Project Data Analyst-Fajri Ilham Mughni.pptx
+++ b/Presentasi Final Project Data Analyst-Fajri Ilham Mughni.pptx
@@ -7,7 +7,7 @@
     <p:sldMasterId id="2147483684" r:id="rId3"/>
   </p:sldMasterIdLst>
   <p:notesMasterIdLst>
-    <p:notesMasterId r:id="rId17"/>
+    <p:notesMasterId r:id="rId18"/>
   </p:notesMasterIdLst>
   <p:sldIdLst>
     <p:sldId id="256" r:id="rId4"/>
@@ -21,35 +21,36 @@
     <p:sldId id="279" r:id="rId12"/>
     <p:sldId id="293" r:id="rId13"/>
     <p:sldId id="295" r:id="rId14"/>
-    <p:sldId id="272" r:id="rId15"/>
-    <p:sldId id="288" r:id="rId16"/>
+    <p:sldId id="296" r:id="rId15"/>
+    <p:sldId id="272" r:id="rId16"/>
+    <p:sldId id="288" r:id="rId17"/>
   </p:sldIdLst>
   <p:sldSz cx="9144000" cy="5143500" type="screen16x9"/>
   <p:notesSz cx="6858000" cy="9144000"/>
   <p:embeddedFontLst>
     <p:embeddedFont>
       <p:font typeface="Consolas" panose="020B0609020204030204" pitchFamily="49" charset="0"/>
-      <p:regular r:id="rId18"/>
-      <p:bold r:id="rId19"/>
-      <p:italic r:id="rId20"/>
-      <p:boldItalic r:id="rId21"/>
+      <p:regular r:id="rId19"/>
+      <p:bold r:id="rId20"/>
+      <p:italic r:id="rId21"/>
+      <p:boldItalic r:id="rId22"/>
     </p:embeddedFont>
     <p:embeddedFont>
       <p:font typeface="Outfit" panose="020B0604020202020204" charset="0"/>
-      <p:regular r:id="rId22"/>
-      <p:bold r:id="rId23"/>
+      <p:regular r:id="rId23"/>
+      <p:bold r:id="rId24"/>
     </p:embeddedFont>
     <p:embeddedFont>
       <p:font typeface="Outfit SemiBold" panose="020B0604020202020204" charset="0"/>
-      <p:regular r:id="rId24"/>
-      <p:bold r:id="rId25"/>
+      <p:regular r:id="rId25"/>
+      <p:bold r:id="rId26"/>
     </p:embeddedFont>
     <p:embeddedFont>
       <p:font typeface="Plus Jakarta Sans" panose="020B0604020202020204" charset="0"/>
-      <p:regular r:id="rId26"/>
-      <p:bold r:id="rId27"/>
-      <p:italic r:id="rId28"/>
-      <p:boldItalic r:id="rId29"/>
+      <p:regular r:id="rId27"/>
+      <p:bold r:id="rId28"/>
+      <p:italic r:id="rId29"/>
+      <p:boldItalic r:id="rId30"/>
     </p:embeddedFont>
   </p:embeddedFontLst>
   <p:defaultTextStyle>
@@ -1140,6 +1141,151 @@
   <p:cSld>
     <p:spTree>
       <p:nvGrpSpPr>
+        <p:cNvPr id="1" name="Shape 312">
+          <a:extLst>
+            <a:ext uri="{FF2B5EF4-FFF2-40B4-BE49-F238E27FC236}">
+              <a16:creationId xmlns:a16="http://schemas.microsoft.com/office/drawing/2014/main" id="{66DF006C-9FD5-726E-C2D9-56DBD17C9224}"/>
+            </a:ext>
+          </a:extLst>
+        </p:cNvPr>
+        <p:cNvGrpSpPr/>
+        <p:nvPr/>
+      </p:nvGrpSpPr>
+      <p:grpSpPr>
+        <a:xfrm>
+          <a:off x="0" y="0"/>
+          <a:ext cx="0" cy="0"/>
+          <a:chOff x="0" y="0"/>
+          <a:chExt cx="0" cy="0"/>
+        </a:xfrm>
+      </p:grpSpPr>
+      <p:sp>
+        <p:nvSpPr>
+          <p:cNvPr id="313" name="Google Shape;313;g32516e7fd8f_0_678:notes">
+            <a:extLst>
+              <a:ext uri="{FF2B5EF4-FFF2-40B4-BE49-F238E27FC236}">
+                <a16:creationId xmlns:a16="http://schemas.microsoft.com/office/drawing/2014/main" id="{B900D696-7DDF-72CA-6102-04B5CBCE176C}"/>
+              </a:ext>
+            </a:extLst>
+          </p:cNvPr>
+          <p:cNvSpPr>
+            <a:spLocks noGrp="1" noRot="1" noChangeAspect="1"/>
+          </p:cNvSpPr>
+          <p:nvPr>
+            <p:ph type="sldImg" idx="2"/>
+          </p:nvPr>
+        </p:nvSpPr>
+        <p:spPr>
+          <a:xfrm>
+            <a:off x="381000" y="685800"/>
+            <a:ext cx="6096000" cy="3429000"/>
+          </a:xfrm>
+          <a:custGeom>
+            <a:avLst/>
+            <a:gdLst/>
+            <a:ahLst/>
+            <a:cxnLst/>
+            <a:rect l="l" t="t" r="r" b="b"/>
+            <a:pathLst>
+              <a:path w="120000" h="120000" extrusionOk="0">
+                <a:moveTo>
+                  <a:pt x="0" y="0"/>
+                </a:moveTo>
+                <a:lnTo>
+                  <a:pt x="120000" y="0"/>
+                </a:lnTo>
+                <a:lnTo>
+                  <a:pt x="120000" y="120000"/>
+                </a:lnTo>
+                <a:lnTo>
+                  <a:pt x="0" y="120000"/>
+                </a:lnTo>
+                <a:close/>
+              </a:path>
+            </a:pathLst>
+          </a:custGeom>
+          <a:noFill/>
+          <a:ln w="12700" cap="flat" cmpd="sng">
+            <a:solidFill>
+              <a:srgbClr val="000000"/>
+            </a:solidFill>
+            <a:prstDash val="solid"/>
+            <a:round/>
+            <a:headEnd type="none" w="sm" len="sm"/>
+            <a:tailEnd type="none" w="sm" len="sm"/>
+          </a:ln>
+        </p:spPr>
+      </p:sp>
+      <p:sp>
+        <p:nvSpPr>
+          <p:cNvPr id="314" name="Google Shape;314;g32516e7fd8f_0_678:notes">
+            <a:extLst>
+              <a:ext uri="{FF2B5EF4-FFF2-40B4-BE49-F238E27FC236}">
+                <a16:creationId xmlns:a16="http://schemas.microsoft.com/office/drawing/2014/main" id="{C4E1C45E-1276-6595-78DD-1E7EDA4AC9D4}"/>
+              </a:ext>
+            </a:extLst>
+          </p:cNvPr>
+          <p:cNvSpPr txBox="1">
+            <a:spLocks noGrp="1"/>
+          </p:cNvSpPr>
+          <p:nvPr>
+            <p:ph type="body" idx="1"/>
+          </p:nvPr>
+        </p:nvSpPr>
+        <p:spPr>
+          <a:xfrm>
+            <a:off x="685800" y="4343400"/>
+            <a:ext cx="5486400" cy="4114800"/>
+          </a:xfrm>
+          <a:prstGeom prst="rect">
+            <a:avLst/>
+          </a:prstGeom>
+          <a:noFill/>
+          <a:ln>
+            <a:noFill/>
+          </a:ln>
+        </p:spPr>
+        <p:txBody>
+          <a:bodyPr spcFirstLastPara="1" wrap="square" lIns="91425" tIns="45700" rIns="91425" bIns="45700" anchor="t" anchorCtr="0">
+            <a:noAutofit/>
+          </a:bodyPr>
+          <a:lstStyle/>
+          <a:p>
+            <a:pPr marL="0" lvl="0" indent="0" algn="l" rtl="0">
+              <a:lnSpc>
+                <a:spcPct val="100000"/>
+              </a:lnSpc>
+              <a:spcBef>
+                <a:spcPts val="0"/>
+              </a:spcBef>
+              <a:spcAft>
+                <a:spcPts val="0"/>
+              </a:spcAft>
+              <a:buSzPts val="1400"/>
+              <a:buNone/>
+            </a:pPr>
+            <a:endParaRPr/>
+          </a:p>
+        </p:txBody>
+      </p:sp>
+    </p:spTree>
+    <p:extLst>
+      <p:ext uri="{BB962C8B-B14F-4D97-AF65-F5344CB8AC3E}">
+        <p14:creationId xmlns:p14="http://schemas.microsoft.com/office/powerpoint/2010/main" val="1072533372"/>
+      </p:ext>
+    </p:extLst>
+  </p:cSld>
+  <p:clrMapOvr>
+    <a:masterClrMapping/>
+  </p:clrMapOvr>
+</p:notes>
+</file>
+
+<file path=ppt/notesSlides/notesSlide13.xml><?xml version="1.0" encoding="utf-8"?>
+<p:notes xmlns:a="http://schemas.openxmlformats.org/drawingml/2006/main" xmlns:r="http://schemas.openxmlformats.org/officeDocument/2006/relationships" xmlns:p="http://schemas.openxmlformats.org/presentationml/2006/main" showMasterSp="0" showMasterPhAnim="0">
+  <p:cSld>
+    <p:spTree>
+      <p:nvGrpSpPr>
         <p:cNvPr id="1" name="Shape 472"/>
         <p:cNvGrpSpPr/>
         <p:nvPr/>
@@ -2443,7 +2589,7 @@
 </p:notes>
 </file>
 
-<file path=ppt/notesSlides/notesSlide13.xml><?xml version="1.0" encoding="utf-8"?>
+<file path=ppt/notesSlides/notesSlide14.xml><?xml version="1.0" encoding="utf-8"?>
 <p:notes xmlns:a="http://schemas.openxmlformats.org/drawingml/2006/main" xmlns:r="http://schemas.openxmlformats.org/officeDocument/2006/relationships" xmlns:p="http://schemas.openxmlformats.org/presentationml/2006/main" showMasterSp="0" showMasterPhAnim="0">
   <p:cSld>
     <p:spTree>
@@ -27247,7 +27393,7 @@
                 <a:cs typeface="Plus Jakarta Sans"/>
                 <a:sym typeface="Plus Jakarta Sans"/>
               </a:rPr>
-              <a:t>Updated on 04</a:t>
+              <a:t>Updated on 12</a:t>
             </a:r>
             <a:r>
               <a:rPr lang="en" sz="1050" b="1" baseline="30000" dirty="0">
@@ -29593,6 +29739,775 @@
     <p:bg>
       <p:bgPr>
         <a:solidFill>
+          <a:schemeClr val="lt1"/>
+        </a:solidFill>
+        <a:effectLst/>
+      </p:bgPr>
+    </p:bg>
+    <p:spTree>
+      <p:nvGrpSpPr>
+        <p:cNvPr id="1" name="Shape 315">
+          <a:extLst>
+            <a:ext uri="{FF2B5EF4-FFF2-40B4-BE49-F238E27FC236}">
+              <a16:creationId xmlns:a16="http://schemas.microsoft.com/office/drawing/2014/main" id="{A6FA35E4-96F2-5D97-34DB-D668B9B1E2A3}"/>
+            </a:ext>
+          </a:extLst>
+        </p:cNvPr>
+        <p:cNvGrpSpPr/>
+        <p:nvPr/>
+      </p:nvGrpSpPr>
+      <p:grpSpPr>
+        <a:xfrm>
+          <a:off x="0" y="0"/>
+          <a:ext cx="0" cy="0"/>
+          <a:chOff x="0" y="0"/>
+          <a:chExt cx="0" cy="0"/>
+        </a:xfrm>
+      </p:grpSpPr>
+      <p:pic>
+        <p:nvPicPr>
+          <p:cNvPr id="319" name="Google Shape;319;p46">
+            <a:extLst>
+              <a:ext uri="{FF2B5EF4-FFF2-40B4-BE49-F238E27FC236}">
+                <a16:creationId xmlns:a16="http://schemas.microsoft.com/office/drawing/2014/main" id="{191C7B3A-9BDD-3F0E-D691-A820F2DBD858}"/>
+              </a:ext>
+            </a:extLst>
+          </p:cNvPr>
+          <p:cNvPicPr preferRelativeResize="0"/>
+          <p:nvPr/>
+        </p:nvPicPr>
+        <p:blipFill rotWithShape="1">
+          <a:blip r:embed="rId4">
+            <a:alphaModFix/>
+          </a:blip>
+          <a:srcRect/>
+          <a:stretch/>
+        </p:blipFill>
+        <p:spPr>
+          <a:xfrm>
+            <a:off x="7629449" y="275964"/>
+            <a:ext cx="1184241" cy="359952"/>
+          </a:xfrm>
+          <a:prstGeom prst="rect">
+            <a:avLst/>
+          </a:prstGeom>
+          <a:noFill/>
+          <a:ln>
+            <a:noFill/>
+          </a:ln>
+        </p:spPr>
+      </p:pic>
+      <p:sp>
+        <p:nvSpPr>
+          <p:cNvPr id="320" name="Google Shape;320;p46">
+            <a:extLst>
+              <a:ext uri="{FF2B5EF4-FFF2-40B4-BE49-F238E27FC236}">
+                <a16:creationId xmlns:a16="http://schemas.microsoft.com/office/drawing/2014/main" id="{C9FA5835-B5C1-67CD-8D28-1D478FD49467}"/>
+              </a:ext>
+            </a:extLst>
+          </p:cNvPr>
+          <p:cNvSpPr txBox="1"/>
+          <p:nvPr/>
+        </p:nvSpPr>
+        <p:spPr>
+          <a:xfrm>
+            <a:off x="249775" y="166198"/>
+            <a:ext cx="6917643" cy="632224"/>
+          </a:xfrm>
+          <a:prstGeom prst="rect">
+            <a:avLst/>
+          </a:prstGeom>
+          <a:solidFill>
+            <a:schemeClr val="bg1"/>
+          </a:solidFill>
+          <a:ln>
+            <a:solidFill>
+              <a:schemeClr val="tx1"/>
+            </a:solidFill>
+          </a:ln>
+        </p:spPr>
+        <p:txBody>
+          <a:bodyPr spcFirstLastPara="1" wrap="square" lIns="91425" tIns="91425" rIns="91425" bIns="91425" anchor="ctr" anchorCtr="0">
+            <a:noAutofit/>
+          </a:bodyPr>
+          <a:lstStyle>
+            <a:defPPr marR="0" lvl="0" algn="l" rtl="0">
+              <a:lnSpc>
+                <a:spcPct val="100000"/>
+              </a:lnSpc>
+              <a:spcBef>
+                <a:spcPts val="0"/>
+              </a:spcBef>
+              <a:spcAft>
+                <a:spcPts val="0"/>
+              </a:spcAft>
+            </a:defPPr>
+            <a:lvl1pPr marL="0" indent="0" algn="ctr">
+              <a:lnSpc>
+                <a:spcPct val="85000"/>
+              </a:lnSpc>
+              <a:buClr>
+                <a:schemeClr val="dk1"/>
+              </a:buClr>
+              <a:buSzPts val="5200"/>
+              <a:buNone/>
+              <a:defRPr sz="2000">
+                <a:solidFill>
+                  <a:schemeClr val="dk1"/>
+                </a:solidFill>
+                <a:latin typeface="Outfit SemiBold"/>
+                <a:ea typeface="Outfit SemiBold"/>
+                <a:cs typeface="Outfit SemiBold"/>
+              </a:defRPr>
+            </a:lvl1pPr>
+            <a:lvl2pPr algn="ctr">
+              <a:buClr>
+                <a:schemeClr val="dk1"/>
+              </a:buClr>
+              <a:buSzPts val="5200"/>
+              <a:buNone/>
+              <a:defRPr sz="5200">
+                <a:solidFill>
+                  <a:schemeClr val="dk1"/>
+                </a:solidFill>
+              </a:defRPr>
+            </a:lvl2pPr>
+            <a:lvl3pPr algn="ctr">
+              <a:buClr>
+                <a:schemeClr val="dk1"/>
+              </a:buClr>
+              <a:buSzPts val="5200"/>
+              <a:buNone/>
+              <a:defRPr sz="5200">
+                <a:solidFill>
+                  <a:schemeClr val="dk1"/>
+                </a:solidFill>
+              </a:defRPr>
+            </a:lvl3pPr>
+            <a:lvl4pPr algn="ctr">
+              <a:buClr>
+                <a:schemeClr val="dk1"/>
+              </a:buClr>
+              <a:buSzPts val="5200"/>
+              <a:buNone/>
+              <a:defRPr sz="5200">
+                <a:solidFill>
+                  <a:schemeClr val="dk1"/>
+                </a:solidFill>
+              </a:defRPr>
+            </a:lvl4pPr>
+            <a:lvl5pPr algn="ctr">
+              <a:buClr>
+                <a:schemeClr val="dk1"/>
+              </a:buClr>
+              <a:buSzPts val="5200"/>
+              <a:buNone/>
+              <a:defRPr sz="5200">
+                <a:solidFill>
+                  <a:schemeClr val="dk1"/>
+                </a:solidFill>
+              </a:defRPr>
+            </a:lvl5pPr>
+            <a:lvl6pPr algn="ctr">
+              <a:buClr>
+                <a:schemeClr val="dk1"/>
+              </a:buClr>
+              <a:buSzPts val="5200"/>
+              <a:buNone/>
+              <a:defRPr sz="5200">
+                <a:solidFill>
+                  <a:schemeClr val="dk1"/>
+                </a:solidFill>
+              </a:defRPr>
+            </a:lvl6pPr>
+            <a:lvl7pPr algn="ctr">
+              <a:buClr>
+                <a:schemeClr val="dk1"/>
+              </a:buClr>
+              <a:buSzPts val="5200"/>
+              <a:buNone/>
+              <a:defRPr sz="5200">
+                <a:solidFill>
+                  <a:schemeClr val="dk1"/>
+                </a:solidFill>
+              </a:defRPr>
+            </a:lvl7pPr>
+            <a:lvl8pPr algn="ctr">
+              <a:buClr>
+                <a:schemeClr val="dk1"/>
+              </a:buClr>
+              <a:buSzPts val="5200"/>
+              <a:buNone/>
+              <a:defRPr sz="5200">
+                <a:solidFill>
+                  <a:schemeClr val="dk1"/>
+                </a:solidFill>
+              </a:defRPr>
+            </a:lvl8pPr>
+            <a:lvl9pPr algn="ctr">
+              <a:buClr>
+                <a:schemeClr val="dk1"/>
+              </a:buClr>
+              <a:buSzPts val="5200"/>
+              <a:buNone/>
+              <a:defRPr sz="5200">
+                <a:solidFill>
+                  <a:schemeClr val="dk1"/>
+                </a:solidFill>
+              </a:defRPr>
+            </a:lvl9pPr>
+          </a:lstStyle>
+          <a:p>
+            <a:r>
+              <a:rPr lang="en-US" dirty="0">
+                <a:sym typeface="Outfit SemiBold"/>
+              </a:rPr>
+              <a:t>Langkah-Langkah </a:t>
+            </a:r>
+            <a:r>
+              <a:rPr lang="en-US" dirty="0" err="1">
+                <a:sym typeface="Outfit SemiBold"/>
+              </a:rPr>
+              <a:t>Proyek</a:t>
+            </a:r>
+            <a:r>
+              <a:rPr lang="en-US" dirty="0">
+                <a:sym typeface="Outfit SemiBold"/>
+              </a:rPr>
+              <a:t> </a:t>
+            </a:r>
+            <a:r>
+              <a:rPr lang="en-US" dirty="0" err="1">
+                <a:sym typeface="Outfit SemiBold"/>
+              </a:rPr>
+              <a:t>Analisis</a:t>
+            </a:r>
+            <a:r>
+              <a:rPr lang="en-US" dirty="0">
+                <a:sym typeface="Outfit SemiBold"/>
+              </a:rPr>
+              <a:t> </a:t>
+            </a:r>
+            <a:r>
+              <a:rPr lang="en-US" dirty="0" err="1">
+                <a:sym typeface="Outfit SemiBold"/>
+              </a:rPr>
+              <a:t>Sistem</a:t>
+            </a:r>
+            <a:r>
+              <a:rPr lang="en-US" dirty="0">
+                <a:sym typeface="Outfit SemiBold"/>
+              </a:rPr>
+              <a:t> </a:t>
+            </a:r>
+            <a:r>
+              <a:rPr lang="en-US" dirty="0" err="1">
+                <a:sym typeface="Outfit SemiBold"/>
+              </a:rPr>
+              <a:t>Rekomendasi</a:t>
+            </a:r>
+            <a:endParaRPr lang="en-US" dirty="0">
+              <a:sym typeface="Outfit SemiBold"/>
+            </a:endParaRPr>
+          </a:p>
+        </p:txBody>
+      </p:sp>
+      <p:pic>
+        <p:nvPicPr>
+          <p:cNvPr id="8" name="Google Shape;321;p46" descr="Arrow circle with solid fill">
+            <a:extLst>
+              <a:ext uri="{FF2B5EF4-FFF2-40B4-BE49-F238E27FC236}">
+                <a16:creationId xmlns:a16="http://schemas.microsoft.com/office/drawing/2014/main" id="{CE09A966-E678-1327-B8A7-A4F65003ABAB}"/>
+              </a:ext>
+            </a:extLst>
+          </p:cNvPr>
+          <p:cNvPicPr preferRelativeResize="0"/>
+          <p:nvPr/>
+        </p:nvPicPr>
+        <p:blipFill>
+          <a:blip r:embed="rId5">
+            <a:extLst>
+              <a:ext uri="{96DAC541-7B7A-43D3-8B79-37D633B846F1}">
+                <asvg:svgBlip xmlns:asvg="http://schemas.microsoft.com/office/drawing/2016/SVG/main" r:embed="rId6"/>
+              </a:ext>
+            </a:extLst>
+          </a:blip>
+          <a:srcRect/>
+          <a:stretch/>
+        </p:blipFill>
+        <p:spPr>
+          <a:xfrm>
+            <a:off x="7629449" y="816942"/>
+            <a:ext cx="1006370" cy="1006370"/>
+          </a:xfrm>
+          <a:prstGeom prst="rect">
+            <a:avLst/>
+          </a:prstGeom>
+          <a:noFill/>
+          <a:ln>
+            <a:noFill/>
+          </a:ln>
+        </p:spPr>
+      </p:pic>
+      <p:pic>
+        <p:nvPicPr>
+          <p:cNvPr id="10" name="Picture 9">
+            <a:extLst>
+              <a:ext uri="{FF2B5EF4-FFF2-40B4-BE49-F238E27FC236}">
+                <a16:creationId xmlns:a16="http://schemas.microsoft.com/office/drawing/2014/main" id="{1874387A-07BF-1B12-56FE-A4DF978E5433}"/>
+              </a:ext>
+            </a:extLst>
+          </p:cNvPr>
+          <p:cNvPicPr>
+            <a:picLocks noChangeAspect="1"/>
+          </p:cNvPicPr>
+          <p:nvPr/>
+        </p:nvPicPr>
+        <p:blipFill>
+          <a:blip r:embed="rId7"/>
+          <a:stretch>
+            <a:fillRect/>
+          </a:stretch>
+        </p:blipFill>
+        <p:spPr>
+          <a:xfrm>
+            <a:off x="276937" y="962734"/>
+            <a:ext cx="4393174" cy="2142553"/>
+          </a:xfrm>
+          <a:prstGeom prst="rect">
+            <a:avLst/>
+          </a:prstGeom>
+        </p:spPr>
+      </p:pic>
+      <p:pic>
+        <p:nvPicPr>
+          <p:cNvPr id="12" name="Picture 11">
+            <a:extLst>
+              <a:ext uri="{FF2B5EF4-FFF2-40B4-BE49-F238E27FC236}">
+                <a16:creationId xmlns:a16="http://schemas.microsoft.com/office/drawing/2014/main" id="{581F242E-1FBE-59D3-30D0-E6DD1EED2ED1}"/>
+              </a:ext>
+            </a:extLst>
+          </p:cNvPr>
+          <p:cNvPicPr>
+            <a:picLocks noChangeAspect="1"/>
+          </p:cNvPicPr>
+          <p:nvPr/>
+        </p:nvPicPr>
+        <p:blipFill>
+          <a:blip r:embed="rId8"/>
+          <a:stretch>
+            <a:fillRect/>
+          </a:stretch>
+        </p:blipFill>
+        <p:spPr>
+          <a:xfrm>
+            <a:off x="68062" y="3217460"/>
+            <a:ext cx="4813537" cy="1820378"/>
+          </a:xfrm>
+          <a:prstGeom prst="rect">
+            <a:avLst/>
+          </a:prstGeom>
+        </p:spPr>
+      </p:pic>
+      <p:pic>
+        <p:nvPicPr>
+          <p:cNvPr id="14" name="Picture 13">
+            <a:extLst>
+              <a:ext uri="{FF2B5EF4-FFF2-40B4-BE49-F238E27FC236}">
+                <a16:creationId xmlns:a16="http://schemas.microsoft.com/office/drawing/2014/main" id="{656F6CD7-1903-33A9-F515-250B8D7F51DE}"/>
+              </a:ext>
+            </a:extLst>
+          </p:cNvPr>
+          <p:cNvPicPr>
+            <a:picLocks noChangeAspect="1"/>
+          </p:cNvPicPr>
+          <p:nvPr/>
+        </p:nvPicPr>
+        <p:blipFill>
+          <a:blip r:embed="rId9"/>
+          <a:stretch>
+            <a:fillRect/>
+          </a:stretch>
+        </p:blipFill>
+        <p:spPr>
+          <a:xfrm>
+            <a:off x="5023718" y="2295922"/>
+            <a:ext cx="4023484" cy="2822994"/>
+          </a:xfrm>
+          <a:prstGeom prst="rect">
+            <a:avLst/>
+          </a:prstGeom>
+        </p:spPr>
+      </p:pic>
+      <p:sp>
+        <p:nvSpPr>
+          <p:cNvPr id="18" name="Freeform: Shape 17">
+            <a:extLst>
+              <a:ext uri="{FF2B5EF4-FFF2-40B4-BE49-F238E27FC236}">
+                <a16:creationId xmlns:a16="http://schemas.microsoft.com/office/drawing/2014/main" id="{BE2B0980-DCFC-74B7-2F30-C6BFCAEC76EF}"/>
+              </a:ext>
+            </a:extLst>
+          </p:cNvPr>
+          <p:cNvSpPr/>
+          <p:nvPr/>
+        </p:nvSpPr>
+        <p:spPr>
+          <a:xfrm>
+            <a:off x="4549042" y="1417607"/>
+            <a:ext cx="1006370" cy="632224"/>
+          </a:xfrm>
+          <a:custGeom>
+            <a:avLst/>
+            <a:gdLst>
+              <a:gd name="connsiteX0" fmla="*/ 0 w 948905"/>
+              <a:gd name="connsiteY0" fmla="*/ 534838 h 534838"/>
+              <a:gd name="connsiteX1" fmla="*/ 948905 w 948905"/>
+              <a:gd name="connsiteY1" fmla="*/ 0 h 534838"/>
+            </a:gdLst>
+            <a:ahLst/>
+            <a:cxnLst>
+              <a:cxn ang="0">
+                <a:pos x="connsiteX0" y="connsiteY0"/>
+              </a:cxn>
+              <a:cxn ang="0">
+                <a:pos x="connsiteX1" y="connsiteY1"/>
+              </a:cxn>
+            </a:cxnLst>
+            <a:rect l="l" t="t" r="r" b="b"/>
+            <a:pathLst>
+              <a:path w="948905" h="534838">
+                <a:moveTo>
+                  <a:pt x="0" y="534838"/>
+                </a:moveTo>
+                <a:lnTo>
+                  <a:pt x="948905" y="0"/>
+                </a:lnTo>
+              </a:path>
+            </a:pathLst>
+          </a:custGeom>
+          <a:noFill/>
+        </p:spPr>
+        <p:style>
+          <a:lnRef idx="2">
+            <a:schemeClr val="accent1">
+              <a:shade val="15000"/>
+            </a:schemeClr>
+          </a:lnRef>
+          <a:fillRef idx="1">
+            <a:schemeClr val="accent1"/>
+          </a:fillRef>
+          <a:effectRef idx="0">
+            <a:schemeClr val="accent1"/>
+          </a:effectRef>
+          <a:fontRef idx="minor">
+            <a:schemeClr val="lt1"/>
+          </a:fontRef>
+        </p:style>
+        <p:txBody>
+          <a:bodyPr rtlCol="0" anchor="ctr"/>
+          <a:lstStyle/>
+          <a:p>
+            <a:pPr algn="ctr"/>
+            <a:endParaRPr lang="en-US"/>
+          </a:p>
+        </p:txBody>
+      </p:sp>
+      <p:sp>
+        <p:nvSpPr>
+          <p:cNvPr id="20" name="Freeform: Shape 19">
+            <a:extLst>
+              <a:ext uri="{FF2B5EF4-FFF2-40B4-BE49-F238E27FC236}">
+                <a16:creationId xmlns:a16="http://schemas.microsoft.com/office/drawing/2014/main" id="{601FDE01-513F-0942-2AF4-995E8A909DC1}"/>
+              </a:ext>
+            </a:extLst>
+          </p:cNvPr>
+          <p:cNvSpPr/>
+          <p:nvPr/>
+        </p:nvSpPr>
+        <p:spPr>
+          <a:xfrm>
+            <a:off x="4813540" y="1449238"/>
+            <a:ext cx="715992" cy="1768222"/>
+          </a:xfrm>
+          <a:custGeom>
+            <a:avLst/>
+            <a:gdLst>
+              <a:gd name="connsiteX0" fmla="*/ 47516 w 806640"/>
+              <a:gd name="connsiteY0" fmla="*/ 1837426 h 1837426"/>
+              <a:gd name="connsiteX1" fmla="*/ 82021 w 806640"/>
+              <a:gd name="connsiteY1" fmla="*/ 793630 h 1837426"/>
+              <a:gd name="connsiteX2" fmla="*/ 806640 w 806640"/>
+              <a:gd name="connsiteY2" fmla="*/ 0 h 1837426"/>
+              <a:gd name="connsiteX3" fmla="*/ 806640 w 806640"/>
+              <a:gd name="connsiteY3" fmla="*/ 0 h 1837426"/>
+            </a:gdLst>
+            <a:ahLst/>
+            <a:cxnLst>
+              <a:cxn ang="0">
+                <a:pos x="connsiteX0" y="connsiteY0"/>
+              </a:cxn>
+              <a:cxn ang="0">
+                <a:pos x="connsiteX1" y="connsiteY1"/>
+              </a:cxn>
+              <a:cxn ang="0">
+                <a:pos x="connsiteX2" y="connsiteY2"/>
+              </a:cxn>
+              <a:cxn ang="0">
+                <a:pos x="connsiteX3" y="connsiteY3"/>
+              </a:cxn>
+            </a:cxnLst>
+            <a:rect l="l" t="t" r="r" b="b"/>
+            <a:pathLst>
+              <a:path w="806640" h="1837426">
+                <a:moveTo>
+                  <a:pt x="47516" y="1837426"/>
+                </a:moveTo>
+                <a:cubicBezTo>
+                  <a:pt x="1508" y="1468647"/>
+                  <a:pt x="-44500" y="1099868"/>
+                  <a:pt x="82021" y="793630"/>
+                </a:cubicBezTo>
+                <a:cubicBezTo>
+                  <a:pt x="208542" y="487392"/>
+                  <a:pt x="806640" y="0"/>
+                  <a:pt x="806640" y="0"/>
+                </a:cubicBezTo>
+                <a:lnTo>
+                  <a:pt x="806640" y="0"/>
+                </a:lnTo>
+              </a:path>
+            </a:pathLst>
+          </a:custGeom>
+          <a:noFill/>
+        </p:spPr>
+        <p:style>
+          <a:lnRef idx="2">
+            <a:schemeClr val="accent1">
+              <a:shade val="15000"/>
+            </a:schemeClr>
+          </a:lnRef>
+          <a:fillRef idx="1">
+            <a:schemeClr val="accent1"/>
+          </a:fillRef>
+          <a:effectRef idx="0">
+            <a:schemeClr val="accent1"/>
+          </a:effectRef>
+          <a:fontRef idx="minor">
+            <a:schemeClr val="lt1"/>
+          </a:fontRef>
+        </p:style>
+        <p:txBody>
+          <a:bodyPr rtlCol="0" anchor="ctr"/>
+          <a:lstStyle/>
+          <a:p>
+            <a:pPr algn="ctr"/>
+            <a:endParaRPr lang="en-US"/>
+          </a:p>
+        </p:txBody>
+      </p:sp>
+      <p:sp>
+        <p:nvSpPr>
+          <p:cNvPr id="21" name="Freeform: Shape 20">
+            <a:extLst>
+              <a:ext uri="{FF2B5EF4-FFF2-40B4-BE49-F238E27FC236}">
+                <a16:creationId xmlns:a16="http://schemas.microsoft.com/office/drawing/2014/main" id="{C44C9223-A82F-A3CC-767A-5D7589C3D911}"/>
+              </a:ext>
+            </a:extLst>
+          </p:cNvPr>
+          <p:cNvSpPr/>
+          <p:nvPr/>
+        </p:nvSpPr>
+        <p:spPr>
+          <a:xfrm>
+            <a:off x="5046453" y="1457864"/>
+            <a:ext cx="474453" cy="828136"/>
+          </a:xfrm>
+          <a:custGeom>
+            <a:avLst/>
+            <a:gdLst>
+              <a:gd name="connsiteX0" fmla="*/ 0 w 474453"/>
+              <a:gd name="connsiteY0" fmla="*/ 828136 h 828136"/>
+              <a:gd name="connsiteX1" fmla="*/ 232913 w 474453"/>
+              <a:gd name="connsiteY1" fmla="*/ 405442 h 828136"/>
+              <a:gd name="connsiteX2" fmla="*/ 474453 w 474453"/>
+              <a:gd name="connsiteY2" fmla="*/ 0 h 828136"/>
+            </a:gdLst>
+            <a:ahLst/>
+            <a:cxnLst>
+              <a:cxn ang="0">
+                <a:pos x="connsiteX0" y="connsiteY0"/>
+              </a:cxn>
+              <a:cxn ang="0">
+                <a:pos x="connsiteX1" y="connsiteY1"/>
+              </a:cxn>
+              <a:cxn ang="0">
+                <a:pos x="connsiteX2" y="connsiteY2"/>
+              </a:cxn>
+            </a:cxnLst>
+            <a:rect l="l" t="t" r="r" b="b"/>
+            <a:pathLst>
+              <a:path w="474453" h="828136">
+                <a:moveTo>
+                  <a:pt x="0" y="828136"/>
+                </a:moveTo>
+                <a:cubicBezTo>
+                  <a:pt x="76919" y="685800"/>
+                  <a:pt x="153838" y="543465"/>
+                  <a:pt x="232913" y="405442"/>
+                </a:cubicBezTo>
+                <a:cubicBezTo>
+                  <a:pt x="311989" y="267419"/>
+                  <a:pt x="393221" y="133709"/>
+                  <a:pt x="474453" y="0"/>
+                </a:cubicBezTo>
+              </a:path>
+            </a:pathLst>
+          </a:custGeom>
+          <a:noFill/>
+        </p:spPr>
+        <p:style>
+          <a:lnRef idx="2">
+            <a:schemeClr val="accent1">
+              <a:shade val="15000"/>
+            </a:schemeClr>
+          </a:lnRef>
+          <a:fillRef idx="1">
+            <a:schemeClr val="accent1"/>
+          </a:fillRef>
+          <a:effectRef idx="0">
+            <a:schemeClr val="accent1"/>
+          </a:effectRef>
+          <a:fontRef idx="minor">
+            <a:schemeClr val="lt1"/>
+          </a:fontRef>
+        </p:style>
+        <p:txBody>
+          <a:bodyPr rtlCol="0" anchor="ctr"/>
+          <a:lstStyle/>
+          <a:p>
+            <a:pPr algn="ctr"/>
+            <a:endParaRPr lang="en-US"/>
+          </a:p>
+        </p:txBody>
+      </p:sp>
+      <p:sp>
+        <p:nvSpPr>
+          <p:cNvPr id="9" name="Google Shape;334;p46">
+            <a:extLst>
+              <a:ext uri="{FF2B5EF4-FFF2-40B4-BE49-F238E27FC236}">
+                <a16:creationId xmlns:a16="http://schemas.microsoft.com/office/drawing/2014/main" id="{A71CB5F3-6B28-1B96-7352-0DDCD96AF91C}"/>
+              </a:ext>
+            </a:extLst>
+          </p:cNvPr>
+          <p:cNvSpPr txBox="1"/>
+          <p:nvPr/>
+        </p:nvSpPr>
+        <p:spPr>
+          <a:xfrm>
+            <a:off x="5520906" y="958093"/>
+            <a:ext cx="1979223" cy="811761"/>
+          </a:xfrm>
+          <a:prstGeom prst="rect">
+            <a:avLst/>
+          </a:prstGeom>
+          <a:solidFill>
+            <a:schemeClr val="bg1"/>
+          </a:solidFill>
+          <a:ln>
+            <a:solidFill>
+              <a:schemeClr val="tx1"/>
+            </a:solidFill>
+          </a:ln>
+        </p:spPr>
+        <p:txBody>
+          <a:bodyPr wrap="square">
+            <a:spAutoFit/>
+          </a:bodyPr>
+          <a:lstStyle>
+            <a:defPPr marR="0" lvl="0" algn="l" rtl="0">
+              <a:lnSpc>
+                <a:spcPct val="100000"/>
+              </a:lnSpc>
+              <a:spcBef>
+                <a:spcPts val="0"/>
+              </a:spcBef>
+              <a:spcAft>
+                <a:spcPts val="0"/>
+              </a:spcAft>
+              <a:defRPr/>
+            </a:defPPr>
+            <a:lvl1pPr>
+              <a:lnSpc>
+                <a:spcPts val="1425"/>
+              </a:lnSpc>
+              <a:defRPr>
+                <a:solidFill>
+                  <a:schemeClr val="tx1"/>
+                </a:solidFill>
+                <a:effectLst/>
+                <a:latin typeface="Consolas" panose="020B0609020204030204" pitchFamily="49" charset="0"/>
+              </a:defRPr>
+            </a:lvl1pPr>
+          </a:lstStyle>
+          <a:p>
+            <a:pPr algn="ctr">
+              <a:buNone/>
+            </a:pPr>
+            <a:r>
+              <a:rPr lang="en-US" b="1" dirty="0"/>
+              <a:t>7. </a:t>
+            </a:r>
+            <a:r>
+              <a:rPr lang="en-US" b="1" dirty="0" err="1"/>
+              <a:t>Pembuatan</a:t>
+            </a:r>
+            <a:r>
+              <a:rPr lang="en-US" b="1" dirty="0"/>
+              <a:t> Model machine Learning </a:t>
+            </a:r>
+            <a:r>
+              <a:rPr lang="en-US" b="1" dirty="0" err="1"/>
+              <a:t>dengan</a:t>
+            </a:r>
+            <a:r>
+              <a:rPr lang="en-US" b="1" dirty="0"/>
+              <a:t> file .</a:t>
+            </a:r>
+            <a:r>
+              <a:rPr lang="en-US" b="1" dirty="0" err="1"/>
+              <a:t>py</a:t>
+            </a:r>
+            <a:r>
+              <a:rPr lang="en-US" b="1" dirty="0"/>
+              <a:t> dan </a:t>
+            </a:r>
+            <a:r>
+              <a:rPr lang="en-US" b="1" dirty="0" err="1"/>
+              <a:t>Streamlit</a:t>
+            </a:r>
+            <a:endParaRPr lang="en-US" b="1" dirty="0"/>
+          </a:p>
+        </p:txBody>
+      </p:sp>
+    </p:spTree>
+    <p:extLst>
+      <p:ext uri="{BB962C8B-B14F-4D97-AF65-F5344CB8AC3E}">
+        <p14:creationId xmlns:p14="http://schemas.microsoft.com/office/powerpoint/2010/main" val="2119847192"/>
+      </p:ext>
+    </p:extLst>
+  </p:cSld>
+  <p:clrMapOvr>
+    <a:overrideClrMapping bg1="lt1" tx1="dk1" bg2="dk2" tx2="lt2" accent1="accent1" accent2="accent2" accent3="accent3" accent4="accent4" accent5="accent5" accent6="accent6" hlink="hlink" folHlink="folHlink"/>
+  </p:clrMapOvr>
+</p:sld>
+</file>
+
+<file path=ppt/slides/slide13.xml><?xml version="1.0" encoding="utf-8"?>
+<p:sld xmlns:a="http://schemas.openxmlformats.org/drawingml/2006/main" xmlns:r="http://schemas.openxmlformats.org/officeDocument/2006/relationships" xmlns:p="http://schemas.openxmlformats.org/presentationml/2006/main">
+  <p:cSld>
+    <p:bg>
+      <p:bgPr>
+        <a:solidFill>
           <a:srgbClr val="F3F3F3"/>
         </a:solidFill>
         <a:effectLst/>
@@ -29755,114 +30670,6 @@
           </a:p>
         </p:txBody>
       </p:sp>
-      <p:sp>
-        <p:nvSpPr>
-          <p:cNvPr id="480" name="Google Shape;480;p54"/>
-          <p:cNvSpPr txBox="1"/>
-          <p:nvPr/>
-        </p:nvSpPr>
-        <p:spPr>
-          <a:xfrm>
-            <a:off x="357825" y="123575"/>
-            <a:ext cx="7110900" cy="731100"/>
-          </a:xfrm>
-          <a:prstGeom prst="rect">
-            <a:avLst/>
-          </a:prstGeom>
-          <a:noFill/>
-          <a:ln>
-            <a:noFill/>
-          </a:ln>
-        </p:spPr>
-        <p:txBody>
-          <a:bodyPr spcFirstLastPara="1" wrap="square" lIns="91425" tIns="91425" rIns="91425" bIns="91425" anchor="t" anchorCtr="0">
-            <a:noAutofit/>
-          </a:bodyPr>
-          <a:lstStyle/>
-          <a:p>
-            <a:pPr marL="0" marR="0" lvl="0" indent="0" algn="l" rtl="0">
-              <a:lnSpc>
-                <a:spcPct val="100000"/>
-              </a:lnSpc>
-              <a:spcBef>
-                <a:spcPts val="0"/>
-              </a:spcBef>
-              <a:spcAft>
-                <a:spcPts val="0"/>
-              </a:spcAft>
-              <a:buClr>
-                <a:srgbClr val="000000"/>
-              </a:buClr>
-              <a:buSzPts val="3600"/>
-              <a:buFont typeface="Arial"/>
-              <a:buNone/>
-            </a:pPr>
-            <a:r>
-              <a:rPr lang="en" sz="3600" dirty="0">
-                <a:solidFill>
-                  <a:srgbClr val="48A8C4"/>
-                </a:solidFill>
-                <a:latin typeface="Outfit SemiBold"/>
-                <a:ea typeface="Outfit SemiBold"/>
-                <a:cs typeface="Outfit SemiBold"/>
-                <a:sym typeface="Outfit SemiBold"/>
-              </a:rPr>
-              <a:t>What I </a:t>
-            </a:r>
-            <a:r>
-              <a:rPr lang="en-US" sz="3600" dirty="0">
-                <a:solidFill>
-                  <a:srgbClr val="48A8C4"/>
-                </a:solidFill>
-                <a:latin typeface="Outfit SemiBold"/>
-                <a:ea typeface="Outfit SemiBold"/>
-                <a:cs typeface="Outfit SemiBold"/>
-                <a:sym typeface="Outfit SemiBold"/>
-              </a:rPr>
-              <a:t>Comprehend</a:t>
-            </a:r>
-            <a:endParaRPr sz="3600" dirty="0">
-              <a:solidFill>
-                <a:srgbClr val="48A8C4"/>
-              </a:solidFill>
-              <a:latin typeface="Outfit SemiBold"/>
-              <a:ea typeface="Outfit SemiBold"/>
-              <a:cs typeface="Outfit SemiBold"/>
-              <a:sym typeface="Outfit SemiBold"/>
-            </a:endParaRPr>
-          </a:p>
-        </p:txBody>
-      </p:sp>
-      <p:pic>
-        <p:nvPicPr>
-          <p:cNvPr id="4" name="Picture 3">
-            <a:extLst>
-              <a:ext uri="{FF2B5EF4-FFF2-40B4-BE49-F238E27FC236}">
-                <a16:creationId xmlns:a16="http://schemas.microsoft.com/office/drawing/2014/main" id="{8DCB25EC-0985-05BF-50E0-7177A0E252A5}"/>
-              </a:ext>
-            </a:extLst>
-          </p:cNvPr>
-          <p:cNvPicPr>
-            <a:picLocks noChangeAspect="1"/>
-          </p:cNvPicPr>
-          <p:nvPr/>
-        </p:nvPicPr>
-        <p:blipFill>
-          <a:blip r:embed="rId4"/>
-          <a:stretch>
-            <a:fillRect/>
-          </a:stretch>
-        </p:blipFill>
-        <p:spPr>
-          <a:xfrm>
-            <a:off x="357825" y="854675"/>
-            <a:ext cx="4602364" cy="3942380"/>
-          </a:xfrm>
-          <a:prstGeom prst="rect">
-            <a:avLst/>
-          </a:prstGeom>
-        </p:spPr>
-      </p:pic>
       <p:grpSp>
         <p:nvGrpSpPr>
           <p:cNvPr id="8" name="Group 7">
@@ -29877,7 +30684,7 @@
         </p:nvGrpSpPr>
         <p:grpSpPr>
           <a:xfrm>
-            <a:off x="5086400" y="854675"/>
+            <a:off x="3703960" y="264836"/>
             <a:ext cx="3324071" cy="685323"/>
             <a:chOff x="5112563" y="854675"/>
             <a:chExt cx="3324071" cy="685323"/>
@@ -29898,7 +30705,7 @@
             <p:nvPr/>
           </p:nvPicPr>
           <p:blipFill>
-            <a:blip r:embed="rId5"/>
+            <a:blip r:embed="rId4"/>
             <a:stretch>
               <a:fillRect/>
             </a:stretch>
@@ -29947,7 +30754,7 @@
               </a:r>
               <a:r>
                 <a:rPr lang="en-US" dirty="0">
-                  <a:hlinkClick r:id="rId6"/>
+                  <a:hlinkClick r:id="rId5"/>
                 </a:rPr>
                 <a:t>com</a:t>
               </a:r>
@@ -29973,7 +30780,7 @@
         </p:nvGrpSpPr>
         <p:grpSpPr>
           <a:xfrm>
-            <a:off x="4960986" y="1654144"/>
+            <a:off x="110176" y="139423"/>
             <a:ext cx="3199603" cy="936150"/>
             <a:chOff x="4960986" y="1513699"/>
             <a:chExt cx="3199603" cy="936150"/>
@@ -29994,7 +30801,7 @@
             <p:nvPr/>
           </p:nvPicPr>
           <p:blipFill>
-            <a:blip r:embed="rId7"/>
+            <a:blip r:embed="rId6"/>
             <a:stretch>
               <a:fillRect/>
             </a:stretch>
@@ -30043,7 +30850,7 @@
               </a:r>
               <a:r>
                 <a:rPr lang="en-US" dirty="0">
-                  <a:hlinkClick r:id="rId8"/>
+                  <a:hlinkClick r:id="rId7"/>
                 </a:rPr>
                 <a:t>finalprojectfajrids29</a:t>
               </a:r>
@@ -30055,6 +30862,117 @@
           </p:txBody>
         </p:sp>
       </p:grpSp>
+      <p:pic>
+        <p:nvPicPr>
+          <p:cNvPr id="9" name="Picture 8">
+            <a:extLst>
+              <a:ext uri="{FF2B5EF4-FFF2-40B4-BE49-F238E27FC236}">
+                <a16:creationId xmlns:a16="http://schemas.microsoft.com/office/drawing/2014/main" id="{FC99B1E6-602E-6E3F-C547-20B51FF5C1DF}"/>
+              </a:ext>
+            </a:extLst>
+          </p:cNvPr>
+          <p:cNvPicPr>
+            <a:picLocks noChangeAspect="1"/>
+          </p:cNvPicPr>
+          <p:nvPr/>
+        </p:nvPicPr>
+        <p:blipFill>
+          <a:blip r:embed="rId8"/>
+          <a:stretch>
+            <a:fillRect/>
+          </a:stretch>
+        </p:blipFill>
+        <p:spPr>
+          <a:xfrm>
+            <a:off x="1025043" y="3997710"/>
+            <a:ext cx="5370511" cy="1080000"/>
+          </a:xfrm>
+          <a:prstGeom prst="rect">
+            <a:avLst/>
+          </a:prstGeom>
+        </p:spPr>
+      </p:pic>
+      <p:grpSp>
+        <p:nvGrpSpPr>
+          <p:cNvPr id="15" name="Group 14">
+            <a:extLst>
+              <a:ext uri="{FF2B5EF4-FFF2-40B4-BE49-F238E27FC236}">
+                <a16:creationId xmlns:a16="http://schemas.microsoft.com/office/drawing/2014/main" id="{C8AC1F96-B5DE-2ED8-7AA5-48FE91FDC48E}"/>
+              </a:ext>
+            </a:extLst>
+          </p:cNvPr>
+          <p:cNvGrpSpPr/>
+          <p:nvPr/>
+        </p:nvGrpSpPr>
+        <p:grpSpPr>
+          <a:xfrm>
+            <a:off x="34495" y="1174477"/>
+            <a:ext cx="6809926" cy="2794545"/>
+            <a:chOff x="34495" y="1174477"/>
+            <a:chExt cx="6809926" cy="2794545"/>
+          </a:xfrm>
+        </p:grpSpPr>
+        <p:pic>
+          <p:nvPicPr>
+            <p:cNvPr id="3" name="Picture 2">
+              <a:extLst>
+                <a:ext uri="{FF2B5EF4-FFF2-40B4-BE49-F238E27FC236}">
+                  <a16:creationId xmlns:a16="http://schemas.microsoft.com/office/drawing/2014/main" id="{6EE9386D-C7B1-6F83-BD2A-865CD94A62C0}"/>
+                </a:ext>
+              </a:extLst>
+            </p:cNvPr>
+            <p:cNvPicPr>
+              <a:picLocks noChangeAspect="1"/>
+            </p:cNvPicPr>
+            <p:nvPr/>
+          </p:nvPicPr>
+          <p:blipFill>
+            <a:blip r:embed="rId9"/>
+            <a:stretch>
+              <a:fillRect/>
+            </a:stretch>
+          </p:blipFill>
+          <p:spPr>
+            <a:xfrm>
+              <a:off x="3913275" y="1174477"/>
+              <a:ext cx="2931146" cy="2793600"/>
+            </a:xfrm>
+            <a:prstGeom prst="rect">
+              <a:avLst/>
+            </a:prstGeom>
+          </p:spPr>
+        </p:pic>
+        <p:pic>
+          <p:nvPicPr>
+            <p:cNvPr id="14" name="Picture 13">
+              <a:extLst>
+                <a:ext uri="{FF2B5EF4-FFF2-40B4-BE49-F238E27FC236}">
+                  <a16:creationId xmlns:a16="http://schemas.microsoft.com/office/drawing/2014/main" id="{03BFAB6B-6B98-A76A-0BCC-9126174231EE}"/>
+                </a:ext>
+              </a:extLst>
+            </p:cNvPr>
+            <p:cNvPicPr>
+              <a:picLocks noChangeAspect="1"/>
+            </p:cNvPicPr>
+            <p:nvPr/>
+          </p:nvPicPr>
+          <p:blipFill>
+            <a:blip r:embed="rId10"/>
+            <a:stretch>
+              <a:fillRect/>
+            </a:stretch>
+          </p:blipFill>
+          <p:spPr>
+            <a:xfrm>
+              <a:off x="34495" y="1174477"/>
+              <a:ext cx="3848226" cy="2794545"/>
+            </a:xfrm>
+            <a:prstGeom prst="rect">
+              <a:avLst/>
+            </a:prstGeom>
+          </p:spPr>
+        </p:pic>
+      </p:grpSp>
     </p:spTree>
   </p:cSld>
   <p:clrMapOvr>
@@ -30063,7 +30981,7 @@
 </p:sld>
 </file>
 
-<file path=ppt/slides/slide13.xml><?xml version="1.0" encoding="utf-8"?>
+<file path=ppt/slides/slide14.xml><?xml version="1.0" encoding="utf-8"?>
 <p:sld xmlns:a="http://schemas.openxmlformats.org/drawingml/2006/main" xmlns:r="http://schemas.openxmlformats.org/officeDocument/2006/relationships" xmlns:p="http://schemas.openxmlformats.org/presentationml/2006/main">
   <p:cSld>
     <p:bg>
@@ -38070,4 +38988,47 @@
     </a:folHlink>
   </a:clrScheme>
 </a:themeOverride>
+</file>
+
+<file path=ppt/theme/themeOverride5.xml><?xml version="1.0" encoding="utf-8"?>
+<a:themeOverride xmlns:a="http://schemas.openxmlformats.org/drawingml/2006/main">
+  <a:clrScheme name="Simple Light">
+    <a:dk1>
+      <a:srgbClr val="000000"/>
+    </a:dk1>
+    <a:lt1>
+      <a:srgbClr val="FFFFFF"/>
+    </a:lt1>
+    <a:dk2>
+      <a:srgbClr val="595959"/>
+    </a:dk2>
+    <a:lt2>
+      <a:srgbClr val="EEEEEE"/>
+    </a:lt2>
+    <a:accent1>
+      <a:srgbClr val="4285F4"/>
+    </a:accent1>
+    <a:accent2>
+      <a:srgbClr val="212121"/>
+    </a:accent2>
+    <a:accent3>
+      <a:srgbClr val="78909C"/>
+    </a:accent3>
+    <a:accent4>
+      <a:srgbClr val="FFAB40"/>
+    </a:accent4>
+    <a:accent5>
+      <a:srgbClr val="0097A7"/>
+    </a:accent5>
+    <a:accent6>
+      <a:srgbClr val="EEFF41"/>
+    </a:accent6>
+    <a:hlink>
+      <a:srgbClr val="0097A7"/>
+    </a:hlink>
+    <a:folHlink>
+      <a:srgbClr val="0097A7"/>
+    </a:folHlink>
+  </a:clrScheme>
+</a:themeOverride>
 </file>
--- a/Presentasi Final Project Data Analyst-Fajri Ilham Mughni.pptx
+++ b/Presentasi Final Project Data Analyst-Fajri Ilham Mughni.pptx
@@ -37343,6 +37343,1750 @@
           </p:txBody>
         </p:sp>
       </p:grpSp>
+      <p:sp>
+        <p:nvSpPr>
+          <p:cNvPr id="4" name="Google Shape;334;p46">
+            <a:extLst>
+              <a:ext uri="{FF2B5EF4-FFF2-40B4-BE49-F238E27FC236}">
+                <a16:creationId xmlns:a16="http://schemas.microsoft.com/office/drawing/2014/main" id="{557B6490-F89D-12E0-07E0-63DCB6BCFA2A}"/>
+              </a:ext>
+            </a:extLst>
+          </p:cNvPr>
+          <p:cNvSpPr txBox="1"/>
+          <p:nvPr/>
+        </p:nvSpPr>
+        <p:spPr>
+          <a:xfrm>
+            <a:off x="5129615" y="3141574"/>
+            <a:ext cx="1669292" cy="57461884"/>
+          </a:xfrm>
+          <a:prstGeom prst="rect">
+            <a:avLst/>
+          </a:prstGeom>
+          <a:noFill/>
+          <a:ln>
+            <a:solidFill>
+              <a:schemeClr val="tx1"/>
+            </a:solidFill>
+          </a:ln>
+        </p:spPr>
+        <p:txBody>
+          <a:bodyPr wrap="square">
+            <a:spAutoFit/>
+          </a:bodyPr>
+          <a:lstStyle>
+            <a:defPPr marR="0" lvl="0" algn="l" rtl="0">
+              <a:lnSpc>
+                <a:spcPct val="100000"/>
+              </a:lnSpc>
+              <a:spcBef>
+                <a:spcPts val="0"/>
+              </a:spcBef>
+              <a:spcAft>
+                <a:spcPts val="0"/>
+              </a:spcAft>
+            </a:defPPr>
+            <a:lvl1pPr>
+              <a:lnSpc>
+                <a:spcPts val="1425"/>
+              </a:lnSpc>
+              <a:defRPr>
+                <a:solidFill>
+                  <a:schemeClr val="tx1"/>
+                </a:solidFill>
+                <a:effectLst/>
+                <a:latin typeface="Consolas" panose="020B0609020204030204" pitchFamily="49" charset="0"/>
+              </a:defRPr>
+            </a:lvl1pPr>
+          </a:lstStyle>
+          <a:p>
+            <a:pPr marL="0" marR="0" lvl="0" indent="0" algn="l" defTabSz="914400" rtl="0" eaLnBrk="0" fontAlgn="base" latinLnBrk="0" hangingPunct="0">
+              <a:lnSpc>
+                <a:spcPct val="100000"/>
+              </a:lnSpc>
+              <a:spcBef>
+                <a:spcPct val="0"/>
+              </a:spcBef>
+              <a:spcAft>
+                <a:spcPct val="0"/>
+              </a:spcAft>
+              <a:buClrTx/>
+              <a:buSzTx/>
+              <a:buFontTx/>
+              <a:buNone/>
+              <a:tabLst/>
+            </a:pPr>
+            <a:r>
+              <a:rPr kumimoji="0" lang="en-US" altLang="en-US" sz="4000" b="0" i="0" u="none" strike="noStrike" cap="none" normalizeH="0" baseline="0" dirty="0">
+                <a:ln>
+                  <a:noFill/>
+                </a:ln>
+                <a:solidFill>
+                  <a:schemeClr val="tx1"/>
+                </a:solidFill>
+                <a:effectLst/>
+                <a:latin typeface="Arial" panose="020B0604020202020204" pitchFamily="34" charset="0"/>
+              </a:rPr>
+              <a:t>image: link to food/drink images </a:t>
+            </a:r>
+          </a:p>
+          <a:p>
+            <a:pPr marL="0" marR="0" lvl="0" indent="0" algn="l" defTabSz="914400" rtl="0" eaLnBrk="0" fontAlgn="base" latinLnBrk="0" hangingPunct="0">
+              <a:lnSpc>
+                <a:spcPct val="100000"/>
+              </a:lnSpc>
+              <a:spcBef>
+                <a:spcPct val="0"/>
+              </a:spcBef>
+              <a:spcAft>
+                <a:spcPct val="0"/>
+              </a:spcAft>
+              <a:buClrTx/>
+              <a:buSzTx/>
+              <a:buFontTx/>
+              <a:buNone/>
+              <a:tabLst/>
+            </a:pPr>
+            <a:endParaRPr kumimoji="0" lang="en-US" altLang="en-US" sz="800" b="1" i="0" u="none" strike="noStrike" cap="none" normalizeH="0" baseline="0" dirty="0">
+              <a:ln>
+                <a:noFill/>
+              </a:ln>
+              <a:solidFill>
+                <a:schemeClr val="tx1"/>
+              </a:solidFill>
+              <a:effectLst/>
+              <a:latin typeface="Arial" panose="020B0604020202020204" pitchFamily="34" charset="0"/>
+            </a:endParaRPr>
+          </a:p>
+          <a:p>
+            <a:pPr marL="0" marR="0" lvl="0" indent="0" algn="l" defTabSz="914400" rtl="0" eaLnBrk="0" fontAlgn="base" latinLnBrk="0" hangingPunct="0">
+              <a:lnSpc>
+                <a:spcPct val="100000"/>
+              </a:lnSpc>
+              <a:spcBef>
+                <a:spcPct val="0"/>
+              </a:spcBef>
+              <a:spcAft>
+                <a:spcPct val="0"/>
+              </a:spcAft>
+              <a:buClrTx/>
+              <a:buSzTx/>
+              <a:buFontTx/>
+              <a:buNone/>
+              <a:tabLst/>
+            </a:pPr>
+            <a:r>
+              <a:rPr kumimoji="0" lang="en-US" altLang="en-US" sz="800" b="1" i="0" u="none" strike="noStrike" cap="none" normalizeH="0" baseline="0" dirty="0">
+                <a:ln>
+                  <a:noFill/>
+                </a:ln>
+                <a:solidFill>
+                  <a:schemeClr val="tx1"/>
+                </a:solidFill>
+                <a:effectLst/>
+                <a:latin typeface="Arial" panose="020B0604020202020204" pitchFamily="34" charset="0"/>
+              </a:rPr>
+              <a:t>ChatGPT said:</a:t>
+            </a:r>
+          </a:p>
+          <a:p>
+            <a:pPr marL="0" marR="0" lvl="0" indent="0" algn="l" defTabSz="914400" rtl="0" eaLnBrk="0" fontAlgn="base" latinLnBrk="0" hangingPunct="0">
+              <a:lnSpc>
+                <a:spcPct val="100000"/>
+              </a:lnSpc>
+              <a:spcBef>
+                <a:spcPct val="0"/>
+              </a:spcBef>
+              <a:spcAft>
+                <a:spcPct val="0"/>
+              </a:spcAft>
+              <a:buClrTx/>
+              <a:buSzTx/>
+              <a:buFontTx/>
+              <a:buNone/>
+              <a:tabLst/>
+            </a:pPr>
+            <a:r>
+              <a:rPr kumimoji="0" lang="en-US" altLang="en-US" sz="800" b="0" i="0" u="none" strike="noStrike" cap="none" normalizeH="0" baseline="0" dirty="0">
+                <a:ln>
+                  <a:noFill/>
+                </a:ln>
+                <a:solidFill>
+                  <a:schemeClr val="tx1"/>
+                </a:solidFill>
+                <a:effectLst/>
+                <a:latin typeface="Arial" panose="020B0604020202020204" pitchFamily="34" charset="0"/>
+              </a:rPr>
+              <a:t>Indonesia </a:t>
+            </a:r>
+            <a:r>
+              <a:rPr kumimoji="0" lang="en-US" altLang="en-US" sz="800" b="0" i="0" u="none" strike="noStrike" cap="none" normalizeH="0" baseline="0" dirty="0" err="1">
+                <a:ln>
+                  <a:noFill/>
+                </a:ln>
+                <a:solidFill>
+                  <a:schemeClr val="tx1"/>
+                </a:solidFill>
+                <a:effectLst/>
+                <a:latin typeface="Arial" panose="020B0604020202020204" pitchFamily="34" charset="0"/>
+              </a:rPr>
+              <a:t>memiliki</a:t>
+            </a:r>
+            <a:r>
+              <a:rPr kumimoji="0" lang="en-US" altLang="en-US" sz="800" b="0" i="0" u="none" strike="noStrike" cap="none" normalizeH="0" baseline="0" dirty="0">
+                <a:ln>
+                  <a:noFill/>
+                </a:ln>
+                <a:solidFill>
+                  <a:schemeClr val="tx1"/>
+                </a:solidFill>
+                <a:effectLst/>
+                <a:latin typeface="Arial" panose="020B0604020202020204" pitchFamily="34" charset="0"/>
+              </a:rPr>
+              <a:t> </a:t>
+            </a:r>
+            <a:r>
+              <a:rPr kumimoji="0" lang="en-US" altLang="en-US" sz="800" b="0" i="0" u="none" strike="noStrike" cap="none" normalizeH="0" baseline="0" dirty="0" err="1">
+                <a:ln>
+                  <a:noFill/>
+                </a:ln>
+                <a:solidFill>
+                  <a:schemeClr val="tx1"/>
+                </a:solidFill>
+                <a:effectLst/>
+                <a:latin typeface="Arial" panose="020B0604020202020204" pitchFamily="34" charset="0"/>
+              </a:rPr>
+              <a:t>kekayaan</a:t>
+            </a:r>
+            <a:r>
+              <a:rPr kumimoji="0" lang="en-US" altLang="en-US" sz="800" b="0" i="0" u="none" strike="noStrike" cap="none" normalizeH="0" baseline="0" dirty="0">
+                <a:ln>
+                  <a:noFill/>
+                </a:ln>
+                <a:solidFill>
+                  <a:schemeClr val="tx1"/>
+                </a:solidFill>
+                <a:effectLst/>
+                <a:latin typeface="Arial" panose="020B0604020202020204" pitchFamily="34" charset="0"/>
+              </a:rPr>
+              <a:t> </a:t>
+            </a:r>
+            <a:r>
+              <a:rPr kumimoji="0" lang="en-US" altLang="en-US" sz="800" b="0" i="0" u="none" strike="noStrike" cap="none" normalizeH="0" baseline="0" dirty="0" err="1">
+                <a:ln>
+                  <a:noFill/>
+                </a:ln>
+                <a:solidFill>
+                  <a:schemeClr val="tx1"/>
+                </a:solidFill>
+                <a:effectLst/>
+                <a:latin typeface="Arial" panose="020B0604020202020204" pitchFamily="34" charset="0"/>
+              </a:rPr>
+              <a:t>pangan</a:t>
+            </a:r>
+            <a:r>
+              <a:rPr kumimoji="0" lang="en-US" altLang="en-US" sz="800" b="0" i="0" u="none" strike="noStrike" cap="none" normalizeH="0" baseline="0" dirty="0">
+                <a:ln>
+                  <a:noFill/>
+                </a:ln>
+                <a:solidFill>
+                  <a:schemeClr val="tx1"/>
+                </a:solidFill>
+                <a:effectLst/>
+                <a:latin typeface="Arial" panose="020B0604020202020204" pitchFamily="34" charset="0"/>
+              </a:rPr>
+              <a:t> yang </a:t>
+            </a:r>
+            <a:r>
+              <a:rPr kumimoji="0" lang="en-US" altLang="en-US" sz="800" b="0" i="0" u="none" strike="noStrike" cap="none" normalizeH="0" baseline="0" dirty="0" err="1">
+                <a:ln>
+                  <a:noFill/>
+                </a:ln>
+                <a:solidFill>
+                  <a:schemeClr val="tx1"/>
+                </a:solidFill>
+                <a:effectLst/>
+                <a:latin typeface="Arial" panose="020B0604020202020204" pitchFamily="34" charset="0"/>
+              </a:rPr>
+              <a:t>melimpah</a:t>
+            </a:r>
+            <a:r>
+              <a:rPr kumimoji="0" lang="en-US" altLang="en-US" sz="800" b="0" i="0" u="none" strike="noStrike" cap="none" normalizeH="0" baseline="0" dirty="0">
+                <a:ln>
+                  <a:noFill/>
+                </a:ln>
+                <a:solidFill>
+                  <a:schemeClr val="tx1"/>
+                </a:solidFill>
+                <a:effectLst/>
+                <a:latin typeface="Arial" panose="020B0604020202020204" pitchFamily="34" charset="0"/>
+              </a:rPr>
+              <a:t> </a:t>
+            </a:r>
+            <a:r>
+              <a:rPr kumimoji="0" lang="en-US" altLang="en-US" sz="800" b="0" i="0" u="none" strike="noStrike" cap="none" normalizeH="0" baseline="0" dirty="0" err="1">
+                <a:ln>
+                  <a:noFill/>
+                </a:ln>
+                <a:solidFill>
+                  <a:schemeClr val="tx1"/>
+                </a:solidFill>
+                <a:effectLst/>
+                <a:latin typeface="Arial" panose="020B0604020202020204" pitchFamily="34" charset="0"/>
+              </a:rPr>
+              <a:t>dengan</a:t>
+            </a:r>
+            <a:r>
+              <a:rPr kumimoji="0" lang="en-US" altLang="en-US" sz="800" b="0" i="0" u="none" strike="noStrike" cap="none" normalizeH="0" baseline="0" dirty="0">
+                <a:ln>
+                  <a:noFill/>
+                </a:ln>
+                <a:solidFill>
+                  <a:schemeClr val="tx1"/>
+                </a:solidFill>
+                <a:effectLst/>
+                <a:latin typeface="Arial" panose="020B0604020202020204" pitchFamily="34" charset="0"/>
+              </a:rPr>
+              <a:t> </a:t>
+            </a:r>
+            <a:r>
+              <a:rPr kumimoji="0" lang="en-US" altLang="en-US" sz="800" b="0" i="0" u="none" strike="noStrike" cap="none" normalizeH="0" baseline="0" dirty="0" err="1">
+                <a:ln>
+                  <a:noFill/>
+                </a:ln>
+                <a:solidFill>
+                  <a:schemeClr val="tx1"/>
+                </a:solidFill>
+                <a:effectLst/>
+                <a:latin typeface="Arial" panose="020B0604020202020204" pitchFamily="34" charset="0"/>
+              </a:rPr>
+              <a:t>makanan</a:t>
+            </a:r>
+            <a:r>
+              <a:rPr kumimoji="0" lang="en-US" altLang="en-US" sz="800" b="0" i="0" u="none" strike="noStrike" cap="none" normalizeH="0" baseline="0" dirty="0">
+                <a:ln>
+                  <a:noFill/>
+                </a:ln>
+                <a:solidFill>
+                  <a:schemeClr val="tx1"/>
+                </a:solidFill>
+                <a:effectLst/>
+                <a:latin typeface="Arial" panose="020B0604020202020204" pitchFamily="34" charset="0"/>
+              </a:rPr>
+              <a:t> dan </a:t>
+            </a:r>
+            <a:r>
+              <a:rPr kumimoji="0" lang="en-US" altLang="en-US" sz="800" b="0" i="0" u="none" strike="noStrike" cap="none" normalizeH="0" baseline="0" dirty="0" err="1">
+                <a:ln>
+                  <a:noFill/>
+                </a:ln>
+                <a:solidFill>
+                  <a:schemeClr val="tx1"/>
+                </a:solidFill>
+                <a:effectLst/>
+                <a:latin typeface="Arial" panose="020B0604020202020204" pitchFamily="34" charset="0"/>
+              </a:rPr>
+              <a:t>minuman</a:t>
+            </a:r>
+            <a:r>
+              <a:rPr kumimoji="0" lang="en-US" altLang="en-US" sz="800" b="0" i="0" u="none" strike="noStrike" cap="none" normalizeH="0" baseline="0" dirty="0">
+                <a:ln>
+                  <a:noFill/>
+                </a:ln>
+                <a:solidFill>
+                  <a:schemeClr val="tx1"/>
+                </a:solidFill>
+                <a:effectLst/>
+                <a:latin typeface="Arial" panose="020B0604020202020204" pitchFamily="34" charset="0"/>
+              </a:rPr>
+              <a:t> yang </a:t>
+            </a:r>
+            <a:r>
+              <a:rPr kumimoji="0" lang="en-US" altLang="en-US" sz="800" b="0" i="0" u="none" strike="noStrike" cap="none" normalizeH="0" baseline="0" dirty="0" err="1">
+                <a:ln>
+                  <a:noFill/>
+                </a:ln>
+                <a:solidFill>
+                  <a:schemeClr val="tx1"/>
+                </a:solidFill>
+                <a:effectLst/>
+                <a:latin typeface="Arial" panose="020B0604020202020204" pitchFamily="34" charset="0"/>
+              </a:rPr>
+              <a:t>bernilai</a:t>
+            </a:r>
+            <a:r>
+              <a:rPr kumimoji="0" lang="en-US" altLang="en-US" sz="800" b="0" i="0" u="none" strike="noStrike" cap="none" normalizeH="0" baseline="0" dirty="0">
+                <a:ln>
+                  <a:noFill/>
+                </a:ln>
+                <a:solidFill>
+                  <a:schemeClr val="tx1"/>
+                </a:solidFill>
+                <a:effectLst/>
+                <a:latin typeface="Arial" panose="020B0604020202020204" pitchFamily="34" charset="0"/>
+              </a:rPr>
+              <a:t> </a:t>
+            </a:r>
+            <a:r>
+              <a:rPr kumimoji="0" lang="en-US" altLang="en-US" sz="800" b="0" i="0" u="none" strike="noStrike" cap="none" normalizeH="0" baseline="0" dirty="0" err="1">
+                <a:ln>
+                  <a:noFill/>
+                </a:ln>
+                <a:solidFill>
+                  <a:schemeClr val="tx1"/>
+                </a:solidFill>
+                <a:effectLst/>
+                <a:latin typeface="Arial" panose="020B0604020202020204" pitchFamily="34" charset="0"/>
+              </a:rPr>
+              <a:t>gizi</a:t>
+            </a:r>
+            <a:r>
+              <a:rPr kumimoji="0" lang="en-US" altLang="en-US" sz="800" b="0" i="0" u="none" strike="noStrike" cap="none" normalizeH="0" baseline="0" dirty="0">
+                <a:ln>
+                  <a:noFill/>
+                </a:ln>
+                <a:solidFill>
+                  <a:schemeClr val="tx1"/>
+                </a:solidFill>
+                <a:effectLst/>
+                <a:latin typeface="Arial" panose="020B0604020202020204" pitchFamily="34" charset="0"/>
+              </a:rPr>
+              <a:t> </a:t>
+            </a:r>
+            <a:r>
+              <a:rPr kumimoji="0" lang="en-US" altLang="en-US" sz="800" b="0" i="0" u="none" strike="noStrike" cap="none" normalizeH="0" baseline="0" dirty="0" err="1">
+                <a:ln>
+                  <a:noFill/>
+                </a:ln>
+                <a:solidFill>
+                  <a:schemeClr val="tx1"/>
+                </a:solidFill>
+                <a:effectLst/>
+                <a:latin typeface="Arial" panose="020B0604020202020204" pitchFamily="34" charset="0"/>
+              </a:rPr>
+              <a:t>tinggi</a:t>
+            </a:r>
+            <a:r>
+              <a:rPr kumimoji="0" lang="en-US" altLang="en-US" sz="800" b="0" i="0" u="none" strike="noStrike" cap="none" normalizeH="0" baseline="0" dirty="0">
+                <a:ln>
+                  <a:noFill/>
+                </a:ln>
+                <a:solidFill>
+                  <a:schemeClr val="tx1"/>
+                </a:solidFill>
+                <a:effectLst/>
+                <a:latin typeface="Arial" panose="020B0604020202020204" pitchFamily="34" charset="0"/>
+              </a:rPr>
+              <a:t> dan </a:t>
+            </a:r>
+            <a:r>
+              <a:rPr kumimoji="0" lang="en-US" altLang="en-US" sz="800" b="0" i="0" u="none" strike="noStrike" cap="none" normalizeH="0" baseline="0" dirty="0" err="1">
+                <a:ln>
+                  <a:noFill/>
+                </a:ln>
+                <a:solidFill>
+                  <a:schemeClr val="tx1"/>
+                </a:solidFill>
+                <a:effectLst/>
+                <a:latin typeface="Arial" panose="020B0604020202020204" pitchFamily="34" charset="0"/>
+              </a:rPr>
+              <a:t>bermanfaat</a:t>
+            </a:r>
+            <a:r>
+              <a:rPr kumimoji="0" lang="en-US" altLang="en-US" sz="800" b="0" i="0" u="none" strike="noStrike" cap="none" normalizeH="0" baseline="0" dirty="0">
+                <a:ln>
+                  <a:noFill/>
+                </a:ln>
+                <a:solidFill>
+                  <a:schemeClr val="tx1"/>
+                </a:solidFill>
+                <a:effectLst/>
+                <a:latin typeface="Arial" panose="020B0604020202020204" pitchFamily="34" charset="0"/>
+              </a:rPr>
+              <a:t> </a:t>
+            </a:r>
+            <a:r>
+              <a:rPr kumimoji="0" lang="en-US" altLang="en-US" sz="800" b="0" i="0" u="none" strike="noStrike" cap="none" normalizeH="0" baseline="0" dirty="0" err="1">
+                <a:ln>
+                  <a:noFill/>
+                </a:ln>
+                <a:solidFill>
+                  <a:schemeClr val="tx1"/>
+                </a:solidFill>
+                <a:effectLst/>
+                <a:latin typeface="Arial" panose="020B0604020202020204" pitchFamily="34" charset="0"/>
+              </a:rPr>
+              <a:t>bagi</a:t>
+            </a:r>
+            <a:r>
+              <a:rPr kumimoji="0" lang="en-US" altLang="en-US" sz="800" b="0" i="0" u="none" strike="noStrike" cap="none" normalizeH="0" baseline="0" dirty="0">
+                <a:ln>
+                  <a:noFill/>
+                </a:ln>
+                <a:solidFill>
+                  <a:schemeClr val="tx1"/>
+                </a:solidFill>
+                <a:effectLst/>
+                <a:latin typeface="Arial" panose="020B0604020202020204" pitchFamily="34" charset="0"/>
+              </a:rPr>
+              <a:t> </a:t>
+            </a:r>
+            <a:r>
+              <a:rPr kumimoji="0" lang="en-US" altLang="en-US" sz="800" b="0" i="0" u="none" strike="noStrike" cap="none" normalizeH="0" baseline="0" dirty="0" err="1">
+                <a:ln>
+                  <a:noFill/>
+                </a:ln>
+                <a:solidFill>
+                  <a:schemeClr val="tx1"/>
+                </a:solidFill>
+                <a:effectLst/>
+                <a:latin typeface="Arial" panose="020B0604020202020204" pitchFamily="34" charset="0"/>
+              </a:rPr>
+              <a:t>tubuh</a:t>
+            </a:r>
+            <a:r>
+              <a:rPr kumimoji="0" lang="en-US" altLang="en-US" sz="800" b="0" i="0" u="none" strike="noStrike" cap="none" normalizeH="0" baseline="0" dirty="0">
+                <a:ln>
+                  <a:noFill/>
+                </a:ln>
+                <a:solidFill>
+                  <a:schemeClr val="tx1"/>
+                </a:solidFill>
+                <a:effectLst/>
+                <a:latin typeface="Arial" panose="020B0604020202020204" pitchFamily="34" charset="0"/>
+              </a:rPr>
+              <a:t>. Dataset </a:t>
+            </a:r>
+            <a:r>
+              <a:rPr kumimoji="0" lang="en-US" altLang="en-US" sz="800" b="0" i="0" u="none" strike="noStrike" cap="none" normalizeH="0" baseline="0" dirty="0" err="1">
+                <a:ln>
+                  <a:noFill/>
+                </a:ln>
+                <a:solidFill>
+                  <a:schemeClr val="tx1"/>
+                </a:solidFill>
+                <a:effectLst/>
+                <a:latin typeface="Arial" panose="020B0604020202020204" pitchFamily="34" charset="0"/>
+              </a:rPr>
+              <a:t>ini</a:t>
+            </a:r>
+            <a:r>
+              <a:rPr kumimoji="0" lang="en-US" altLang="en-US" sz="800" b="0" i="0" u="none" strike="noStrike" cap="none" normalizeH="0" baseline="0" dirty="0">
+                <a:ln>
+                  <a:noFill/>
+                </a:ln>
+                <a:solidFill>
+                  <a:schemeClr val="tx1"/>
+                </a:solidFill>
+                <a:effectLst/>
+                <a:latin typeface="Arial" panose="020B0604020202020204" pitchFamily="34" charset="0"/>
+              </a:rPr>
+              <a:t> </a:t>
+            </a:r>
+            <a:r>
+              <a:rPr kumimoji="0" lang="en-US" altLang="en-US" sz="800" b="0" i="0" u="none" strike="noStrike" cap="none" normalizeH="0" baseline="0" dirty="0" err="1">
+                <a:ln>
+                  <a:noFill/>
+                </a:ln>
+                <a:solidFill>
+                  <a:schemeClr val="tx1"/>
+                </a:solidFill>
+                <a:effectLst/>
+                <a:latin typeface="Arial" panose="020B0604020202020204" pitchFamily="34" charset="0"/>
+              </a:rPr>
+              <a:t>berasal</a:t>
+            </a:r>
+            <a:r>
+              <a:rPr kumimoji="0" lang="en-US" altLang="en-US" sz="800" b="0" i="0" u="none" strike="noStrike" cap="none" normalizeH="0" baseline="0" dirty="0">
+                <a:ln>
+                  <a:noFill/>
+                </a:ln>
+                <a:solidFill>
+                  <a:schemeClr val="tx1"/>
+                </a:solidFill>
+                <a:effectLst/>
+                <a:latin typeface="Arial" panose="020B0604020202020204" pitchFamily="34" charset="0"/>
+              </a:rPr>
+              <a:t> </a:t>
+            </a:r>
+            <a:r>
+              <a:rPr kumimoji="0" lang="en-US" altLang="en-US" sz="800" b="0" i="0" u="none" strike="noStrike" cap="none" normalizeH="0" baseline="0" dirty="0" err="1">
+                <a:ln>
+                  <a:noFill/>
+                </a:ln>
+                <a:solidFill>
+                  <a:schemeClr val="tx1"/>
+                </a:solidFill>
+                <a:effectLst/>
+                <a:latin typeface="Arial" panose="020B0604020202020204" pitchFamily="34" charset="0"/>
+              </a:rPr>
+              <a:t>dari</a:t>
+            </a:r>
+            <a:r>
+              <a:rPr kumimoji="0" lang="en-US" altLang="en-US" sz="800" b="0" i="0" u="none" strike="noStrike" cap="none" normalizeH="0" baseline="0" dirty="0">
+                <a:ln>
+                  <a:noFill/>
+                </a:ln>
+                <a:solidFill>
+                  <a:schemeClr val="tx1"/>
+                </a:solidFill>
+                <a:effectLst/>
+                <a:latin typeface="Arial" panose="020B0604020202020204" pitchFamily="34" charset="0"/>
+              </a:rPr>
+              <a:t> Tabel </a:t>
+            </a:r>
+            <a:r>
+              <a:rPr kumimoji="0" lang="en-US" altLang="en-US" sz="800" b="0" i="0" u="none" strike="noStrike" cap="none" normalizeH="0" baseline="0" dirty="0" err="1">
+                <a:ln>
+                  <a:noFill/>
+                </a:ln>
+                <a:solidFill>
+                  <a:schemeClr val="tx1"/>
+                </a:solidFill>
+                <a:effectLst/>
+                <a:latin typeface="Arial" panose="020B0604020202020204" pitchFamily="34" charset="0"/>
+              </a:rPr>
+              <a:t>Komposisi</a:t>
+            </a:r>
+            <a:r>
+              <a:rPr kumimoji="0" lang="en-US" altLang="en-US" sz="800" b="0" i="0" u="none" strike="noStrike" cap="none" normalizeH="0" baseline="0" dirty="0">
+                <a:ln>
+                  <a:noFill/>
+                </a:ln>
+                <a:solidFill>
+                  <a:schemeClr val="tx1"/>
+                </a:solidFill>
+                <a:effectLst/>
+                <a:latin typeface="Arial" panose="020B0604020202020204" pitchFamily="34" charset="0"/>
+              </a:rPr>
+              <a:t> Pangan Indonesia yang </a:t>
+            </a:r>
+            <a:r>
+              <a:rPr kumimoji="0" lang="en-US" altLang="en-US" sz="800" b="0" i="0" u="none" strike="noStrike" cap="none" normalizeH="0" baseline="0" dirty="0" err="1">
+                <a:ln>
+                  <a:noFill/>
+                </a:ln>
+                <a:solidFill>
+                  <a:schemeClr val="tx1"/>
+                </a:solidFill>
+                <a:effectLst/>
+                <a:latin typeface="Arial" panose="020B0604020202020204" pitchFamily="34" charset="0"/>
+              </a:rPr>
+              <a:t>diterbitkan</a:t>
+            </a:r>
+            <a:r>
+              <a:rPr kumimoji="0" lang="en-US" altLang="en-US" sz="800" b="0" i="0" u="none" strike="noStrike" cap="none" normalizeH="0" baseline="0" dirty="0">
+                <a:ln>
+                  <a:noFill/>
+                </a:ln>
+                <a:solidFill>
+                  <a:schemeClr val="tx1"/>
+                </a:solidFill>
+                <a:effectLst/>
+                <a:latin typeface="Arial" panose="020B0604020202020204" pitchFamily="34" charset="0"/>
+              </a:rPr>
+              <a:t> oleh Kementerian Kesehatan RI (</a:t>
+            </a:r>
+            <a:r>
+              <a:rPr kumimoji="0" lang="en-US" altLang="en-US" sz="4000" b="0" i="0" u="none" strike="noStrike" cap="none" normalizeH="0" baseline="0" dirty="0">
+                <a:ln>
+                  <a:noFill/>
+                </a:ln>
+                <a:solidFill>
+                  <a:schemeClr val="tx1"/>
+                </a:solidFill>
+                <a:effectLst/>
+                <a:latin typeface="Arial" panose="020B0604020202020204" pitchFamily="34" charset="0"/>
+                <a:hlinkClick r:id="rId6"/>
+              </a:rPr>
+              <a:t>www.panganku.org</a:t>
+            </a:r>
+            <a:r>
+              <a:rPr kumimoji="0" lang="en-US" altLang="en-US" sz="4000" b="0" i="0" u="none" strike="noStrike" cap="none" normalizeH="0" baseline="0" dirty="0">
+                <a:ln>
+                  <a:noFill/>
+                </a:ln>
+                <a:solidFill>
+                  <a:schemeClr val="tx1"/>
+                </a:solidFill>
+                <a:effectLst/>
+                <a:latin typeface="Arial" panose="020B0604020202020204" pitchFamily="34" charset="0"/>
+              </a:rPr>
+              <a:t>) dan </a:t>
+            </a:r>
+            <a:r>
+              <a:rPr kumimoji="0" lang="en-US" altLang="en-US" sz="4000" b="0" i="0" u="none" strike="noStrike" cap="none" normalizeH="0" baseline="0" dirty="0" err="1">
+                <a:ln>
+                  <a:noFill/>
+                </a:ln>
+                <a:solidFill>
+                  <a:schemeClr val="tx1"/>
+                </a:solidFill>
+                <a:effectLst/>
+                <a:latin typeface="Arial" panose="020B0604020202020204" pitchFamily="34" charset="0"/>
+              </a:rPr>
+              <a:t>telah</a:t>
+            </a:r>
+            <a:r>
+              <a:rPr kumimoji="0" lang="en-US" altLang="en-US" sz="4000" b="0" i="0" u="none" strike="noStrike" cap="none" normalizeH="0" baseline="0" dirty="0">
+                <a:ln>
+                  <a:noFill/>
+                </a:ln>
+                <a:solidFill>
+                  <a:schemeClr val="tx1"/>
+                </a:solidFill>
+                <a:effectLst/>
+                <a:latin typeface="Arial" panose="020B0604020202020204" pitchFamily="34" charset="0"/>
+              </a:rPr>
+              <a:t> </a:t>
+            </a:r>
+            <a:r>
+              <a:rPr kumimoji="0" lang="en-US" altLang="en-US" sz="4000" b="0" i="0" u="none" strike="noStrike" cap="none" normalizeH="0" baseline="0" dirty="0" err="1">
+                <a:ln>
+                  <a:noFill/>
+                </a:ln>
+                <a:solidFill>
+                  <a:schemeClr val="tx1"/>
+                </a:solidFill>
+                <a:effectLst/>
+                <a:latin typeface="Arial" panose="020B0604020202020204" pitchFamily="34" charset="0"/>
+              </a:rPr>
+              <a:t>dimodifikasi</a:t>
+            </a:r>
+            <a:r>
+              <a:rPr kumimoji="0" lang="en-US" altLang="en-US" sz="4000" b="0" i="0" u="none" strike="noStrike" cap="none" normalizeH="0" baseline="0" dirty="0">
+                <a:ln>
+                  <a:noFill/>
+                </a:ln>
+                <a:solidFill>
+                  <a:schemeClr val="tx1"/>
+                </a:solidFill>
+                <a:effectLst/>
+                <a:latin typeface="Arial" panose="020B0604020202020204" pitchFamily="34" charset="0"/>
+              </a:rPr>
+              <a:t> </a:t>
+            </a:r>
+            <a:r>
+              <a:rPr kumimoji="0" lang="en-US" altLang="en-US" sz="4000" b="0" i="0" u="none" strike="noStrike" cap="none" normalizeH="0" baseline="0" dirty="0" err="1">
+                <a:ln>
+                  <a:noFill/>
+                </a:ln>
+                <a:solidFill>
+                  <a:schemeClr val="tx1"/>
+                </a:solidFill>
+                <a:effectLst/>
+                <a:latin typeface="Arial" panose="020B0604020202020204" pitchFamily="34" charset="0"/>
+              </a:rPr>
+              <a:t>melalui</a:t>
+            </a:r>
+            <a:r>
+              <a:rPr kumimoji="0" lang="en-US" altLang="en-US" sz="4000" b="0" i="0" u="none" strike="noStrike" cap="none" normalizeH="0" baseline="0" dirty="0">
+                <a:ln>
+                  <a:noFill/>
+                </a:ln>
+                <a:solidFill>
+                  <a:schemeClr val="tx1"/>
+                </a:solidFill>
+                <a:effectLst/>
+                <a:latin typeface="Arial" panose="020B0604020202020204" pitchFamily="34" charset="0"/>
+              </a:rPr>
+              <a:t> proses </a:t>
+            </a:r>
+            <a:r>
+              <a:rPr kumimoji="0" lang="en-US" altLang="en-US" sz="4000" b="0" i="0" u="none" strike="noStrike" cap="none" normalizeH="0" baseline="0" dirty="0" err="1">
+                <a:ln>
+                  <a:noFill/>
+                </a:ln>
+                <a:solidFill>
+                  <a:schemeClr val="tx1"/>
+                </a:solidFill>
+                <a:effectLst/>
+                <a:latin typeface="Arial" panose="020B0604020202020204" pitchFamily="34" charset="0"/>
+              </a:rPr>
+              <a:t>pembersihan</a:t>
+            </a:r>
+            <a:r>
+              <a:rPr kumimoji="0" lang="en-US" altLang="en-US" sz="4000" b="0" i="0" u="none" strike="noStrike" cap="none" normalizeH="0" baseline="0" dirty="0">
+                <a:ln>
+                  <a:noFill/>
+                </a:ln>
+                <a:solidFill>
+                  <a:schemeClr val="tx1"/>
+                </a:solidFill>
+                <a:effectLst/>
+                <a:latin typeface="Arial" panose="020B0604020202020204" pitchFamily="34" charset="0"/>
+              </a:rPr>
+              <a:t> data </a:t>
+            </a:r>
+            <a:r>
+              <a:rPr kumimoji="0" lang="en-US" altLang="en-US" sz="4000" b="0" i="0" u="none" strike="noStrike" cap="none" normalizeH="0" baseline="0" dirty="0" err="1">
+                <a:ln>
+                  <a:noFill/>
+                </a:ln>
+                <a:solidFill>
+                  <a:schemeClr val="tx1"/>
+                </a:solidFill>
+                <a:effectLst/>
+                <a:latin typeface="Arial" panose="020B0604020202020204" pitchFamily="34" charset="0"/>
+              </a:rPr>
+              <a:t>serta</a:t>
+            </a:r>
+            <a:r>
+              <a:rPr kumimoji="0" lang="en-US" altLang="en-US" sz="4000" b="0" i="0" u="none" strike="noStrike" cap="none" normalizeH="0" baseline="0" dirty="0">
+                <a:ln>
+                  <a:noFill/>
+                </a:ln>
+                <a:solidFill>
+                  <a:schemeClr val="tx1"/>
+                </a:solidFill>
+                <a:effectLst/>
+                <a:latin typeface="Arial" panose="020B0604020202020204" pitchFamily="34" charset="0"/>
+              </a:rPr>
+              <a:t> </a:t>
+            </a:r>
+            <a:r>
+              <a:rPr kumimoji="0" lang="en-US" altLang="en-US" sz="4000" b="0" i="0" u="none" strike="noStrike" cap="none" normalizeH="0" baseline="0" dirty="0" err="1">
+                <a:ln>
+                  <a:noFill/>
+                </a:ln>
+                <a:solidFill>
+                  <a:schemeClr val="tx1"/>
+                </a:solidFill>
+                <a:effectLst/>
+                <a:latin typeface="Arial" panose="020B0604020202020204" pitchFamily="34" charset="0"/>
+              </a:rPr>
+              <a:t>penambahan</a:t>
+            </a:r>
+            <a:r>
+              <a:rPr kumimoji="0" lang="en-US" altLang="en-US" sz="4000" b="0" i="0" u="none" strike="noStrike" cap="none" normalizeH="0" baseline="0" dirty="0">
+                <a:ln>
+                  <a:noFill/>
+                </a:ln>
+                <a:solidFill>
+                  <a:schemeClr val="tx1"/>
+                </a:solidFill>
+                <a:effectLst/>
+                <a:latin typeface="Arial" panose="020B0604020202020204" pitchFamily="34" charset="0"/>
+              </a:rPr>
+              <a:t> </a:t>
+            </a:r>
+            <a:r>
+              <a:rPr kumimoji="0" lang="en-US" altLang="en-US" sz="4000" b="0" i="0" u="none" strike="noStrike" cap="none" normalizeH="0" baseline="0" dirty="0" err="1">
+                <a:ln>
+                  <a:noFill/>
+                </a:ln>
+                <a:solidFill>
+                  <a:schemeClr val="tx1"/>
+                </a:solidFill>
+                <a:effectLst/>
+                <a:latin typeface="Arial" panose="020B0604020202020204" pitchFamily="34" charset="0"/>
+              </a:rPr>
+              <a:t>tautan</a:t>
+            </a:r>
+            <a:r>
+              <a:rPr kumimoji="0" lang="en-US" altLang="en-US" sz="4000" b="0" i="0" u="none" strike="noStrike" cap="none" normalizeH="0" baseline="0" dirty="0">
+                <a:ln>
+                  <a:noFill/>
+                </a:ln>
+                <a:solidFill>
+                  <a:schemeClr val="tx1"/>
+                </a:solidFill>
+                <a:effectLst/>
+                <a:latin typeface="Arial" panose="020B0604020202020204" pitchFamily="34" charset="0"/>
+              </a:rPr>
+              <a:t> </a:t>
+            </a:r>
+            <a:r>
+              <a:rPr kumimoji="0" lang="en-US" altLang="en-US" sz="4000" b="0" i="0" u="none" strike="noStrike" cap="none" normalizeH="0" baseline="0" dirty="0" err="1">
+                <a:ln>
+                  <a:noFill/>
+                </a:ln>
+                <a:solidFill>
+                  <a:schemeClr val="tx1"/>
+                </a:solidFill>
+                <a:effectLst/>
+                <a:latin typeface="Arial" panose="020B0604020202020204" pitchFamily="34" charset="0"/>
+              </a:rPr>
+              <a:t>gambar</a:t>
+            </a:r>
+            <a:r>
+              <a:rPr kumimoji="0" lang="en-US" altLang="en-US" sz="4000" b="0" i="0" u="none" strike="noStrike" cap="none" normalizeH="0" baseline="0" dirty="0">
+                <a:ln>
+                  <a:noFill/>
+                </a:ln>
+                <a:solidFill>
+                  <a:schemeClr val="tx1"/>
+                </a:solidFill>
+                <a:effectLst/>
+                <a:latin typeface="Arial" panose="020B0604020202020204" pitchFamily="34" charset="0"/>
+              </a:rPr>
+              <a:t>. Dataset </a:t>
+            </a:r>
+            <a:r>
+              <a:rPr kumimoji="0" lang="en-US" altLang="en-US" sz="4000" b="0" i="0" u="none" strike="noStrike" cap="none" normalizeH="0" baseline="0" dirty="0" err="1">
+                <a:ln>
+                  <a:noFill/>
+                </a:ln>
+                <a:solidFill>
+                  <a:schemeClr val="tx1"/>
+                </a:solidFill>
+                <a:effectLst/>
+                <a:latin typeface="Arial" panose="020B0604020202020204" pitchFamily="34" charset="0"/>
+              </a:rPr>
+              <a:t>ini</a:t>
+            </a:r>
+            <a:r>
+              <a:rPr kumimoji="0" lang="en-US" altLang="en-US" sz="4000" b="0" i="0" u="none" strike="noStrike" cap="none" normalizeH="0" baseline="0" dirty="0">
+                <a:ln>
+                  <a:noFill/>
+                </a:ln>
+                <a:solidFill>
+                  <a:schemeClr val="tx1"/>
+                </a:solidFill>
+                <a:effectLst/>
+                <a:latin typeface="Arial" panose="020B0604020202020204" pitchFamily="34" charset="0"/>
+              </a:rPr>
+              <a:t> </a:t>
+            </a:r>
+            <a:r>
+              <a:rPr kumimoji="0" lang="en-US" altLang="en-US" sz="4000" b="0" i="0" u="none" strike="noStrike" cap="none" normalizeH="0" baseline="0" dirty="0" err="1">
+                <a:ln>
+                  <a:noFill/>
+                </a:ln>
+                <a:solidFill>
+                  <a:schemeClr val="tx1"/>
+                </a:solidFill>
+                <a:effectLst/>
+                <a:latin typeface="Arial" panose="020B0604020202020204" pitchFamily="34" charset="0"/>
+              </a:rPr>
+              <a:t>berisi</a:t>
+            </a:r>
+            <a:r>
+              <a:rPr kumimoji="0" lang="en-US" altLang="en-US" sz="4000" b="0" i="0" u="none" strike="noStrike" cap="none" normalizeH="0" baseline="0" dirty="0">
+                <a:ln>
+                  <a:noFill/>
+                </a:ln>
+                <a:solidFill>
+                  <a:schemeClr val="tx1"/>
+                </a:solidFill>
+                <a:effectLst/>
+                <a:latin typeface="Arial" panose="020B0604020202020204" pitchFamily="34" charset="0"/>
+              </a:rPr>
+              <a:t> 1.346 baris data </a:t>
+            </a:r>
+            <a:r>
+              <a:rPr kumimoji="0" lang="en-US" altLang="en-US" sz="4000" b="0" i="0" u="none" strike="noStrike" cap="none" normalizeH="0" baseline="0" dirty="0" err="1">
+                <a:ln>
+                  <a:noFill/>
+                </a:ln>
+                <a:solidFill>
+                  <a:schemeClr val="tx1"/>
+                </a:solidFill>
+                <a:effectLst/>
+                <a:latin typeface="Arial" panose="020B0604020202020204" pitchFamily="34" charset="0"/>
+              </a:rPr>
+              <a:t>makanan</a:t>
+            </a:r>
+            <a:r>
+              <a:rPr kumimoji="0" lang="en-US" altLang="en-US" sz="4000" b="0" i="0" u="none" strike="noStrike" cap="none" normalizeH="0" baseline="0" dirty="0">
+                <a:ln>
+                  <a:noFill/>
+                </a:ln>
+                <a:solidFill>
+                  <a:schemeClr val="tx1"/>
+                </a:solidFill>
+                <a:effectLst/>
+                <a:latin typeface="Arial" panose="020B0604020202020204" pitchFamily="34" charset="0"/>
+              </a:rPr>
+              <a:t> dan </a:t>
+            </a:r>
+            <a:r>
+              <a:rPr kumimoji="0" lang="en-US" altLang="en-US" sz="4000" b="0" i="0" u="none" strike="noStrike" cap="none" normalizeH="0" baseline="0" dirty="0" err="1">
+                <a:ln>
+                  <a:noFill/>
+                </a:ln>
+                <a:solidFill>
+                  <a:schemeClr val="tx1"/>
+                </a:solidFill>
+                <a:effectLst/>
+                <a:latin typeface="Arial" panose="020B0604020202020204" pitchFamily="34" charset="0"/>
+              </a:rPr>
+              <a:t>minuman</a:t>
+            </a:r>
+            <a:r>
+              <a:rPr kumimoji="0" lang="en-US" altLang="en-US" sz="4000" b="0" i="0" u="none" strike="noStrike" cap="none" normalizeH="0" baseline="0" dirty="0">
+                <a:ln>
+                  <a:noFill/>
+                </a:ln>
+                <a:solidFill>
+                  <a:schemeClr val="tx1"/>
+                </a:solidFill>
+                <a:effectLst/>
+                <a:latin typeface="Arial" panose="020B0604020202020204" pitchFamily="34" charset="0"/>
+              </a:rPr>
+              <a:t> </a:t>
+            </a:r>
+            <a:r>
+              <a:rPr kumimoji="0" lang="en-US" altLang="en-US" sz="4000" b="0" i="0" u="none" strike="noStrike" cap="none" normalizeH="0" baseline="0" dirty="0" err="1">
+                <a:ln>
+                  <a:noFill/>
+                </a:ln>
+                <a:solidFill>
+                  <a:schemeClr val="tx1"/>
+                </a:solidFill>
+                <a:effectLst/>
+                <a:latin typeface="Arial" panose="020B0604020202020204" pitchFamily="34" charset="0"/>
+              </a:rPr>
+              <a:t>khas</a:t>
+            </a:r>
+            <a:r>
+              <a:rPr kumimoji="0" lang="en-US" altLang="en-US" sz="4000" b="0" i="0" u="none" strike="noStrike" cap="none" normalizeH="0" baseline="0" dirty="0">
+                <a:ln>
+                  <a:noFill/>
+                </a:ln>
+                <a:solidFill>
+                  <a:schemeClr val="tx1"/>
+                </a:solidFill>
+                <a:effectLst/>
+                <a:latin typeface="Arial" panose="020B0604020202020204" pitchFamily="34" charset="0"/>
+              </a:rPr>
+              <a:t> Indonesia, masing-masing </a:t>
+            </a:r>
+            <a:r>
+              <a:rPr kumimoji="0" lang="en-US" altLang="en-US" sz="4000" b="0" i="0" u="none" strike="noStrike" cap="none" normalizeH="0" baseline="0" dirty="0" err="1">
+                <a:ln>
+                  <a:noFill/>
+                </a:ln>
+                <a:solidFill>
+                  <a:schemeClr val="tx1"/>
+                </a:solidFill>
+                <a:effectLst/>
+                <a:latin typeface="Arial" panose="020B0604020202020204" pitchFamily="34" charset="0"/>
+              </a:rPr>
+              <a:t>dengan</a:t>
+            </a:r>
+            <a:r>
+              <a:rPr kumimoji="0" lang="en-US" altLang="en-US" sz="4000" b="0" i="0" u="none" strike="noStrike" cap="none" normalizeH="0" baseline="0" dirty="0">
+                <a:ln>
+                  <a:noFill/>
+                </a:ln>
+                <a:solidFill>
+                  <a:schemeClr val="tx1"/>
+                </a:solidFill>
+                <a:effectLst/>
+                <a:latin typeface="Arial" panose="020B0604020202020204" pitchFamily="34" charset="0"/>
+              </a:rPr>
+              <a:t> 7 </a:t>
+            </a:r>
+            <a:r>
+              <a:rPr kumimoji="0" lang="en-US" altLang="en-US" sz="4000" b="0" i="0" u="none" strike="noStrike" cap="none" normalizeH="0" baseline="0" dirty="0" err="1">
+                <a:ln>
+                  <a:noFill/>
+                </a:ln>
+                <a:solidFill>
+                  <a:schemeClr val="tx1"/>
+                </a:solidFill>
+                <a:effectLst/>
+                <a:latin typeface="Arial" panose="020B0604020202020204" pitchFamily="34" charset="0"/>
+              </a:rPr>
+              <a:t>kolom</a:t>
+            </a:r>
+            <a:r>
+              <a:rPr kumimoji="0" lang="en-US" altLang="en-US" sz="4000" b="0" i="0" u="none" strike="noStrike" cap="none" normalizeH="0" baseline="0" dirty="0">
+                <a:ln>
+                  <a:noFill/>
+                </a:ln>
+                <a:solidFill>
+                  <a:schemeClr val="tx1"/>
+                </a:solidFill>
+                <a:effectLst/>
+                <a:latin typeface="Arial" panose="020B0604020202020204" pitchFamily="34" charset="0"/>
+              </a:rPr>
+              <a:t>: id, </a:t>
+            </a:r>
+            <a:r>
+              <a:rPr kumimoji="0" lang="en-US" altLang="en-US" sz="4000" b="0" i="0" u="none" strike="noStrike" cap="none" normalizeH="0" baseline="0" dirty="0" err="1">
+                <a:ln>
+                  <a:noFill/>
+                </a:ln>
+                <a:solidFill>
+                  <a:schemeClr val="tx1"/>
+                </a:solidFill>
+                <a:effectLst/>
+                <a:latin typeface="Arial" panose="020B0604020202020204" pitchFamily="34" charset="0"/>
+              </a:rPr>
+              <a:t>kalori</a:t>
+            </a:r>
+            <a:r>
+              <a:rPr kumimoji="0" lang="en-US" altLang="en-US" sz="4000" b="0" i="0" u="none" strike="noStrike" cap="none" normalizeH="0" baseline="0" dirty="0">
+                <a:ln>
+                  <a:noFill/>
+                </a:ln>
+                <a:solidFill>
+                  <a:schemeClr val="tx1"/>
+                </a:solidFill>
+                <a:effectLst/>
+                <a:latin typeface="Arial" panose="020B0604020202020204" pitchFamily="34" charset="0"/>
+              </a:rPr>
+              <a:t> (per 100 gram), protein, lemak, </a:t>
+            </a:r>
+            <a:r>
+              <a:rPr kumimoji="0" lang="en-US" altLang="en-US" sz="4000" b="0" i="0" u="none" strike="noStrike" cap="none" normalizeH="0" baseline="0" dirty="0" err="1">
+                <a:ln>
+                  <a:noFill/>
+                </a:ln>
+                <a:solidFill>
+                  <a:schemeClr val="tx1"/>
+                </a:solidFill>
+                <a:effectLst/>
+                <a:latin typeface="Arial" panose="020B0604020202020204" pitchFamily="34" charset="0"/>
+              </a:rPr>
+              <a:t>karbohidrat</a:t>
+            </a:r>
+            <a:r>
+              <a:rPr kumimoji="0" lang="en-US" altLang="en-US" sz="4000" b="0" i="0" u="none" strike="noStrike" cap="none" normalizeH="0" baseline="0" dirty="0">
+                <a:ln>
+                  <a:noFill/>
+                </a:ln>
+                <a:solidFill>
+                  <a:schemeClr val="tx1"/>
+                </a:solidFill>
+                <a:effectLst/>
+                <a:latin typeface="Arial" panose="020B0604020202020204" pitchFamily="34" charset="0"/>
+              </a:rPr>
+              <a:t>, nama </a:t>
+            </a:r>
+            <a:r>
+              <a:rPr kumimoji="0" lang="en-US" altLang="en-US" sz="4000" b="0" i="0" u="none" strike="noStrike" cap="none" normalizeH="0" baseline="0" dirty="0" err="1">
+                <a:ln>
+                  <a:noFill/>
+                </a:ln>
+                <a:solidFill>
+                  <a:schemeClr val="tx1"/>
+                </a:solidFill>
+                <a:effectLst/>
+                <a:latin typeface="Arial" panose="020B0604020202020204" pitchFamily="34" charset="0"/>
+              </a:rPr>
+              <a:t>makanan</a:t>
+            </a:r>
+            <a:r>
+              <a:rPr kumimoji="0" lang="en-US" altLang="en-US" sz="4000" b="0" i="0" u="none" strike="noStrike" cap="none" normalizeH="0" baseline="0" dirty="0">
+                <a:ln>
+                  <a:noFill/>
+                </a:ln>
+                <a:solidFill>
+                  <a:schemeClr val="tx1"/>
+                </a:solidFill>
+                <a:effectLst/>
+                <a:latin typeface="Arial" panose="020B0604020202020204" pitchFamily="34" charset="0"/>
+              </a:rPr>
+              <a:t>/</a:t>
+            </a:r>
+            <a:r>
+              <a:rPr kumimoji="0" lang="en-US" altLang="en-US" sz="4000" b="0" i="0" u="none" strike="noStrike" cap="none" normalizeH="0" baseline="0" dirty="0" err="1">
+                <a:ln>
+                  <a:noFill/>
+                </a:ln>
+                <a:solidFill>
+                  <a:schemeClr val="tx1"/>
+                </a:solidFill>
+                <a:effectLst/>
+                <a:latin typeface="Arial" panose="020B0604020202020204" pitchFamily="34" charset="0"/>
+              </a:rPr>
+              <a:t>minuman</a:t>
+            </a:r>
+            <a:r>
+              <a:rPr kumimoji="0" lang="en-US" altLang="en-US" sz="4000" b="0" i="0" u="none" strike="noStrike" cap="none" normalizeH="0" baseline="0" dirty="0">
+                <a:ln>
+                  <a:noFill/>
+                </a:ln>
+                <a:solidFill>
+                  <a:schemeClr val="tx1"/>
+                </a:solidFill>
+                <a:effectLst/>
+                <a:latin typeface="Arial" panose="020B0604020202020204" pitchFamily="34" charset="0"/>
+              </a:rPr>
+              <a:t>, dan </a:t>
+            </a:r>
+            <a:r>
+              <a:rPr kumimoji="0" lang="en-US" altLang="en-US" sz="4000" b="0" i="0" u="none" strike="noStrike" cap="none" normalizeH="0" baseline="0" dirty="0" err="1">
+                <a:ln>
+                  <a:noFill/>
+                </a:ln>
+                <a:solidFill>
+                  <a:schemeClr val="tx1"/>
+                </a:solidFill>
+                <a:effectLst/>
+                <a:latin typeface="Arial" panose="020B0604020202020204" pitchFamily="34" charset="0"/>
+              </a:rPr>
+              <a:t>tautan</a:t>
+            </a:r>
+            <a:r>
+              <a:rPr kumimoji="0" lang="en-US" altLang="en-US" sz="4000" b="0" i="0" u="none" strike="noStrike" cap="none" normalizeH="0" baseline="0" dirty="0">
+                <a:ln>
+                  <a:noFill/>
+                </a:ln>
+                <a:solidFill>
+                  <a:schemeClr val="tx1"/>
+                </a:solidFill>
+                <a:effectLst/>
+                <a:latin typeface="Arial" panose="020B0604020202020204" pitchFamily="34" charset="0"/>
+              </a:rPr>
+              <a:t> </a:t>
+            </a:r>
+            <a:r>
+              <a:rPr kumimoji="0" lang="en-US" altLang="en-US" sz="4000" b="0" i="0" u="none" strike="noStrike" cap="none" normalizeH="0" baseline="0" dirty="0" err="1">
+                <a:ln>
+                  <a:noFill/>
+                </a:ln>
+                <a:solidFill>
+                  <a:schemeClr val="tx1"/>
+                </a:solidFill>
+                <a:effectLst/>
+                <a:latin typeface="Arial" panose="020B0604020202020204" pitchFamily="34" charset="0"/>
+              </a:rPr>
+              <a:t>gambar</a:t>
+            </a:r>
+            <a:r>
+              <a:rPr kumimoji="0" lang="en-US" altLang="en-US" sz="4000" b="0" i="0" u="none" strike="noStrike" cap="none" normalizeH="0" baseline="0" dirty="0">
+                <a:ln>
+                  <a:noFill/>
+                </a:ln>
+                <a:solidFill>
+                  <a:schemeClr val="tx1"/>
+                </a:solidFill>
+                <a:effectLst/>
+                <a:latin typeface="Arial" panose="020B0604020202020204" pitchFamily="34" charset="0"/>
+              </a:rPr>
+              <a:t>. Dataset </a:t>
+            </a:r>
+            <a:r>
+              <a:rPr kumimoji="0" lang="en-US" altLang="en-US" sz="4000" b="0" i="0" u="none" strike="noStrike" cap="none" normalizeH="0" baseline="0" dirty="0" err="1">
+                <a:ln>
+                  <a:noFill/>
+                </a:ln>
+                <a:solidFill>
+                  <a:schemeClr val="tx1"/>
+                </a:solidFill>
+                <a:effectLst/>
+                <a:latin typeface="Arial" panose="020B0604020202020204" pitchFamily="34" charset="0"/>
+              </a:rPr>
+              <a:t>ini</a:t>
+            </a:r>
+            <a:r>
+              <a:rPr kumimoji="0" lang="en-US" altLang="en-US" sz="4000" b="0" i="0" u="none" strike="noStrike" cap="none" normalizeH="0" baseline="0" dirty="0">
+                <a:ln>
+                  <a:noFill/>
+                </a:ln>
+                <a:solidFill>
+                  <a:schemeClr val="tx1"/>
+                </a:solidFill>
+                <a:effectLst/>
+                <a:latin typeface="Arial" panose="020B0604020202020204" pitchFamily="34" charset="0"/>
+              </a:rPr>
+              <a:t> </a:t>
+            </a:r>
+            <a:r>
+              <a:rPr kumimoji="0" lang="en-US" altLang="en-US" sz="4000" b="0" i="0" u="none" strike="noStrike" cap="none" normalizeH="0" baseline="0" dirty="0" err="1">
+                <a:ln>
+                  <a:noFill/>
+                </a:ln>
+                <a:solidFill>
+                  <a:schemeClr val="tx1"/>
+                </a:solidFill>
+                <a:effectLst/>
+                <a:latin typeface="Arial" panose="020B0604020202020204" pitchFamily="34" charset="0"/>
+              </a:rPr>
+              <a:t>dapat</a:t>
+            </a:r>
+            <a:r>
+              <a:rPr kumimoji="0" lang="en-US" altLang="en-US" sz="4000" b="0" i="0" u="none" strike="noStrike" cap="none" normalizeH="0" baseline="0" dirty="0">
+                <a:ln>
+                  <a:noFill/>
+                </a:ln>
+                <a:solidFill>
+                  <a:schemeClr val="tx1"/>
+                </a:solidFill>
+                <a:effectLst/>
+                <a:latin typeface="Arial" panose="020B0604020202020204" pitchFamily="34" charset="0"/>
+              </a:rPr>
+              <a:t> </a:t>
+            </a:r>
+            <a:r>
+              <a:rPr kumimoji="0" lang="en-US" altLang="en-US" sz="4000" b="0" i="0" u="none" strike="noStrike" cap="none" normalizeH="0" baseline="0" dirty="0" err="1">
+                <a:ln>
+                  <a:noFill/>
+                </a:ln>
+                <a:solidFill>
+                  <a:schemeClr val="tx1"/>
+                </a:solidFill>
+                <a:effectLst/>
+                <a:latin typeface="Arial" panose="020B0604020202020204" pitchFamily="34" charset="0"/>
+              </a:rPr>
+              <a:t>memberikan</a:t>
+            </a:r>
+            <a:r>
+              <a:rPr kumimoji="0" lang="en-US" altLang="en-US" sz="4000" b="0" i="0" u="none" strike="noStrike" cap="none" normalizeH="0" baseline="0" dirty="0">
+                <a:ln>
+                  <a:noFill/>
+                </a:ln>
+                <a:solidFill>
+                  <a:schemeClr val="tx1"/>
+                </a:solidFill>
+                <a:effectLst/>
+                <a:latin typeface="Arial" panose="020B0604020202020204" pitchFamily="34" charset="0"/>
+              </a:rPr>
+              <a:t> </a:t>
+            </a:r>
+            <a:r>
+              <a:rPr kumimoji="0" lang="en-US" altLang="en-US" sz="4000" b="0" i="0" u="none" strike="noStrike" cap="none" normalizeH="0" baseline="0" dirty="0" err="1">
+                <a:ln>
+                  <a:noFill/>
+                </a:ln>
+                <a:solidFill>
+                  <a:schemeClr val="tx1"/>
+                </a:solidFill>
+                <a:effectLst/>
+                <a:latin typeface="Arial" panose="020B0604020202020204" pitchFamily="34" charset="0"/>
+              </a:rPr>
+              <a:t>wawasan</a:t>
+            </a:r>
+            <a:r>
+              <a:rPr kumimoji="0" lang="en-US" altLang="en-US" sz="4000" b="0" i="0" u="none" strike="noStrike" cap="none" normalizeH="0" baseline="0" dirty="0">
+                <a:ln>
+                  <a:noFill/>
+                </a:ln>
+                <a:solidFill>
+                  <a:schemeClr val="tx1"/>
+                </a:solidFill>
+                <a:effectLst/>
+                <a:latin typeface="Arial" panose="020B0604020202020204" pitchFamily="34" charset="0"/>
+              </a:rPr>
+              <a:t> </a:t>
+            </a:r>
+            <a:r>
+              <a:rPr kumimoji="0" lang="en-US" altLang="en-US" sz="4000" b="0" i="0" u="none" strike="noStrike" cap="none" normalizeH="0" baseline="0" dirty="0" err="1">
+                <a:ln>
+                  <a:noFill/>
+                </a:ln>
+                <a:solidFill>
+                  <a:schemeClr val="tx1"/>
+                </a:solidFill>
+                <a:effectLst/>
+                <a:latin typeface="Arial" panose="020B0604020202020204" pitchFamily="34" charset="0"/>
+              </a:rPr>
+              <a:t>mengenai</a:t>
+            </a:r>
+            <a:r>
+              <a:rPr kumimoji="0" lang="en-US" altLang="en-US" sz="4000" b="0" i="0" u="none" strike="noStrike" cap="none" normalizeH="0" baseline="0" dirty="0">
+                <a:ln>
+                  <a:noFill/>
+                </a:ln>
+                <a:solidFill>
+                  <a:schemeClr val="tx1"/>
+                </a:solidFill>
+                <a:effectLst/>
+                <a:latin typeface="Arial" panose="020B0604020202020204" pitchFamily="34" charset="0"/>
+              </a:rPr>
+              <a:t> </a:t>
+            </a:r>
+            <a:r>
+              <a:rPr kumimoji="0" lang="en-US" altLang="en-US" sz="4000" b="0" i="0" u="none" strike="noStrike" cap="none" normalizeH="0" baseline="0" dirty="0" err="1">
+                <a:ln>
+                  <a:noFill/>
+                </a:ln>
+                <a:solidFill>
+                  <a:schemeClr val="tx1"/>
+                </a:solidFill>
+                <a:effectLst/>
+                <a:latin typeface="Arial" panose="020B0604020202020204" pitchFamily="34" charset="0"/>
+              </a:rPr>
+              <a:t>kandungan</a:t>
+            </a:r>
+            <a:r>
+              <a:rPr kumimoji="0" lang="en-US" altLang="en-US" sz="4000" b="0" i="0" u="none" strike="noStrike" cap="none" normalizeH="0" baseline="0" dirty="0">
+                <a:ln>
+                  <a:noFill/>
+                </a:ln>
+                <a:solidFill>
+                  <a:schemeClr val="tx1"/>
+                </a:solidFill>
+                <a:effectLst/>
+                <a:latin typeface="Arial" panose="020B0604020202020204" pitchFamily="34" charset="0"/>
+              </a:rPr>
+              <a:t> </a:t>
+            </a:r>
+            <a:r>
+              <a:rPr kumimoji="0" lang="en-US" altLang="en-US" sz="4000" b="0" i="0" u="none" strike="noStrike" cap="none" normalizeH="0" baseline="0" dirty="0" err="1">
+                <a:ln>
+                  <a:noFill/>
+                </a:ln>
+                <a:solidFill>
+                  <a:schemeClr val="tx1"/>
+                </a:solidFill>
+                <a:effectLst/>
+                <a:latin typeface="Arial" panose="020B0604020202020204" pitchFamily="34" charset="0"/>
+              </a:rPr>
+              <a:t>gizi</a:t>
+            </a:r>
+            <a:r>
+              <a:rPr kumimoji="0" lang="en-US" altLang="en-US" sz="4000" b="0" i="0" u="none" strike="noStrike" cap="none" normalizeH="0" baseline="0" dirty="0">
+                <a:ln>
+                  <a:noFill/>
+                </a:ln>
+                <a:solidFill>
+                  <a:schemeClr val="tx1"/>
+                </a:solidFill>
+                <a:effectLst/>
+                <a:latin typeface="Arial" panose="020B0604020202020204" pitchFamily="34" charset="0"/>
+              </a:rPr>
+              <a:t> yang </a:t>
+            </a:r>
+            <a:r>
+              <a:rPr kumimoji="0" lang="en-US" altLang="en-US" sz="4000" b="0" i="0" u="none" strike="noStrike" cap="none" normalizeH="0" baseline="0" dirty="0" err="1">
+                <a:ln>
+                  <a:noFill/>
+                </a:ln>
+                <a:solidFill>
+                  <a:schemeClr val="tx1"/>
+                </a:solidFill>
+                <a:effectLst/>
+                <a:latin typeface="Arial" panose="020B0604020202020204" pitchFamily="34" charset="0"/>
+              </a:rPr>
+              <a:t>dikonsumsi</a:t>
+            </a:r>
+            <a:r>
+              <a:rPr kumimoji="0" lang="en-US" altLang="en-US" sz="4000" b="0" i="0" u="none" strike="noStrike" cap="none" normalizeH="0" baseline="0" dirty="0">
+                <a:ln>
+                  <a:noFill/>
+                </a:ln>
+                <a:solidFill>
+                  <a:schemeClr val="tx1"/>
+                </a:solidFill>
+                <a:effectLst/>
+                <a:latin typeface="Arial" panose="020B0604020202020204" pitchFamily="34" charset="0"/>
+              </a:rPr>
+              <a:t> </a:t>
+            </a:r>
+            <a:r>
+              <a:rPr kumimoji="0" lang="en-US" altLang="en-US" sz="4000" b="0" i="0" u="none" strike="noStrike" cap="none" normalizeH="0" baseline="0" dirty="0" err="1">
+                <a:ln>
+                  <a:noFill/>
+                </a:ln>
+                <a:solidFill>
+                  <a:schemeClr val="tx1"/>
+                </a:solidFill>
+                <a:effectLst/>
+                <a:latin typeface="Arial" panose="020B0604020202020204" pitchFamily="34" charset="0"/>
+              </a:rPr>
+              <a:t>dari</a:t>
+            </a:r>
+            <a:r>
+              <a:rPr kumimoji="0" lang="en-US" altLang="en-US" sz="4000" b="0" i="0" u="none" strike="noStrike" cap="none" normalizeH="0" baseline="0" dirty="0">
+                <a:ln>
+                  <a:noFill/>
+                </a:ln>
+                <a:solidFill>
+                  <a:schemeClr val="tx1"/>
+                </a:solidFill>
+                <a:effectLst/>
+                <a:latin typeface="Arial" panose="020B0604020202020204" pitchFamily="34" charset="0"/>
+              </a:rPr>
+              <a:t> </a:t>
+            </a:r>
+            <a:r>
+              <a:rPr kumimoji="0" lang="en-US" altLang="en-US" sz="4000" b="0" i="0" u="none" strike="noStrike" cap="none" normalizeH="0" baseline="0" dirty="0" err="1">
+                <a:ln>
+                  <a:noFill/>
+                </a:ln>
+                <a:solidFill>
+                  <a:schemeClr val="tx1"/>
+                </a:solidFill>
+                <a:effectLst/>
+                <a:latin typeface="Arial" panose="020B0604020202020204" pitchFamily="34" charset="0"/>
+              </a:rPr>
+              <a:t>makanan</a:t>
+            </a:r>
+            <a:r>
+              <a:rPr kumimoji="0" lang="en-US" altLang="en-US" sz="4000" b="0" i="0" u="none" strike="noStrike" cap="none" normalizeH="0" baseline="0" dirty="0">
+                <a:ln>
+                  <a:noFill/>
+                </a:ln>
+                <a:solidFill>
+                  <a:schemeClr val="tx1"/>
+                </a:solidFill>
+                <a:effectLst/>
+                <a:latin typeface="Arial" panose="020B0604020202020204" pitchFamily="34" charset="0"/>
+              </a:rPr>
+              <a:t> dan </a:t>
+            </a:r>
+            <a:r>
+              <a:rPr kumimoji="0" lang="en-US" altLang="en-US" sz="4000" b="0" i="0" u="none" strike="noStrike" cap="none" normalizeH="0" baseline="0" dirty="0" err="1">
+                <a:ln>
+                  <a:noFill/>
+                </a:ln>
+                <a:solidFill>
+                  <a:schemeClr val="tx1"/>
+                </a:solidFill>
+                <a:effectLst/>
+                <a:latin typeface="Arial" panose="020B0604020202020204" pitchFamily="34" charset="0"/>
+              </a:rPr>
+              <a:t>minuman</a:t>
+            </a:r>
+            <a:r>
+              <a:rPr kumimoji="0" lang="en-US" altLang="en-US" sz="4000" b="0" i="0" u="none" strike="noStrike" cap="none" normalizeH="0" baseline="0">
+                <a:ln>
+                  <a:noFill/>
+                </a:ln>
+                <a:solidFill>
+                  <a:schemeClr val="tx1"/>
+                </a:solidFill>
+                <a:effectLst/>
+                <a:latin typeface="Arial" panose="020B0604020202020204" pitchFamily="34" charset="0"/>
+              </a:rPr>
+              <a:t> Indonesia.</a:t>
+            </a:r>
+            <a:endParaRPr kumimoji="0" lang="en-US" altLang="en-US" sz="4000" b="0" i="0" u="none" strike="noStrike" cap="none" normalizeH="0" baseline="0" dirty="0">
+              <a:ln>
+                <a:noFill/>
+              </a:ln>
+              <a:solidFill>
+                <a:schemeClr val="tx1"/>
+              </a:solidFill>
+              <a:effectLst/>
+              <a:latin typeface="Arial" panose="020B0604020202020204" pitchFamily="34" charset="0"/>
+            </a:endParaRPr>
+          </a:p>
+        </p:txBody>
+      </p:sp>
+      <p:sp>
+        <p:nvSpPr>
+          <p:cNvPr id="8" name="Google Shape;334;p46">
+            <a:extLst>
+              <a:ext uri="{FF2B5EF4-FFF2-40B4-BE49-F238E27FC236}">
+                <a16:creationId xmlns:a16="http://schemas.microsoft.com/office/drawing/2014/main" id="{65DCB1BB-039B-C486-4610-E91C9F45E41A}"/>
+              </a:ext>
+            </a:extLst>
+          </p:cNvPr>
+          <p:cNvSpPr txBox="1"/>
+          <p:nvPr/>
+        </p:nvSpPr>
+        <p:spPr>
+          <a:xfrm>
+            <a:off x="1334400" y="1626294"/>
+            <a:ext cx="1669292" cy="273152"/>
+          </a:xfrm>
+          <a:prstGeom prst="rect">
+            <a:avLst/>
+          </a:prstGeom>
+          <a:noFill/>
+          <a:ln>
+            <a:solidFill>
+              <a:schemeClr val="tx1"/>
+            </a:solidFill>
+          </a:ln>
+        </p:spPr>
+        <p:txBody>
+          <a:bodyPr wrap="square">
+            <a:spAutoFit/>
+          </a:bodyPr>
+          <a:lstStyle>
+            <a:defPPr marR="0" lvl="0" algn="l" rtl="0">
+              <a:lnSpc>
+                <a:spcPct val="100000"/>
+              </a:lnSpc>
+              <a:spcBef>
+                <a:spcPts val="0"/>
+              </a:spcBef>
+              <a:spcAft>
+                <a:spcPts val="0"/>
+              </a:spcAft>
+            </a:defPPr>
+            <a:lvl1pPr>
+              <a:lnSpc>
+                <a:spcPts val="1425"/>
+              </a:lnSpc>
+              <a:defRPr>
+                <a:solidFill>
+                  <a:schemeClr val="tx1"/>
+                </a:solidFill>
+                <a:effectLst/>
+                <a:latin typeface="Consolas" panose="020B0609020204030204" pitchFamily="49" charset="0"/>
+              </a:defRPr>
+            </a:lvl1pPr>
+          </a:lstStyle>
+          <a:p>
+            <a:pPr algn="ctr"/>
+            <a:r>
+              <a:rPr lang="en-US" dirty="0">
+                <a:sym typeface="Outfit"/>
+              </a:rPr>
+              <a:t>"nutrition.csv"</a:t>
+            </a:r>
+          </a:p>
+        </p:txBody>
+      </p:sp>
+      <p:sp>
+        <p:nvSpPr>
+          <p:cNvPr id="9" name="Google Shape;334;p46">
+            <a:extLst>
+              <a:ext uri="{FF2B5EF4-FFF2-40B4-BE49-F238E27FC236}">
+                <a16:creationId xmlns:a16="http://schemas.microsoft.com/office/drawing/2014/main" id="{B0767924-E623-0986-CA86-17B49379A372}"/>
+              </a:ext>
+            </a:extLst>
+          </p:cNvPr>
+          <p:cNvSpPr txBox="1"/>
+          <p:nvPr/>
+        </p:nvSpPr>
+        <p:spPr>
+          <a:xfrm>
+            <a:off x="7386923" y="1591695"/>
+            <a:ext cx="1669292" cy="273152"/>
+          </a:xfrm>
+          <a:prstGeom prst="rect">
+            <a:avLst/>
+          </a:prstGeom>
+          <a:noFill/>
+          <a:ln>
+            <a:solidFill>
+              <a:schemeClr val="tx1"/>
+            </a:solidFill>
+          </a:ln>
+        </p:spPr>
+        <p:txBody>
+          <a:bodyPr wrap="square">
+            <a:spAutoFit/>
+          </a:bodyPr>
+          <a:lstStyle>
+            <a:defPPr marR="0" lvl="0" algn="l" rtl="0">
+              <a:lnSpc>
+                <a:spcPct val="100000"/>
+              </a:lnSpc>
+              <a:spcBef>
+                <a:spcPts val="0"/>
+              </a:spcBef>
+              <a:spcAft>
+                <a:spcPts val="0"/>
+              </a:spcAft>
+            </a:defPPr>
+            <a:lvl1pPr>
+              <a:lnSpc>
+                <a:spcPts val="1425"/>
+              </a:lnSpc>
+              <a:defRPr>
+                <a:solidFill>
+                  <a:schemeClr val="tx1"/>
+                </a:solidFill>
+                <a:effectLst/>
+                <a:latin typeface="Consolas" panose="020B0609020204030204" pitchFamily="49" charset="0"/>
+              </a:defRPr>
+            </a:lvl1pPr>
+          </a:lstStyle>
+          <a:p>
+            <a:pPr algn="ctr"/>
+            <a:r>
+              <a:rPr lang="en-US" dirty="0">
+                <a:sym typeface="Outfit"/>
+              </a:rPr>
+              <a:t>"nutrition.csv"</a:t>
+            </a:r>
+          </a:p>
+        </p:txBody>
+      </p:sp>
+      <p:sp>
+        <p:nvSpPr>
+          <p:cNvPr id="10" name="Rectangle 1">
+            <a:extLst>
+              <a:ext uri="{FF2B5EF4-FFF2-40B4-BE49-F238E27FC236}">
+                <a16:creationId xmlns:a16="http://schemas.microsoft.com/office/drawing/2014/main" id="{19189A29-5505-C27F-82E9-C8A53D18E22E}"/>
+              </a:ext>
+            </a:extLst>
+          </p:cNvPr>
+          <p:cNvSpPr>
+            <a:spLocks noChangeArrowheads="1"/>
+          </p:cNvSpPr>
+          <p:nvPr/>
+        </p:nvSpPr>
+        <p:spPr bwMode="auto">
+          <a:xfrm>
+            <a:off x="0" y="-184666"/>
+            <a:ext cx="184731" cy="369332"/>
+          </a:xfrm>
+          <a:prstGeom prst="rect">
+            <a:avLst/>
+          </a:prstGeom>
+          <a:noFill/>
+          <a:ln>
+            <a:noFill/>
+          </a:ln>
+          <a:effectLst/>
+          <a:extLst>
+            <a:ext uri="{909E8E84-426E-40DD-AFC4-6F175D3DCCD1}">
+              <a14:hiddenFill xmlns:a14="http://schemas.microsoft.com/office/drawing/2010/main">
+                <a:solidFill>
+                  <a:schemeClr val="accent1"/>
+                </a:solidFill>
+              </a14:hiddenFill>
+            </a:ext>
+            <a:ext uri="{91240B29-F687-4F45-9708-019B960494DF}">
+              <a14:hiddenLine xmlns:a14="http://schemas.microsoft.com/office/drawing/2010/main" w="9525">
+                <a:solidFill>
+                  <a:schemeClr val="tx1"/>
+                </a:solidFill>
+                <a:miter lim="800000"/>
+                <a:headEnd/>
+                <a:tailEnd/>
+              </a14:hiddenLine>
+            </a:ext>
+            <a:ext uri="{AF507438-7753-43E0-B8FC-AC1667EBCBE1}">
+              <a14:hiddenEffects xmlns:a14="http://schemas.microsoft.com/office/drawing/2010/main">
+                <a:effectLst>
+                  <a:outerShdw dist="35921" dir="2700000" algn="ctr" rotWithShape="0">
+                    <a:schemeClr val="bg2"/>
+                  </a:outerShdw>
+                </a:effectLst>
+              </a14:hiddenEffects>
+            </a:ext>
+          </a:extLst>
+        </p:spPr>
+        <p:txBody>
+          <a:bodyPr vert="horz" wrap="none" lIns="91440" tIns="45720" rIns="91440" bIns="45720" numCol="1" anchor="ctr" anchorCtr="0" compatLnSpc="1">
+            <a:prstTxWarp prst="textNoShape">
+              <a:avLst/>
+            </a:prstTxWarp>
+            <a:spAutoFit/>
+          </a:bodyPr>
+          <a:lstStyle/>
+          <a:p>
+            <a:pPr marL="0" marR="0" lvl="0" indent="0" algn="l" defTabSz="914400" rtl="0" eaLnBrk="0" fontAlgn="base" latinLnBrk="0" hangingPunct="0">
+              <a:lnSpc>
+                <a:spcPct val="100000"/>
+              </a:lnSpc>
+              <a:spcBef>
+                <a:spcPct val="0"/>
+              </a:spcBef>
+              <a:spcAft>
+                <a:spcPct val="0"/>
+              </a:spcAft>
+              <a:buClrTx/>
+              <a:buSzTx/>
+              <a:buFontTx/>
+              <a:buNone/>
+              <a:tabLst/>
+            </a:pPr>
+            <a:endParaRPr kumimoji="0" lang="en-US" altLang="en-US" sz="1800" b="0" i="0" u="none" strike="noStrike" cap="none" normalizeH="0" baseline="0" dirty="0">
+              <a:ln>
+                <a:noFill/>
+              </a:ln>
+              <a:solidFill>
+                <a:schemeClr val="tx1"/>
+              </a:solidFill>
+              <a:effectLst/>
+              <a:latin typeface="Arial" panose="020B0604020202020204" pitchFamily="34" charset="0"/>
+            </a:endParaRPr>
+          </a:p>
+        </p:txBody>
+      </p:sp>
     </p:spTree>
     <p:extLst>
       <p:ext uri="{BB962C8B-B14F-4D97-AF65-F5344CB8AC3E}">
